--- a/documents/ETL Paper presentation.pptx
+++ b/documents/ETL Paper presentation.pptx
@@ -178,7 +178,7 @@
 <file path=ppt/revisionInfo.xml><?xml version="1.0" encoding="utf-8"?>
 <p1510:revInfo xmlns:a="http://schemas.openxmlformats.org/drawingml/2006/main" xmlns:r="http://schemas.openxmlformats.org/officeDocument/2006/relationships" xmlns:p1510="http://schemas.microsoft.com/office/powerpoint/2015/10/main">
   <p1510:revLst>
-    <p1510:client id="{ABF6C2D3-A65E-4E99-AC47-C1A872BE78BD}" v="180" dt="2025-02-21T07:58:24.968"/>
+    <p1510:client id="{9178515F-C304-491B-BD01-4B4D44206E6D}" v="4" dt="2025-10-19T20:16:50.749"/>
   </p1510:revLst>
 </p1510:revInfo>
 </file>
@@ -198,14 +198,6 @@
           <pc:docMk/>
           <pc:sldMk cId="1134379130" sldId="400"/>
         </pc:sldMkLst>
-        <pc:spChg chg="mod">
-          <ac:chgData name="Caipo Manuel (DC/SSD3)" userId="fa17321e-a854-4027-820f-6ed7336ad10a" providerId="ADAL" clId="{ABF6C2D3-A65E-4E99-AC47-C1A872BE78BD}" dt="2025-02-20T18:51:57.725" v="83" actId="255"/>
-          <ac:spMkLst>
-            <pc:docMk/>
-            <pc:sldMk cId="1134379130" sldId="400"/>
-            <ac:spMk id="2" creationId="{CF19378F-464F-DD22-C204-410D465F2717}"/>
-          </ac:spMkLst>
-        </pc:spChg>
       </pc:sldChg>
       <pc:sldChg chg="ord">
         <pc:chgData name="Caipo Manuel (DC/SSD3)" userId="fa17321e-a854-4027-820f-6ed7336ad10a" providerId="ADAL" clId="{ABF6C2D3-A65E-4E99-AC47-C1A872BE78BD}" dt="2025-02-20T18:55:48.303" v="118"/>
@@ -227,94 +219,6 @@
           <pc:docMk/>
           <pc:sldMk cId="3460364792" sldId="408"/>
         </pc:sldMkLst>
-        <pc:spChg chg="add mod">
-          <ac:chgData name="Caipo Manuel (DC/SSD3)" userId="fa17321e-a854-4027-820f-6ed7336ad10a" providerId="ADAL" clId="{ABF6C2D3-A65E-4E99-AC47-C1A872BE78BD}" dt="2025-02-20T18:56:14.489" v="132" actId="1076"/>
-          <ac:spMkLst>
-            <pc:docMk/>
-            <pc:sldMk cId="3460364792" sldId="408"/>
-            <ac:spMk id="4" creationId="{229E1EB4-4F30-7960-96AB-462CB3A17EE6}"/>
-          </ac:spMkLst>
-        </pc:spChg>
-        <pc:spChg chg="add del mod">
-          <ac:chgData name="Caipo Manuel (DC/SSD3)" userId="fa17321e-a854-4027-820f-6ed7336ad10a" providerId="ADAL" clId="{ABF6C2D3-A65E-4E99-AC47-C1A872BE78BD}" dt="2025-02-20T18:54:06.534" v="100" actId="478"/>
-          <ac:spMkLst>
-            <pc:docMk/>
-            <pc:sldMk cId="3460364792" sldId="408"/>
-            <ac:spMk id="5" creationId="{2AC9B0B9-806F-6B8D-CA9A-01CCCA1BEDEC}"/>
-          </ac:spMkLst>
-        </pc:spChg>
-        <pc:spChg chg="add del">
-          <ac:chgData name="Caipo Manuel (DC/SSD3)" userId="fa17321e-a854-4027-820f-6ed7336ad10a" providerId="ADAL" clId="{ABF6C2D3-A65E-4E99-AC47-C1A872BE78BD}" dt="2025-02-20T18:53:52.940" v="95" actId="22"/>
-          <ac:spMkLst>
-            <pc:docMk/>
-            <pc:sldMk cId="3460364792" sldId="408"/>
-            <ac:spMk id="7" creationId="{1C60434B-D7C6-E3FC-2B6D-8593FFBF7A77}"/>
-          </ac:spMkLst>
-        </pc:spChg>
-        <pc:spChg chg="add del">
-          <ac:chgData name="Caipo Manuel (DC/SSD3)" userId="fa17321e-a854-4027-820f-6ed7336ad10a" providerId="ADAL" clId="{ABF6C2D3-A65E-4E99-AC47-C1A872BE78BD}" dt="2025-02-20T18:54:06.534" v="100" actId="478"/>
-          <ac:spMkLst>
-            <pc:docMk/>
-            <pc:sldMk cId="3460364792" sldId="408"/>
-            <ac:spMk id="8" creationId="{83F59FCE-635F-7B74-32A7-C7CDB8379038}"/>
-          </ac:spMkLst>
-        </pc:spChg>
-        <pc:spChg chg="add mod">
-          <ac:chgData name="Caipo Manuel (DC/SSD3)" userId="fa17321e-a854-4027-820f-6ed7336ad10a" providerId="ADAL" clId="{ABF6C2D3-A65E-4E99-AC47-C1A872BE78BD}" dt="2025-02-20T18:55:26.645" v="116" actId="255"/>
-          <ac:spMkLst>
-            <pc:docMk/>
-            <pc:sldMk cId="3460364792" sldId="408"/>
-            <ac:spMk id="9" creationId="{27011A9E-1569-9A1F-EACD-0453395B41C3}"/>
-          </ac:spMkLst>
-        </pc:spChg>
-        <pc:spChg chg="del mod">
-          <ac:chgData name="Caipo Manuel (DC/SSD3)" userId="fa17321e-a854-4027-820f-6ed7336ad10a" providerId="ADAL" clId="{ABF6C2D3-A65E-4E99-AC47-C1A872BE78BD}" dt="2025-02-20T18:56:10.948" v="131" actId="478"/>
-          <ac:spMkLst>
-            <pc:docMk/>
-            <pc:sldMk cId="3460364792" sldId="408"/>
-            <ac:spMk id="11" creationId="{FC691D89-6AD3-B90E-8057-9B5A88AD7340}"/>
-          </ac:spMkLst>
-        </pc:spChg>
-        <pc:spChg chg="mod">
-          <ac:chgData name="Caipo Manuel (DC/SSD3)" userId="fa17321e-a854-4027-820f-6ed7336ad10a" providerId="ADAL" clId="{ABF6C2D3-A65E-4E99-AC47-C1A872BE78BD}" dt="2025-02-20T18:56:45.559" v="163" actId="14100"/>
-          <ac:spMkLst>
-            <pc:docMk/>
-            <pc:sldMk cId="3460364792" sldId="408"/>
-            <ac:spMk id="94" creationId="{3F90BA42-5222-D688-A7B3-72D261A86234}"/>
-          </ac:spMkLst>
-        </pc:spChg>
-        <pc:picChg chg="add mod">
-          <ac:chgData name="Caipo Manuel (DC/SSD3)" userId="fa17321e-a854-4027-820f-6ed7336ad10a" providerId="ADAL" clId="{ABF6C2D3-A65E-4E99-AC47-C1A872BE78BD}" dt="2025-02-20T18:56:14.489" v="132" actId="1076"/>
-          <ac:picMkLst>
-            <pc:docMk/>
-            <pc:sldMk cId="3460364792" sldId="408"/>
-            <ac:picMk id="2" creationId="{1A18E18E-88B8-D302-36AD-38707656D6B7}"/>
-          </ac:picMkLst>
-        </pc:picChg>
-        <pc:picChg chg="add mod">
-          <ac:chgData name="Caipo Manuel (DC/SSD3)" userId="fa17321e-a854-4027-820f-6ed7336ad10a" providerId="ADAL" clId="{ABF6C2D3-A65E-4E99-AC47-C1A872BE78BD}" dt="2025-02-20T18:56:14.489" v="132" actId="1076"/>
-          <ac:picMkLst>
-            <pc:docMk/>
-            <pc:sldMk cId="3460364792" sldId="408"/>
-            <ac:picMk id="3" creationId="{2D242619-7BF1-9E71-5D1F-650A3737ED9A}"/>
-          </ac:picMkLst>
-        </pc:picChg>
-        <pc:picChg chg="add mod">
-          <ac:chgData name="Caipo Manuel (DC/SSD3)" userId="fa17321e-a854-4027-820f-6ed7336ad10a" providerId="ADAL" clId="{ABF6C2D3-A65E-4E99-AC47-C1A872BE78BD}" dt="2025-02-20T18:56:57.062" v="165" actId="1076"/>
-          <ac:picMkLst>
-            <pc:docMk/>
-            <pc:sldMk cId="3460364792" sldId="408"/>
-            <ac:picMk id="14" creationId="{93481434-5944-0E89-E614-2C753AF0D39E}"/>
-          </ac:picMkLst>
-        </pc:picChg>
-        <pc:cxnChg chg="mod">
-          <ac:chgData name="Caipo Manuel (DC/SSD3)" userId="fa17321e-a854-4027-820f-6ed7336ad10a" providerId="ADAL" clId="{ABF6C2D3-A65E-4E99-AC47-C1A872BE78BD}" dt="2025-02-20T18:56:45.559" v="163" actId="14100"/>
-          <ac:cxnSpMkLst>
-            <pc:docMk/>
-            <pc:sldMk cId="3460364792" sldId="408"/>
-            <ac:cxnSpMk id="97" creationId="{9E7A7152-92E0-7328-F96B-2CD7E29F6AAE}"/>
-          </ac:cxnSpMkLst>
-        </pc:cxnChg>
       </pc:sldChg>
       <pc:sldChg chg="modSp del mod">
         <pc:chgData name="Caipo Manuel (DC/SSD3)" userId="fa17321e-a854-4027-820f-6ed7336ad10a" providerId="ADAL" clId="{ABF6C2D3-A65E-4E99-AC47-C1A872BE78BD}" dt="2025-02-20T18:52:18.520" v="85" actId="47"/>
@@ -322,14 +226,6 @@
           <pc:docMk/>
           <pc:sldMk cId="4053953256" sldId="409"/>
         </pc:sldMkLst>
-        <pc:spChg chg="mod">
-          <ac:chgData name="Caipo Manuel (DC/SSD3)" userId="fa17321e-a854-4027-820f-6ed7336ad10a" providerId="ADAL" clId="{ABF6C2D3-A65E-4E99-AC47-C1A872BE78BD}" dt="2025-02-20T18:52:16.206" v="84" actId="6549"/>
-          <ac:spMkLst>
-            <pc:docMk/>
-            <pc:sldMk cId="4053953256" sldId="409"/>
-            <ac:spMk id="2" creationId="{534644CA-71E9-953E-5099-A4F04D29FB7C}"/>
-          </ac:spMkLst>
-        </pc:spChg>
       </pc:sldChg>
       <pc:sldChg chg="del">
         <pc:chgData name="Caipo Manuel (DC/SSD3)" userId="fa17321e-a854-4027-820f-6ed7336ad10a" providerId="ADAL" clId="{ABF6C2D3-A65E-4E99-AC47-C1A872BE78BD}" dt="2025-02-20T18:00:44.100" v="0" actId="47"/>
@@ -344,702 +240,6 @@
           <pc:docMk/>
           <pc:sldMk cId="1113671606" sldId="412"/>
         </pc:sldMkLst>
-        <pc:spChg chg="del mod ord">
-          <ac:chgData name="Caipo Manuel (DC/SSD3)" userId="fa17321e-a854-4027-820f-6ed7336ad10a" providerId="ADAL" clId="{ABF6C2D3-A65E-4E99-AC47-C1A872BE78BD}" dt="2025-02-20T18:35:13.706" v="6" actId="700"/>
-          <ac:spMkLst>
-            <pc:docMk/>
-            <pc:sldMk cId="1113671606" sldId="412"/>
-            <ac:spMk id="2" creationId="{65109557-939C-5898-B137-125FF8C463CB}"/>
-          </ac:spMkLst>
-        </pc:spChg>
-        <pc:spChg chg="add mod">
-          <ac:chgData name="Caipo Manuel (DC/SSD3)" userId="fa17321e-a854-4027-820f-6ed7336ad10a" providerId="ADAL" clId="{ABF6C2D3-A65E-4E99-AC47-C1A872BE78BD}" dt="2025-02-21T07:58:15.892" v="1174" actId="1076"/>
-          <ac:spMkLst>
-            <pc:docMk/>
-            <pc:sldMk cId="1113671606" sldId="412"/>
-            <ac:spMk id="2" creationId="{9365A637-B853-8ABD-F5FB-FA9DC83A4667}"/>
-          </ac:spMkLst>
-        </pc:spChg>
-        <pc:spChg chg="mod ord">
-          <ac:chgData name="Caipo Manuel (DC/SSD3)" userId="fa17321e-a854-4027-820f-6ed7336ad10a" providerId="ADAL" clId="{ABF6C2D3-A65E-4E99-AC47-C1A872BE78BD}" dt="2025-02-20T18:35:13.706" v="6" actId="700"/>
-          <ac:spMkLst>
-            <pc:docMk/>
-            <pc:sldMk cId="1113671606" sldId="412"/>
-            <ac:spMk id="3" creationId="{5B5B206D-4807-3374-ACDD-9F511B7552AD}"/>
-          </ac:spMkLst>
-        </pc:spChg>
-        <pc:spChg chg="add del mod ord">
-          <ac:chgData name="Caipo Manuel (DC/SSD3)" userId="fa17321e-a854-4027-820f-6ed7336ad10a" providerId="ADAL" clId="{ABF6C2D3-A65E-4E99-AC47-C1A872BE78BD}" dt="2025-02-20T18:35:15.714" v="7" actId="478"/>
-          <ac:spMkLst>
-            <pc:docMk/>
-            <pc:sldMk cId="1113671606" sldId="412"/>
-            <ac:spMk id="4" creationId="{81473503-7010-CCD2-E279-26EF2C88CDF4}"/>
-          </ac:spMkLst>
-        </pc:spChg>
-        <pc:spChg chg="add del mod">
-          <ac:chgData name="Caipo Manuel (DC/SSD3)" userId="fa17321e-a854-4027-820f-6ed7336ad10a" providerId="ADAL" clId="{ABF6C2D3-A65E-4E99-AC47-C1A872BE78BD}" dt="2025-02-20T18:57:53.852" v="180" actId="478"/>
-          <ac:spMkLst>
-            <pc:docMk/>
-            <pc:sldMk cId="1113671606" sldId="412"/>
-            <ac:spMk id="5" creationId="{4A322D87-F85D-C3E0-E8C5-BBCEFC15D506}"/>
-          </ac:spMkLst>
-        </pc:spChg>
-        <pc:spChg chg="add mod">
-          <ac:chgData name="Caipo Manuel (DC/SSD3)" userId="fa17321e-a854-4027-820f-6ed7336ad10a" providerId="ADAL" clId="{ABF6C2D3-A65E-4E99-AC47-C1A872BE78BD}" dt="2025-02-20T19:01:56.556" v="224" actId="1076"/>
-          <ac:spMkLst>
-            <pc:docMk/>
-            <pc:sldMk cId="1113671606" sldId="412"/>
-            <ac:spMk id="6" creationId="{59AB2104-B4BB-44E9-BC18-114FA5DA12E5}"/>
-          </ac:spMkLst>
-        </pc:spChg>
-        <pc:spChg chg="add del">
-          <ac:chgData name="Caipo Manuel (DC/SSD3)" userId="fa17321e-a854-4027-820f-6ed7336ad10a" providerId="ADAL" clId="{ABF6C2D3-A65E-4E99-AC47-C1A872BE78BD}" dt="2025-02-20T18:58:33.226" v="190" actId="478"/>
-          <ac:spMkLst>
-            <pc:docMk/>
-            <pc:sldMk cId="1113671606" sldId="412"/>
-            <ac:spMk id="13" creationId="{2E57862D-94AF-0658-C1E5-33E003455DB3}"/>
-          </ac:spMkLst>
-        </pc:spChg>
-        <pc:spChg chg="add del mod">
-          <ac:chgData name="Caipo Manuel (DC/SSD3)" userId="fa17321e-a854-4027-820f-6ed7336ad10a" providerId="ADAL" clId="{ABF6C2D3-A65E-4E99-AC47-C1A872BE78BD}" dt="2025-02-20T18:59:59.323" v="202" actId="478"/>
-          <ac:spMkLst>
-            <pc:docMk/>
-            <pc:sldMk cId="1113671606" sldId="412"/>
-            <ac:spMk id="14" creationId="{7C2A415F-E828-CF16-8989-56F8238A068F}"/>
-          </ac:spMkLst>
-        </pc:spChg>
-        <pc:spChg chg="add del">
-          <ac:chgData name="Caipo Manuel (DC/SSD3)" userId="fa17321e-a854-4027-820f-6ed7336ad10a" providerId="ADAL" clId="{ABF6C2D3-A65E-4E99-AC47-C1A872BE78BD}" dt="2025-02-20T18:59:45.531" v="200" actId="478"/>
-          <ac:spMkLst>
-            <pc:docMk/>
-            <pc:sldMk cId="1113671606" sldId="412"/>
-            <ac:spMk id="17" creationId="{4F3D60BA-8C3A-380B-BBF3-DBA85C975FAE}"/>
-          </ac:spMkLst>
-        </pc:spChg>
-        <pc:spChg chg="add mod">
-          <ac:chgData name="Caipo Manuel (DC/SSD3)" userId="fa17321e-a854-4027-820f-6ed7336ad10a" providerId="ADAL" clId="{ABF6C2D3-A65E-4E99-AC47-C1A872BE78BD}" dt="2025-02-20T19:02:09.391" v="225" actId="164"/>
-          <ac:spMkLst>
-            <pc:docMk/>
-            <pc:sldMk cId="1113671606" sldId="412"/>
-            <ac:spMk id="18" creationId="{2EE395E6-5F63-06AD-7042-B9A9B6E8A30F}"/>
-          </ac:spMkLst>
-        </pc:spChg>
-        <pc:spChg chg="add mod">
-          <ac:chgData name="Caipo Manuel (DC/SSD3)" userId="fa17321e-a854-4027-820f-6ed7336ad10a" providerId="ADAL" clId="{ABF6C2D3-A65E-4E99-AC47-C1A872BE78BD}" dt="2025-02-20T19:02:09.391" v="225" actId="164"/>
-          <ac:spMkLst>
-            <pc:docMk/>
-            <pc:sldMk cId="1113671606" sldId="412"/>
-            <ac:spMk id="21" creationId="{B18209A1-03C9-AE0B-AC18-56DF6C569C7D}"/>
-          </ac:spMkLst>
-        </pc:spChg>
-        <pc:spChg chg="add mod">
-          <ac:chgData name="Caipo Manuel (DC/SSD3)" userId="fa17321e-a854-4027-820f-6ed7336ad10a" providerId="ADAL" clId="{ABF6C2D3-A65E-4E99-AC47-C1A872BE78BD}" dt="2025-02-20T19:33:07.956" v="749" actId="164"/>
-          <ac:spMkLst>
-            <pc:docMk/>
-            <pc:sldMk cId="1113671606" sldId="412"/>
-            <ac:spMk id="27" creationId="{4912BC55-9C57-76DC-BD2D-4DF511165EEF}"/>
-          </ac:spMkLst>
-        </pc:spChg>
-        <pc:spChg chg="add del mod">
-          <ac:chgData name="Caipo Manuel (DC/SSD3)" userId="fa17321e-a854-4027-820f-6ed7336ad10a" providerId="ADAL" clId="{ABF6C2D3-A65E-4E99-AC47-C1A872BE78BD}" dt="2025-02-20T19:04:43.321" v="267" actId="478"/>
-          <ac:spMkLst>
-            <pc:docMk/>
-            <pc:sldMk cId="1113671606" sldId="412"/>
-            <ac:spMk id="28" creationId="{DA9E4448-A400-24F4-912D-DF56EA282476}"/>
-          </ac:spMkLst>
-        </pc:spChg>
-        <pc:spChg chg="add mod">
-          <ac:chgData name="Caipo Manuel (DC/SSD3)" userId="fa17321e-a854-4027-820f-6ed7336ad10a" providerId="ADAL" clId="{ABF6C2D3-A65E-4E99-AC47-C1A872BE78BD}" dt="2025-02-20T19:05:15.598" v="280" actId="164"/>
-          <ac:spMkLst>
-            <pc:docMk/>
-            <pc:sldMk cId="1113671606" sldId="412"/>
-            <ac:spMk id="29" creationId="{A163F59F-66A9-8515-9B93-D92A03619357}"/>
-          </ac:spMkLst>
-        </pc:spChg>
-        <pc:spChg chg="add mod">
-          <ac:chgData name="Caipo Manuel (DC/SSD3)" userId="fa17321e-a854-4027-820f-6ed7336ad10a" providerId="ADAL" clId="{ABF6C2D3-A65E-4E99-AC47-C1A872BE78BD}" dt="2025-02-20T19:08:30.826" v="311" actId="20577"/>
-          <ac:spMkLst>
-            <pc:docMk/>
-            <pc:sldMk cId="1113671606" sldId="412"/>
-            <ac:spMk id="30" creationId="{01889094-7F7A-391B-D09F-047D422C1485}"/>
-          </ac:spMkLst>
-        </pc:spChg>
-        <pc:spChg chg="add del mod">
-          <ac:chgData name="Caipo Manuel (DC/SSD3)" userId="fa17321e-a854-4027-820f-6ed7336ad10a" providerId="ADAL" clId="{ABF6C2D3-A65E-4E99-AC47-C1A872BE78BD}" dt="2025-02-20T19:06:39.134" v="285" actId="478"/>
-          <ac:spMkLst>
-            <pc:docMk/>
-            <pc:sldMk cId="1113671606" sldId="412"/>
-            <ac:spMk id="32" creationId="{A5C3D857-AE56-5353-711A-E7ACF9E23741}"/>
-          </ac:spMkLst>
-        </pc:spChg>
-        <pc:spChg chg="add mod">
-          <ac:chgData name="Caipo Manuel (DC/SSD3)" userId="fa17321e-a854-4027-820f-6ed7336ad10a" providerId="ADAL" clId="{ABF6C2D3-A65E-4E99-AC47-C1A872BE78BD}" dt="2025-02-20T19:07:37.595" v="293" actId="206"/>
-          <ac:spMkLst>
-            <pc:docMk/>
-            <pc:sldMk cId="1113671606" sldId="412"/>
-            <ac:spMk id="33" creationId="{4E4D17DC-C4FD-7C1D-DBAB-CFAC88904A46}"/>
-          </ac:spMkLst>
-        </pc:spChg>
-        <pc:spChg chg="add del mod">
-          <ac:chgData name="Caipo Manuel (DC/SSD3)" userId="fa17321e-a854-4027-820f-6ed7336ad10a" providerId="ADAL" clId="{ABF6C2D3-A65E-4E99-AC47-C1A872BE78BD}" dt="2025-02-20T19:08:01.723" v="300" actId="478"/>
-          <ac:spMkLst>
-            <pc:docMk/>
-            <pc:sldMk cId="1113671606" sldId="412"/>
-            <ac:spMk id="34" creationId="{8F905796-5E38-1B2C-147E-22FEFC7805FF}"/>
-          </ac:spMkLst>
-        </pc:spChg>
-        <pc:spChg chg="add mod">
-          <ac:chgData name="Caipo Manuel (DC/SSD3)" userId="fa17321e-a854-4027-820f-6ed7336ad10a" providerId="ADAL" clId="{ABF6C2D3-A65E-4E99-AC47-C1A872BE78BD}" dt="2025-02-20T19:33:07.956" v="749" actId="164"/>
-          <ac:spMkLst>
-            <pc:docMk/>
-            <pc:sldMk cId="1113671606" sldId="412"/>
-            <ac:spMk id="35" creationId="{B9FDEF9B-DFD2-4E3C-61D0-3AD43C8E30AF}"/>
-          </ac:spMkLst>
-        </pc:spChg>
-        <pc:spChg chg="add mod">
-          <ac:chgData name="Caipo Manuel (DC/SSD3)" userId="fa17321e-a854-4027-820f-6ed7336ad10a" providerId="ADAL" clId="{ABF6C2D3-A65E-4E99-AC47-C1A872BE78BD}" dt="2025-02-20T19:33:07.956" v="749" actId="164"/>
-          <ac:spMkLst>
-            <pc:docMk/>
-            <pc:sldMk cId="1113671606" sldId="412"/>
-            <ac:spMk id="36" creationId="{EDAE22A6-D2DF-92D7-E90B-76665CD68DD3}"/>
-          </ac:spMkLst>
-        </pc:spChg>
-        <pc:spChg chg="add mod">
-          <ac:chgData name="Caipo Manuel (DC/SSD3)" userId="fa17321e-a854-4027-820f-6ed7336ad10a" providerId="ADAL" clId="{ABF6C2D3-A65E-4E99-AC47-C1A872BE78BD}" dt="2025-02-20T19:10:22.237" v="353" actId="164"/>
-          <ac:spMkLst>
-            <pc:docMk/>
-            <pc:sldMk cId="1113671606" sldId="412"/>
-            <ac:spMk id="40" creationId="{308B60D0-FFB4-0646-8642-26596FF47CA5}"/>
-          </ac:spMkLst>
-        </pc:spChg>
-        <pc:spChg chg="add mod">
-          <ac:chgData name="Caipo Manuel (DC/SSD3)" userId="fa17321e-a854-4027-820f-6ed7336ad10a" providerId="ADAL" clId="{ABF6C2D3-A65E-4E99-AC47-C1A872BE78BD}" dt="2025-02-20T19:10:22.237" v="353" actId="164"/>
-          <ac:spMkLst>
-            <pc:docMk/>
-            <pc:sldMk cId="1113671606" sldId="412"/>
-            <ac:spMk id="41" creationId="{818BA447-225D-05AA-CB8E-CB353DF8DF63}"/>
-          </ac:spMkLst>
-        </pc:spChg>
-        <pc:spChg chg="add mod">
-          <ac:chgData name="Caipo Manuel (DC/SSD3)" userId="fa17321e-a854-4027-820f-6ed7336ad10a" providerId="ADAL" clId="{ABF6C2D3-A65E-4E99-AC47-C1A872BE78BD}" dt="2025-02-20T19:12:14.959" v="396" actId="164"/>
-          <ac:spMkLst>
-            <pc:docMk/>
-            <pc:sldMk cId="1113671606" sldId="412"/>
-            <ac:spMk id="43" creationId="{893A22DF-565A-FF6E-5AB1-48BA7A5AEE15}"/>
-          </ac:spMkLst>
-        </pc:spChg>
-        <pc:spChg chg="add mod">
-          <ac:chgData name="Caipo Manuel (DC/SSD3)" userId="fa17321e-a854-4027-820f-6ed7336ad10a" providerId="ADAL" clId="{ABF6C2D3-A65E-4E99-AC47-C1A872BE78BD}" dt="2025-02-20T19:12:14.959" v="396" actId="164"/>
-          <ac:spMkLst>
-            <pc:docMk/>
-            <pc:sldMk cId="1113671606" sldId="412"/>
-            <ac:spMk id="44" creationId="{58F610FE-0BA9-CD56-DBCB-3262427EAE92}"/>
-          </ac:spMkLst>
-        </pc:spChg>
-        <pc:spChg chg="add mod">
-          <ac:chgData name="Caipo Manuel (DC/SSD3)" userId="fa17321e-a854-4027-820f-6ed7336ad10a" providerId="ADAL" clId="{ABF6C2D3-A65E-4E99-AC47-C1A872BE78BD}" dt="2025-02-20T19:28:53.130" v="700" actId="20577"/>
-          <ac:spMkLst>
-            <pc:docMk/>
-            <pc:sldMk cId="1113671606" sldId="412"/>
-            <ac:spMk id="45" creationId="{230378A4-FC8F-F74B-D155-787684144B6F}"/>
-          </ac:spMkLst>
-        </pc:spChg>
-        <pc:spChg chg="add del mod">
-          <ac:chgData name="Caipo Manuel (DC/SSD3)" userId="fa17321e-a854-4027-820f-6ed7336ad10a" providerId="ADAL" clId="{ABF6C2D3-A65E-4E99-AC47-C1A872BE78BD}" dt="2025-02-20T19:12:30.481" v="398" actId="478"/>
-          <ac:spMkLst>
-            <pc:docMk/>
-            <pc:sldMk cId="1113671606" sldId="412"/>
-            <ac:spMk id="47" creationId="{76A3CF9F-0D37-0A5C-EA7D-BB5981272011}"/>
-          </ac:spMkLst>
-        </pc:spChg>
-        <pc:spChg chg="add mod">
-          <ac:chgData name="Caipo Manuel (DC/SSD3)" userId="fa17321e-a854-4027-820f-6ed7336ad10a" providerId="ADAL" clId="{ABF6C2D3-A65E-4E99-AC47-C1A872BE78BD}" dt="2025-02-20T19:14:00.510" v="428" actId="164"/>
-          <ac:spMkLst>
-            <pc:docMk/>
-            <pc:sldMk cId="1113671606" sldId="412"/>
-            <ac:spMk id="48" creationId="{29975C52-6847-28BA-596C-16470394A78C}"/>
-          </ac:spMkLst>
-        </pc:spChg>
-        <pc:spChg chg="add del">
-          <ac:chgData name="Caipo Manuel (DC/SSD3)" userId="fa17321e-a854-4027-820f-6ed7336ad10a" providerId="ADAL" clId="{ABF6C2D3-A65E-4E99-AC47-C1A872BE78BD}" dt="2025-02-20T19:12:45.609" v="402" actId="478"/>
-          <ac:spMkLst>
-            <pc:docMk/>
-            <pc:sldMk cId="1113671606" sldId="412"/>
-            <ac:spMk id="49" creationId="{F045AB8D-19F6-AE04-E655-76577F8EB24D}"/>
-          </ac:spMkLst>
-        </pc:spChg>
-        <pc:spChg chg="add mod">
-          <ac:chgData name="Caipo Manuel (DC/SSD3)" userId="fa17321e-a854-4027-820f-6ed7336ad10a" providerId="ADAL" clId="{ABF6C2D3-A65E-4E99-AC47-C1A872BE78BD}" dt="2025-02-20T19:31:15.186" v="720" actId="2085"/>
-          <ac:spMkLst>
-            <pc:docMk/>
-            <pc:sldMk cId="1113671606" sldId="412"/>
-            <ac:spMk id="50" creationId="{046BB9F8-1E70-AE9A-6CC1-92C09E6E392A}"/>
-          </ac:spMkLst>
-        </pc:spChg>
-        <pc:spChg chg="add mod">
-          <ac:chgData name="Caipo Manuel (DC/SSD3)" userId="fa17321e-a854-4027-820f-6ed7336ad10a" providerId="ADAL" clId="{ABF6C2D3-A65E-4E99-AC47-C1A872BE78BD}" dt="2025-02-20T19:31:15.186" v="720" actId="2085"/>
-          <ac:spMkLst>
-            <pc:docMk/>
-            <pc:sldMk cId="1113671606" sldId="412"/>
-            <ac:spMk id="1039" creationId="{9FF56A08-C401-10E0-3FCE-B52256A55373}"/>
-          </ac:spMkLst>
-        </pc:spChg>
-        <pc:spChg chg="add mod">
-          <ac:chgData name="Caipo Manuel (DC/SSD3)" userId="fa17321e-a854-4027-820f-6ed7336ad10a" providerId="ADAL" clId="{ABF6C2D3-A65E-4E99-AC47-C1A872BE78BD}" dt="2025-02-20T19:31:15.186" v="720" actId="2085"/>
-          <ac:spMkLst>
-            <pc:docMk/>
-            <pc:sldMk cId="1113671606" sldId="412"/>
-            <ac:spMk id="1040" creationId="{47D8F08A-63B4-ABE3-9263-E2B31A39E830}"/>
-          </ac:spMkLst>
-        </pc:spChg>
-        <pc:spChg chg="add mod">
-          <ac:chgData name="Caipo Manuel (DC/SSD3)" userId="fa17321e-a854-4027-820f-6ed7336ad10a" providerId="ADAL" clId="{ABF6C2D3-A65E-4E99-AC47-C1A872BE78BD}" dt="2025-02-20T19:18:40.454" v="556" actId="1076"/>
-          <ac:spMkLst>
-            <pc:docMk/>
-            <pc:sldMk cId="1113671606" sldId="412"/>
-            <ac:spMk id="1041" creationId="{49422BF8-0821-D11C-2025-B6746B86B348}"/>
-          </ac:spMkLst>
-        </pc:spChg>
-        <pc:spChg chg="add mod">
-          <ac:chgData name="Caipo Manuel (DC/SSD3)" userId="fa17321e-a854-4027-820f-6ed7336ad10a" providerId="ADAL" clId="{ABF6C2D3-A65E-4E99-AC47-C1A872BE78BD}" dt="2025-02-20T19:31:15.186" v="720" actId="2085"/>
-          <ac:spMkLst>
-            <pc:docMk/>
-            <pc:sldMk cId="1113671606" sldId="412"/>
-            <ac:spMk id="1042" creationId="{B10CC67B-2A77-40D5-1AFB-D0EA6B1F586A}"/>
-          </ac:spMkLst>
-        </pc:spChg>
-        <pc:spChg chg="add del mod">
-          <ac:chgData name="Caipo Manuel (DC/SSD3)" userId="fa17321e-a854-4027-820f-6ed7336ad10a" providerId="ADAL" clId="{ABF6C2D3-A65E-4E99-AC47-C1A872BE78BD}" dt="2025-02-20T19:36:21.009" v="784" actId="478"/>
-          <ac:spMkLst>
-            <pc:docMk/>
-            <pc:sldMk cId="1113671606" sldId="412"/>
-            <ac:spMk id="1053" creationId="{AAE3D763-9154-DC08-5D2E-917140D259B7}"/>
-          </ac:spMkLst>
-        </pc:spChg>
-        <pc:spChg chg="add mod">
-          <ac:chgData name="Caipo Manuel (DC/SSD3)" userId="fa17321e-a854-4027-820f-6ed7336ad10a" providerId="ADAL" clId="{ABF6C2D3-A65E-4E99-AC47-C1A872BE78BD}" dt="2025-02-20T19:31:15.186" v="720" actId="2085"/>
-          <ac:spMkLst>
-            <pc:docMk/>
-            <pc:sldMk cId="1113671606" sldId="412"/>
-            <ac:spMk id="1055" creationId="{D6B1ACDB-5605-9DBD-2D43-27D304D12A81}"/>
-          </ac:spMkLst>
-        </pc:spChg>
-        <pc:spChg chg="add mod">
-          <ac:chgData name="Caipo Manuel (DC/SSD3)" userId="fa17321e-a854-4027-820f-6ed7336ad10a" providerId="ADAL" clId="{ABF6C2D3-A65E-4E99-AC47-C1A872BE78BD}" dt="2025-02-20T19:31:29.637" v="721" actId="164"/>
-          <ac:spMkLst>
-            <pc:docMk/>
-            <pc:sldMk cId="1113671606" sldId="412"/>
-            <ac:spMk id="1056" creationId="{63636A78-C84C-A6A7-DE11-F9B5810A1935}"/>
-          </ac:spMkLst>
-        </pc:spChg>
-        <pc:spChg chg="add mod">
-          <ac:chgData name="Caipo Manuel (DC/SSD3)" userId="fa17321e-a854-4027-820f-6ed7336ad10a" providerId="ADAL" clId="{ABF6C2D3-A65E-4E99-AC47-C1A872BE78BD}" dt="2025-02-20T19:31:29.637" v="721" actId="164"/>
-          <ac:spMkLst>
-            <pc:docMk/>
-            <pc:sldMk cId="1113671606" sldId="412"/>
-            <ac:spMk id="1057" creationId="{7D154F67-7244-0155-F1E6-291A8A816D9A}"/>
-          </ac:spMkLst>
-        </pc:spChg>
-        <pc:spChg chg="add mod">
-          <ac:chgData name="Caipo Manuel (DC/SSD3)" userId="fa17321e-a854-4027-820f-6ed7336ad10a" providerId="ADAL" clId="{ABF6C2D3-A65E-4E99-AC47-C1A872BE78BD}" dt="2025-02-20T19:31:29.637" v="721" actId="164"/>
-          <ac:spMkLst>
-            <pc:docMk/>
-            <pc:sldMk cId="1113671606" sldId="412"/>
-            <ac:spMk id="1060" creationId="{5A2291B1-0C82-AF1E-FF8D-F22DF932D852}"/>
-          </ac:spMkLst>
-        </pc:spChg>
-        <pc:spChg chg="add mod">
-          <ac:chgData name="Caipo Manuel (DC/SSD3)" userId="fa17321e-a854-4027-820f-6ed7336ad10a" providerId="ADAL" clId="{ABF6C2D3-A65E-4E99-AC47-C1A872BE78BD}" dt="2025-02-20T19:34:49.986" v="771" actId="164"/>
-          <ac:spMkLst>
-            <pc:docMk/>
-            <pc:sldMk cId="1113671606" sldId="412"/>
-            <ac:spMk id="1065" creationId="{A9E8ED2B-73C9-6F49-AAA9-AC1A779796B4}"/>
-          </ac:spMkLst>
-        </pc:spChg>
-        <pc:spChg chg="add mod">
-          <ac:chgData name="Caipo Manuel (DC/SSD3)" userId="fa17321e-a854-4027-820f-6ed7336ad10a" providerId="ADAL" clId="{ABF6C2D3-A65E-4E99-AC47-C1A872BE78BD}" dt="2025-02-20T19:36:59.476" v="791" actId="164"/>
-          <ac:spMkLst>
-            <pc:docMk/>
-            <pc:sldMk cId="1113671606" sldId="412"/>
-            <ac:spMk id="1075" creationId="{6CB74EAF-9E67-956F-02C2-0764C8B441D4}"/>
-          </ac:spMkLst>
-        </pc:spChg>
-        <pc:grpChg chg="add mod">
-          <ac:chgData name="Caipo Manuel (DC/SSD3)" userId="fa17321e-a854-4027-820f-6ed7336ad10a" providerId="ADAL" clId="{ABF6C2D3-A65E-4E99-AC47-C1A872BE78BD}" dt="2025-02-20T19:02:09.391" v="225" actId="164"/>
-          <ac:grpSpMkLst>
-            <pc:docMk/>
-            <pc:sldMk cId="1113671606" sldId="412"/>
-            <ac:grpSpMk id="25" creationId="{D1E37F76-2DC4-69D1-B77B-07BAE09138A1}"/>
-          </ac:grpSpMkLst>
-        </pc:grpChg>
-        <pc:grpChg chg="add mod">
-          <ac:chgData name="Caipo Manuel (DC/SSD3)" userId="fa17321e-a854-4027-820f-6ed7336ad10a" providerId="ADAL" clId="{ABF6C2D3-A65E-4E99-AC47-C1A872BE78BD}" dt="2025-02-20T19:05:15.598" v="280" actId="164"/>
-          <ac:grpSpMkLst>
-            <pc:docMk/>
-            <pc:sldMk cId="1113671606" sldId="412"/>
-            <ac:grpSpMk id="26" creationId="{D823AE17-46F3-AA74-C77A-C0EC3D191EF9}"/>
-          </ac:grpSpMkLst>
-        </pc:grpChg>
-        <pc:grpChg chg="add mod">
-          <ac:chgData name="Caipo Manuel (DC/SSD3)" userId="fa17321e-a854-4027-820f-6ed7336ad10a" providerId="ADAL" clId="{ABF6C2D3-A65E-4E99-AC47-C1A872BE78BD}" dt="2025-02-20T19:10:22.237" v="353" actId="164"/>
-          <ac:grpSpMkLst>
-            <pc:docMk/>
-            <pc:sldMk cId="1113671606" sldId="412"/>
-            <ac:grpSpMk id="31" creationId="{ABFDDC1A-7B20-A066-EA88-48E30A80E9EE}"/>
-          </ac:grpSpMkLst>
-        </pc:grpChg>
-        <pc:grpChg chg="add mod">
-          <ac:chgData name="Caipo Manuel (DC/SSD3)" userId="fa17321e-a854-4027-820f-6ed7336ad10a" providerId="ADAL" clId="{ABF6C2D3-A65E-4E99-AC47-C1A872BE78BD}" dt="2025-02-20T19:33:07.956" v="749" actId="164"/>
-          <ac:grpSpMkLst>
-            <pc:docMk/>
-            <pc:sldMk cId="1113671606" sldId="412"/>
-            <ac:grpSpMk id="42" creationId="{D69AA990-12FF-4E4E-6EF8-413FD5EBBAC6}"/>
-          </ac:grpSpMkLst>
-        </pc:grpChg>
-        <pc:grpChg chg="add mod">
-          <ac:chgData name="Caipo Manuel (DC/SSD3)" userId="fa17321e-a854-4027-820f-6ed7336ad10a" providerId="ADAL" clId="{ABF6C2D3-A65E-4E99-AC47-C1A872BE78BD}" dt="2025-02-20T19:14:00.510" v="428" actId="164"/>
-          <ac:grpSpMkLst>
-            <pc:docMk/>
-            <pc:sldMk cId="1113671606" sldId="412"/>
-            <ac:grpSpMk id="46" creationId="{5433EB2A-FDC0-2486-85FD-18C98BBBE240}"/>
-          </ac:grpSpMkLst>
-        </pc:grpChg>
-        <pc:grpChg chg="add mod">
-          <ac:chgData name="Caipo Manuel (DC/SSD3)" userId="fa17321e-a854-4027-820f-6ed7336ad10a" providerId="ADAL" clId="{ABF6C2D3-A65E-4E99-AC47-C1A872BE78BD}" dt="2025-02-20T19:32:13.911" v="736" actId="1036"/>
-          <ac:grpSpMkLst>
-            <pc:docMk/>
-            <pc:sldMk cId="1113671606" sldId="412"/>
-            <ac:grpSpMk id="51" creationId="{E5473D9F-C2F2-90BB-564A-3ED53DCD1DDA}"/>
-          </ac:grpSpMkLst>
-        </pc:grpChg>
-        <pc:grpChg chg="add mod">
-          <ac:chgData name="Caipo Manuel (DC/SSD3)" userId="fa17321e-a854-4027-820f-6ed7336ad10a" providerId="ADAL" clId="{ABF6C2D3-A65E-4E99-AC47-C1A872BE78BD}" dt="2025-02-20T19:32:27.583" v="745" actId="164"/>
-          <ac:grpSpMkLst>
-            <pc:docMk/>
-            <pc:sldMk cId="1113671606" sldId="412"/>
-            <ac:grpSpMk id="1031" creationId="{B3838F09-DEDF-2509-1813-F36976203385}"/>
-          </ac:grpSpMkLst>
-        </pc:grpChg>
-        <pc:grpChg chg="add mod">
-          <ac:chgData name="Caipo Manuel (DC/SSD3)" userId="fa17321e-a854-4027-820f-6ed7336ad10a" providerId="ADAL" clId="{ABF6C2D3-A65E-4E99-AC47-C1A872BE78BD}" dt="2025-02-20T19:30:23.571" v="711" actId="164"/>
-          <ac:grpSpMkLst>
-            <pc:docMk/>
-            <pc:sldMk cId="1113671606" sldId="412"/>
-            <ac:grpSpMk id="1047" creationId="{6109CD74-8C19-3A00-DEBC-77A0AD3DFCED}"/>
-          </ac:grpSpMkLst>
-        </pc:grpChg>
-        <pc:grpChg chg="add mod">
-          <ac:chgData name="Caipo Manuel (DC/SSD3)" userId="fa17321e-a854-4027-820f-6ed7336ad10a" providerId="ADAL" clId="{ABF6C2D3-A65E-4E99-AC47-C1A872BE78BD}" dt="2025-02-20T19:30:23.571" v="711" actId="164"/>
-          <ac:grpSpMkLst>
-            <pc:docMk/>
-            <pc:sldMk cId="1113671606" sldId="412"/>
-            <ac:grpSpMk id="1054" creationId="{A28A00D6-C22F-1ADB-83EA-E4CCAA117037}"/>
-          </ac:grpSpMkLst>
-        </pc:grpChg>
-        <pc:grpChg chg="add mod">
-          <ac:chgData name="Caipo Manuel (DC/SSD3)" userId="fa17321e-a854-4027-820f-6ed7336ad10a" providerId="ADAL" clId="{ABF6C2D3-A65E-4E99-AC47-C1A872BE78BD}" dt="2025-02-20T19:32:27.583" v="745" actId="164"/>
-          <ac:grpSpMkLst>
-            <pc:docMk/>
-            <pc:sldMk cId="1113671606" sldId="412"/>
-            <ac:grpSpMk id="1061" creationId="{D353EEB3-3532-F4A4-A439-CBC6E81D765B}"/>
-          </ac:grpSpMkLst>
-        </pc:grpChg>
-        <pc:grpChg chg="add mod">
-          <ac:chgData name="Caipo Manuel (DC/SSD3)" userId="fa17321e-a854-4027-820f-6ed7336ad10a" providerId="ADAL" clId="{ABF6C2D3-A65E-4E99-AC47-C1A872BE78BD}" dt="2025-02-20T19:31:29.637" v="721" actId="164"/>
-          <ac:grpSpMkLst>
-            <pc:docMk/>
-            <pc:sldMk cId="1113671606" sldId="412"/>
-            <ac:grpSpMk id="1062" creationId="{6E305684-6CA8-623D-331B-C13570AFCC7B}"/>
-          </ac:grpSpMkLst>
-        </pc:grpChg>
-        <pc:grpChg chg="add mod">
-          <ac:chgData name="Caipo Manuel (DC/SSD3)" userId="fa17321e-a854-4027-820f-6ed7336ad10a" providerId="ADAL" clId="{ABF6C2D3-A65E-4E99-AC47-C1A872BE78BD}" dt="2025-02-20T19:37:16.444" v="794" actId="164"/>
-          <ac:grpSpMkLst>
-            <pc:docMk/>
-            <pc:sldMk cId="1113671606" sldId="412"/>
-            <ac:grpSpMk id="1063" creationId="{AA3DF2BD-7410-2508-A1FE-C65BDF3D37D0}"/>
-          </ac:grpSpMkLst>
-        </pc:grpChg>
-        <pc:grpChg chg="add mod">
-          <ac:chgData name="Caipo Manuel (DC/SSD3)" userId="fa17321e-a854-4027-820f-6ed7336ad10a" providerId="ADAL" clId="{ABF6C2D3-A65E-4E99-AC47-C1A872BE78BD}" dt="2025-02-20T19:33:07.956" v="749" actId="164"/>
-          <ac:grpSpMkLst>
-            <pc:docMk/>
-            <pc:sldMk cId="1113671606" sldId="412"/>
-            <ac:grpSpMk id="1064" creationId="{16FABED9-35CF-1F8E-46A5-3547EAECB0E5}"/>
-          </ac:grpSpMkLst>
-        </pc:grpChg>
-        <pc:grpChg chg="add mod">
-          <ac:chgData name="Caipo Manuel (DC/SSD3)" userId="fa17321e-a854-4027-820f-6ed7336ad10a" providerId="ADAL" clId="{ABF6C2D3-A65E-4E99-AC47-C1A872BE78BD}" dt="2025-02-20T19:37:07.873" v="792" actId="164"/>
-          <ac:grpSpMkLst>
-            <pc:docMk/>
-            <pc:sldMk cId="1113671606" sldId="412"/>
-            <ac:grpSpMk id="1069" creationId="{4B5EAECB-6FE0-1904-A0B7-B0B709661D97}"/>
-          </ac:grpSpMkLst>
-        </pc:grpChg>
-        <pc:grpChg chg="add mod">
-          <ac:chgData name="Caipo Manuel (DC/SSD3)" userId="fa17321e-a854-4027-820f-6ed7336ad10a" providerId="ADAL" clId="{ABF6C2D3-A65E-4E99-AC47-C1A872BE78BD}" dt="2025-02-20T19:36:59.476" v="791" actId="164"/>
-          <ac:grpSpMkLst>
-            <pc:docMk/>
-            <pc:sldMk cId="1113671606" sldId="412"/>
-            <ac:grpSpMk id="1074" creationId="{AF666AEF-9689-7CD0-9621-AFE40708A0BC}"/>
-          </ac:grpSpMkLst>
-        </pc:grpChg>
-        <pc:grpChg chg="add mod">
-          <ac:chgData name="Caipo Manuel (DC/SSD3)" userId="fa17321e-a854-4027-820f-6ed7336ad10a" providerId="ADAL" clId="{ABF6C2D3-A65E-4E99-AC47-C1A872BE78BD}" dt="2025-02-20T19:37:07.873" v="792" actId="164"/>
-          <ac:grpSpMkLst>
-            <pc:docMk/>
-            <pc:sldMk cId="1113671606" sldId="412"/>
-            <ac:grpSpMk id="1078" creationId="{2EB4F31A-B208-52D9-5591-10B4738479D3}"/>
-          </ac:grpSpMkLst>
-        </pc:grpChg>
-        <pc:grpChg chg="add mod">
-          <ac:chgData name="Caipo Manuel (DC/SSD3)" userId="fa17321e-a854-4027-820f-6ed7336ad10a" providerId="ADAL" clId="{ABF6C2D3-A65E-4E99-AC47-C1A872BE78BD}" dt="2025-02-20T19:37:16.444" v="794" actId="164"/>
-          <ac:grpSpMkLst>
-            <pc:docMk/>
-            <pc:sldMk cId="1113671606" sldId="412"/>
-            <ac:grpSpMk id="1079" creationId="{35EF5F57-3056-F99E-BC6E-3DD8895174C9}"/>
-          </ac:grpSpMkLst>
-        </pc:grpChg>
-        <pc:grpChg chg="add mod">
-          <ac:chgData name="Caipo Manuel (DC/SSD3)" userId="fa17321e-a854-4027-820f-6ed7336ad10a" providerId="ADAL" clId="{ABF6C2D3-A65E-4E99-AC47-C1A872BE78BD}" dt="2025-02-20T19:37:16.444" v="794" actId="164"/>
-          <ac:grpSpMkLst>
-            <pc:docMk/>
-            <pc:sldMk cId="1113671606" sldId="412"/>
-            <ac:grpSpMk id="1080" creationId="{6E14010A-B98C-7231-6A42-24D76A55E513}"/>
-          </ac:grpSpMkLst>
-        </pc:grpChg>
-        <pc:picChg chg="add del mod">
-          <ac:chgData name="Caipo Manuel (DC/SSD3)" userId="fa17321e-a854-4027-820f-6ed7336ad10a" providerId="ADAL" clId="{ABF6C2D3-A65E-4E99-AC47-C1A872BE78BD}" dt="2025-02-20T18:41:06.232" v="13" actId="478"/>
-          <ac:picMkLst>
-            <pc:docMk/>
-            <pc:sldMk cId="1113671606" sldId="412"/>
-            <ac:picMk id="1026" creationId="{E40221E3-0FAA-78DF-E7A7-AD876B2C6FDB}"/>
-          </ac:picMkLst>
-        </pc:picChg>
-        <pc:picChg chg="add del mod">
-          <ac:chgData name="Caipo Manuel (DC/SSD3)" userId="fa17321e-a854-4027-820f-6ed7336ad10a" providerId="ADAL" clId="{ABF6C2D3-A65E-4E99-AC47-C1A872BE78BD}" dt="2025-02-20T19:01:13.617" v="217" actId="478"/>
-          <ac:picMkLst>
-            <pc:docMk/>
-            <pc:sldMk cId="1113671606" sldId="412"/>
-            <ac:picMk id="1028" creationId="{68B69184-909F-EE08-D1CA-72F119E0E60C}"/>
-          </ac:picMkLst>
-        </pc:picChg>
-        <pc:picChg chg="add del mod">
-          <ac:chgData name="Caipo Manuel (DC/SSD3)" userId="fa17321e-a854-4027-820f-6ed7336ad10a" providerId="ADAL" clId="{ABF6C2D3-A65E-4E99-AC47-C1A872BE78BD}" dt="2025-02-20T18:57:53.287" v="179" actId="478"/>
-          <ac:picMkLst>
-            <pc:docMk/>
-            <pc:sldMk cId="1113671606" sldId="412"/>
-            <ac:picMk id="1030" creationId="{B7234FE8-5FCD-50C9-7A9E-30C26F5325E5}"/>
-          </ac:picMkLst>
-        </pc:picChg>
-        <pc:picChg chg="add del mod">
-          <ac:chgData name="Caipo Manuel (DC/SSD3)" userId="fa17321e-a854-4027-820f-6ed7336ad10a" providerId="ADAL" clId="{ABF6C2D3-A65E-4E99-AC47-C1A872BE78BD}" dt="2025-02-20T18:57:54.227" v="181" actId="478"/>
-          <ac:picMkLst>
-            <pc:docMk/>
-            <pc:sldMk cId="1113671606" sldId="412"/>
-            <ac:picMk id="1032" creationId="{E7EE2B0E-0CF2-D5ED-C72A-DD9B5B0549E9}"/>
-          </ac:picMkLst>
-        </pc:picChg>
-        <pc:picChg chg="add mod">
-          <ac:chgData name="Caipo Manuel (DC/SSD3)" userId="fa17321e-a854-4027-820f-6ed7336ad10a" providerId="ADAL" clId="{ABF6C2D3-A65E-4E99-AC47-C1A872BE78BD}" dt="2025-02-20T19:31:29.637" v="721" actId="164"/>
-          <ac:picMkLst>
-            <pc:docMk/>
-            <pc:sldMk cId="1113671606" sldId="412"/>
-            <ac:picMk id="1058" creationId="{CC8FAAF7-DD1E-DF6D-71A6-F760E37CD7B1}"/>
-          </ac:picMkLst>
-        </pc:picChg>
-        <pc:picChg chg="add mod">
-          <ac:chgData name="Caipo Manuel (DC/SSD3)" userId="fa17321e-a854-4027-820f-6ed7336ad10a" providerId="ADAL" clId="{ABF6C2D3-A65E-4E99-AC47-C1A872BE78BD}" dt="2025-02-20T19:31:29.637" v="721" actId="164"/>
-          <ac:picMkLst>
-            <pc:docMk/>
-            <pc:sldMk cId="1113671606" sldId="412"/>
-            <ac:picMk id="1059" creationId="{D28C7AF5-9437-052B-16F7-8B6BFA7FCC34}"/>
-          </ac:picMkLst>
-        </pc:picChg>
-        <pc:cxnChg chg="add mod">
-          <ac:chgData name="Caipo Manuel (DC/SSD3)" userId="fa17321e-a854-4027-820f-6ed7336ad10a" providerId="ADAL" clId="{ABF6C2D3-A65E-4E99-AC47-C1A872BE78BD}" dt="2025-02-20T19:01:48.423" v="222" actId="164"/>
-          <ac:cxnSpMkLst>
-            <pc:docMk/>
-            <pc:sldMk cId="1113671606" sldId="412"/>
-            <ac:cxnSpMk id="8" creationId="{1D8F84B5-8B6E-A4FB-F6D7-1466321BBBBF}"/>
-          </ac:cxnSpMkLst>
-        </pc:cxnChg>
-        <pc:cxnChg chg="add mod">
-          <ac:chgData name="Caipo Manuel (DC/SSD3)" userId="fa17321e-a854-4027-820f-6ed7336ad10a" providerId="ADAL" clId="{ABF6C2D3-A65E-4E99-AC47-C1A872BE78BD}" dt="2025-02-20T19:01:48.423" v="222" actId="164"/>
-          <ac:cxnSpMkLst>
-            <pc:docMk/>
-            <pc:sldMk cId="1113671606" sldId="412"/>
-            <ac:cxnSpMk id="10" creationId="{5FC69B3F-9295-B3C1-99A8-98A2A0536083}"/>
-          </ac:cxnSpMkLst>
-        </pc:cxnChg>
-        <pc:cxnChg chg="add del">
-          <ac:chgData name="Caipo Manuel (DC/SSD3)" userId="fa17321e-a854-4027-820f-6ed7336ad10a" providerId="ADAL" clId="{ABF6C2D3-A65E-4E99-AC47-C1A872BE78BD}" dt="2025-02-20T18:58:33.960" v="191" actId="478"/>
-          <ac:cxnSpMkLst>
-            <pc:docMk/>
-            <pc:sldMk cId="1113671606" sldId="412"/>
-            <ac:cxnSpMk id="12" creationId="{39FC9355-D269-D7BA-CFA5-89C4480DFBAB}"/>
-          </ac:cxnSpMkLst>
-        </pc:cxnChg>
-        <pc:cxnChg chg="add mod">
-          <ac:chgData name="Caipo Manuel (DC/SSD3)" userId="fa17321e-a854-4027-820f-6ed7336ad10a" providerId="ADAL" clId="{ABF6C2D3-A65E-4E99-AC47-C1A872BE78BD}" dt="2025-02-20T19:02:09.391" v="225" actId="164"/>
-          <ac:cxnSpMkLst>
-            <pc:docMk/>
-            <pc:sldMk cId="1113671606" sldId="412"/>
-            <ac:cxnSpMk id="20" creationId="{39CEA6FE-E307-4E01-F367-C0813D119616}"/>
-          </ac:cxnSpMkLst>
-        </pc:cxnChg>
-        <pc:cxnChg chg="add mod">
-          <ac:chgData name="Caipo Manuel (DC/SSD3)" userId="fa17321e-a854-4027-820f-6ed7336ad10a" providerId="ADAL" clId="{ABF6C2D3-A65E-4E99-AC47-C1A872BE78BD}" dt="2025-02-20T19:14:00.510" v="428" actId="164"/>
-          <ac:cxnSpMkLst>
-            <pc:docMk/>
-            <pc:sldMk cId="1113671606" sldId="412"/>
-            <ac:cxnSpMk id="37" creationId="{C7799254-5800-6D37-1545-3710A61A577B}"/>
-          </ac:cxnSpMkLst>
-        </pc:cxnChg>
-        <pc:cxnChg chg="add del mod">
-          <ac:chgData name="Caipo Manuel (DC/SSD3)" userId="fa17321e-a854-4027-820f-6ed7336ad10a" providerId="ADAL" clId="{ABF6C2D3-A65E-4E99-AC47-C1A872BE78BD}" dt="2025-02-20T19:09:01.520" v="321" actId="478"/>
-          <ac:cxnSpMkLst>
-            <pc:docMk/>
-            <pc:sldMk cId="1113671606" sldId="412"/>
-            <ac:cxnSpMk id="38" creationId="{8F80C8A1-C5D5-7926-AA79-62DF1F976E3B}"/>
-          </ac:cxnSpMkLst>
-        </pc:cxnChg>
-        <pc:cxnChg chg="add mod">
-          <ac:chgData name="Caipo Manuel (DC/SSD3)" userId="fa17321e-a854-4027-820f-6ed7336ad10a" providerId="ADAL" clId="{ABF6C2D3-A65E-4E99-AC47-C1A872BE78BD}" dt="2025-02-20T19:12:14.959" v="396" actId="164"/>
-          <ac:cxnSpMkLst>
-            <pc:docMk/>
-            <pc:sldMk cId="1113671606" sldId="412"/>
-            <ac:cxnSpMk id="39" creationId="{A155EDB6-72FF-0A18-E8B5-556A58F1A40E}"/>
-          </ac:cxnSpMkLst>
-        </pc:cxnChg>
-        <pc:cxnChg chg="add mod">
-          <ac:chgData name="Caipo Manuel (DC/SSD3)" userId="fa17321e-a854-4027-820f-6ed7336ad10a" providerId="ADAL" clId="{ABF6C2D3-A65E-4E99-AC47-C1A872BE78BD}" dt="2025-02-20T19:31:15.186" v="720" actId="2085"/>
-          <ac:cxnSpMkLst>
-            <pc:docMk/>
-            <pc:sldMk cId="1113671606" sldId="412"/>
-            <ac:cxnSpMk id="53" creationId="{DC5A694B-A3DC-D9FB-2613-D638745CE69F}"/>
-          </ac:cxnSpMkLst>
-        </pc:cxnChg>
-        <pc:cxnChg chg="add mod">
-          <ac:chgData name="Caipo Manuel (DC/SSD3)" userId="fa17321e-a854-4027-820f-6ed7336ad10a" providerId="ADAL" clId="{ABF6C2D3-A65E-4E99-AC47-C1A872BE78BD}" dt="2025-02-20T19:15:39.938" v="455" actId="164"/>
-          <ac:cxnSpMkLst>
-            <pc:docMk/>
-            <pc:sldMk cId="1113671606" sldId="412"/>
-            <ac:cxnSpMk id="56" creationId="{B86013D5-C8A0-A642-5785-A6F28FA78229}"/>
-          </ac:cxnSpMkLst>
-        </pc:cxnChg>
-        <pc:cxnChg chg="add mod">
-          <ac:chgData name="Caipo Manuel (DC/SSD3)" userId="fa17321e-a854-4027-820f-6ed7336ad10a" providerId="ADAL" clId="{ABF6C2D3-A65E-4E99-AC47-C1A872BE78BD}" dt="2025-02-20T19:15:39.938" v="455" actId="164"/>
-          <ac:cxnSpMkLst>
-            <pc:docMk/>
-            <pc:sldMk cId="1113671606" sldId="412"/>
-            <ac:cxnSpMk id="60" creationId="{193112BF-9169-558B-217B-0AF32C6AD3CA}"/>
-          </ac:cxnSpMkLst>
-        </pc:cxnChg>
-        <pc:cxnChg chg="add mod">
-          <ac:chgData name="Caipo Manuel (DC/SSD3)" userId="fa17321e-a854-4027-820f-6ed7336ad10a" providerId="ADAL" clId="{ABF6C2D3-A65E-4E99-AC47-C1A872BE78BD}" dt="2025-02-20T19:15:39.938" v="455" actId="164"/>
-          <ac:cxnSpMkLst>
-            <pc:docMk/>
-            <pc:sldMk cId="1113671606" sldId="412"/>
-            <ac:cxnSpMk id="61" creationId="{1EEC275F-6360-3A41-F395-3B096B83FCC3}"/>
-          </ac:cxnSpMkLst>
-        </pc:cxnChg>
-        <pc:cxnChg chg="add mod">
-          <ac:chgData name="Caipo Manuel (DC/SSD3)" userId="fa17321e-a854-4027-820f-6ed7336ad10a" providerId="ADAL" clId="{ABF6C2D3-A65E-4E99-AC47-C1A872BE78BD}" dt="2025-02-20T19:15:39.938" v="455" actId="164"/>
-          <ac:cxnSpMkLst>
-            <pc:docMk/>
-            <pc:sldMk cId="1113671606" sldId="412"/>
-            <ac:cxnSpMk id="1024" creationId="{E4C5F8BC-7EA9-A73A-7730-5A08AE544D69}"/>
-          </ac:cxnSpMkLst>
-        </pc:cxnChg>
-        <pc:cxnChg chg="add mod">
-          <ac:chgData name="Caipo Manuel (DC/SSD3)" userId="fa17321e-a854-4027-820f-6ed7336ad10a" providerId="ADAL" clId="{ABF6C2D3-A65E-4E99-AC47-C1A872BE78BD}" dt="2025-02-20T19:15:39.938" v="455" actId="164"/>
-          <ac:cxnSpMkLst>
-            <pc:docMk/>
-            <pc:sldMk cId="1113671606" sldId="412"/>
-            <ac:cxnSpMk id="1027" creationId="{D492A4AA-1071-E8B0-9E7A-752AD20E6C2C}"/>
-          </ac:cxnSpMkLst>
-        </pc:cxnChg>
-        <pc:cxnChg chg="add del mod">
-          <ac:chgData name="Caipo Manuel (DC/SSD3)" userId="fa17321e-a854-4027-820f-6ed7336ad10a" providerId="ADAL" clId="{ABF6C2D3-A65E-4E99-AC47-C1A872BE78BD}" dt="2025-02-20T19:15:55.080" v="457" actId="478"/>
-          <ac:cxnSpMkLst>
-            <pc:docMk/>
-            <pc:sldMk cId="1113671606" sldId="412"/>
-            <ac:cxnSpMk id="1034" creationId="{42980D0F-8424-C2DF-1CB5-E8499689085C}"/>
-          </ac:cxnSpMkLst>
-        </pc:cxnChg>
-        <pc:cxnChg chg="add mod">
-          <ac:chgData name="Caipo Manuel (DC/SSD3)" userId="fa17321e-a854-4027-820f-6ed7336ad10a" providerId="ADAL" clId="{ABF6C2D3-A65E-4E99-AC47-C1A872BE78BD}" dt="2025-02-20T19:31:15.186" v="720" actId="2085"/>
-          <ac:cxnSpMkLst>
-            <pc:docMk/>
-            <pc:sldMk cId="1113671606" sldId="412"/>
-            <ac:cxnSpMk id="1036" creationId="{C7884F8D-45E8-7734-39D1-44FA56543A0F}"/>
-          </ac:cxnSpMkLst>
-        </pc:cxnChg>
-        <pc:cxnChg chg="add mod">
-          <ac:chgData name="Caipo Manuel (DC/SSD3)" userId="fa17321e-a854-4027-820f-6ed7336ad10a" providerId="ADAL" clId="{ABF6C2D3-A65E-4E99-AC47-C1A872BE78BD}" dt="2025-02-20T19:31:15.186" v="720" actId="2085"/>
-          <ac:cxnSpMkLst>
-            <pc:docMk/>
-            <pc:sldMk cId="1113671606" sldId="412"/>
-            <ac:cxnSpMk id="1043" creationId="{7DD26E6D-7CC4-5C90-1AE4-5105C4EFAA41}"/>
-          </ac:cxnSpMkLst>
-        </pc:cxnChg>
-        <pc:cxnChg chg="add mod">
-          <ac:chgData name="Caipo Manuel (DC/SSD3)" userId="fa17321e-a854-4027-820f-6ed7336ad10a" providerId="ADAL" clId="{ABF6C2D3-A65E-4E99-AC47-C1A872BE78BD}" dt="2025-02-20T19:31:15.186" v="720" actId="2085"/>
-          <ac:cxnSpMkLst>
-            <pc:docMk/>
-            <pc:sldMk cId="1113671606" sldId="412"/>
-            <ac:cxnSpMk id="1044" creationId="{8BD3F9CF-7CA0-E40D-633C-4E4283E5C06E}"/>
-          </ac:cxnSpMkLst>
-        </pc:cxnChg>
-        <pc:cxnChg chg="add mod">
-          <ac:chgData name="Caipo Manuel (DC/SSD3)" userId="fa17321e-a854-4027-820f-6ed7336ad10a" providerId="ADAL" clId="{ABF6C2D3-A65E-4E99-AC47-C1A872BE78BD}" dt="2025-02-20T19:31:15.186" v="720" actId="2085"/>
-          <ac:cxnSpMkLst>
-            <pc:docMk/>
-            <pc:sldMk cId="1113671606" sldId="412"/>
-            <ac:cxnSpMk id="1049" creationId="{542F9989-CF71-C538-8217-C0A1D00972A6}"/>
-          </ac:cxnSpMkLst>
-        </pc:cxnChg>
-        <pc:cxnChg chg="add mod">
-          <ac:chgData name="Caipo Manuel (DC/SSD3)" userId="fa17321e-a854-4027-820f-6ed7336ad10a" providerId="ADAL" clId="{ABF6C2D3-A65E-4E99-AC47-C1A872BE78BD}" dt="2025-02-20T19:31:15.186" v="720" actId="2085"/>
-          <ac:cxnSpMkLst>
-            <pc:docMk/>
-            <pc:sldMk cId="1113671606" sldId="412"/>
-            <ac:cxnSpMk id="1051" creationId="{757514EC-A6E6-FC72-B951-E66987357A35}"/>
-          </ac:cxnSpMkLst>
-        </pc:cxnChg>
-        <pc:cxnChg chg="add mod">
-          <ac:chgData name="Caipo Manuel (DC/SSD3)" userId="fa17321e-a854-4027-820f-6ed7336ad10a" providerId="ADAL" clId="{ABF6C2D3-A65E-4E99-AC47-C1A872BE78BD}" dt="2025-02-20T19:34:49.986" v="771" actId="164"/>
-          <ac:cxnSpMkLst>
-            <pc:docMk/>
-            <pc:sldMk cId="1113671606" sldId="412"/>
-            <ac:cxnSpMk id="1066" creationId="{79F23B0E-865F-C39D-E41B-7779B5EF3975}"/>
-          </ac:cxnSpMkLst>
-        </pc:cxnChg>
-        <pc:cxnChg chg="add mod">
-          <ac:chgData name="Caipo Manuel (DC/SSD3)" userId="fa17321e-a854-4027-820f-6ed7336ad10a" providerId="ADAL" clId="{ABF6C2D3-A65E-4E99-AC47-C1A872BE78BD}" dt="2025-02-20T19:34:49.986" v="771" actId="164"/>
-          <ac:cxnSpMkLst>
-            <pc:docMk/>
-            <pc:sldMk cId="1113671606" sldId="412"/>
-            <ac:cxnSpMk id="1067" creationId="{9B987C47-2516-B2C6-51B0-FB76ECF9EA2F}"/>
-          </ac:cxnSpMkLst>
-        </pc:cxnChg>
-        <pc:cxnChg chg="add mod">
-          <ac:chgData name="Caipo Manuel (DC/SSD3)" userId="fa17321e-a854-4027-820f-6ed7336ad10a" providerId="ADAL" clId="{ABF6C2D3-A65E-4E99-AC47-C1A872BE78BD}" dt="2025-02-20T19:35:45.534" v="778" actId="164"/>
-          <ac:cxnSpMkLst>
-            <pc:docMk/>
-            <pc:sldMk cId="1113671606" sldId="412"/>
-            <ac:cxnSpMk id="1071" creationId="{7A6D3B3B-9DA4-B599-B3DA-31DA8C8BE799}"/>
-          </ac:cxnSpMkLst>
-        </pc:cxnChg>
-        <pc:cxnChg chg="add mod">
-          <ac:chgData name="Caipo Manuel (DC/SSD3)" userId="fa17321e-a854-4027-820f-6ed7336ad10a" providerId="ADAL" clId="{ABF6C2D3-A65E-4E99-AC47-C1A872BE78BD}" dt="2025-02-20T19:36:54.071" v="790" actId="14100"/>
-          <ac:cxnSpMkLst>
-            <pc:docMk/>
-            <pc:sldMk cId="1113671606" sldId="412"/>
-            <ac:cxnSpMk id="1073" creationId="{DE2525AA-A10F-4C5D-46AF-4D2EC114D4C6}"/>
-          </ac:cxnSpMkLst>
-        </pc:cxnChg>
       </pc:sldChg>
       <pc:sldChg chg="new del">
         <pc:chgData name="Caipo Manuel (DC/SSD3)" userId="fa17321e-a854-4027-820f-6ed7336ad10a" providerId="ADAL" clId="{ABF6C2D3-A65E-4E99-AC47-C1A872BE78BD}" dt="2025-02-20T18:01:59.109" v="4" actId="47"/>
@@ -1054,22 +254,6 @@
           <pc:docMk/>
           <pc:sldMk cId="3682072475" sldId="413"/>
         </pc:sldMkLst>
-        <pc:spChg chg="del">
-          <ac:chgData name="Caipo Manuel (DC/SSD3)" userId="fa17321e-a854-4027-820f-6ed7336ad10a" providerId="ADAL" clId="{ABF6C2D3-A65E-4E99-AC47-C1A872BE78BD}" dt="2025-02-20T18:50:37.248" v="62"/>
-          <ac:spMkLst>
-            <pc:docMk/>
-            <pc:sldMk cId="3682072475" sldId="413"/>
-            <ac:spMk id="2" creationId="{893532B4-D812-4D76-B6C8-20255103FDDA}"/>
-          </ac:spMkLst>
-        </pc:spChg>
-        <pc:spChg chg="add mod">
-          <ac:chgData name="Caipo Manuel (DC/SSD3)" userId="fa17321e-a854-4027-820f-6ed7336ad10a" providerId="ADAL" clId="{ABF6C2D3-A65E-4E99-AC47-C1A872BE78BD}" dt="2025-02-20T18:50:37.248" v="62"/>
-          <ac:spMkLst>
-            <pc:docMk/>
-            <pc:sldMk cId="3682072475" sldId="413"/>
-            <ac:spMk id="4" creationId="{5ADD34AE-44AD-5D38-5FD9-DBBE11CA5628}"/>
-          </ac:spMkLst>
-        </pc:spChg>
       </pc:sldChg>
       <pc:sldChg chg="new del">
         <pc:chgData name="Caipo Manuel (DC/SSD3)" userId="fa17321e-a854-4027-820f-6ed7336ad10a" providerId="ADAL" clId="{ABF6C2D3-A65E-4E99-AC47-C1A872BE78BD}" dt="2025-02-20T19:38:54.500" v="798" actId="47"/>
@@ -1084,398 +268,6 @@
           <pc:docMk/>
           <pc:sldMk cId="1108295149" sldId="414"/>
         </pc:sldMkLst>
-        <pc:spChg chg="del mod ord">
-          <ac:chgData name="Caipo Manuel (DC/SSD3)" userId="fa17321e-a854-4027-820f-6ed7336ad10a" providerId="ADAL" clId="{ABF6C2D3-A65E-4E99-AC47-C1A872BE78BD}" dt="2025-02-20T19:39:03.578" v="800" actId="700"/>
-          <ac:spMkLst>
-            <pc:docMk/>
-            <pc:sldMk cId="1108295149" sldId="414"/>
-            <ac:spMk id="2" creationId="{BCD44414-CAD9-5931-7D43-82C69421CE25}"/>
-          </ac:spMkLst>
-        </pc:spChg>
-        <pc:spChg chg="mod ord">
-          <ac:chgData name="Caipo Manuel (DC/SSD3)" userId="fa17321e-a854-4027-820f-6ed7336ad10a" providerId="ADAL" clId="{ABF6C2D3-A65E-4E99-AC47-C1A872BE78BD}" dt="2025-02-20T19:39:03.578" v="800" actId="700"/>
-          <ac:spMkLst>
-            <pc:docMk/>
-            <pc:sldMk cId="1108295149" sldId="414"/>
-            <ac:spMk id="3" creationId="{FE10AAE9-2761-5861-FC64-1EF00BB8858A}"/>
-          </ac:spMkLst>
-        </pc:spChg>
-        <pc:spChg chg="add del mod ord">
-          <ac:chgData name="Caipo Manuel (DC/SSD3)" userId="fa17321e-a854-4027-820f-6ed7336ad10a" providerId="ADAL" clId="{ABF6C2D3-A65E-4E99-AC47-C1A872BE78BD}" dt="2025-02-20T19:39:06.801" v="801" actId="478"/>
-          <ac:spMkLst>
-            <pc:docMk/>
-            <pc:sldMk cId="1108295149" sldId="414"/>
-            <ac:spMk id="4" creationId="{8D579299-5EA5-235C-F6C7-31A2D8967840}"/>
-          </ac:spMkLst>
-        </pc:spChg>
-        <pc:spChg chg="add mod">
-          <ac:chgData name="Caipo Manuel (DC/SSD3)" userId="fa17321e-a854-4027-820f-6ed7336ad10a" providerId="ADAL" clId="{ABF6C2D3-A65E-4E99-AC47-C1A872BE78BD}" dt="2025-02-20T19:39:34.557" v="845" actId="120"/>
-          <ac:spMkLst>
-            <pc:docMk/>
-            <pc:sldMk cId="1108295149" sldId="414"/>
-            <ac:spMk id="5" creationId="{6BA27EA8-3583-CF3D-165E-769DEE34B467}"/>
-          </ac:spMkLst>
-        </pc:spChg>
-        <pc:spChg chg="del mod topLvl">
-          <ac:chgData name="Caipo Manuel (DC/SSD3)" userId="fa17321e-a854-4027-820f-6ed7336ad10a" providerId="ADAL" clId="{ABF6C2D3-A65E-4E99-AC47-C1A872BE78BD}" dt="2025-02-20T19:40:08.727" v="852" actId="478"/>
-          <ac:spMkLst>
-            <pc:docMk/>
-            <pc:sldMk cId="1108295149" sldId="414"/>
-            <ac:spMk id="9" creationId="{D1668BBE-851D-ED32-55C9-1AA716B57619}"/>
-          </ac:spMkLst>
-        </pc:spChg>
-        <pc:spChg chg="del mod">
-          <ac:chgData name="Caipo Manuel (DC/SSD3)" userId="fa17321e-a854-4027-820f-6ed7336ad10a" providerId="ADAL" clId="{ABF6C2D3-A65E-4E99-AC47-C1A872BE78BD}" dt="2025-02-20T19:41:11.352" v="885" actId="478"/>
-          <ac:spMkLst>
-            <pc:docMk/>
-            <pc:sldMk cId="1108295149" sldId="414"/>
-            <ac:spMk id="11" creationId="{B72E9069-A249-B613-6D12-33D8089CEEB5}"/>
-          </ac:spMkLst>
-        </pc:spChg>
-        <pc:spChg chg="del mod">
-          <ac:chgData name="Caipo Manuel (DC/SSD3)" userId="fa17321e-a854-4027-820f-6ed7336ad10a" providerId="ADAL" clId="{ABF6C2D3-A65E-4E99-AC47-C1A872BE78BD}" dt="2025-02-20T19:41:09.800" v="884" actId="478"/>
-          <ac:spMkLst>
-            <pc:docMk/>
-            <pc:sldMk cId="1108295149" sldId="414"/>
-            <ac:spMk id="12" creationId="{8AD54955-472E-0281-623D-2C3923C54D5D}"/>
-          </ac:spMkLst>
-        </pc:spChg>
-        <pc:spChg chg="mod">
-          <ac:chgData name="Caipo Manuel (DC/SSD3)" userId="fa17321e-a854-4027-820f-6ed7336ad10a" providerId="ADAL" clId="{ABF6C2D3-A65E-4E99-AC47-C1A872BE78BD}" dt="2025-02-20T19:40:05.886" v="851" actId="20577"/>
-          <ac:spMkLst>
-            <pc:docMk/>
-            <pc:sldMk cId="1108295149" sldId="414"/>
-            <ac:spMk id="13" creationId="{2BFBA97B-2B6D-071C-60D8-A9A4847CB542}"/>
-          </ac:spMkLst>
-        </pc:spChg>
-        <pc:spChg chg="add mod">
-          <ac:chgData name="Caipo Manuel (DC/SSD3)" userId="fa17321e-a854-4027-820f-6ed7336ad10a" providerId="ADAL" clId="{ABF6C2D3-A65E-4E99-AC47-C1A872BE78BD}" dt="2025-02-20T19:52:39.040" v="1018" actId="164"/>
-          <ac:spMkLst>
-            <pc:docMk/>
-            <pc:sldMk cId="1108295149" sldId="414"/>
-            <ac:spMk id="14" creationId="{55B63EAD-42A2-D1A4-E66D-01D517268794}"/>
-          </ac:spMkLst>
-        </pc:spChg>
-        <pc:spChg chg="add mod">
-          <ac:chgData name="Caipo Manuel (DC/SSD3)" userId="fa17321e-a854-4027-820f-6ed7336ad10a" providerId="ADAL" clId="{ABF6C2D3-A65E-4E99-AC47-C1A872BE78BD}" dt="2025-02-20T19:52:15.666" v="1011" actId="1076"/>
-          <ac:spMkLst>
-            <pc:docMk/>
-            <pc:sldMk cId="1108295149" sldId="414"/>
-            <ac:spMk id="16" creationId="{1B5D78A2-D923-A9BB-4FB4-183F6A5A0740}"/>
-          </ac:spMkLst>
-        </pc:spChg>
-        <pc:spChg chg="add del">
-          <ac:chgData name="Caipo Manuel (DC/SSD3)" userId="fa17321e-a854-4027-820f-6ed7336ad10a" providerId="ADAL" clId="{ABF6C2D3-A65E-4E99-AC47-C1A872BE78BD}" dt="2025-02-20T19:41:26.123" v="889" actId="478"/>
-          <ac:spMkLst>
-            <pc:docMk/>
-            <pc:sldMk cId="1108295149" sldId="414"/>
-            <ac:spMk id="17" creationId="{E18F1352-B05C-3129-0864-A6D18982D396}"/>
-          </ac:spMkLst>
-        </pc:spChg>
-        <pc:spChg chg="add del">
-          <ac:chgData name="Caipo Manuel (DC/SSD3)" userId="fa17321e-a854-4027-820f-6ed7336ad10a" providerId="ADAL" clId="{ABF6C2D3-A65E-4E99-AC47-C1A872BE78BD}" dt="2025-02-20T19:41:42.959" v="891" actId="478"/>
-          <ac:spMkLst>
-            <pc:docMk/>
-            <pc:sldMk cId="1108295149" sldId="414"/>
-            <ac:spMk id="18" creationId="{2AACFF64-3F60-6794-572B-E21B1A552437}"/>
-          </ac:spMkLst>
-        </pc:spChg>
-        <pc:spChg chg="add mod">
-          <ac:chgData name="Caipo Manuel (DC/SSD3)" userId="fa17321e-a854-4027-820f-6ed7336ad10a" providerId="ADAL" clId="{ABF6C2D3-A65E-4E99-AC47-C1A872BE78BD}" dt="2025-02-20T19:52:39.040" v="1018" actId="164"/>
-          <ac:spMkLst>
-            <pc:docMk/>
-            <pc:sldMk cId="1108295149" sldId="414"/>
-            <ac:spMk id="19" creationId="{BB47ECF5-FDD4-4A59-3316-1021C1B1895D}"/>
-          </ac:spMkLst>
-        </pc:spChg>
-        <pc:spChg chg="add mod">
-          <ac:chgData name="Caipo Manuel (DC/SSD3)" userId="fa17321e-a854-4027-820f-6ed7336ad10a" providerId="ADAL" clId="{ABF6C2D3-A65E-4E99-AC47-C1A872BE78BD}" dt="2025-02-20T19:52:15.666" v="1011" actId="1076"/>
-          <ac:spMkLst>
-            <pc:docMk/>
-            <pc:sldMk cId="1108295149" sldId="414"/>
-            <ac:spMk id="20" creationId="{81A024B0-685E-764E-1FAC-121E23B5A598}"/>
-          </ac:spMkLst>
-        </pc:spChg>
-        <pc:spChg chg="add del">
-          <ac:chgData name="Caipo Manuel (DC/SSD3)" userId="fa17321e-a854-4027-820f-6ed7336ad10a" providerId="ADAL" clId="{ABF6C2D3-A65E-4E99-AC47-C1A872BE78BD}" dt="2025-02-20T19:47:34.770" v="919" actId="478"/>
-          <ac:spMkLst>
-            <pc:docMk/>
-            <pc:sldMk cId="1108295149" sldId="414"/>
-            <ac:spMk id="21" creationId="{5006B83C-2180-EBCE-9EA6-D048D0001A05}"/>
-          </ac:spMkLst>
-        </pc:spChg>
-        <pc:spChg chg="add mod">
-          <ac:chgData name="Caipo Manuel (DC/SSD3)" userId="fa17321e-a854-4027-820f-6ed7336ad10a" providerId="ADAL" clId="{ABF6C2D3-A65E-4E99-AC47-C1A872BE78BD}" dt="2025-02-20T19:52:15.666" v="1011" actId="1076"/>
-          <ac:spMkLst>
-            <pc:docMk/>
-            <pc:sldMk cId="1108295149" sldId="414"/>
-            <ac:spMk id="22" creationId="{3C4AB0D9-804C-65ED-1C6E-703EB2BD1FD3}"/>
-          </ac:spMkLst>
-        </pc:spChg>
-        <pc:spChg chg="add mod">
-          <ac:chgData name="Caipo Manuel (DC/SSD3)" userId="fa17321e-a854-4027-820f-6ed7336ad10a" providerId="ADAL" clId="{ABF6C2D3-A65E-4E99-AC47-C1A872BE78BD}" dt="2025-02-20T19:52:15.666" v="1011" actId="1076"/>
-          <ac:spMkLst>
-            <pc:docMk/>
-            <pc:sldMk cId="1108295149" sldId="414"/>
-            <ac:spMk id="25" creationId="{8373C8BE-F69A-150E-12F0-DD5E142A4DD8}"/>
-          </ac:spMkLst>
-        </pc:spChg>
-        <pc:spChg chg="add mod">
-          <ac:chgData name="Caipo Manuel (DC/SSD3)" userId="fa17321e-a854-4027-820f-6ed7336ad10a" providerId="ADAL" clId="{ABF6C2D3-A65E-4E99-AC47-C1A872BE78BD}" dt="2025-02-20T19:52:15.666" v="1011" actId="1076"/>
-          <ac:spMkLst>
-            <pc:docMk/>
-            <pc:sldMk cId="1108295149" sldId="414"/>
-            <ac:spMk id="26" creationId="{68D6CA60-89F9-9A4A-6EDF-2B7EFFA99446}"/>
-          </ac:spMkLst>
-        </pc:spChg>
-        <pc:spChg chg="add mod">
-          <ac:chgData name="Caipo Manuel (DC/SSD3)" userId="fa17321e-a854-4027-820f-6ed7336ad10a" providerId="ADAL" clId="{ABF6C2D3-A65E-4E99-AC47-C1A872BE78BD}" dt="2025-02-20T19:52:15.666" v="1011" actId="1076"/>
-          <ac:spMkLst>
-            <pc:docMk/>
-            <pc:sldMk cId="1108295149" sldId="414"/>
-            <ac:spMk id="27" creationId="{B9579BF1-66E8-BF4C-4878-1C84B535E472}"/>
-          </ac:spMkLst>
-        </pc:spChg>
-        <pc:spChg chg="add mod">
-          <ac:chgData name="Caipo Manuel (DC/SSD3)" userId="fa17321e-a854-4027-820f-6ed7336ad10a" providerId="ADAL" clId="{ABF6C2D3-A65E-4E99-AC47-C1A872BE78BD}" dt="2025-02-20T19:52:15.666" v="1011" actId="1076"/>
-          <ac:spMkLst>
-            <pc:docMk/>
-            <pc:sldMk cId="1108295149" sldId="414"/>
-            <ac:spMk id="28" creationId="{5896DB84-35C9-3364-C873-4D77FBCCBB21}"/>
-          </ac:spMkLst>
-        </pc:spChg>
-        <pc:spChg chg="add mod">
-          <ac:chgData name="Caipo Manuel (DC/SSD3)" userId="fa17321e-a854-4027-820f-6ed7336ad10a" providerId="ADAL" clId="{ABF6C2D3-A65E-4E99-AC47-C1A872BE78BD}" dt="2025-02-20T19:52:15.666" v="1011" actId="1076"/>
-          <ac:spMkLst>
-            <pc:docMk/>
-            <pc:sldMk cId="1108295149" sldId="414"/>
-            <ac:spMk id="29" creationId="{E222CA6A-9FEF-2E8F-0D2E-9689EC236F25}"/>
-          </ac:spMkLst>
-        </pc:spChg>
-        <pc:spChg chg="add mod">
-          <ac:chgData name="Caipo Manuel (DC/SSD3)" userId="fa17321e-a854-4027-820f-6ed7336ad10a" providerId="ADAL" clId="{ABF6C2D3-A65E-4E99-AC47-C1A872BE78BD}" dt="2025-02-20T19:52:15.666" v="1011" actId="1076"/>
-          <ac:spMkLst>
-            <pc:docMk/>
-            <pc:sldMk cId="1108295149" sldId="414"/>
-            <ac:spMk id="30" creationId="{83C4E0DB-7573-7378-1F36-52587A6707A9}"/>
-          </ac:spMkLst>
-        </pc:spChg>
-        <pc:spChg chg="add mod">
-          <ac:chgData name="Caipo Manuel (DC/SSD3)" userId="fa17321e-a854-4027-820f-6ed7336ad10a" providerId="ADAL" clId="{ABF6C2D3-A65E-4E99-AC47-C1A872BE78BD}" dt="2025-02-20T19:52:18.178" v="1012" actId="1076"/>
-          <ac:spMkLst>
-            <pc:docMk/>
-            <pc:sldMk cId="1108295149" sldId="414"/>
-            <ac:spMk id="31" creationId="{18156313-2B40-4CA8-A84B-54E9E29C7090}"/>
-          </ac:spMkLst>
-        </pc:spChg>
-        <pc:spChg chg="add mod">
-          <ac:chgData name="Caipo Manuel (DC/SSD3)" userId="fa17321e-a854-4027-820f-6ed7336ad10a" providerId="ADAL" clId="{ABF6C2D3-A65E-4E99-AC47-C1A872BE78BD}" dt="2025-02-20T19:52:23.105" v="1014" actId="571"/>
-          <ac:spMkLst>
-            <pc:docMk/>
-            <pc:sldMk cId="1108295149" sldId="414"/>
-            <ac:spMk id="33" creationId="{FC5FD63D-60E3-4B8B-88B7-BE5385D20691}"/>
-          </ac:spMkLst>
-        </pc:spChg>
-        <pc:spChg chg="add mod">
-          <ac:chgData name="Caipo Manuel (DC/SSD3)" userId="fa17321e-a854-4027-820f-6ed7336ad10a" providerId="ADAL" clId="{ABF6C2D3-A65E-4E99-AC47-C1A872BE78BD}" dt="2025-02-20T19:53:08.475" v="1023" actId="1076"/>
-          <ac:spMkLst>
-            <pc:docMk/>
-            <pc:sldMk cId="1108295149" sldId="414"/>
-            <ac:spMk id="35" creationId="{3DF84FD4-AA9A-8053-73D2-F4CA4BE3AB6C}"/>
-          </ac:spMkLst>
-        </pc:spChg>
-        <pc:spChg chg="add mod">
-          <ac:chgData name="Caipo Manuel (DC/SSD3)" userId="fa17321e-a854-4027-820f-6ed7336ad10a" providerId="ADAL" clId="{ABF6C2D3-A65E-4E99-AC47-C1A872BE78BD}" dt="2025-02-20T19:53:11.249" v="1025" actId="1076"/>
-          <ac:spMkLst>
-            <pc:docMk/>
-            <pc:sldMk cId="1108295149" sldId="414"/>
-            <ac:spMk id="36" creationId="{C2AC7252-BED3-D37F-9302-852CD034ADFE}"/>
-          </ac:spMkLst>
-        </pc:spChg>
-        <pc:spChg chg="add mod">
-          <ac:chgData name="Caipo Manuel (DC/SSD3)" userId="fa17321e-a854-4027-820f-6ed7336ad10a" providerId="ADAL" clId="{ABF6C2D3-A65E-4E99-AC47-C1A872BE78BD}" dt="2025-02-20T19:53:16.623" v="1027" actId="1076"/>
-          <ac:spMkLst>
-            <pc:docMk/>
-            <pc:sldMk cId="1108295149" sldId="414"/>
-            <ac:spMk id="37" creationId="{6DF59CA7-BD75-E630-E50A-DCDCB2C1362C}"/>
-          </ac:spMkLst>
-        </pc:spChg>
-        <pc:spChg chg="add mod">
-          <ac:chgData name="Caipo Manuel (DC/SSD3)" userId="fa17321e-a854-4027-820f-6ed7336ad10a" providerId="ADAL" clId="{ABF6C2D3-A65E-4E99-AC47-C1A872BE78BD}" dt="2025-02-20T19:53:19.626" v="1029" actId="1076"/>
-          <ac:spMkLst>
-            <pc:docMk/>
-            <pc:sldMk cId="1108295149" sldId="414"/>
-            <ac:spMk id="38" creationId="{2AA2037F-BD7B-D9B8-2A47-AAF4DFB89293}"/>
-          </ac:spMkLst>
-        </pc:spChg>
-        <pc:spChg chg="add mod">
-          <ac:chgData name="Caipo Manuel (DC/SSD3)" userId="fa17321e-a854-4027-820f-6ed7336ad10a" providerId="ADAL" clId="{ABF6C2D3-A65E-4E99-AC47-C1A872BE78BD}" dt="2025-02-20T19:53:59.355" v="1031" actId="1076"/>
-          <ac:spMkLst>
-            <pc:docMk/>
-            <pc:sldMk cId="1108295149" sldId="414"/>
-            <ac:spMk id="39" creationId="{3109F583-B9BD-58C7-B75B-002A903CFBE5}"/>
-          </ac:spMkLst>
-        </pc:spChg>
-        <pc:spChg chg="add mod">
-          <ac:chgData name="Caipo Manuel (DC/SSD3)" userId="fa17321e-a854-4027-820f-6ed7336ad10a" providerId="ADAL" clId="{ABF6C2D3-A65E-4E99-AC47-C1A872BE78BD}" dt="2025-02-20T19:54:05.149" v="1033" actId="1076"/>
-          <ac:spMkLst>
-            <pc:docMk/>
-            <pc:sldMk cId="1108295149" sldId="414"/>
-            <ac:spMk id="42" creationId="{82C38497-EA99-99DC-BAFC-CD73381E6BB7}"/>
-          </ac:spMkLst>
-        </pc:spChg>
-        <pc:spChg chg="add mod">
-          <ac:chgData name="Caipo Manuel (DC/SSD3)" userId="fa17321e-a854-4027-820f-6ed7336ad10a" providerId="ADAL" clId="{ABF6C2D3-A65E-4E99-AC47-C1A872BE78BD}" dt="2025-02-20T19:54:13.695" v="1035" actId="1076"/>
-          <ac:spMkLst>
-            <pc:docMk/>
-            <pc:sldMk cId="1108295149" sldId="414"/>
-            <ac:spMk id="45" creationId="{B2B2940E-D15F-DFA7-1E3B-916256EAD814}"/>
-          </ac:spMkLst>
-        </pc:spChg>
-        <pc:spChg chg="add mod">
-          <ac:chgData name="Caipo Manuel (DC/SSD3)" userId="fa17321e-a854-4027-820f-6ed7336ad10a" providerId="ADAL" clId="{ABF6C2D3-A65E-4E99-AC47-C1A872BE78BD}" dt="2025-02-20T19:55:13.318" v="1093" actId="1076"/>
-          <ac:spMkLst>
-            <pc:docMk/>
-            <pc:sldMk cId="1108295149" sldId="414"/>
-            <ac:spMk id="46" creationId="{2D9725E4-146F-0FCD-B363-C53B3EBD0EE0}"/>
-          </ac:spMkLst>
-        </pc:spChg>
-        <pc:spChg chg="add mod">
-          <ac:chgData name="Caipo Manuel (DC/SSD3)" userId="fa17321e-a854-4027-820f-6ed7336ad10a" providerId="ADAL" clId="{ABF6C2D3-A65E-4E99-AC47-C1A872BE78BD}" dt="2025-02-20T19:55:16.317" v="1094" actId="1076"/>
-          <ac:spMkLst>
-            <pc:docMk/>
-            <pc:sldMk cId="1108295149" sldId="414"/>
-            <ac:spMk id="47" creationId="{0CB478CE-EA1E-CAC0-2F6C-B149353CB7B2}"/>
-          </ac:spMkLst>
-        </pc:spChg>
-        <pc:spChg chg="add mod">
-          <ac:chgData name="Caipo Manuel (DC/SSD3)" userId="fa17321e-a854-4027-820f-6ed7336ad10a" providerId="ADAL" clId="{ABF6C2D3-A65E-4E99-AC47-C1A872BE78BD}" dt="2025-02-20T19:55:39.824" v="1098" actId="1076"/>
-          <ac:spMkLst>
-            <pc:docMk/>
-            <pc:sldMk cId="1108295149" sldId="414"/>
-            <ac:spMk id="50" creationId="{3001BD5F-5FB6-41B7-14E7-4D1F6EF73721}"/>
-          </ac:spMkLst>
-        </pc:spChg>
-        <pc:grpChg chg="add del mod">
-          <ac:chgData name="Caipo Manuel (DC/SSD3)" userId="fa17321e-a854-4027-820f-6ed7336ad10a" providerId="ADAL" clId="{ABF6C2D3-A65E-4E99-AC47-C1A872BE78BD}" dt="2025-02-20T19:40:01.083" v="847" actId="165"/>
-          <ac:grpSpMkLst>
-            <pc:docMk/>
-            <pc:sldMk cId="1108295149" sldId="414"/>
-            <ac:grpSpMk id="6" creationId="{A7F9F4A2-E568-CA4B-B041-8631775ED73F}"/>
-          </ac:grpSpMkLst>
-        </pc:grpChg>
-        <pc:grpChg chg="add del mod topLvl">
-          <ac:chgData name="Caipo Manuel (DC/SSD3)" userId="fa17321e-a854-4027-820f-6ed7336ad10a" providerId="ADAL" clId="{ABF6C2D3-A65E-4E99-AC47-C1A872BE78BD}" dt="2025-02-20T19:41:05.510" v="883" actId="338"/>
-          <ac:grpSpMkLst>
-            <pc:docMk/>
-            <pc:sldMk cId="1108295149" sldId="414"/>
-            <ac:grpSpMk id="8" creationId="{288007AE-33DE-AAD5-20DE-0EE411404BB9}"/>
-          </ac:grpSpMkLst>
-        </pc:grpChg>
-        <pc:grpChg chg="add mod">
-          <ac:chgData name="Caipo Manuel (DC/SSD3)" userId="fa17321e-a854-4027-820f-6ed7336ad10a" providerId="ADAL" clId="{ABF6C2D3-A65E-4E99-AC47-C1A872BE78BD}" dt="2025-02-20T19:52:15.666" v="1011" actId="1076"/>
-          <ac:grpSpMkLst>
-            <pc:docMk/>
-            <pc:sldMk cId="1108295149" sldId="414"/>
-            <ac:grpSpMk id="15" creationId="{F89849C3-0BA9-26B8-EA5F-93358EF1CCB0}"/>
-          </ac:grpSpMkLst>
-        </pc:grpChg>
-        <pc:grpChg chg="add mod">
-          <ac:chgData name="Caipo Manuel (DC/SSD3)" userId="fa17321e-a854-4027-820f-6ed7336ad10a" providerId="ADAL" clId="{ABF6C2D3-A65E-4E99-AC47-C1A872BE78BD}" dt="2025-02-20T19:52:39.040" v="1018" actId="164"/>
-          <ac:grpSpMkLst>
-            <pc:docMk/>
-            <pc:sldMk cId="1108295149" sldId="414"/>
-            <ac:grpSpMk id="34" creationId="{9B902B40-F137-F0A0-34FE-B8A0AAE63BBE}"/>
-          </ac:grpSpMkLst>
-        </pc:grpChg>
-        <pc:picChg chg="add mod">
-          <ac:chgData name="Caipo Manuel (DC/SSD3)" userId="fa17321e-a854-4027-820f-6ed7336ad10a" providerId="ADAL" clId="{ABF6C2D3-A65E-4E99-AC47-C1A872BE78BD}" dt="2025-02-20T19:52:23.105" v="1014" actId="571"/>
-          <ac:picMkLst>
-            <pc:docMk/>
-            <pc:sldMk cId="1108295149" sldId="414"/>
-            <ac:picMk id="32" creationId="{50EBA9CA-2F1A-6AED-CDD8-37708BD38D14}"/>
-          </ac:picMkLst>
-        </pc:picChg>
-        <pc:picChg chg="add mod">
-          <ac:chgData name="Caipo Manuel (DC/SSD3)" userId="fa17321e-a854-4027-820f-6ed7336ad10a" providerId="ADAL" clId="{ABF6C2D3-A65E-4E99-AC47-C1A872BE78BD}" dt="2025-02-20T19:55:37.112" v="1097" actId="1076"/>
-          <ac:picMkLst>
-            <pc:docMk/>
-            <pc:sldMk cId="1108295149" sldId="414"/>
-            <ac:picMk id="51" creationId="{FA37DB1E-5377-D75E-0CE0-686049E6733B}"/>
-          </ac:picMkLst>
-        </pc:picChg>
-        <pc:picChg chg="add mod">
-          <ac:chgData name="Caipo Manuel (DC/SSD3)" userId="fa17321e-a854-4027-820f-6ed7336ad10a" providerId="ADAL" clId="{ABF6C2D3-A65E-4E99-AC47-C1A872BE78BD}" dt="2025-02-20T19:52:39.040" v="1018" actId="164"/>
-          <ac:picMkLst>
-            <pc:docMk/>
-            <pc:sldMk cId="1108295149" sldId="414"/>
-            <ac:picMk id="3074" creationId="{2E733FB5-55E1-D939-E402-802F5575A037}"/>
-          </ac:picMkLst>
-        </pc:picChg>
-        <pc:cxnChg chg="mod topLvl">
-          <ac:chgData name="Caipo Manuel (DC/SSD3)" userId="fa17321e-a854-4027-820f-6ed7336ad10a" providerId="ADAL" clId="{ABF6C2D3-A65E-4E99-AC47-C1A872BE78BD}" dt="2025-02-20T19:41:05.510" v="883" actId="338"/>
-          <ac:cxnSpMkLst>
-            <pc:docMk/>
-            <pc:sldMk cId="1108295149" sldId="414"/>
-            <ac:cxnSpMk id="7" creationId="{A72F3E2D-2F79-45F5-A665-02829E673A1F}"/>
-          </ac:cxnSpMkLst>
-        </pc:cxnChg>
-        <pc:cxnChg chg="mod">
-          <ac:chgData name="Caipo Manuel (DC/SSD3)" userId="fa17321e-a854-4027-820f-6ed7336ad10a" providerId="ADAL" clId="{ABF6C2D3-A65E-4E99-AC47-C1A872BE78BD}" dt="2025-02-20T19:40:01.083" v="847" actId="165"/>
-          <ac:cxnSpMkLst>
-            <pc:docMk/>
-            <pc:sldMk cId="1108295149" sldId="414"/>
-            <ac:cxnSpMk id="10" creationId="{9088E789-0155-7168-288A-1E293C448DD0}"/>
-          </ac:cxnSpMkLst>
-        </pc:cxnChg>
-        <pc:cxnChg chg="add del">
-          <ac:chgData name="Caipo Manuel (DC/SSD3)" userId="fa17321e-a854-4027-820f-6ed7336ad10a" providerId="ADAL" clId="{ABF6C2D3-A65E-4E99-AC47-C1A872BE78BD}" dt="2025-02-20T19:48:49.491" v="923" actId="478"/>
-          <ac:cxnSpMkLst>
-            <pc:docMk/>
-            <pc:sldMk cId="1108295149" sldId="414"/>
-            <ac:cxnSpMk id="24" creationId="{597DB70C-99E0-5F59-984C-A0B7D5692BCC}"/>
-          </ac:cxnSpMkLst>
-        </pc:cxnChg>
-        <pc:cxnChg chg="add mod">
-          <ac:chgData name="Caipo Manuel (DC/SSD3)" userId="fa17321e-a854-4027-820f-6ed7336ad10a" providerId="ADAL" clId="{ABF6C2D3-A65E-4E99-AC47-C1A872BE78BD}" dt="2025-02-20T19:53:59.355" v="1031" actId="1076"/>
-          <ac:cxnSpMkLst>
-            <pc:docMk/>
-            <pc:sldMk cId="1108295149" sldId="414"/>
-            <ac:cxnSpMk id="40" creationId="{3CDF667F-AFC6-21CF-843D-567B931B0C7D}"/>
-          </ac:cxnSpMkLst>
-        </pc:cxnChg>
-        <pc:cxnChg chg="add mod">
-          <ac:chgData name="Caipo Manuel (DC/SSD3)" userId="fa17321e-a854-4027-820f-6ed7336ad10a" providerId="ADAL" clId="{ABF6C2D3-A65E-4E99-AC47-C1A872BE78BD}" dt="2025-02-20T19:53:59.355" v="1031" actId="1076"/>
-          <ac:cxnSpMkLst>
-            <pc:docMk/>
-            <pc:sldMk cId="1108295149" sldId="414"/>
-            <ac:cxnSpMk id="41" creationId="{7AD1B973-4B02-B95E-179F-819A11292AB4}"/>
-          </ac:cxnSpMkLst>
-        </pc:cxnChg>
-        <pc:cxnChg chg="add mod">
-          <ac:chgData name="Caipo Manuel (DC/SSD3)" userId="fa17321e-a854-4027-820f-6ed7336ad10a" providerId="ADAL" clId="{ABF6C2D3-A65E-4E99-AC47-C1A872BE78BD}" dt="2025-02-20T19:54:05.149" v="1033" actId="1076"/>
-          <ac:cxnSpMkLst>
-            <pc:docMk/>
-            <pc:sldMk cId="1108295149" sldId="414"/>
-            <ac:cxnSpMk id="43" creationId="{353AD59D-3407-316E-5C47-82454FB95913}"/>
-          </ac:cxnSpMkLst>
-        </pc:cxnChg>
-        <pc:cxnChg chg="add mod">
-          <ac:chgData name="Caipo Manuel (DC/SSD3)" userId="fa17321e-a854-4027-820f-6ed7336ad10a" providerId="ADAL" clId="{ABF6C2D3-A65E-4E99-AC47-C1A872BE78BD}" dt="2025-02-20T19:54:05.149" v="1033" actId="1076"/>
-          <ac:cxnSpMkLst>
-            <pc:docMk/>
-            <pc:sldMk cId="1108295149" sldId="414"/>
-            <ac:cxnSpMk id="44" creationId="{02392FD0-2FE7-FF5E-55C2-A6476A8DE6CA}"/>
-          </ac:cxnSpMkLst>
-        </pc:cxnChg>
-        <pc:cxnChg chg="add">
-          <ac:chgData name="Caipo Manuel (DC/SSD3)" userId="fa17321e-a854-4027-820f-6ed7336ad10a" providerId="ADAL" clId="{ABF6C2D3-A65E-4E99-AC47-C1A872BE78BD}" dt="2025-02-20T19:55:30.016" v="1095" actId="11529"/>
-          <ac:cxnSpMkLst>
-            <pc:docMk/>
-            <pc:sldMk cId="1108295149" sldId="414"/>
-            <ac:cxnSpMk id="49" creationId="{52822F55-171C-28C1-CAFF-E71CA2EA4712}"/>
-          </ac:cxnSpMkLst>
-        </pc:cxnChg>
       </pc:sldChg>
       <pc:sldChg chg="addSp delSp new del mod">
         <pc:chgData name="Caipo Manuel (DC/SSD3)" userId="fa17321e-a854-4027-820f-6ed7336ad10a" providerId="ADAL" clId="{ABF6C2D3-A65E-4E99-AC47-C1A872BE78BD}" dt="2025-02-20T19:58:20.313" v="1102" actId="47"/>
@@ -1483,14 +275,6 @@
           <pc:docMk/>
           <pc:sldMk cId="3154126935" sldId="415"/>
         </pc:sldMkLst>
-        <pc:picChg chg="add del">
-          <ac:chgData name="Caipo Manuel (DC/SSD3)" userId="fa17321e-a854-4027-820f-6ed7336ad10a" providerId="ADAL" clId="{ABF6C2D3-A65E-4E99-AC47-C1A872BE78BD}" dt="2025-02-20T19:58:19.427" v="1101" actId="478"/>
-          <ac:picMkLst>
-            <pc:docMk/>
-            <pc:sldMk cId="3154126935" sldId="415"/>
-            <ac:picMk id="12" creationId="{E9E394BE-45BE-E0DD-01A3-7E4FE8F71558}"/>
-          </ac:picMkLst>
-        </pc:picChg>
       </pc:sldChg>
       <pc:sldMasterChg chg="delSldLayout">
         <pc:chgData name="Caipo Manuel (DC/SSD3)" userId="fa17321e-a854-4027-820f-6ed7336ad10a" providerId="ADAL" clId="{ABF6C2D3-A65E-4E99-AC47-C1A872BE78BD}" dt="2025-02-20T18:00:46.775" v="1" actId="47"/>
@@ -1620,14 +404,6 @@
           <pc:docMk/>
           <pc:sldMk cId="1134379130" sldId="400"/>
         </pc:sldMkLst>
-        <pc:spChg chg="mod ord">
-          <ac:chgData name="Caipo Manuel (DC/SSD3)" userId="fa17321e-a854-4027-820f-6ed7336ad10a" providerId="ADAL" clId="{3212F2CB-0FC2-4920-B922-780CB444A1F7}" dt="2024-11-25T10:23:59.046" v="47" actId="255"/>
-          <ac:spMkLst>
-            <pc:docMk/>
-            <pc:sldMk cId="1134379130" sldId="400"/>
-            <ac:spMk id="2" creationId="{CF19378F-464F-DD22-C204-410D465F2717}"/>
-          </ac:spMkLst>
-        </pc:spChg>
       </pc:sldChg>
       <pc:sldChg chg="modSp add del mod">
         <pc:chgData name="Caipo Manuel (DC/SSD3)" userId="fa17321e-a854-4027-820f-6ed7336ad10a" providerId="ADAL" clId="{3212F2CB-0FC2-4920-B922-780CB444A1F7}" dt="2024-11-25T10:25:39.858" v="110" actId="47"/>
@@ -2065,14 +841,6 @@
           <pc:docMk/>
           <pc:sldMk cId="1134379130" sldId="400"/>
         </pc:sldMkLst>
-        <pc:spChg chg="mod">
-          <ac:chgData name="Caipo Manuel (DC/SSD3)" userId="fa17321e-a854-4027-820f-6ed7336ad10a" providerId="ADAL" clId="{620FC0D5-BC92-456A-B5B4-141DFA6E3FDF}" dt="2025-02-16T23:04:35.037" v="7"/>
-          <ac:spMkLst>
-            <pc:docMk/>
-            <pc:sldMk cId="1134379130" sldId="400"/>
-            <ac:spMk id="2" creationId="{CF19378F-464F-DD22-C204-410D465F2717}"/>
-          </ac:spMkLst>
-        </pc:spChg>
       </pc:sldChg>
       <pc:sldChg chg="modSp mod">
         <pc:chgData name="Caipo Manuel (DC/SSD3)" userId="fa17321e-a854-4027-820f-6ed7336ad10a" providerId="ADAL" clId="{620FC0D5-BC92-456A-B5B4-141DFA6E3FDF}" dt="2025-02-16T23:07:19.654" v="21" actId="255"/>
@@ -2080,22 +848,6 @@
           <pc:docMk/>
           <pc:sldMk cId="258169186" sldId="406"/>
         </pc:sldMkLst>
-        <pc:spChg chg="mod">
-          <ac:chgData name="Caipo Manuel (DC/SSD3)" userId="fa17321e-a854-4027-820f-6ed7336ad10a" providerId="ADAL" clId="{620FC0D5-BC92-456A-B5B4-141DFA6E3FDF}" dt="2025-02-16T23:04:57.133" v="8" actId="14100"/>
-          <ac:spMkLst>
-            <pc:docMk/>
-            <pc:sldMk cId="258169186" sldId="406"/>
-            <ac:spMk id="8" creationId="{26AF9046-C023-B23D-2B3F-D886DC8F2912}"/>
-          </ac:spMkLst>
-        </pc:spChg>
-        <pc:spChg chg="mod">
-          <ac:chgData name="Caipo Manuel (DC/SSD3)" userId="fa17321e-a854-4027-820f-6ed7336ad10a" providerId="ADAL" clId="{620FC0D5-BC92-456A-B5B4-141DFA6E3FDF}" dt="2025-02-16T23:07:19.654" v="21" actId="255"/>
-          <ac:spMkLst>
-            <pc:docMk/>
-            <pc:sldMk cId="258169186" sldId="406"/>
-            <ac:spMk id="9" creationId="{3B677417-742A-A253-8A79-EE74323AAFDB}"/>
-          </ac:spMkLst>
-        </pc:spChg>
       </pc:sldChg>
       <pc:sldChg chg="modSp mod">
         <pc:chgData name="Caipo Manuel (DC/SSD3)" userId="fa17321e-a854-4027-820f-6ed7336ad10a" providerId="ADAL" clId="{620FC0D5-BC92-456A-B5B4-141DFA6E3FDF}" dt="2025-02-16T23:16:10.402" v="55" actId="1076"/>
@@ -2103,126 +855,6 @@
           <pc:docMk/>
           <pc:sldMk cId="432981431" sldId="407"/>
         </pc:sldMkLst>
-        <pc:spChg chg="mod">
-          <ac:chgData name="Caipo Manuel (DC/SSD3)" userId="fa17321e-a854-4027-820f-6ed7336ad10a" providerId="ADAL" clId="{620FC0D5-BC92-456A-B5B4-141DFA6E3FDF}" dt="2025-02-16T23:06:35.742" v="17" actId="313"/>
-          <ac:spMkLst>
-            <pc:docMk/>
-            <pc:sldMk cId="432981431" sldId="407"/>
-            <ac:spMk id="80" creationId="{A46E0DF9-61DD-AA8C-B4B7-CEFC52666B96}"/>
-          </ac:spMkLst>
-        </pc:spChg>
-        <pc:spChg chg="mod">
-          <ac:chgData name="Caipo Manuel (DC/SSD3)" userId="fa17321e-a854-4027-820f-6ed7336ad10a" providerId="ADAL" clId="{620FC0D5-BC92-456A-B5B4-141DFA6E3FDF}" dt="2025-02-16T23:16:04.306" v="54" actId="207"/>
-          <ac:spMkLst>
-            <pc:docMk/>
-            <pc:sldMk cId="432981431" sldId="407"/>
-            <ac:spMk id="81" creationId="{59285233-56E9-5125-659C-58BC7E42751D}"/>
-          </ac:spMkLst>
-        </pc:spChg>
-        <pc:spChg chg="mod">
-          <ac:chgData name="Caipo Manuel (DC/SSD3)" userId="fa17321e-a854-4027-820f-6ed7336ad10a" providerId="ADAL" clId="{620FC0D5-BC92-456A-B5B4-141DFA6E3FDF}" dt="2025-02-16T23:12:11.945" v="27" actId="1076"/>
-          <ac:spMkLst>
-            <pc:docMk/>
-            <pc:sldMk cId="432981431" sldId="407"/>
-            <ac:spMk id="105" creationId="{252C319E-743B-5109-5D5D-48E195EA208F}"/>
-          </ac:spMkLst>
-        </pc:spChg>
-        <pc:spChg chg="mod">
-          <ac:chgData name="Caipo Manuel (DC/SSD3)" userId="fa17321e-a854-4027-820f-6ed7336ad10a" providerId="ADAL" clId="{620FC0D5-BC92-456A-B5B4-141DFA6E3FDF}" dt="2025-02-16T23:06:51.498" v="19" actId="14100"/>
-          <ac:spMkLst>
-            <pc:docMk/>
-            <pc:sldMk cId="432981431" sldId="407"/>
-            <ac:spMk id="156" creationId="{BB23761F-B8AD-88BE-A037-022B59769634}"/>
-          </ac:spMkLst>
-        </pc:spChg>
-        <pc:spChg chg="mod">
-          <ac:chgData name="Caipo Manuel (DC/SSD3)" userId="fa17321e-a854-4027-820f-6ed7336ad10a" providerId="ADAL" clId="{620FC0D5-BC92-456A-B5B4-141DFA6E3FDF}" dt="2025-02-16T23:07:02.498" v="20" actId="255"/>
-          <ac:spMkLst>
-            <pc:docMk/>
-            <pc:sldMk cId="432981431" sldId="407"/>
-            <ac:spMk id="200" creationId="{DD3F459C-080A-7EEA-8434-F8FE6CE1CEA7}"/>
-          </ac:spMkLst>
-        </pc:spChg>
-        <pc:spChg chg="mod">
-          <ac:chgData name="Caipo Manuel (DC/SSD3)" userId="fa17321e-a854-4027-820f-6ed7336ad10a" providerId="ADAL" clId="{620FC0D5-BC92-456A-B5B4-141DFA6E3FDF}" dt="2025-02-16T23:05:05.682" v="9" actId="14100"/>
-          <ac:spMkLst>
-            <pc:docMk/>
-            <pc:sldMk cId="432981431" sldId="407"/>
-            <ac:spMk id="1077" creationId="{76616610-82D9-04DE-6D16-C5317453D1A9}"/>
-          </ac:spMkLst>
-        </pc:spChg>
-        <pc:picChg chg="mod">
-          <ac:chgData name="Caipo Manuel (DC/SSD3)" userId="fa17321e-a854-4027-820f-6ed7336ad10a" providerId="ADAL" clId="{620FC0D5-BC92-456A-B5B4-141DFA6E3FDF}" dt="2025-02-16T23:15:30.789" v="32" actId="1076"/>
-          <ac:picMkLst>
-            <pc:docMk/>
-            <pc:sldMk cId="432981431" sldId="407"/>
-            <ac:picMk id="79" creationId="{079AC7F0-A39B-A476-6A1F-42102BEB8EAA}"/>
-          </ac:picMkLst>
-        </pc:picChg>
-        <pc:picChg chg="mod">
-          <ac:chgData name="Caipo Manuel (DC/SSD3)" userId="fa17321e-a854-4027-820f-6ed7336ad10a" providerId="ADAL" clId="{620FC0D5-BC92-456A-B5B4-141DFA6E3FDF}" dt="2025-02-16T23:16:10.402" v="55" actId="1076"/>
-          <ac:picMkLst>
-            <pc:docMk/>
-            <pc:sldMk cId="432981431" sldId="407"/>
-            <ac:picMk id="209" creationId="{7A82EF3F-D082-F23E-06AF-5B6B32A98D1B}"/>
-          </ac:picMkLst>
-        </pc:picChg>
-        <pc:cxnChg chg="mod">
-          <ac:chgData name="Caipo Manuel (DC/SSD3)" userId="fa17321e-a854-4027-820f-6ed7336ad10a" providerId="ADAL" clId="{620FC0D5-BC92-456A-B5B4-141DFA6E3FDF}" dt="2025-02-16T23:12:09.415" v="26" actId="14100"/>
-          <ac:cxnSpMkLst>
-            <pc:docMk/>
-            <pc:sldMk cId="432981431" sldId="407"/>
-            <ac:cxnSpMk id="98" creationId="{0FB36341-357A-D20A-13C6-918843B8E832}"/>
-          </ac:cxnSpMkLst>
-        </pc:cxnChg>
-        <pc:cxnChg chg="mod">
-          <ac:chgData name="Caipo Manuel (DC/SSD3)" userId="fa17321e-a854-4027-820f-6ed7336ad10a" providerId="ADAL" clId="{620FC0D5-BC92-456A-B5B4-141DFA6E3FDF}" dt="2025-02-16T23:06:51.498" v="19" actId="14100"/>
-          <ac:cxnSpMkLst>
-            <pc:docMk/>
-            <pc:sldMk cId="432981431" sldId="407"/>
-            <ac:cxnSpMk id="191" creationId="{2AF169FA-7193-FCE1-7C04-4C631FBAA6D0}"/>
-          </ac:cxnSpMkLst>
-        </pc:cxnChg>
-        <pc:cxnChg chg="mod">
-          <ac:chgData name="Caipo Manuel (DC/SSD3)" userId="fa17321e-a854-4027-820f-6ed7336ad10a" providerId="ADAL" clId="{620FC0D5-BC92-456A-B5B4-141DFA6E3FDF}" dt="2025-02-16T23:15:32.879" v="33" actId="14100"/>
-          <ac:cxnSpMkLst>
-            <pc:docMk/>
-            <pc:sldMk cId="432981431" sldId="407"/>
-            <ac:cxnSpMk id="193" creationId="{CD8F3ABC-6FE4-557A-5898-1B1050D1E169}"/>
-          </ac:cxnSpMkLst>
-        </pc:cxnChg>
-        <pc:cxnChg chg="mod">
-          <ac:chgData name="Caipo Manuel (DC/SSD3)" userId="fa17321e-a854-4027-820f-6ed7336ad10a" providerId="ADAL" clId="{620FC0D5-BC92-456A-B5B4-141DFA6E3FDF}" dt="2025-02-16T23:06:51.498" v="19" actId="14100"/>
-          <ac:cxnSpMkLst>
-            <pc:docMk/>
-            <pc:sldMk cId="432981431" sldId="407"/>
-            <ac:cxnSpMk id="214" creationId="{FC4CA9C5-48DC-F30C-150D-3F74782B094D}"/>
-          </ac:cxnSpMkLst>
-        </pc:cxnChg>
-        <pc:cxnChg chg="mod">
-          <ac:chgData name="Caipo Manuel (DC/SSD3)" userId="fa17321e-a854-4027-820f-6ed7336ad10a" providerId="ADAL" clId="{620FC0D5-BC92-456A-B5B4-141DFA6E3FDF}" dt="2025-02-16T23:06:35.742" v="17" actId="313"/>
-          <ac:cxnSpMkLst>
-            <pc:docMk/>
-            <pc:sldMk cId="432981431" sldId="407"/>
-            <ac:cxnSpMk id="218" creationId="{04C9A420-0F8D-0CC1-DE83-D6DFE4E119C7}"/>
-          </ac:cxnSpMkLst>
-        </pc:cxnChg>
-        <pc:cxnChg chg="mod">
-          <ac:chgData name="Caipo Manuel (DC/SSD3)" userId="fa17321e-a854-4027-820f-6ed7336ad10a" providerId="ADAL" clId="{620FC0D5-BC92-456A-B5B4-141DFA6E3FDF}" dt="2025-02-16T23:05:05.682" v="9" actId="14100"/>
-          <ac:cxnSpMkLst>
-            <pc:docMk/>
-            <pc:sldMk cId="432981431" sldId="407"/>
-            <ac:cxnSpMk id="220" creationId="{427C8828-D208-C719-BF69-B2985EECBB81}"/>
-          </ac:cxnSpMkLst>
-        </pc:cxnChg>
-        <pc:cxnChg chg="mod">
-          <ac:chgData name="Caipo Manuel (DC/SSD3)" userId="fa17321e-a854-4027-820f-6ed7336ad10a" providerId="ADAL" clId="{620FC0D5-BC92-456A-B5B4-141DFA6E3FDF}" dt="2025-02-16T23:06:51.498" v="19" actId="14100"/>
-          <ac:cxnSpMkLst>
-            <pc:docMk/>
-            <pc:sldMk cId="432981431" sldId="407"/>
-            <ac:cxnSpMk id="1072" creationId="{16196589-113D-20EF-6EDD-E34E50E6D278}"/>
-          </ac:cxnSpMkLst>
-        </pc:cxnChg>
       </pc:sldChg>
       <pc:sldChg chg="delSp modSp mod">
         <pc:chgData name="Caipo Manuel (DC/SSD3)" userId="fa17321e-a854-4027-820f-6ed7336ad10a" providerId="ADAL" clId="{620FC0D5-BC92-456A-B5B4-141DFA6E3FDF}" dt="2025-02-16T23:10:13.729" v="23" actId="478"/>
@@ -2230,38 +862,6 @@
           <pc:docMk/>
           <pc:sldMk cId="3460364792" sldId="408"/>
         </pc:sldMkLst>
-        <pc:spChg chg="del">
-          <ac:chgData name="Caipo Manuel (DC/SSD3)" userId="fa17321e-a854-4027-820f-6ed7336ad10a" providerId="ADAL" clId="{620FC0D5-BC92-456A-B5B4-141DFA6E3FDF}" dt="2025-02-16T23:10:13.729" v="23" actId="478"/>
-          <ac:spMkLst>
-            <pc:docMk/>
-            <pc:sldMk cId="3460364792" sldId="408"/>
-            <ac:spMk id="39" creationId="{BB859B27-7C75-A591-B451-99D00713E468}"/>
-          </ac:spMkLst>
-        </pc:spChg>
-        <pc:spChg chg="mod">
-          <ac:chgData name="Caipo Manuel (DC/SSD3)" userId="fa17321e-a854-4027-820f-6ed7336ad10a" providerId="ADAL" clId="{620FC0D5-BC92-456A-B5B4-141DFA6E3FDF}" dt="2025-02-16T23:05:45.674" v="12" actId="1076"/>
-          <ac:spMkLst>
-            <pc:docMk/>
-            <pc:sldMk cId="3460364792" sldId="408"/>
-            <ac:spMk id="62" creationId="{63860045-E648-6FAC-A61A-2744AE0700B8}"/>
-          </ac:spMkLst>
-        </pc:spChg>
-        <pc:spChg chg="mod">
-          <ac:chgData name="Caipo Manuel (DC/SSD3)" userId="fa17321e-a854-4027-820f-6ed7336ad10a" providerId="ADAL" clId="{620FC0D5-BC92-456A-B5B4-141DFA6E3FDF}" dt="2025-02-16T23:05:48.282" v="13" actId="1076"/>
-          <ac:spMkLst>
-            <pc:docMk/>
-            <pc:sldMk cId="3460364792" sldId="408"/>
-            <ac:spMk id="84" creationId="{1AE80DDD-1C4B-F522-5BAE-AA4EFB999BFF}"/>
-          </ac:spMkLst>
-        </pc:spChg>
-        <pc:spChg chg="mod">
-          <ac:chgData name="Caipo Manuel (DC/SSD3)" userId="fa17321e-a854-4027-820f-6ed7336ad10a" providerId="ADAL" clId="{620FC0D5-BC92-456A-B5B4-141DFA6E3FDF}" dt="2025-02-16T23:05:50.846" v="14" actId="1076"/>
-          <ac:spMkLst>
-            <pc:docMk/>
-            <pc:sldMk cId="3460364792" sldId="408"/>
-            <ac:spMk id="85" creationId="{F6802FE9-E05E-939D-B9A8-535BE191E6A7}"/>
-          </ac:spMkLst>
-        </pc:spChg>
       </pc:sldChg>
       <pc:sldChg chg="modSp mod">
         <pc:chgData name="Caipo Manuel (DC/SSD3)" userId="fa17321e-a854-4027-820f-6ed7336ad10a" providerId="ADAL" clId="{620FC0D5-BC92-456A-B5B4-141DFA6E3FDF}" dt="2025-02-16T23:12:30.365" v="30" actId="20577"/>
@@ -2269,14 +869,6 @@
           <pc:docMk/>
           <pc:sldMk cId="4053953256" sldId="409"/>
         </pc:sldMkLst>
-        <pc:spChg chg="mod">
-          <ac:chgData name="Caipo Manuel (DC/SSD3)" userId="fa17321e-a854-4027-820f-6ed7336ad10a" providerId="ADAL" clId="{620FC0D5-BC92-456A-B5B4-141DFA6E3FDF}" dt="2025-02-16T23:12:30.365" v="30" actId="20577"/>
-          <ac:spMkLst>
-            <pc:docMk/>
-            <pc:sldMk cId="4053953256" sldId="409"/>
-            <ac:spMk id="2" creationId="{534644CA-71E9-953E-5099-A4F04D29FB7C}"/>
-          </ac:spMkLst>
-        </pc:spChg>
       </pc:sldChg>
       <pc:sldChg chg="modSp mod">
         <pc:chgData name="Caipo Manuel (DC/SSD3)" userId="fa17321e-a854-4027-820f-6ed7336ad10a" providerId="ADAL" clId="{620FC0D5-BC92-456A-B5B4-141DFA6E3FDF}" dt="2025-02-16T23:07:32.508" v="22" actId="1076"/>
@@ -2284,14 +876,6 @@
           <pc:docMk/>
           <pc:sldMk cId="3727871246" sldId="410"/>
         </pc:sldMkLst>
-        <pc:spChg chg="mod">
-          <ac:chgData name="Caipo Manuel (DC/SSD3)" userId="fa17321e-a854-4027-820f-6ed7336ad10a" providerId="ADAL" clId="{620FC0D5-BC92-456A-B5B4-141DFA6E3FDF}" dt="2025-02-16T23:07:32.508" v="22" actId="1076"/>
-          <ac:spMkLst>
-            <pc:docMk/>
-            <pc:sldMk cId="3727871246" sldId="410"/>
-            <ac:spMk id="10" creationId="{8DAB705F-C26F-DF75-2A28-DD9AAE657A8A}"/>
-          </ac:spMkLst>
-        </pc:spChg>
       </pc:sldChg>
     </pc:docChg>
   </pc:docChgLst>
@@ -2308,14 +892,230 @@
           <pc:docMk/>
           <pc:sldMk cId="1134379130" sldId="400"/>
         </pc:sldMkLst>
+      </pc:sldChg>
+    </pc:docChg>
+  </pc:docChgLst>
+  <pc:docChgLst>
+    <pc:chgData name="Caipo Manuel (DC/SSD3)" userId="fa17321e-a854-4027-820f-6ed7336ad10a" providerId="ADAL" clId="{9178515F-C304-491B-BD01-4B4D44206E6D}"/>
+    <pc:docChg chg="undo custSel modSld">
+      <pc:chgData name="Caipo Manuel (DC/SSD3)" userId="fa17321e-a854-4027-820f-6ed7336ad10a" providerId="ADAL" clId="{9178515F-C304-491B-BD01-4B4D44206E6D}" dt="2025-10-19T20:17:00.920" v="35" actId="21"/>
+      <pc:docMkLst>
+        <pc:docMk/>
+      </pc:docMkLst>
+      <pc:sldChg chg="addSp delSp modSp mod delAnim modAnim">
+        <pc:chgData name="Caipo Manuel (DC/SSD3)" userId="fa17321e-a854-4027-820f-6ed7336ad10a" providerId="ADAL" clId="{9178515F-C304-491B-BD01-4B4D44206E6D}" dt="2025-10-19T20:17:00.920" v="35" actId="21"/>
+        <pc:sldMkLst>
+          <pc:docMk/>
+          <pc:sldMk cId="1113671606" sldId="412"/>
+        </pc:sldMkLst>
         <pc:spChg chg="mod">
-          <ac:chgData name="Manuel Caipo" userId="1f587cb93711f150" providerId="LiveId" clId="{0B52429B-5699-4605-8017-2C4D446D5594}" dt="2025-02-15T14:39:23.816" v="66" actId="20577"/>
+          <ac:chgData name="Caipo Manuel (DC/SSD3)" userId="fa17321e-a854-4027-820f-6ed7336ad10a" providerId="ADAL" clId="{9178515F-C304-491B-BD01-4B4D44206E6D}" dt="2025-10-19T20:14:59.318" v="27" actId="164"/>
           <ac:spMkLst>
             <pc:docMk/>
-            <pc:sldMk cId="1134379130" sldId="400"/>
-            <ac:spMk id="2" creationId="{CF19378F-464F-DD22-C204-410D465F2717}"/>
+            <pc:sldMk cId="1113671606" sldId="412"/>
+            <ac:spMk id="33" creationId="{4E4D17DC-C4FD-7C1D-DBAB-CFAC88904A46}"/>
           </ac:spMkLst>
         </pc:spChg>
+        <pc:spChg chg="mod">
+          <ac:chgData name="Caipo Manuel (DC/SSD3)" userId="fa17321e-a854-4027-820f-6ed7336ad10a" providerId="ADAL" clId="{9178515F-C304-491B-BD01-4B4D44206E6D}" dt="2025-10-19T20:13:39.962" v="21" actId="20577"/>
+          <ac:spMkLst>
+            <pc:docMk/>
+            <pc:sldMk cId="1113671606" sldId="412"/>
+            <ac:spMk id="36" creationId="{EDAE22A6-D2DF-92D7-E90B-76665CD68DD3}"/>
+          </ac:spMkLst>
+        </pc:spChg>
+        <pc:spChg chg="del mod">
+          <ac:chgData name="Caipo Manuel (DC/SSD3)" userId="fa17321e-a854-4027-820f-6ed7336ad10a" providerId="ADAL" clId="{9178515F-C304-491B-BD01-4B4D44206E6D}" dt="2025-10-19T20:16:34.288" v="31" actId="478"/>
+          <ac:spMkLst>
+            <pc:docMk/>
+            <pc:sldMk cId="1113671606" sldId="412"/>
+            <ac:spMk id="50" creationId="{046BB9F8-1E70-AE9A-6CC1-92C09E6E392A}"/>
+          </ac:spMkLst>
+        </pc:spChg>
+        <pc:spChg chg="mod topLvl">
+          <ac:chgData name="Caipo Manuel (DC/SSD3)" userId="fa17321e-a854-4027-820f-6ed7336ad10a" providerId="ADAL" clId="{9178515F-C304-491B-BD01-4B4D44206E6D}" dt="2025-10-19T20:16:50.749" v="34" actId="165"/>
+          <ac:spMkLst>
+            <pc:docMk/>
+            <pc:sldMk cId="1113671606" sldId="412"/>
+            <ac:spMk id="1039" creationId="{9FF56A08-C401-10E0-3FCE-B52256A55373}"/>
+          </ac:spMkLst>
+        </pc:spChg>
+        <pc:spChg chg="del mod">
+          <ac:chgData name="Caipo Manuel (DC/SSD3)" userId="fa17321e-a854-4027-820f-6ed7336ad10a" providerId="ADAL" clId="{9178515F-C304-491B-BD01-4B4D44206E6D}" dt="2025-10-19T20:16:41.334" v="32" actId="478"/>
+          <ac:spMkLst>
+            <pc:docMk/>
+            <pc:sldMk cId="1113671606" sldId="412"/>
+            <ac:spMk id="1040" creationId="{47D8F08A-63B4-ABE3-9263-E2B31A39E830}"/>
+          </ac:spMkLst>
+        </pc:spChg>
+        <pc:spChg chg="mod">
+          <ac:chgData name="Caipo Manuel (DC/SSD3)" userId="fa17321e-a854-4027-820f-6ed7336ad10a" providerId="ADAL" clId="{9178515F-C304-491B-BD01-4B4D44206E6D}" dt="2025-10-19T20:16:50.749" v="34" actId="165"/>
+          <ac:spMkLst>
+            <pc:docMk/>
+            <pc:sldMk cId="1113671606" sldId="412"/>
+            <ac:spMk id="1042" creationId="{B10CC67B-2A77-40D5-1AFB-D0EA6B1F586A}"/>
+          </ac:spMkLst>
+        </pc:spChg>
+        <pc:spChg chg="mod topLvl">
+          <ac:chgData name="Caipo Manuel (DC/SSD3)" userId="fa17321e-a854-4027-820f-6ed7336ad10a" providerId="ADAL" clId="{9178515F-C304-491B-BD01-4B4D44206E6D}" dt="2025-10-19T20:16:50.749" v="34" actId="165"/>
+          <ac:spMkLst>
+            <pc:docMk/>
+            <pc:sldMk cId="1113671606" sldId="412"/>
+            <ac:spMk id="1055" creationId="{D6B1ACDB-5605-9DBD-2D43-27D304D12A81}"/>
+          </ac:spMkLst>
+        </pc:spChg>
+        <pc:spChg chg="mod">
+          <ac:chgData name="Caipo Manuel (DC/SSD3)" userId="fa17321e-a854-4027-820f-6ed7336ad10a" providerId="ADAL" clId="{9178515F-C304-491B-BD01-4B4D44206E6D}" dt="2025-10-19T20:12:57.893" v="3" actId="165"/>
+          <ac:spMkLst>
+            <pc:docMk/>
+            <pc:sldMk cId="1113671606" sldId="412"/>
+            <ac:spMk id="1065" creationId="{A9E8ED2B-73C9-6F49-AAA9-AC1A779796B4}"/>
+          </ac:spMkLst>
+        </pc:spChg>
+        <pc:spChg chg="mod">
+          <ac:chgData name="Caipo Manuel (DC/SSD3)" userId="fa17321e-a854-4027-820f-6ed7336ad10a" providerId="ADAL" clId="{9178515F-C304-491B-BD01-4B4D44206E6D}" dt="2025-10-19T20:12:57.893" v="3" actId="165"/>
+          <ac:spMkLst>
+            <pc:docMk/>
+            <pc:sldMk cId="1113671606" sldId="412"/>
+            <ac:spMk id="1075" creationId="{6CB74EAF-9E67-956F-02C2-0764C8B441D4}"/>
+          </ac:spMkLst>
+        </pc:spChg>
+        <pc:grpChg chg="add del mod">
+          <ac:chgData name="Caipo Manuel (DC/SSD3)" userId="fa17321e-a854-4027-820f-6ed7336ad10a" providerId="ADAL" clId="{9178515F-C304-491B-BD01-4B4D44206E6D}" dt="2025-10-19T20:15:04.671" v="29" actId="21"/>
+          <ac:grpSpMkLst>
+            <pc:docMk/>
+            <pc:sldMk cId="1113671606" sldId="412"/>
+            <ac:grpSpMk id="5" creationId="{AF65EB29-FFBD-A2D6-12F2-B97BD1FF6A28}"/>
+          </ac:grpSpMkLst>
+        </pc:grpChg>
+        <pc:grpChg chg="del">
+          <ac:chgData name="Caipo Manuel (DC/SSD3)" userId="fa17321e-a854-4027-820f-6ed7336ad10a" providerId="ADAL" clId="{9178515F-C304-491B-BD01-4B4D44206E6D}" dt="2025-10-19T20:14:27.435" v="22" actId="478"/>
+          <ac:grpSpMkLst>
+            <pc:docMk/>
+            <pc:sldMk cId="1113671606" sldId="412"/>
+            <ac:grpSpMk id="51" creationId="{E5473D9F-C2F2-90BB-564A-3ED53DCD1DDA}"/>
+          </ac:grpSpMkLst>
+        </pc:grpChg>
+        <pc:grpChg chg="mod topLvl">
+          <ac:chgData name="Caipo Manuel (DC/SSD3)" userId="fa17321e-a854-4027-820f-6ed7336ad10a" providerId="ADAL" clId="{9178515F-C304-491B-BD01-4B4D44206E6D}" dt="2025-10-19T20:14:59.318" v="27" actId="164"/>
+          <ac:grpSpMkLst>
+            <pc:docMk/>
+            <pc:sldMk cId="1113671606" sldId="412"/>
+            <ac:grpSpMk id="1031" creationId="{B3838F09-DEDF-2509-1813-F36976203385}"/>
+          </ac:grpSpMkLst>
+        </pc:grpChg>
+        <pc:grpChg chg="mod topLvl">
+          <ac:chgData name="Caipo Manuel (DC/SSD3)" userId="fa17321e-a854-4027-820f-6ed7336ad10a" providerId="ADAL" clId="{9178515F-C304-491B-BD01-4B4D44206E6D}" dt="2025-10-19T20:16:50.749" v="34" actId="165"/>
+          <ac:grpSpMkLst>
+            <pc:docMk/>
+            <pc:sldMk cId="1113671606" sldId="412"/>
+            <ac:grpSpMk id="1047" creationId="{6109CD74-8C19-3A00-DEBC-77A0AD3DFCED}"/>
+          </ac:grpSpMkLst>
+        </pc:grpChg>
+        <pc:grpChg chg="mod topLvl">
+          <ac:chgData name="Caipo Manuel (DC/SSD3)" userId="fa17321e-a854-4027-820f-6ed7336ad10a" providerId="ADAL" clId="{9178515F-C304-491B-BD01-4B4D44206E6D}" dt="2025-10-19T20:16:50.749" v="34" actId="165"/>
+          <ac:grpSpMkLst>
+            <pc:docMk/>
+            <pc:sldMk cId="1113671606" sldId="412"/>
+            <ac:grpSpMk id="1054" creationId="{A28A00D6-C22F-1ADB-83EA-E4CCAA117037}"/>
+          </ac:grpSpMkLst>
+        </pc:grpChg>
+        <pc:grpChg chg="del mod topLvl">
+          <ac:chgData name="Caipo Manuel (DC/SSD3)" userId="fa17321e-a854-4027-820f-6ed7336ad10a" providerId="ADAL" clId="{9178515F-C304-491B-BD01-4B4D44206E6D}" dt="2025-10-19T20:16:50.749" v="34" actId="165"/>
+          <ac:grpSpMkLst>
+            <pc:docMk/>
+            <pc:sldMk cId="1113671606" sldId="412"/>
+            <ac:grpSpMk id="1061" creationId="{D353EEB3-3532-F4A4-A439-CBC6E81D765B}"/>
+          </ac:grpSpMkLst>
+        </pc:grpChg>
+        <pc:grpChg chg="del mod topLvl">
+          <ac:chgData name="Caipo Manuel (DC/SSD3)" userId="fa17321e-a854-4027-820f-6ed7336ad10a" providerId="ADAL" clId="{9178515F-C304-491B-BD01-4B4D44206E6D}" dt="2025-10-19T20:13:18.133" v="8" actId="165"/>
+          <ac:grpSpMkLst>
+            <pc:docMk/>
+            <pc:sldMk cId="1113671606" sldId="412"/>
+            <ac:grpSpMk id="1063" creationId="{AA3DF2BD-7410-2508-A1FE-C65BDF3D37D0}"/>
+          </ac:grpSpMkLst>
+        </pc:grpChg>
+        <pc:grpChg chg="mod">
+          <ac:chgData name="Caipo Manuel (DC/SSD3)" userId="fa17321e-a854-4027-820f-6ed7336ad10a" providerId="ADAL" clId="{9178515F-C304-491B-BD01-4B4D44206E6D}" dt="2025-10-19T20:14:59.318" v="27" actId="164"/>
+          <ac:grpSpMkLst>
+            <pc:docMk/>
+            <pc:sldMk cId="1113671606" sldId="412"/>
+            <ac:grpSpMk id="1064" creationId="{16FABED9-35CF-1F8E-46A5-3547EAECB0E5}"/>
+          </ac:grpSpMkLst>
+        </pc:grpChg>
+        <pc:grpChg chg="mod">
+          <ac:chgData name="Caipo Manuel (DC/SSD3)" userId="fa17321e-a854-4027-820f-6ed7336ad10a" providerId="ADAL" clId="{9178515F-C304-491B-BD01-4B4D44206E6D}" dt="2025-10-19T20:12:57.893" v="3" actId="165"/>
+          <ac:grpSpMkLst>
+            <pc:docMk/>
+            <pc:sldMk cId="1113671606" sldId="412"/>
+            <ac:grpSpMk id="1074" creationId="{AF666AEF-9689-7CD0-9621-AFE40708A0BC}"/>
+          </ac:grpSpMkLst>
+        </pc:grpChg>
+        <pc:grpChg chg="del">
+          <ac:chgData name="Caipo Manuel (DC/SSD3)" userId="fa17321e-a854-4027-820f-6ed7336ad10a" providerId="ADAL" clId="{9178515F-C304-491B-BD01-4B4D44206E6D}" dt="2025-10-19T20:17:00.920" v="35" actId="21"/>
+          <ac:grpSpMkLst>
+            <pc:docMk/>
+            <pc:sldMk cId="1113671606" sldId="412"/>
+            <ac:grpSpMk id="1079" creationId="{35EF5F57-3056-F99E-BC6E-3DD8895174C9}"/>
+          </ac:grpSpMkLst>
+        </pc:grpChg>
+        <pc:grpChg chg="mod">
+          <ac:chgData name="Caipo Manuel (DC/SSD3)" userId="fa17321e-a854-4027-820f-6ed7336ad10a" providerId="ADAL" clId="{9178515F-C304-491B-BD01-4B4D44206E6D}" dt="2025-10-19T20:12:54.384" v="2" actId="1076"/>
+          <ac:grpSpMkLst>
+            <pc:docMk/>
+            <pc:sldMk cId="1113671606" sldId="412"/>
+            <ac:grpSpMk id="1080" creationId="{6E14010A-B98C-7231-6A42-24D76A55E513}"/>
+          </ac:grpSpMkLst>
+        </pc:grpChg>
+        <pc:cxnChg chg="mod topLvl">
+          <ac:chgData name="Caipo Manuel (DC/SSD3)" userId="fa17321e-a854-4027-820f-6ed7336ad10a" providerId="ADAL" clId="{9178515F-C304-491B-BD01-4B4D44206E6D}" dt="2025-10-19T20:16:50.749" v="34" actId="165"/>
+          <ac:cxnSpMkLst>
+            <pc:docMk/>
+            <pc:sldMk cId="1113671606" sldId="412"/>
+            <ac:cxnSpMk id="53" creationId="{DC5A694B-A3DC-D9FB-2613-D638745CE69F}"/>
+          </ac:cxnSpMkLst>
+        </pc:cxnChg>
+        <pc:cxnChg chg="mod">
+          <ac:chgData name="Caipo Manuel (DC/SSD3)" userId="fa17321e-a854-4027-820f-6ed7336ad10a" providerId="ADAL" clId="{9178515F-C304-491B-BD01-4B4D44206E6D}" dt="2025-10-19T20:15:04.671" v="29" actId="21"/>
+          <ac:cxnSpMkLst>
+            <pc:docMk/>
+            <pc:sldMk cId="1113671606" sldId="412"/>
+            <ac:cxnSpMk id="56" creationId="{B86013D5-C8A0-A642-5785-A6F28FA78229}"/>
+          </ac:cxnSpMkLst>
+        </pc:cxnChg>
+        <pc:cxnChg chg="mod">
+          <ac:chgData name="Caipo Manuel (DC/SSD3)" userId="fa17321e-a854-4027-820f-6ed7336ad10a" providerId="ADAL" clId="{9178515F-C304-491B-BD01-4B4D44206E6D}" dt="2025-10-19T20:16:34.288" v="31" actId="478"/>
+          <ac:cxnSpMkLst>
+            <pc:docMk/>
+            <pc:sldMk cId="1113671606" sldId="412"/>
+            <ac:cxnSpMk id="1036" creationId="{C7884F8D-45E8-7734-39D1-44FA56543A0F}"/>
+          </ac:cxnSpMkLst>
+        </pc:cxnChg>
+        <pc:cxnChg chg="mod">
+          <ac:chgData name="Caipo Manuel (DC/SSD3)" userId="fa17321e-a854-4027-820f-6ed7336ad10a" providerId="ADAL" clId="{9178515F-C304-491B-BD01-4B4D44206E6D}" dt="2025-10-19T20:16:50.749" v="34" actId="165"/>
+          <ac:cxnSpMkLst>
+            <pc:docMk/>
+            <pc:sldMk cId="1113671606" sldId="412"/>
+            <ac:cxnSpMk id="1043" creationId="{7DD26E6D-7CC4-5C90-1AE4-5105C4EFAA41}"/>
+          </ac:cxnSpMkLst>
+        </pc:cxnChg>
+        <pc:cxnChg chg="mod">
+          <ac:chgData name="Caipo Manuel (DC/SSD3)" userId="fa17321e-a854-4027-820f-6ed7336ad10a" providerId="ADAL" clId="{9178515F-C304-491B-BD01-4B4D44206E6D}" dt="2025-10-19T20:16:50.749" v="34" actId="165"/>
+          <ac:cxnSpMkLst>
+            <pc:docMk/>
+            <pc:sldMk cId="1113671606" sldId="412"/>
+            <ac:cxnSpMk id="1044" creationId="{8BD3F9CF-7CA0-E40D-633C-4E4283E5C06E}"/>
+          </ac:cxnSpMkLst>
+        </pc:cxnChg>
+        <pc:cxnChg chg="mod">
+          <ac:chgData name="Caipo Manuel (DC/SSD3)" userId="fa17321e-a854-4027-820f-6ed7336ad10a" providerId="ADAL" clId="{9178515F-C304-491B-BD01-4B4D44206E6D}" dt="2025-10-19T20:16:50.749" v="34" actId="165"/>
+          <ac:cxnSpMkLst>
+            <pc:docMk/>
+            <pc:sldMk cId="1113671606" sldId="412"/>
+            <ac:cxnSpMk id="1051" creationId="{757514EC-A6E6-FC72-B951-E66987357A35}"/>
+          </ac:cxnSpMkLst>
+        </pc:cxnChg>
       </pc:sldChg>
     </pc:docChg>
   </pc:docChgLst>
@@ -2388,14 +1188,6 @@
           <pc:docMk/>
           <pc:sldMk cId="1134379130" sldId="400"/>
         </pc:sldMkLst>
-        <pc:spChg chg="mod">
-          <ac:chgData name="Manuel Caipo" userId="1f587cb93711f150" providerId="LiveId" clId="{903FCB81-997B-49A4-9915-D9CD3B62E1B6}" dt="2025-02-15T14:55:23.949" v="23" actId="255"/>
-          <ac:spMkLst>
-            <pc:docMk/>
-            <pc:sldMk cId="1134379130" sldId="400"/>
-            <ac:spMk id="2" creationId="{CF19378F-464F-DD22-C204-410D465F2717}"/>
-          </ac:spMkLst>
-        </pc:spChg>
       </pc:sldChg>
       <pc:sldChg chg="del">
         <pc:chgData name="Manuel Caipo" userId="1f587cb93711f150" providerId="LiveId" clId="{903FCB81-997B-49A4-9915-D9CD3B62E1B6}" dt="2025-02-16T14:31:45.438" v="611" actId="47"/>
@@ -2424,46 +1216,6 @@
           <pc:docMk/>
           <pc:sldMk cId="258169186" sldId="406"/>
         </pc:sldMkLst>
-        <pc:spChg chg="mod">
-          <ac:chgData name="Manuel Caipo" userId="1f587cb93711f150" providerId="LiveId" clId="{903FCB81-997B-49A4-9915-D9CD3B62E1B6}" dt="2025-02-16T20:09:38.086" v="617" actId="20577"/>
-          <ac:spMkLst>
-            <pc:docMk/>
-            <pc:sldMk cId="258169186" sldId="406"/>
-            <ac:spMk id="2" creationId="{5520F39D-01BF-18B5-D901-0D0DCFD81BC1}"/>
-          </ac:spMkLst>
-        </pc:spChg>
-        <pc:spChg chg="add mod">
-          <ac:chgData name="Manuel Caipo" userId="1f587cb93711f150" providerId="LiveId" clId="{903FCB81-997B-49A4-9915-D9CD3B62E1B6}" dt="2025-02-16T21:57:13.298" v="1356" actId="20577"/>
-          <ac:spMkLst>
-            <pc:docMk/>
-            <pc:sldMk cId="258169186" sldId="406"/>
-            <ac:spMk id="8" creationId="{26AF9046-C023-B23D-2B3F-D886DC8F2912}"/>
-          </ac:spMkLst>
-        </pc:spChg>
-        <pc:spChg chg="add mod">
-          <ac:chgData name="Manuel Caipo" userId="1f587cb93711f150" providerId="LiveId" clId="{903FCB81-997B-49A4-9915-D9CD3B62E1B6}" dt="2025-02-16T14:31:31.934" v="610" actId="14100"/>
-          <ac:spMkLst>
-            <pc:docMk/>
-            <pc:sldMk cId="258169186" sldId="406"/>
-            <ac:spMk id="9" creationId="{3B677417-742A-A253-8A79-EE74323AAFDB}"/>
-          </ac:spMkLst>
-        </pc:spChg>
-        <pc:picChg chg="add mod">
-          <ac:chgData name="Manuel Caipo" userId="1f587cb93711f150" providerId="LiveId" clId="{903FCB81-997B-49A4-9915-D9CD3B62E1B6}" dt="2025-02-16T14:29:51.737" v="582" actId="14100"/>
-          <ac:picMkLst>
-            <pc:docMk/>
-            <pc:sldMk cId="258169186" sldId="406"/>
-            <ac:picMk id="5" creationId="{9FD8552F-0640-9398-01E5-DC223E4489BC}"/>
-          </ac:picMkLst>
-        </pc:picChg>
-        <pc:picChg chg="add mod">
-          <ac:chgData name="Manuel Caipo" userId="1f587cb93711f150" providerId="LiveId" clId="{903FCB81-997B-49A4-9915-D9CD3B62E1B6}" dt="2025-02-16T14:29:48.756" v="581" actId="1076"/>
-          <ac:picMkLst>
-            <pc:docMk/>
-            <pc:sldMk cId="258169186" sldId="406"/>
-            <ac:picMk id="7" creationId="{D88DF6AC-F954-3518-D385-ECE29824BBB4}"/>
-          </ac:picMkLst>
-        </pc:picChg>
       </pc:sldChg>
       <pc:sldChg chg="new del">
         <pc:chgData name="Manuel Caipo" userId="1f587cb93711f150" providerId="LiveId" clId="{903FCB81-997B-49A4-9915-D9CD3B62E1B6}" dt="2025-02-15T14:56:01.505" v="25" actId="47"/>
@@ -2478,758 +1230,6 @@
           <pc:docMk/>
           <pc:sldMk cId="432981431" sldId="407"/>
         </pc:sldMkLst>
-        <pc:spChg chg="add del mod">
-          <ac:chgData name="Manuel Caipo" userId="1f587cb93711f150" providerId="LiveId" clId="{903FCB81-997B-49A4-9915-D9CD3B62E1B6}" dt="2025-02-16T20:17:09.585" v="655" actId="478"/>
-          <ac:spMkLst>
-            <pc:docMk/>
-            <pc:sldMk cId="432981431" sldId="407"/>
-            <ac:spMk id="2" creationId="{1FA22880-2DE5-139F-B097-E7BF927127EF}"/>
-          </ac:spMkLst>
-        </pc:spChg>
-        <pc:spChg chg="mod">
-          <ac:chgData name="Manuel Caipo" userId="1f587cb93711f150" providerId="LiveId" clId="{903FCB81-997B-49A4-9915-D9CD3B62E1B6}" dt="2025-02-16T21:56:21.666" v="1351" actId="1076"/>
-          <ac:spMkLst>
-            <pc:docMk/>
-            <pc:sldMk cId="432981431" sldId="407"/>
-            <ac:spMk id="3" creationId="{A266A9CF-C565-301B-2D34-71F78D76BFEF}"/>
-          </ac:spMkLst>
-        </pc:spChg>
-        <pc:spChg chg="del mod">
-          <ac:chgData name="Manuel Caipo" userId="1f587cb93711f150" providerId="LiveId" clId="{903FCB81-997B-49A4-9915-D9CD3B62E1B6}" dt="2025-02-16T20:22:55.666" v="747" actId="478"/>
-          <ac:spMkLst>
-            <pc:docMk/>
-            <pc:sldMk cId="432981431" sldId="407"/>
-            <ac:spMk id="11" creationId="{4DE6DD70-5BE2-4898-B46D-DE65A4034B75}"/>
-          </ac:spMkLst>
-        </pc:spChg>
-        <pc:spChg chg="del">
-          <ac:chgData name="Manuel Caipo" userId="1f587cb93711f150" providerId="LiveId" clId="{903FCB81-997B-49A4-9915-D9CD3B62E1B6}" dt="2025-02-16T20:23:10.744" v="750" actId="478"/>
-          <ac:spMkLst>
-            <pc:docMk/>
-            <pc:sldMk cId="432981431" sldId="407"/>
-            <ac:spMk id="13" creationId="{647C6546-3F7A-3BDF-DC70-A7E82792A5ED}"/>
-          </ac:spMkLst>
-        </pc:spChg>
-        <pc:spChg chg="mod">
-          <ac:chgData name="Manuel Caipo" userId="1f587cb93711f150" providerId="LiveId" clId="{903FCB81-997B-49A4-9915-D9CD3B62E1B6}" dt="2025-02-16T20:15:31.595" v="644" actId="20577"/>
-          <ac:spMkLst>
-            <pc:docMk/>
-            <pc:sldMk cId="432981431" sldId="407"/>
-            <ac:spMk id="17" creationId="{FF939BCE-C6DB-DB0C-D6C9-A94A69B0C66B}"/>
-          </ac:spMkLst>
-        </pc:spChg>
-        <pc:spChg chg="mod">
-          <ac:chgData name="Manuel Caipo" userId="1f587cb93711f150" providerId="LiveId" clId="{903FCB81-997B-49A4-9915-D9CD3B62E1B6}" dt="2025-02-16T21:53:42.386" v="1341" actId="207"/>
-          <ac:spMkLst>
-            <pc:docMk/>
-            <pc:sldMk cId="432981431" sldId="407"/>
-            <ac:spMk id="18" creationId="{F01D576A-7731-26C0-C84C-CAEF69BAFA4B}"/>
-          </ac:spMkLst>
-        </pc:spChg>
-        <pc:spChg chg="mod">
-          <ac:chgData name="Manuel Caipo" userId="1f587cb93711f150" providerId="LiveId" clId="{903FCB81-997B-49A4-9915-D9CD3B62E1B6}" dt="2025-02-16T20:40:53.155" v="826" actId="14100"/>
-          <ac:spMkLst>
-            <pc:docMk/>
-            <pc:sldMk cId="432981431" sldId="407"/>
-            <ac:spMk id="19" creationId="{00FBA60E-BE41-AEAA-B097-4B2177464235}"/>
-          </ac:spMkLst>
-        </pc:spChg>
-        <pc:spChg chg="del mod">
-          <ac:chgData name="Manuel Caipo" userId="1f587cb93711f150" providerId="LiveId" clId="{903FCB81-997B-49A4-9915-D9CD3B62E1B6}" dt="2025-02-16T21:55:31.686" v="1349" actId="478"/>
-          <ac:spMkLst>
-            <pc:docMk/>
-            <pc:sldMk cId="432981431" sldId="407"/>
-            <ac:spMk id="26" creationId="{1D6BF4B4-FBA5-EA59-0A7D-C99B15A8E3E6}"/>
-          </ac:spMkLst>
-        </pc:spChg>
-        <pc:spChg chg="mod">
-          <ac:chgData name="Manuel Caipo" userId="1f587cb93711f150" providerId="LiveId" clId="{903FCB81-997B-49A4-9915-D9CD3B62E1B6}" dt="2025-02-16T21:53:18.813" v="1340" actId="207"/>
-          <ac:spMkLst>
-            <pc:docMk/>
-            <pc:sldMk cId="432981431" sldId="407"/>
-            <ac:spMk id="27" creationId="{07196100-CACB-2A32-8E6C-0B71EE1C3A8A}"/>
-          </ac:spMkLst>
-        </pc:spChg>
-        <pc:spChg chg="mod">
-          <ac:chgData name="Manuel Caipo" userId="1f587cb93711f150" providerId="LiveId" clId="{903FCB81-997B-49A4-9915-D9CD3B62E1B6}" dt="2025-02-16T21:53:18.813" v="1340" actId="207"/>
-          <ac:spMkLst>
-            <pc:docMk/>
-            <pc:sldMk cId="432981431" sldId="407"/>
-            <ac:spMk id="28" creationId="{F31346AF-1529-3023-8145-1F319A1E9618}"/>
-          </ac:spMkLst>
-        </pc:spChg>
-        <pc:spChg chg="mod">
-          <ac:chgData name="Manuel Caipo" userId="1f587cb93711f150" providerId="LiveId" clId="{903FCB81-997B-49A4-9915-D9CD3B62E1B6}" dt="2025-02-16T21:43:31.859" v="1209" actId="1076"/>
-          <ac:spMkLst>
-            <pc:docMk/>
-            <pc:sldMk cId="432981431" sldId="407"/>
-            <ac:spMk id="29" creationId="{1BF06FBB-344F-787A-FCC7-5A10EC35B671}"/>
-          </ac:spMkLst>
-        </pc:spChg>
-        <pc:spChg chg="mod">
-          <ac:chgData name="Manuel Caipo" userId="1f587cb93711f150" providerId="LiveId" clId="{903FCB81-997B-49A4-9915-D9CD3B62E1B6}" dt="2025-02-16T22:41:45.183" v="2508" actId="1076"/>
-          <ac:spMkLst>
-            <pc:docMk/>
-            <pc:sldMk cId="432981431" sldId="407"/>
-            <ac:spMk id="30" creationId="{9808BDB7-DC1A-7EF1-4583-E3F7B278F380}"/>
-          </ac:spMkLst>
-        </pc:spChg>
-        <pc:spChg chg="mod">
-          <ac:chgData name="Manuel Caipo" userId="1f587cb93711f150" providerId="LiveId" clId="{903FCB81-997B-49A4-9915-D9CD3B62E1B6}" dt="2025-02-16T21:53:18.813" v="1340" actId="207"/>
-          <ac:spMkLst>
-            <pc:docMk/>
-            <pc:sldMk cId="432981431" sldId="407"/>
-            <ac:spMk id="31" creationId="{3E0F2D0D-CAC2-7889-7486-BAB2FB2EEB0B}"/>
-          </ac:spMkLst>
-        </pc:spChg>
-        <pc:spChg chg="del">
-          <ac:chgData name="Manuel Caipo" userId="1f587cb93711f150" providerId="LiveId" clId="{903FCB81-997B-49A4-9915-D9CD3B62E1B6}" dt="2025-02-16T20:16:07.566" v="650" actId="478"/>
-          <ac:spMkLst>
-            <pc:docMk/>
-            <pc:sldMk cId="432981431" sldId="407"/>
-            <ac:spMk id="55" creationId="{44BC904A-9282-027C-888D-7B9640ED218F}"/>
-          </ac:spMkLst>
-        </pc:spChg>
-        <pc:spChg chg="del">
-          <ac:chgData name="Manuel Caipo" userId="1f587cb93711f150" providerId="LiveId" clId="{903FCB81-997B-49A4-9915-D9CD3B62E1B6}" dt="2025-02-16T20:16:07.106" v="649" actId="478"/>
-          <ac:spMkLst>
-            <pc:docMk/>
-            <pc:sldMk cId="432981431" sldId="407"/>
-            <ac:spMk id="56" creationId="{A23E8160-B1E6-BFAF-63CF-D5E725336EE9}"/>
-          </ac:spMkLst>
-        </pc:spChg>
-        <pc:spChg chg="del">
-          <ac:chgData name="Manuel Caipo" userId="1f587cb93711f150" providerId="LiveId" clId="{903FCB81-997B-49A4-9915-D9CD3B62E1B6}" dt="2025-02-16T22:41:37.596" v="2507" actId="478"/>
-          <ac:spMkLst>
-            <pc:docMk/>
-            <pc:sldMk cId="432981431" sldId="407"/>
-            <ac:spMk id="66" creationId="{AC0DC6C2-5986-2FB9-562F-2EA3626C98E4}"/>
-          </ac:spMkLst>
-        </pc:spChg>
-        <pc:spChg chg="mod">
-          <ac:chgData name="Manuel Caipo" userId="1f587cb93711f150" providerId="LiveId" clId="{903FCB81-997B-49A4-9915-D9CD3B62E1B6}" dt="2025-02-16T21:46:52.336" v="1276" actId="14100"/>
-          <ac:spMkLst>
-            <pc:docMk/>
-            <pc:sldMk cId="432981431" sldId="407"/>
-            <ac:spMk id="69" creationId="{ADEAEB66-39D3-63AF-E2DE-1C1CDC175FDF}"/>
-          </ac:spMkLst>
-        </pc:spChg>
-        <pc:spChg chg="mod">
-          <ac:chgData name="Manuel Caipo" userId="1f587cb93711f150" providerId="LiveId" clId="{903FCB81-997B-49A4-9915-D9CD3B62E1B6}" dt="2025-02-16T20:47:56.208" v="892" actId="20577"/>
-          <ac:spMkLst>
-            <pc:docMk/>
-            <pc:sldMk cId="432981431" sldId="407"/>
-            <ac:spMk id="70" creationId="{A8CB1CC8-513A-DAF9-FCC9-B5248552478E}"/>
-          </ac:spMkLst>
-        </pc:spChg>
-        <pc:spChg chg="mod">
-          <ac:chgData name="Manuel Caipo" userId="1f587cb93711f150" providerId="LiveId" clId="{903FCB81-997B-49A4-9915-D9CD3B62E1B6}" dt="2025-02-16T21:53:42.386" v="1341" actId="207"/>
-          <ac:spMkLst>
-            <pc:docMk/>
-            <pc:sldMk cId="432981431" sldId="407"/>
-            <ac:spMk id="71" creationId="{AF1A51F8-E2ED-A57A-1ECA-43E744DC7903}"/>
-          </ac:spMkLst>
-        </pc:spChg>
-        <pc:spChg chg="add del">
-          <ac:chgData name="Manuel Caipo" userId="1f587cb93711f150" providerId="LiveId" clId="{903FCB81-997B-49A4-9915-D9CD3B62E1B6}" dt="2025-02-16T20:17:47.146" v="662" actId="478"/>
-          <ac:spMkLst>
-            <pc:docMk/>
-            <pc:sldMk cId="432981431" sldId="407"/>
-            <ac:spMk id="73" creationId="{B8373B8E-DDAC-8610-6736-0AD9F76813C0}"/>
-          </ac:spMkLst>
-        </pc:spChg>
-        <pc:spChg chg="mod">
-          <ac:chgData name="Manuel Caipo" userId="1f587cb93711f150" providerId="LiveId" clId="{903FCB81-997B-49A4-9915-D9CD3B62E1B6}" dt="2025-02-16T21:31:50.845" v="1103" actId="20577"/>
-          <ac:spMkLst>
-            <pc:docMk/>
-            <pc:sldMk cId="432981431" sldId="407"/>
-            <ac:spMk id="80" creationId="{A46E0DF9-61DD-AA8C-B4B7-CEFC52666B96}"/>
-          </ac:spMkLst>
-        </pc:spChg>
-        <pc:spChg chg="mod">
-          <ac:chgData name="Manuel Caipo" userId="1f587cb93711f150" providerId="LiveId" clId="{903FCB81-997B-49A4-9915-D9CD3B62E1B6}" dt="2025-02-16T21:42:20.409" v="1198" actId="313"/>
-          <ac:spMkLst>
-            <pc:docMk/>
-            <pc:sldMk cId="432981431" sldId="407"/>
-            <ac:spMk id="81" creationId="{59285233-56E9-5125-659C-58BC7E42751D}"/>
-          </ac:spMkLst>
-        </pc:spChg>
-        <pc:spChg chg="mod">
-          <ac:chgData name="Manuel Caipo" userId="1f587cb93711f150" providerId="LiveId" clId="{903FCB81-997B-49A4-9915-D9CD3B62E1B6}" dt="2025-02-16T21:17:32.471" v="961" actId="1076"/>
-          <ac:spMkLst>
-            <pc:docMk/>
-            <pc:sldMk cId="432981431" sldId="407"/>
-            <ac:spMk id="101" creationId="{6F03E240-9CDC-FEF4-A0DB-57517943B13B}"/>
-          </ac:spMkLst>
-        </pc:spChg>
-        <pc:spChg chg="mod">
-          <ac:chgData name="Manuel Caipo" userId="1f587cb93711f150" providerId="LiveId" clId="{903FCB81-997B-49A4-9915-D9CD3B62E1B6}" dt="2025-02-16T21:27:32.196" v="1055" actId="1076"/>
-          <ac:spMkLst>
-            <pc:docMk/>
-            <pc:sldMk cId="432981431" sldId="407"/>
-            <ac:spMk id="105" creationId="{252C319E-743B-5109-5D5D-48E195EA208F}"/>
-          </ac:spMkLst>
-        </pc:spChg>
-        <pc:spChg chg="mod">
-          <ac:chgData name="Manuel Caipo" userId="1f587cb93711f150" providerId="LiveId" clId="{903FCB81-997B-49A4-9915-D9CD3B62E1B6}" dt="2025-02-16T20:39:49.126" v="814" actId="20577"/>
-          <ac:spMkLst>
-            <pc:docMk/>
-            <pc:sldMk cId="432981431" sldId="407"/>
-            <ac:spMk id="106" creationId="{4F4B8F8B-E45D-31AC-9E7D-F87F529EB1A4}"/>
-          </ac:spMkLst>
-        </pc:spChg>
-        <pc:spChg chg="add mod">
-          <ac:chgData name="Manuel Caipo" userId="1f587cb93711f150" providerId="LiveId" clId="{903FCB81-997B-49A4-9915-D9CD3B62E1B6}" dt="2025-02-16T21:42:54.986" v="1204" actId="1076"/>
-          <ac:spMkLst>
-            <pc:docMk/>
-            <pc:sldMk cId="432981431" sldId="407"/>
-            <ac:spMk id="156" creationId="{BB23761F-B8AD-88BE-A037-022B59769634}"/>
-          </ac:spMkLst>
-        </pc:spChg>
-        <pc:spChg chg="del">
-          <ac:chgData name="Manuel Caipo" userId="1f587cb93711f150" providerId="LiveId" clId="{903FCB81-997B-49A4-9915-D9CD3B62E1B6}" dt="2025-02-16T20:24:13.627" v="767" actId="478"/>
-          <ac:spMkLst>
-            <pc:docMk/>
-            <pc:sldMk cId="432981431" sldId="407"/>
-            <ac:spMk id="199" creationId="{401EEA81-3107-7EA5-36A3-1F5920621FA5}"/>
-          </ac:spMkLst>
-        </pc:spChg>
-        <pc:spChg chg="mod">
-          <ac:chgData name="Manuel Caipo" userId="1f587cb93711f150" providerId="LiveId" clId="{903FCB81-997B-49A4-9915-D9CD3B62E1B6}" dt="2025-02-16T21:42:50.877" v="1203" actId="1076"/>
-          <ac:spMkLst>
-            <pc:docMk/>
-            <pc:sldMk cId="432981431" sldId="407"/>
-            <ac:spMk id="200" creationId="{DD3F459C-080A-7EEA-8434-F8FE6CE1CEA7}"/>
-          </ac:spMkLst>
-        </pc:spChg>
-        <pc:spChg chg="del">
-          <ac:chgData name="Manuel Caipo" userId="1f587cb93711f150" providerId="LiveId" clId="{903FCB81-997B-49A4-9915-D9CD3B62E1B6}" dt="2025-02-16T20:24:12.305" v="766" actId="478"/>
-          <ac:spMkLst>
-            <pc:docMk/>
-            <pc:sldMk cId="432981431" sldId="407"/>
-            <ac:spMk id="201" creationId="{A73A7159-A7E3-A04C-E966-A668D320DE6B}"/>
-          </ac:spMkLst>
-        </pc:spChg>
-        <pc:spChg chg="del">
-          <ac:chgData name="Manuel Caipo" userId="1f587cb93711f150" providerId="LiveId" clId="{903FCB81-997B-49A4-9915-D9CD3B62E1B6}" dt="2025-02-16T22:41:32.172" v="2506" actId="478"/>
-          <ac:spMkLst>
-            <pc:docMk/>
-            <pc:sldMk cId="432981431" sldId="407"/>
-            <ac:spMk id="202" creationId="{167F1EC0-0BA5-C11D-4769-C28FCDB77442}"/>
-          </ac:spMkLst>
-        </pc:spChg>
-        <pc:spChg chg="add mod">
-          <ac:chgData name="Manuel Caipo" userId="1f587cb93711f150" providerId="LiveId" clId="{903FCB81-997B-49A4-9915-D9CD3B62E1B6}" dt="2025-02-16T21:52:16.845" v="1326" actId="1076"/>
-          <ac:spMkLst>
-            <pc:docMk/>
-            <pc:sldMk cId="432981431" sldId="407"/>
-            <ac:spMk id="206" creationId="{2D4A7E02-3662-0A6C-2B59-7C6B819A3AFE}"/>
-          </ac:spMkLst>
-        </pc:spChg>
-        <pc:spChg chg="add del">
-          <ac:chgData name="Manuel Caipo" userId="1f587cb93711f150" providerId="LiveId" clId="{903FCB81-997B-49A4-9915-D9CD3B62E1B6}" dt="2025-02-16T22:02:06.868" v="1713" actId="478"/>
-          <ac:spMkLst>
-            <pc:docMk/>
-            <pc:sldMk cId="432981431" sldId="407"/>
-            <ac:spMk id="224" creationId="{3F556255-9396-C26A-F4A9-0CBD658174BA}"/>
-          </ac:spMkLst>
-        </pc:spChg>
-        <pc:spChg chg="add mod">
-          <ac:chgData name="Manuel Caipo" userId="1f587cb93711f150" providerId="LiveId" clId="{903FCB81-997B-49A4-9915-D9CD3B62E1B6}" dt="2025-02-16T21:35:09.239" v="1151" actId="255"/>
-          <ac:spMkLst>
-            <pc:docMk/>
-            <pc:sldMk cId="432981431" sldId="407"/>
-            <ac:spMk id="1055" creationId="{00F0D421-A2FD-C42C-3E72-7C783D76DDF8}"/>
-          </ac:spMkLst>
-        </pc:spChg>
-        <pc:spChg chg="add del">
-          <ac:chgData name="Manuel Caipo" userId="1f587cb93711f150" providerId="LiveId" clId="{903FCB81-997B-49A4-9915-D9CD3B62E1B6}" dt="2025-02-16T21:44:13.256" v="1213" actId="11529"/>
-          <ac:spMkLst>
-            <pc:docMk/>
-            <pc:sldMk cId="432981431" sldId="407"/>
-            <ac:spMk id="1076" creationId="{0FDB375F-EF1B-D7DC-722C-5D651FE29DE5}"/>
-          </ac:spMkLst>
-        </pc:spChg>
-        <pc:spChg chg="add mod">
-          <ac:chgData name="Manuel Caipo" userId="1f587cb93711f150" providerId="LiveId" clId="{903FCB81-997B-49A4-9915-D9CD3B62E1B6}" dt="2025-02-16T22:23:51.761" v="1952" actId="113"/>
-          <ac:spMkLst>
-            <pc:docMk/>
-            <pc:sldMk cId="432981431" sldId="407"/>
-            <ac:spMk id="1077" creationId="{76616610-82D9-04DE-6D16-C5317453D1A9}"/>
-          </ac:spMkLst>
-        </pc:spChg>
-        <pc:spChg chg="add del">
-          <ac:chgData name="Manuel Caipo" userId="1f587cb93711f150" providerId="LiveId" clId="{903FCB81-997B-49A4-9915-D9CD3B62E1B6}" dt="2025-02-16T21:45:02.056" v="1217" actId="22"/>
-          <ac:spMkLst>
-            <pc:docMk/>
-            <pc:sldMk cId="432981431" sldId="407"/>
-            <ac:spMk id="1079" creationId="{39884B6F-C9DE-D47B-9718-588978F4F605}"/>
-          </ac:spMkLst>
-        </pc:spChg>
-        <pc:spChg chg="add del">
-          <ac:chgData name="Manuel Caipo" userId="1f587cb93711f150" providerId="LiveId" clId="{903FCB81-997B-49A4-9915-D9CD3B62E1B6}" dt="2025-02-16T21:45:06.270" v="1220" actId="22"/>
-          <ac:spMkLst>
-            <pc:docMk/>
-            <pc:sldMk cId="432981431" sldId="407"/>
-            <ac:spMk id="1081" creationId="{29FBACBE-7612-47D5-80B0-0D87F8CD7253}"/>
-          </ac:spMkLst>
-        </pc:spChg>
-        <pc:spChg chg="add mod">
-          <ac:chgData name="Manuel Caipo" userId="1f587cb93711f150" providerId="LiveId" clId="{903FCB81-997B-49A4-9915-D9CD3B62E1B6}" dt="2025-02-16T21:45:19.593" v="1224" actId="1076"/>
-          <ac:spMkLst>
-            <pc:docMk/>
-            <pc:sldMk cId="432981431" sldId="407"/>
-            <ac:spMk id="1082" creationId="{4638F046-B808-AD65-E6A3-CCE558E48EA1}"/>
-          </ac:spMkLst>
-        </pc:spChg>
-        <pc:picChg chg="add del mod">
-          <ac:chgData name="Manuel Caipo" userId="1f587cb93711f150" providerId="LiveId" clId="{903FCB81-997B-49A4-9915-D9CD3B62E1B6}" dt="2025-02-16T20:21:01.212" v="679" actId="478"/>
-          <ac:picMkLst>
-            <pc:docMk/>
-            <pc:sldMk cId="432981431" sldId="407"/>
-            <ac:picMk id="4" creationId="{D78885F3-D360-B79F-FA3E-EC1D172F1E91}"/>
-          </ac:picMkLst>
-        </pc:picChg>
-        <pc:picChg chg="add mod">
-          <ac:chgData name="Manuel Caipo" userId="1f587cb93711f150" providerId="LiveId" clId="{903FCB81-997B-49A4-9915-D9CD3B62E1B6}" dt="2025-02-16T21:25:32.049" v="1031" actId="1076"/>
-          <ac:picMkLst>
-            <pc:docMk/>
-            <pc:sldMk cId="432981431" sldId="407"/>
-            <ac:picMk id="7" creationId="{49CC7274-A992-1E79-F216-BCBCF57FF337}"/>
-          </ac:picMkLst>
-        </pc:picChg>
-        <pc:picChg chg="del">
-          <ac:chgData name="Manuel Caipo" userId="1f587cb93711f150" providerId="LiveId" clId="{903FCB81-997B-49A4-9915-D9CD3B62E1B6}" dt="2025-02-16T20:22:46.441" v="743" actId="478"/>
-          <ac:picMkLst>
-            <pc:docMk/>
-            <pc:sldMk cId="432981431" sldId="407"/>
-            <ac:picMk id="20" creationId="{7760F8D0-80AB-1782-E3E9-CD27BD400472}"/>
-          </ac:picMkLst>
-        </pc:picChg>
-        <pc:picChg chg="del mod">
-          <ac:chgData name="Manuel Caipo" userId="1f587cb93711f150" providerId="LiveId" clId="{903FCB81-997B-49A4-9915-D9CD3B62E1B6}" dt="2025-02-16T20:17:38.788" v="660" actId="478"/>
-          <ac:picMkLst>
-            <pc:docMk/>
-            <pc:sldMk cId="432981431" sldId="407"/>
-            <ac:picMk id="21" creationId="{F1DE8336-1F64-13AD-3DAB-67420A6D024E}"/>
-          </ac:picMkLst>
-        </pc:picChg>
-        <pc:picChg chg="add mod">
-          <ac:chgData name="Manuel Caipo" userId="1f587cb93711f150" providerId="LiveId" clId="{903FCB81-997B-49A4-9915-D9CD3B62E1B6}" dt="2025-02-16T21:17:36.933" v="964" actId="1076"/>
-          <ac:picMkLst>
-            <pc:docMk/>
-            <pc:sldMk cId="432981431" sldId="407"/>
-            <ac:picMk id="25" creationId="{4EE27267-3025-FCA3-BB0B-4F11206C52BF}"/>
-          </ac:picMkLst>
-        </pc:picChg>
-        <pc:picChg chg="add mod">
-          <ac:chgData name="Manuel Caipo" userId="1f587cb93711f150" providerId="LiveId" clId="{903FCB81-997B-49A4-9915-D9CD3B62E1B6}" dt="2025-02-16T21:25:18.884" v="1028" actId="1076"/>
-          <ac:picMkLst>
-            <pc:docMk/>
-            <pc:sldMk cId="432981431" sldId="407"/>
-            <ac:picMk id="33" creationId="{A9F4D446-0058-7E31-4B04-B66A619E135C}"/>
-          </ac:picMkLst>
-        </pc:picChg>
-        <pc:picChg chg="del">
-          <ac:chgData name="Manuel Caipo" userId="1f587cb93711f150" providerId="LiveId" clId="{903FCB81-997B-49A4-9915-D9CD3B62E1B6}" dt="2025-02-16T20:18:12.799" v="666" actId="478"/>
-          <ac:picMkLst>
-            <pc:docMk/>
-            <pc:sldMk cId="432981431" sldId="407"/>
-            <ac:picMk id="38" creationId="{72B66F02-90A9-9757-E693-FE191FA0715B}"/>
-          </ac:picMkLst>
-        </pc:picChg>
-        <pc:picChg chg="del">
-          <ac:chgData name="Manuel Caipo" userId="1f587cb93711f150" providerId="LiveId" clId="{903FCB81-997B-49A4-9915-D9CD3B62E1B6}" dt="2025-02-16T20:18:14.093" v="667" actId="478"/>
-          <ac:picMkLst>
-            <pc:docMk/>
-            <pc:sldMk cId="432981431" sldId="407"/>
-            <ac:picMk id="39" creationId="{5385F854-8BC0-ED80-CFD6-4F2EA26CC10B}"/>
-          </ac:picMkLst>
-        </pc:picChg>
-        <pc:picChg chg="del mod">
-          <ac:chgData name="Manuel Caipo" userId="1f587cb93711f150" providerId="LiveId" clId="{903FCB81-997B-49A4-9915-D9CD3B62E1B6}" dt="2025-02-16T20:23:47.745" v="763" actId="478"/>
-          <ac:picMkLst>
-            <pc:docMk/>
-            <pc:sldMk cId="432981431" sldId="407"/>
-            <ac:picMk id="41" creationId="{0E1B65A6-A4E6-04D4-A950-1640F1AB83BB}"/>
-          </ac:picMkLst>
-        </pc:picChg>
-        <pc:picChg chg="add del mod">
-          <ac:chgData name="Manuel Caipo" userId="1f587cb93711f150" providerId="LiveId" clId="{903FCB81-997B-49A4-9915-D9CD3B62E1B6}" dt="2025-02-16T20:23:37.380" v="759" actId="478"/>
-          <ac:picMkLst>
-            <pc:docMk/>
-            <pc:sldMk cId="432981431" sldId="407"/>
-            <ac:picMk id="43" creationId="{068798D5-FF71-269E-A37E-F323DC0B92A3}"/>
-          </ac:picMkLst>
-        </pc:picChg>
-        <pc:picChg chg="add mod">
-          <ac:chgData name="Manuel Caipo" userId="1f587cb93711f150" providerId="LiveId" clId="{903FCB81-997B-49A4-9915-D9CD3B62E1B6}" dt="2025-02-16T20:23:44.975" v="762" actId="1076"/>
-          <ac:picMkLst>
-            <pc:docMk/>
-            <pc:sldMk cId="432981431" sldId="407"/>
-            <ac:picMk id="46" creationId="{CA0E25F3-D1A3-052F-BD85-E74F300EA66D}"/>
-          </ac:picMkLst>
-        </pc:picChg>
-        <pc:picChg chg="del">
-          <ac:chgData name="Manuel Caipo" userId="1f587cb93711f150" providerId="LiveId" clId="{903FCB81-997B-49A4-9915-D9CD3B62E1B6}" dt="2025-02-16T20:15:06.756" v="627" actId="478"/>
-          <ac:picMkLst>
-            <pc:docMk/>
-            <pc:sldMk cId="432981431" sldId="407"/>
-            <ac:picMk id="62" creationId="{30856E11-CDCF-2DEF-A69D-ECA61C9BB12B}"/>
-          </ac:picMkLst>
-        </pc:picChg>
-        <pc:picChg chg="add del mod">
-          <ac:chgData name="Manuel Caipo" userId="1f587cb93711f150" providerId="LiveId" clId="{903FCB81-997B-49A4-9915-D9CD3B62E1B6}" dt="2025-02-16T21:49:11.122" v="1293" actId="478"/>
-          <ac:picMkLst>
-            <pc:docMk/>
-            <pc:sldMk cId="432981431" sldId="407"/>
-            <ac:picMk id="207" creationId="{06CEECFE-C6B8-5CBD-553C-0A3CB1854FA9}"/>
-          </ac:picMkLst>
-        </pc:picChg>
-        <pc:picChg chg="add mod modCrop">
-          <ac:chgData name="Manuel Caipo" userId="1f587cb93711f150" providerId="LiveId" clId="{903FCB81-997B-49A4-9915-D9CD3B62E1B6}" dt="2025-02-16T21:52:20.175" v="1327" actId="1076"/>
-          <ac:picMkLst>
-            <pc:docMk/>
-            <pc:sldMk cId="432981431" sldId="407"/>
-            <ac:picMk id="209" creationId="{7A82EF3F-D082-F23E-06AF-5B6B32A98D1B}"/>
-          </ac:picMkLst>
-        </pc:picChg>
-        <pc:picChg chg="add mod">
-          <ac:chgData name="Manuel Caipo" userId="1f587cb93711f150" providerId="LiveId" clId="{903FCB81-997B-49A4-9915-D9CD3B62E1B6}" dt="2025-02-16T21:17:22.615" v="958" actId="1076"/>
-          <ac:picMkLst>
-            <pc:docMk/>
-            <pc:sldMk cId="432981431" sldId="407"/>
-            <ac:picMk id="1026" creationId="{DB515C5F-E6E7-7B79-5413-8C50E34DDC72}"/>
-          </ac:picMkLst>
-        </pc:picChg>
-        <pc:picChg chg="add del mod">
-          <ac:chgData name="Manuel Caipo" userId="1f587cb93711f150" providerId="LiveId" clId="{903FCB81-997B-49A4-9915-D9CD3B62E1B6}" dt="2025-02-16T20:21:03.182" v="680" actId="478"/>
-          <ac:picMkLst>
-            <pc:docMk/>
-            <pc:sldMk cId="432981431" sldId="407"/>
-            <ac:picMk id="1030" creationId="{89443F41-E13F-D204-00DA-BC73CA057521}"/>
-          </ac:picMkLst>
-        </pc:picChg>
-        <pc:picChg chg="add del mod">
-          <ac:chgData name="Manuel Caipo" userId="1f587cb93711f150" providerId="LiveId" clId="{903FCB81-997B-49A4-9915-D9CD3B62E1B6}" dt="2025-02-16T21:16:13.641" v="936" actId="478"/>
-          <ac:picMkLst>
-            <pc:docMk/>
-            <pc:sldMk cId="432981431" sldId="407"/>
-            <ac:picMk id="1032" creationId="{DF90CD0A-9186-8669-8994-CB0AC9870F2E}"/>
-          </ac:picMkLst>
-        </pc:picChg>
-        <pc:picChg chg="add mod">
-          <ac:chgData name="Manuel Caipo" userId="1f587cb93711f150" providerId="LiveId" clId="{903FCB81-997B-49A4-9915-D9CD3B62E1B6}" dt="2025-02-16T21:17:20.932" v="957" actId="1076"/>
-          <ac:picMkLst>
-            <pc:docMk/>
-            <pc:sldMk cId="432981431" sldId="407"/>
-            <ac:picMk id="1034" creationId="{DFF19CE4-9C69-80BB-CAAD-46D036055F12}"/>
-          </ac:picMkLst>
-        </pc:picChg>
-        <pc:cxnChg chg="del mod">
-          <ac:chgData name="Manuel Caipo" userId="1f587cb93711f150" providerId="LiveId" clId="{903FCB81-997B-49A4-9915-D9CD3B62E1B6}" dt="2025-02-16T20:23:12.916" v="751" actId="478"/>
-          <ac:cxnSpMkLst>
-            <pc:docMk/>
-            <pc:sldMk cId="432981431" sldId="407"/>
-            <ac:cxnSpMk id="12" creationId="{AAC32A69-6639-B34E-4F6A-B4DAA9E8259A}"/>
-          </ac:cxnSpMkLst>
-        </pc:cxnChg>
-        <pc:cxnChg chg="del mod">
-          <ac:chgData name="Manuel Caipo" userId="1f587cb93711f150" providerId="LiveId" clId="{903FCB81-997B-49A4-9915-D9CD3B62E1B6}" dt="2025-02-16T21:21:59.904" v="1001" actId="478"/>
-          <ac:cxnSpMkLst>
-            <pc:docMk/>
-            <pc:sldMk cId="432981431" sldId="407"/>
-            <ac:cxnSpMk id="16" creationId="{AA921C33-B21E-855B-8A72-94E5FF157039}"/>
-          </ac:cxnSpMkLst>
-        </pc:cxnChg>
-        <pc:cxnChg chg="add mod">
-          <ac:chgData name="Manuel Caipo" userId="1f587cb93711f150" providerId="LiveId" clId="{903FCB81-997B-49A4-9915-D9CD3B62E1B6}" dt="2025-02-16T21:17:32.471" v="961" actId="1076"/>
-          <ac:cxnSpMkLst>
-            <pc:docMk/>
-            <pc:sldMk cId="432981431" sldId="407"/>
-            <ac:cxnSpMk id="22" creationId="{B916BF0E-1366-32E6-E393-C13AF6F7187F}"/>
-          </ac:cxnSpMkLst>
-        </pc:cxnChg>
-        <pc:cxnChg chg="mod">
-          <ac:chgData name="Manuel Caipo" userId="1f587cb93711f150" providerId="LiveId" clId="{903FCB81-997B-49A4-9915-D9CD3B62E1B6}" dt="2025-02-16T22:41:50.850" v="2509" actId="14100"/>
-          <ac:cxnSpMkLst>
-            <pc:docMk/>
-            <pc:sldMk cId="432981431" sldId="407"/>
-            <ac:cxnSpMk id="34" creationId="{2AE28348-4362-7596-CC98-DE69DECC3847}"/>
-          </ac:cxnSpMkLst>
-        </pc:cxnChg>
-        <pc:cxnChg chg="add del mod">
-          <ac:chgData name="Manuel Caipo" userId="1f587cb93711f150" providerId="LiveId" clId="{903FCB81-997B-49A4-9915-D9CD3B62E1B6}" dt="2025-02-16T20:31:32.392" v="797" actId="478"/>
-          <ac:cxnSpMkLst>
-            <pc:docMk/>
-            <pc:sldMk cId="432981431" sldId="407"/>
-            <ac:cxnSpMk id="35" creationId="{C9C1A33D-C689-74A1-1412-7E01A955D3D7}"/>
-          </ac:cxnSpMkLst>
-        </pc:cxnChg>
-        <pc:cxnChg chg="mod">
-          <ac:chgData name="Manuel Caipo" userId="1f587cb93711f150" providerId="LiveId" clId="{903FCB81-997B-49A4-9915-D9CD3B62E1B6}" dt="2025-02-16T22:03:28.785" v="1716" actId="14100"/>
-          <ac:cxnSpMkLst>
-            <pc:docMk/>
-            <pc:sldMk cId="432981431" sldId="407"/>
-            <ac:cxnSpMk id="45" creationId="{BA47CE75-FF3E-2990-EE6B-7B9F014E8C54}"/>
-          </ac:cxnSpMkLst>
-        </pc:cxnChg>
-        <pc:cxnChg chg="add mod">
-          <ac:chgData name="Manuel Caipo" userId="1f587cb93711f150" providerId="LiveId" clId="{903FCB81-997B-49A4-9915-D9CD3B62E1B6}" dt="2025-02-16T21:42:50.877" v="1203" actId="1076"/>
-          <ac:cxnSpMkLst>
-            <pc:docMk/>
-            <pc:sldMk cId="432981431" sldId="407"/>
-            <ac:cxnSpMk id="47" creationId="{4B058CF7-CBD0-CBA1-5011-251EABF1ED8C}"/>
-          </ac:cxnSpMkLst>
-        </pc:cxnChg>
-        <pc:cxnChg chg="mod">
-          <ac:chgData name="Manuel Caipo" userId="1f587cb93711f150" providerId="LiveId" clId="{903FCB81-997B-49A4-9915-D9CD3B62E1B6}" dt="2025-02-16T20:15:57.764" v="648" actId="1076"/>
-          <ac:cxnSpMkLst>
-            <pc:docMk/>
-            <pc:sldMk cId="432981431" sldId="407"/>
-            <ac:cxnSpMk id="51" creationId="{14E97617-B0B8-70D2-C94E-795877DE1547}"/>
-          </ac:cxnSpMkLst>
-        </pc:cxnChg>
-        <pc:cxnChg chg="del mod">
-          <ac:chgData name="Manuel Caipo" userId="1f587cb93711f150" providerId="LiveId" clId="{903FCB81-997B-49A4-9915-D9CD3B62E1B6}" dt="2025-02-16T21:16:56.701" v="951" actId="478"/>
-          <ac:cxnSpMkLst>
-            <pc:docMk/>
-            <pc:sldMk cId="432981431" sldId="407"/>
-            <ac:cxnSpMk id="57" creationId="{BC234AB2-FC14-42E7-4CBC-A3A89B2EC045}"/>
-          </ac:cxnSpMkLst>
-        </pc:cxnChg>
-        <pc:cxnChg chg="add del mod">
-          <ac:chgData name="Manuel Caipo" userId="1f587cb93711f150" providerId="LiveId" clId="{903FCB81-997B-49A4-9915-D9CD3B62E1B6}" dt="2025-02-16T20:29:34.846" v="780" actId="478"/>
-          <ac:cxnSpMkLst>
-            <pc:docMk/>
-            <pc:sldMk cId="432981431" sldId="407"/>
-            <ac:cxnSpMk id="59" creationId="{BA1939A0-BC78-7104-A60D-5DD1324ED8A1}"/>
-          </ac:cxnSpMkLst>
-        </pc:cxnChg>
-        <pc:cxnChg chg="del mod">
-          <ac:chgData name="Manuel Caipo" userId="1f587cb93711f150" providerId="LiveId" clId="{903FCB81-997B-49A4-9915-D9CD3B62E1B6}" dt="2025-02-16T20:24:14.842" v="768" actId="478"/>
-          <ac:cxnSpMkLst>
-            <pc:docMk/>
-            <pc:sldMk cId="432981431" sldId="407"/>
-            <ac:cxnSpMk id="63" creationId="{6C640E36-0350-4D43-AC5D-513735A7F161}"/>
-          </ac:cxnSpMkLst>
-        </pc:cxnChg>
-        <pc:cxnChg chg="del mod">
-          <ac:chgData name="Manuel Caipo" userId="1f587cb93711f150" providerId="LiveId" clId="{903FCB81-997B-49A4-9915-D9CD3B62E1B6}" dt="2025-02-16T21:47:35.561" v="1287" actId="478"/>
-          <ac:cxnSpMkLst>
-            <pc:docMk/>
-            <pc:sldMk cId="432981431" sldId="407"/>
-            <ac:cxnSpMk id="74" creationId="{68974129-9962-5A0E-95AE-6C7B0A2A7EA0}"/>
-          </ac:cxnSpMkLst>
-        </pc:cxnChg>
-        <pc:cxnChg chg="del mod">
-          <ac:chgData name="Manuel Caipo" userId="1f587cb93711f150" providerId="LiveId" clId="{903FCB81-997B-49A4-9915-D9CD3B62E1B6}" dt="2025-02-16T20:15:09.315" v="629" actId="478"/>
-          <ac:cxnSpMkLst>
-            <pc:docMk/>
-            <pc:sldMk cId="432981431" sldId="407"/>
-            <ac:cxnSpMk id="75" creationId="{0C3D5C94-294B-2F6A-41F1-DF7C698254C3}"/>
-          </ac:cxnSpMkLst>
-        </pc:cxnChg>
-        <pc:cxnChg chg="add del mod">
-          <ac:chgData name="Manuel Caipo" userId="1f587cb93711f150" providerId="LiveId" clId="{903FCB81-997B-49A4-9915-D9CD3B62E1B6}" dt="2025-02-16T20:30:08.455" v="782" actId="478"/>
-          <ac:cxnSpMkLst>
-            <pc:docMk/>
-            <pc:sldMk cId="432981431" sldId="407"/>
-            <ac:cxnSpMk id="76" creationId="{00E15EA5-DF11-B0D4-EA23-25C2C84F2E69}"/>
-          </ac:cxnSpMkLst>
-        </pc:cxnChg>
-        <pc:cxnChg chg="add mod">
-          <ac:chgData name="Manuel Caipo" userId="1f587cb93711f150" providerId="LiveId" clId="{903FCB81-997B-49A4-9915-D9CD3B62E1B6}" dt="2025-02-16T21:17:25.340" v="959" actId="14100"/>
-          <ac:cxnSpMkLst>
-            <pc:docMk/>
-            <pc:sldMk cId="432981431" sldId="407"/>
-            <ac:cxnSpMk id="77" creationId="{8284FA5A-B8DD-456A-66B3-C3128835420F}"/>
-          </ac:cxnSpMkLst>
-        </pc:cxnChg>
-        <pc:cxnChg chg="mod">
-          <ac:chgData name="Manuel Caipo" userId="1f587cb93711f150" providerId="LiveId" clId="{903FCB81-997B-49A4-9915-D9CD3B62E1B6}" dt="2025-02-16T21:47:21.310" v="1283" actId="14100"/>
-          <ac:cxnSpMkLst>
-            <pc:docMk/>
-            <pc:sldMk cId="432981431" sldId="407"/>
-            <ac:cxnSpMk id="85" creationId="{9FD269F8-A8C9-97A2-54C1-8F91BEA50F2B}"/>
-          </ac:cxnSpMkLst>
-        </pc:cxnChg>
-        <pc:cxnChg chg="mod">
-          <ac:chgData name="Manuel Caipo" userId="1f587cb93711f150" providerId="LiveId" clId="{903FCB81-997B-49A4-9915-D9CD3B62E1B6}" dt="2025-02-16T21:27:18.993" v="1051" actId="1076"/>
-          <ac:cxnSpMkLst>
-            <pc:docMk/>
-            <pc:sldMk cId="432981431" sldId="407"/>
-            <ac:cxnSpMk id="97" creationId="{FD1094B5-30AC-9226-DA85-A7076B5EFDD8}"/>
-          </ac:cxnSpMkLst>
-        </pc:cxnChg>
-        <pc:cxnChg chg="mod">
-          <ac:chgData name="Manuel Caipo" userId="1f587cb93711f150" providerId="LiveId" clId="{903FCB81-997B-49A4-9915-D9CD3B62E1B6}" dt="2025-02-16T21:31:04.158" v="1081" actId="1076"/>
-          <ac:cxnSpMkLst>
-            <pc:docMk/>
-            <pc:sldMk cId="432981431" sldId="407"/>
-            <ac:cxnSpMk id="98" creationId="{0FB36341-357A-D20A-13C6-918843B8E832}"/>
-          </ac:cxnSpMkLst>
-        </pc:cxnChg>
-        <pc:cxnChg chg="mod">
-          <ac:chgData name="Manuel Caipo" userId="1f587cb93711f150" providerId="LiveId" clId="{903FCB81-997B-49A4-9915-D9CD3B62E1B6}" dt="2025-02-16T21:31:04.158" v="1081" actId="1076"/>
-          <ac:cxnSpMkLst>
-            <pc:docMk/>
-            <pc:sldMk cId="432981431" sldId="407"/>
-            <ac:cxnSpMk id="115" creationId="{EFB7F0C6-384E-262A-99B6-D9884A1C6E88}"/>
-          </ac:cxnSpMkLst>
-        </pc:cxnChg>
-        <pc:cxnChg chg="del mod">
-          <ac:chgData name="Manuel Caipo" userId="1f587cb93711f150" providerId="LiveId" clId="{903FCB81-997B-49A4-9915-D9CD3B62E1B6}" dt="2025-02-16T21:18:29.768" v="970" actId="478"/>
-          <ac:cxnSpMkLst>
-            <pc:docMk/>
-            <pc:sldMk cId="432981431" sldId="407"/>
-            <ac:cxnSpMk id="118" creationId="{3B71CFC3-D3AF-F19F-2773-6AEF12F0D9D4}"/>
-          </ac:cxnSpMkLst>
-        </pc:cxnChg>
-        <pc:cxnChg chg="add mod">
-          <ac:chgData name="Manuel Caipo" userId="1f587cb93711f150" providerId="LiveId" clId="{903FCB81-997B-49A4-9915-D9CD3B62E1B6}" dt="2025-02-16T21:17:22.615" v="958" actId="1076"/>
-          <ac:cxnSpMkLst>
-            <pc:docMk/>
-            <pc:sldMk cId="432981431" sldId="407"/>
-            <ac:cxnSpMk id="126" creationId="{0024470B-D55C-3777-60DB-FCD9D0499A70}"/>
-          </ac:cxnSpMkLst>
-        </pc:cxnChg>
-        <pc:cxnChg chg="add mod">
-          <ac:chgData name="Manuel Caipo" userId="1f587cb93711f150" providerId="LiveId" clId="{903FCB81-997B-49A4-9915-D9CD3B62E1B6}" dt="2025-02-16T21:18:32.480" v="971" actId="14100"/>
-          <ac:cxnSpMkLst>
-            <pc:docMk/>
-            <pc:sldMk cId="432981431" sldId="407"/>
-            <ac:cxnSpMk id="141" creationId="{50346646-16DB-D4A0-D3C8-989A3B6A983E}"/>
-          </ac:cxnSpMkLst>
-        </pc:cxnChg>
-        <pc:cxnChg chg="mod">
-          <ac:chgData name="Manuel Caipo" userId="1f587cb93711f150" providerId="LiveId" clId="{903FCB81-997B-49A4-9915-D9CD3B62E1B6}" dt="2025-02-16T21:31:04.158" v="1081" actId="1076"/>
-          <ac:cxnSpMkLst>
-            <pc:docMk/>
-            <pc:sldMk cId="432981431" sldId="407"/>
-            <ac:cxnSpMk id="146" creationId="{8AB70968-5B00-C87D-033D-1CA040478062}"/>
-          </ac:cxnSpMkLst>
-        </pc:cxnChg>
-        <pc:cxnChg chg="add mod">
-          <ac:chgData name="Manuel Caipo" userId="1f587cb93711f150" providerId="LiveId" clId="{903FCB81-997B-49A4-9915-D9CD3B62E1B6}" dt="2025-02-16T21:42:50.877" v="1203" actId="1076"/>
-          <ac:cxnSpMkLst>
-            <pc:docMk/>
-            <pc:sldMk cId="432981431" sldId="407"/>
-            <ac:cxnSpMk id="161" creationId="{5E0479A9-DAEB-30EB-64FE-C5A041981F55}"/>
-          </ac:cxnSpMkLst>
-        </pc:cxnChg>
-        <pc:cxnChg chg="mod">
-          <ac:chgData name="Manuel Caipo" userId="1f587cb93711f150" providerId="LiveId" clId="{903FCB81-997B-49A4-9915-D9CD3B62E1B6}" dt="2025-02-16T21:31:04.158" v="1081" actId="1076"/>
-          <ac:cxnSpMkLst>
-            <pc:docMk/>
-            <pc:sldMk cId="432981431" sldId="407"/>
-            <ac:cxnSpMk id="170" creationId="{09E93378-D3D5-A120-7862-1E8DD246317D}"/>
-          </ac:cxnSpMkLst>
-        </pc:cxnChg>
-        <pc:cxnChg chg="mod">
-          <ac:chgData name="Manuel Caipo" userId="1f587cb93711f150" providerId="LiveId" clId="{903FCB81-997B-49A4-9915-D9CD3B62E1B6}" dt="2025-02-16T21:30:55.061" v="1079" actId="1076"/>
-          <ac:cxnSpMkLst>
-            <pc:docMk/>
-            <pc:sldMk cId="432981431" sldId="407"/>
-            <ac:cxnSpMk id="181" creationId="{DB7A2EE2-9A7B-AF5D-C3AF-153F1EB33FE9}"/>
-          </ac:cxnSpMkLst>
-        </pc:cxnChg>
-        <pc:cxnChg chg="mod">
-          <ac:chgData name="Manuel Caipo" userId="1f587cb93711f150" providerId="LiveId" clId="{903FCB81-997B-49A4-9915-D9CD3B62E1B6}" dt="2025-02-16T21:31:04.158" v="1081" actId="1076"/>
-          <ac:cxnSpMkLst>
-            <pc:docMk/>
-            <pc:sldMk cId="432981431" sldId="407"/>
-            <ac:cxnSpMk id="185" creationId="{C053A123-F82E-CE66-064B-E2B86A436452}"/>
-          </ac:cxnSpMkLst>
-        </pc:cxnChg>
-        <pc:cxnChg chg="add mod">
-          <ac:chgData name="Manuel Caipo" userId="1f587cb93711f150" providerId="LiveId" clId="{903FCB81-997B-49A4-9915-D9CD3B62E1B6}" dt="2025-02-16T21:42:54.986" v="1204" actId="1076"/>
-          <ac:cxnSpMkLst>
-            <pc:docMk/>
-            <pc:sldMk cId="432981431" sldId="407"/>
-            <ac:cxnSpMk id="191" creationId="{2AF169FA-7193-FCE1-7C04-4C631FBAA6D0}"/>
-          </ac:cxnSpMkLst>
-        </pc:cxnChg>
-        <pc:cxnChg chg="add mod">
-          <ac:chgData name="Manuel Caipo" userId="1f587cb93711f150" providerId="LiveId" clId="{903FCB81-997B-49A4-9915-D9CD3B62E1B6}" dt="2025-02-16T21:47:34.043" v="1286" actId="14100"/>
-          <ac:cxnSpMkLst>
-            <pc:docMk/>
-            <pc:sldMk cId="432981431" sldId="407"/>
-            <ac:cxnSpMk id="193" creationId="{CD8F3ABC-6FE4-557A-5898-1B1050D1E169}"/>
-          </ac:cxnSpMkLst>
-        </pc:cxnChg>
-        <pc:cxnChg chg="del mod">
-          <ac:chgData name="Manuel Caipo" userId="1f587cb93711f150" providerId="LiveId" clId="{903FCB81-997B-49A4-9915-D9CD3B62E1B6}" dt="2025-02-16T20:24:09.893" v="765" actId="478"/>
-          <ac:cxnSpMkLst>
-            <pc:docMk/>
-            <pc:sldMk cId="432981431" sldId="407"/>
-            <ac:cxnSpMk id="210" creationId="{35AC9F23-7CD6-A514-2D5E-02919C3D84A9}"/>
-          </ac:cxnSpMkLst>
-        </pc:cxnChg>
-        <pc:cxnChg chg="add mod">
-          <ac:chgData name="Manuel Caipo" userId="1f587cb93711f150" providerId="LiveId" clId="{903FCB81-997B-49A4-9915-D9CD3B62E1B6}" dt="2025-02-16T21:52:48.481" v="1337" actId="208"/>
-          <ac:cxnSpMkLst>
-            <pc:docMk/>
-            <pc:sldMk cId="432981431" sldId="407"/>
-            <ac:cxnSpMk id="211" creationId="{0ECC3B15-0949-8326-6466-1D83C2C179D5}"/>
-          </ac:cxnSpMkLst>
-        </pc:cxnChg>
-        <pc:cxnChg chg="add mod">
-          <ac:chgData name="Manuel Caipo" userId="1f587cb93711f150" providerId="LiveId" clId="{903FCB81-997B-49A4-9915-D9CD3B62E1B6}" dt="2025-02-16T21:52:52.249" v="1338" actId="208"/>
-          <ac:cxnSpMkLst>
-            <pc:docMk/>
-            <pc:sldMk cId="432981431" sldId="407"/>
-            <ac:cxnSpMk id="214" creationId="{FC4CA9C5-48DC-F30C-150D-3F74782B094D}"/>
-          </ac:cxnSpMkLst>
-        </pc:cxnChg>
-        <pc:cxnChg chg="add mod">
-          <ac:chgData name="Manuel Caipo" userId="1f587cb93711f150" providerId="LiveId" clId="{903FCB81-997B-49A4-9915-D9CD3B62E1B6}" dt="2025-02-16T21:55:44.073" v="1350" actId="14100"/>
-          <ac:cxnSpMkLst>
-            <pc:docMk/>
-            <pc:sldMk cId="432981431" sldId="407"/>
-            <ac:cxnSpMk id="218" creationId="{04C9A420-0F8D-0CC1-DE83-D6DFE4E119C7}"/>
-          </ac:cxnSpMkLst>
-        </pc:cxnChg>
-        <pc:cxnChg chg="del mod">
-          <ac:chgData name="Manuel Caipo" userId="1f587cb93711f150" providerId="LiveId" clId="{903FCB81-997B-49A4-9915-D9CD3B62E1B6}" dt="2025-02-16T21:46:58.005" v="1277" actId="478"/>
-          <ac:cxnSpMkLst>
-            <pc:docMk/>
-            <pc:sldMk cId="432981431" sldId="407"/>
-            <ac:cxnSpMk id="219" creationId="{504DB069-7F4C-4402-B810-8DEBAA61EC3D}"/>
-          </ac:cxnSpMkLst>
-        </pc:cxnChg>
-        <pc:cxnChg chg="add mod">
-          <ac:chgData name="Manuel Caipo" userId="1f587cb93711f150" providerId="LiveId" clId="{903FCB81-997B-49A4-9915-D9CD3B62E1B6}" dt="2025-02-16T21:55:22.245" v="1347" actId="13822"/>
-          <ac:cxnSpMkLst>
-            <pc:docMk/>
-            <pc:sldMk cId="432981431" sldId="407"/>
-            <ac:cxnSpMk id="220" creationId="{427C8828-D208-C719-BF69-B2985EECBB81}"/>
-          </ac:cxnSpMkLst>
-        </pc:cxnChg>
-        <pc:cxnChg chg="add del mod">
-          <ac:chgData name="Manuel Caipo" userId="1f587cb93711f150" providerId="LiveId" clId="{903FCB81-997B-49A4-9915-D9CD3B62E1B6}" dt="2025-02-16T21:37:01.462" v="1159" actId="478"/>
-          <ac:cxnSpMkLst>
-            <pc:docMk/>
-            <pc:sldMk cId="432981431" sldId="407"/>
-            <ac:cxnSpMk id="1056" creationId="{E3B8A4C0-D394-4B7D-A103-8861CCF6B0B0}"/>
-          </ac:cxnSpMkLst>
-        </pc:cxnChg>
-        <pc:cxnChg chg="add del mod">
-          <ac:chgData name="Manuel Caipo" userId="1f587cb93711f150" providerId="LiveId" clId="{903FCB81-997B-49A4-9915-D9CD3B62E1B6}" dt="2025-02-16T21:48:26.572" v="1288" actId="478"/>
-          <ac:cxnSpMkLst>
-            <pc:docMk/>
-            <pc:sldMk cId="432981431" sldId="407"/>
-            <ac:cxnSpMk id="1062" creationId="{DE1B5377-44D0-961A-E593-C907CC34650E}"/>
-          </ac:cxnSpMkLst>
-        </pc:cxnChg>
-        <pc:cxnChg chg="add del mod">
-          <ac:chgData name="Manuel Caipo" userId="1f587cb93711f150" providerId="LiveId" clId="{903FCB81-997B-49A4-9915-D9CD3B62E1B6}" dt="2025-02-16T21:52:56.434" v="1339" actId="208"/>
-          <ac:cxnSpMkLst>
-            <pc:docMk/>
-            <pc:sldMk cId="432981431" sldId="407"/>
-            <ac:cxnSpMk id="1072" creationId="{16196589-113D-20EF-6EDD-E34E50E6D278}"/>
-          </ac:cxnSpMkLst>
-        </pc:cxnChg>
       </pc:sldChg>
       <pc:sldChg chg="addSp delSp modSp new mod modClrScheme chgLayout">
         <pc:chgData name="Manuel Caipo" userId="1f587cb93711f150" providerId="LiveId" clId="{903FCB81-997B-49A4-9915-D9CD3B62E1B6}" dt="2025-02-16T22:44:29.036" v="2513" actId="478"/>
@@ -3237,550 +1237,6 @@
           <pc:docMk/>
           <pc:sldMk cId="3460364792" sldId="408"/>
         </pc:sldMkLst>
-        <pc:spChg chg="del mod ord">
-          <ac:chgData name="Manuel Caipo" userId="1f587cb93711f150" providerId="LiveId" clId="{903FCB81-997B-49A4-9915-D9CD3B62E1B6}" dt="2025-02-16T21:57:39.184" v="1359" actId="700"/>
-          <ac:spMkLst>
-            <pc:docMk/>
-            <pc:sldMk cId="3460364792" sldId="408"/>
-            <ac:spMk id="2" creationId="{D7113B90-7FC3-98AF-6EA8-2C24CBC2996B}"/>
-          </ac:spMkLst>
-        </pc:spChg>
-        <pc:spChg chg="del mod ord">
-          <ac:chgData name="Manuel Caipo" userId="1f587cb93711f150" providerId="LiveId" clId="{903FCB81-997B-49A4-9915-D9CD3B62E1B6}" dt="2025-02-16T21:57:39.184" v="1359" actId="700"/>
-          <ac:spMkLst>
-            <pc:docMk/>
-            <pc:sldMk cId="3460364792" sldId="408"/>
-            <ac:spMk id="3" creationId="{EF2959E6-22B7-424A-C842-0D03E697D846}"/>
-          </ac:spMkLst>
-        </pc:spChg>
-        <pc:spChg chg="add del mod ord">
-          <ac:chgData name="Manuel Caipo" userId="1f587cb93711f150" providerId="LiveId" clId="{903FCB81-997B-49A4-9915-D9CD3B62E1B6}" dt="2025-02-16T22:29:40.925" v="2240" actId="478"/>
-          <ac:spMkLst>
-            <pc:docMk/>
-            <pc:sldMk cId="3460364792" sldId="408"/>
-            <ac:spMk id="4" creationId="{45572AF9-C4C5-61AD-1BFF-D2FE0B340252}"/>
-          </ac:spMkLst>
-        </pc:spChg>
-        <pc:spChg chg="add del mod ord">
-          <ac:chgData name="Manuel Caipo" userId="1f587cb93711f150" providerId="LiveId" clId="{903FCB81-997B-49A4-9915-D9CD3B62E1B6}" dt="2025-02-16T22:20:09.227" v="1832" actId="478"/>
-          <ac:spMkLst>
-            <pc:docMk/>
-            <pc:sldMk cId="3460364792" sldId="408"/>
-            <ac:spMk id="5" creationId="{6B84C98C-64AD-E4BC-99C9-F515BB41AC56}"/>
-          </ac:spMkLst>
-        </pc:spChg>
-        <pc:spChg chg="add del mod ord">
-          <ac:chgData name="Manuel Caipo" userId="1f587cb93711f150" providerId="LiveId" clId="{903FCB81-997B-49A4-9915-D9CD3B62E1B6}" dt="2025-02-16T22:20:27.764" v="1841" actId="478"/>
-          <ac:spMkLst>
-            <pc:docMk/>
-            <pc:sldMk cId="3460364792" sldId="408"/>
-            <ac:spMk id="6" creationId="{901E72E4-7B5E-D5F7-9A7F-7972600F3DCD}"/>
-          </ac:spMkLst>
-        </pc:spChg>
-        <pc:spChg chg="add del mod ord">
-          <ac:chgData name="Manuel Caipo" userId="1f587cb93711f150" providerId="LiveId" clId="{903FCB81-997B-49A4-9915-D9CD3B62E1B6}" dt="2025-02-16T22:20:13.618" v="1835" actId="478"/>
-          <ac:spMkLst>
-            <pc:docMk/>
-            <pc:sldMk cId="3460364792" sldId="408"/>
-            <ac:spMk id="7" creationId="{2EFE0BA2-AF64-CC8B-BE5F-587DBE75AF8A}"/>
-          </ac:spMkLst>
-        </pc:spChg>
-        <pc:spChg chg="add del mod ord">
-          <ac:chgData name="Manuel Caipo" userId="1f587cb93711f150" providerId="LiveId" clId="{903FCB81-997B-49A4-9915-D9CD3B62E1B6}" dt="2025-02-16T22:20:21.348" v="1838" actId="478"/>
-          <ac:spMkLst>
-            <pc:docMk/>
-            <pc:sldMk cId="3460364792" sldId="408"/>
-            <ac:spMk id="8" creationId="{2DC23BAD-3523-2EA5-6D59-B59D491A7211}"/>
-          </ac:spMkLst>
-        </pc:spChg>
-        <pc:spChg chg="add del mod ord">
-          <ac:chgData name="Manuel Caipo" userId="1f587cb93711f150" providerId="LiveId" clId="{903FCB81-997B-49A4-9915-D9CD3B62E1B6}" dt="2025-02-16T22:20:15.858" v="1836" actId="478"/>
-          <ac:spMkLst>
-            <pc:docMk/>
-            <pc:sldMk cId="3460364792" sldId="408"/>
-            <ac:spMk id="9" creationId="{CA9E0C5B-0BA8-3BE3-96A9-C787D5D0F025}"/>
-          </ac:spMkLst>
-        </pc:spChg>
-        <pc:spChg chg="add del mod ord">
-          <ac:chgData name="Manuel Caipo" userId="1f587cb93711f150" providerId="LiveId" clId="{903FCB81-997B-49A4-9915-D9CD3B62E1B6}" dt="2025-02-16T22:20:19.391" v="1837" actId="478"/>
-          <ac:spMkLst>
-            <pc:docMk/>
-            <pc:sldMk cId="3460364792" sldId="408"/>
-            <ac:spMk id="10" creationId="{85515CE2-3E05-61E4-0C3A-31C825E687D8}"/>
-          </ac:spMkLst>
-        </pc:spChg>
-        <pc:spChg chg="add mod ord">
-          <ac:chgData name="Manuel Caipo" userId="1f587cb93711f150" providerId="LiveId" clId="{903FCB81-997B-49A4-9915-D9CD3B62E1B6}" dt="2025-02-16T22:20:03.599" v="1831"/>
-          <ac:spMkLst>
-            <pc:docMk/>
-            <pc:sldMk cId="3460364792" sldId="408"/>
-            <ac:spMk id="11" creationId="{FC691D89-6AD3-B90E-8057-9B5A88AD7340}"/>
-          </ac:spMkLst>
-        </pc:spChg>
-        <pc:spChg chg="del">
-          <ac:chgData name="Manuel Caipo" userId="1f587cb93711f150" providerId="LiveId" clId="{903FCB81-997B-49A4-9915-D9CD3B62E1B6}" dt="2025-02-16T22:20:36.721" v="1842" actId="478"/>
-          <ac:spMkLst>
-            <pc:docMk/>
-            <pc:sldMk cId="3460364792" sldId="408"/>
-            <ac:spMk id="12" creationId="{E04D746F-578E-760D-362E-E863F0288092}"/>
-          </ac:spMkLst>
-        </pc:spChg>
-        <pc:spChg chg="mod">
-          <ac:chgData name="Manuel Caipo" userId="1f587cb93711f150" providerId="LiveId" clId="{903FCB81-997B-49A4-9915-D9CD3B62E1B6}" dt="2025-02-16T22:20:51.327" v="1864" actId="20577"/>
-          <ac:spMkLst>
-            <pc:docMk/>
-            <pc:sldMk cId="3460364792" sldId="408"/>
-            <ac:spMk id="13" creationId="{E059EE29-5875-CDF3-387F-32806BD1C101}"/>
-          </ac:spMkLst>
-        </pc:spChg>
-        <pc:spChg chg="del">
-          <ac:chgData name="Manuel Caipo" userId="1f587cb93711f150" providerId="LiveId" clId="{903FCB81-997B-49A4-9915-D9CD3B62E1B6}" dt="2025-02-16T22:20:43.382" v="1845" actId="478"/>
-          <ac:spMkLst>
-            <pc:docMk/>
-            <pc:sldMk cId="3460364792" sldId="408"/>
-            <ac:spMk id="14" creationId="{3D07D535-4F42-BA7C-37C5-0DAD3435C280}"/>
-          </ac:spMkLst>
-        </pc:spChg>
-        <pc:spChg chg="add mod">
-          <ac:chgData name="Manuel Caipo" userId="1f587cb93711f150" providerId="LiveId" clId="{903FCB81-997B-49A4-9915-D9CD3B62E1B6}" dt="2025-02-16T22:28:23.306" v="2184" actId="1076"/>
-          <ac:spMkLst>
-            <pc:docMk/>
-            <pc:sldMk cId="3460364792" sldId="408"/>
-            <ac:spMk id="15" creationId="{9219D63C-84AE-77AD-3FB2-D450D8F8F174}"/>
-          </ac:spMkLst>
-        </pc:spChg>
-        <pc:spChg chg="del mod">
-          <ac:chgData name="Manuel Caipo" userId="1f587cb93711f150" providerId="LiveId" clId="{903FCB81-997B-49A4-9915-D9CD3B62E1B6}" dt="2025-02-16T22:26:18.743" v="2137" actId="478"/>
-          <ac:spMkLst>
-            <pc:docMk/>
-            <pc:sldMk cId="3460364792" sldId="408"/>
-            <ac:spMk id="16" creationId="{E0457B6E-E74A-886E-5A6D-755C3C244AB8}"/>
-          </ac:spMkLst>
-        </pc:spChg>
-        <pc:spChg chg="mod">
-          <ac:chgData name="Manuel Caipo" userId="1f587cb93711f150" providerId="LiveId" clId="{903FCB81-997B-49A4-9915-D9CD3B62E1B6}" dt="2025-02-16T22:34:06.803" v="2352" actId="20577"/>
-          <ac:spMkLst>
-            <pc:docMk/>
-            <pc:sldMk cId="3460364792" sldId="408"/>
-            <ac:spMk id="17" creationId="{B892A5AD-1705-D79C-CD00-724B95648024}"/>
-          </ac:spMkLst>
-        </pc:spChg>
-        <pc:spChg chg="add del mod">
-          <ac:chgData name="Manuel Caipo" userId="1f587cb93711f150" providerId="LiveId" clId="{903FCB81-997B-49A4-9915-D9CD3B62E1B6}" dt="2025-02-16T22:34:16.293" v="2353" actId="478"/>
-          <ac:spMkLst>
-            <pc:docMk/>
-            <pc:sldMk cId="3460364792" sldId="408"/>
-            <ac:spMk id="18" creationId="{B189BD93-CECD-ACFE-1973-F66AA7C1B256}"/>
-          </ac:spMkLst>
-        </pc:spChg>
-        <pc:spChg chg="add del mod">
-          <ac:chgData name="Manuel Caipo" userId="1f587cb93711f150" providerId="LiveId" clId="{903FCB81-997B-49A4-9915-D9CD3B62E1B6}" dt="2025-02-16T22:26:24.559" v="2140" actId="478"/>
-          <ac:spMkLst>
-            <pc:docMk/>
-            <pc:sldMk cId="3460364792" sldId="408"/>
-            <ac:spMk id="19" creationId="{22A068CA-B3C9-79B5-FBD3-C8A8A623894F}"/>
-          </ac:spMkLst>
-        </pc:spChg>
-        <pc:spChg chg="mod">
-          <ac:chgData name="Manuel Caipo" userId="1f587cb93711f150" providerId="LiveId" clId="{903FCB81-997B-49A4-9915-D9CD3B62E1B6}" dt="2025-02-16T22:34:37.225" v="2366" actId="20577"/>
-          <ac:spMkLst>
-            <pc:docMk/>
-            <pc:sldMk cId="3460364792" sldId="408"/>
-            <ac:spMk id="20" creationId="{BE7670AE-CB17-0D9B-AC8B-1F57D7B7199E}"/>
-          </ac:spMkLst>
-        </pc:spChg>
-        <pc:spChg chg="del mod">
-          <ac:chgData name="Manuel Caipo" userId="1f587cb93711f150" providerId="LiveId" clId="{903FCB81-997B-49A4-9915-D9CD3B62E1B6}" dt="2025-02-16T22:21:17.641" v="1867" actId="478"/>
-          <ac:spMkLst>
-            <pc:docMk/>
-            <pc:sldMk cId="3460364792" sldId="408"/>
-            <ac:spMk id="21" creationId="{4C733C48-AE56-0F6F-7159-F785E2AE8A4D}"/>
-          </ac:spMkLst>
-        </pc:spChg>
-        <pc:spChg chg="add del mod">
-          <ac:chgData name="Manuel Caipo" userId="1f587cb93711f150" providerId="LiveId" clId="{903FCB81-997B-49A4-9915-D9CD3B62E1B6}" dt="2025-02-16T22:39:24.136" v="2468" actId="478"/>
-          <ac:spMkLst>
-            <pc:docMk/>
-            <pc:sldMk cId="3460364792" sldId="408"/>
-            <ac:spMk id="22" creationId="{BF51A81B-F80C-C238-3D28-60C5D03A3636}"/>
-          </ac:spMkLst>
-        </pc:spChg>
-        <pc:spChg chg="del">
-          <ac:chgData name="Manuel Caipo" userId="1f587cb93711f150" providerId="LiveId" clId="{903FCB81-997B-49A4-9915-D9CD3B62E1B6}" dt="2025-02-16T22:24:59.418" v="2025" actId="478"/>
-          <ac:spMkLst>
-            <pc:docMk/>
-            <pc:sldMk cId="3460364792" sldId="408"/>
-            <ac:spMk id="28" creationId="{5C9190EA-C478-9FCB-358C-7584261BAD00}"/>
-          </ac:spMkLst>
-        </pc:spChg>
-        <pc:spChg chg="add del mod">
-          <ac:chgData name="Manuel Caipo" userId="1f587cb93711f150" providerId="LiveId" clId="{903FCB81-997B-49A4-9915-D9CD3B62E1B6}" dt="2025-02-16T22:25:01.621" v="2026" actId="478"/>
-          <ac:spMkLst>
-            <pc:docMk/>
-            <pc:sldMk cId="3460364792" sldId="408"/>
-            <ac:spMk id="29" creationId="{EE823B38-889D-6705-C4DF-F97ADF7CB2AB}"/>
-          </ac:spMkLst>
-        </pc:spChg>
-        <pc:spChg chg="add del mod">
-          <ac:chgData name="Manuel Caipo" userId="1f587cb93711f150" providerId="LiveId" clId="{903FCB81-997B-49A4-9915-D9CD3B62E1B6}" dt="2025-02-16T22:34:18.615" v="2356" actId="478"/>
-          <ac:spMkLst>
-            <pc:docMk/>
-            <pc:sldMk cId="3460364792" sldId="408"/>
-            <ac:spMk id="30" creationId="{1D371D22-7DF2-EB78-00B5-D5686B1FCD82}"/>
-          </ac:spMkLst>
-        </pc:spChg>
-        <pc:spChg chg="del">
-          <ac:chgData name="Manuel Caipo" userId="1f587cb93711f150" providerId="LiveId" clId="{903FCB81-997B-49A4-9915-D9CD3B62E1B6}" dt="2025-02-16T22:34:18.019" v="2355" actId="478"/>
-          <ac:spMkLst>
-            <pc:docMk/>
-            <pc:sldMk cId="3460364792" sldId="408"/>
-            <ac:spMk id="31" creationId="{B581081A-EAA2-B3E0-3DAB-75AB6697845E}"/>
-          </ac:spMkLst>
-        </pc:spChg>
-        <pc:spChg chg="add del mod">
-          <ac:chgData name="Manuel Caipo" userId="1f587cb93711f150" providerId="LiveId" clId="{903FCB81-997B-49A4-9915-D9CD3B62E1B6}" dt="2025-02-16T22:24:58.256" v="2024" actId="478"/>
-          <ac:spMkLst>
-            <pc:docMk/>
-            <pc:sldMk cId="3460364792" sldId="408"/>
-            <ac:spMk id="32" creationId="{F2CC4D1B-853F-1B7A-EA01-9595BB7B50A4}"/>
-          </ac:spMkLst>
-        </pc:spChg>
-        <pc:spChg chg="add del mod">
-          <ac:chgData name="Manuel Caipo" userId="1f587cb93711f150" providerId="LiveId" clId="{903FCB81-997B-49A4-9915-D9CD3B62E1B6}" dt="2025-02-16T22:39:22.356" v="2467" actId="478"/>
-          <ac:spMkLst>
-            <pc:docMk/>
-            <pc:sldMk cId="3460364792" sldId="408"/>
-            <ac:spMk id="33" creationId="{8F624C34-249C-9BBB-FF75-91A5B7816843}"/>
-          </ac:spMkLst>
-        </pc:spChg>
-        <pc:spChg chg="add del mod">
-          <ac:chgData name="Manuel Caipo" userId="1f587cb93711f150" providerId="LiveId" clId="{903FCB81-997B-49A4-9915-D9CD3B62E1B6}" dt="2025-02-16T22:24:51.740" v="2022" actId="478"/>
-          <ac:spMkLst>
-            <pc:docMk/>
-            <pc:sldMk cId="3460364792" sldId="408"/>
-            <ac:spMk id="34" creationId="{B9867DF1-82D3-AD47-5776-C79264052961}"/>
-          </ac:spMkLst>
-        </pc:spChg>
-        <pc:spChg chg="del">
-          <ac:chgData name="Manuel Caipo" userId="1f587cb93711f150" providerId="LiveId" clId="{903FCB81-997B-49A4-9915-D9CD3B62E1B6}" dt="2025-02-16T22:26:22.009" v="2139" actId="478"/>
-          <ac:spMkLst>
-            <pc:docMk/>
-            <pc:sldMk cId="3460364792" sldId="408"/>
-            <ac:spMk id="35" creationId="{3DCC3D09-5B37-2AC3-5E8E-DFB7C7DFA3E3}"/>
-          </ac:spMkLst>
-        </pc:spChg>
-        <pc:spChg chg="del">
-          <ac:chgData name="Manuel Caipo" userId="1f587cb93711f150" providerId="LiveId" clId="{903FCB81-997B-49A4-9915-D9CD3B62E1B6}" dt="2025-02-16T22:20:37.680" v="1843" actId="478"/>
-          <ac:spMkLst>
-            <pc:docMk/>
-            <pc:sldMk cId="3460364792" sldId="408"/>
-            <ac:spMk id="37" creationId="{68B9A3EC-38DB-8539-F501-722980BC57D1}"/>
-          </ac:spMkLst>
-        </pc:spChg>
-        <pc:spChg chg="del">
-          <ac:chgData name="Manuel Caipo" userId="1f587cb93711f150" providerId="LiveId" clId="{903FCB81-997B-49A4-9915-D9CD3B62E1B6}" dt="2025-02-16T22:20:40.636" v="1844" actId="478"/>
-          <ac:spMkLst>
-            <pc:docMk/>
-            <pc:sldMk cId="3460364792" sldId="408"/>
-            <ac:spMk id="38" creationId="{BB10E0C0-DABC-3223-FB11-AB0FB3C6EF33}"/>
-          </ac:spMkLst>
-        </pc:spChg>
-        <pc:spChg chg="mod">
-          <ac:chgData name="Manuel Caipo" userId="1f587cb93711f150" providerId="LiveId" clId="{903FCB81-997B-49A4-9915-D9CD3B62E1B6}" dt="2025-02-16T22:24:27.144" v="1997" actId="20577"/>
-          <ac:spMkLst>
-            <pc:docMk/>
-            <pc:sldMk cId="3460364792" sldId="408"/>
-            <ac:spMk id="44" creationId="{01DD7A3B-E574-6011-900A-EAFF17E254E8}"/>
-          </ac:spMkLst>
-        </pc:spChg>
-        <pc:spChg chg="add del mod">
-          <ac:chgData name="Manuel Caipo" userId="1f587cb93711f150" providerId="LiveId" clId="{903FCB81-997B-49A4-9915-D9CD3B62E1B6}" dt="2025-02-16T22:24:38.272" v="2015"/>
-          <ac:spMkLst>
-            <pc:docMk/>
-            <pc:sldMk cId="3460364792" sldId="408"/>
-            <ac:spMk id="45" creationId="{AAB7EDDC-B379-6E59-FB80-6B5391D86D8D}"/>
-          </ac:spMkLst>
-        </pc:spChg>
-        <pc:spChg chg="mod">
-          <ac:chgData name="Manuel Caipo" userId="1f587cb93711f150" providerId="LiveId" clId="{903FCB81-997B-49A4-9915-D9CD3B62E1B6}" dt="2025-02-16T22:24:43.241" v="2019" actId="20577"/>
-          <ac:spMkLst>
-            <pc:docMk/>
-            <pc:sldMk cId="3460364792" sldId="408"/>
-            <ac:spMk id="46" creationId="{EF5D81AF-E4F3-BECB-E13B-F617F0A468F3}"/>
-          </ac:spMkLst>
-        </pc:spChg>
-        <pc:spChg chg="add mod">
-          <ac:chgData name="Manuel Caipo" userId="1f587cb93711f150" providerId="LiveId" clId="{903FCB81-997B-49A4-9915-D9CD3B62E1B6}" dt="2025-02-16T22:38:38.889" v="2453" actId="20577"/>
-          <ac:spMkLst>
-            <pc:docMk/>
-            <pc:sldMk cId="3460364792" sldId="408"/>
-            <ac:spMk id="47" creationId="{89D32EF0-15F7-D6E1-7216-D37F078A6ADA}"/>
-          </ac:spMkLst>
-        </pc:spChg>
-        <pc:spChg chg="add mod">
-          <ac:chgData name="Manuel Caipo" userId="1f587cb93711f150" providerId="LiveId" clId="{903FCB81-997B-49A4-9915-D9CD3B62E1B6}" dt="2025-02-16T22:37:28.052" v="2440" actId="208"/>
-          <ac:spMkLst>
-            <pc:docMk/>
-            <pc:sldMk cId="3460364792" sldId="408"/>
-            <ac:spMk id="48" creationId="{39AE2313-D9E5-F312-AAFC-EEF796E37FFC}"/>
-          </ac:spMkLst>
-        </pc:spChg>
-        <pc:spChg chg="add mod">
-          <ac:chgData name="Manuel Caipo" userId="1f587cb93711f150" providerId="LiveId" clId="{903FCB81-997B-49A4-9915-D9CD3B62E1B6}" dt="2025-02-16T22:38:32.958" v="2450" actId="14100"/>
-          <ac:spMkLst>
-            <pc:docMk/>
-            <pc:sldMk cId="3460364792" sldId="408"/>
-            <ac:spMk id="62" creationId="{63860045-E648-6FAC-A61A-2744AE0700B8}"/>
-          </ac:spMkLst>
-        </pc:spChg>
-        <pc:spChg chg="add mod">
-          <ac:chgData name="Manuel Caipo" userId="1f587cb93711f150" providerId="LiveId" clId="{903FCB81-997B-49A4-9915-D9CD3B62E1B6}" dt="2025-02-16T22:29:09.134" v="2233" actId="1076"/>
-          <ac:spMkLst>
-            <pc:docMk/>
-            <pc:sldMk cId="3460364792" sldId="408"/>
-            <ac:spMk id="63" creationId="{1DD0FED2-871B-07E7-FE5B-61C6FF36FBA2}"/>
-          </ac:spMkLst>
-        </pc:spChg>
-        <pc:spChg chg="add del mod">
-          <ac:chgData name="Manuel Caipo" userId="1f587cb93711f150" providerId="LiveId" clId="{903FCB81-997B-49A4-9915-D9CD3B62E1B6}" dt="2025-02-16T22:28:01.733" v="2182" actId="478"/>
-          <ac:spMkLst>
-            <pc:docMk/>
-            <pc:sldMk cId="3460364792" sldId="408"/>
-            <ac:spMk id="64" creationId="{0D5C53FE-2F02-F749-9D4A-719190FA19CC}"/>
-          </ac:spMkLst>
-        </pc:spChg>
-        <pc:spChg chg="add mod">
-          <ac:chgData name="Manuel Caipo" userId="1f587cb93711f150" providerId="LiveId" clId="{903FCB81-997B-49A4-9915-D9CD3B62E1B6}" dt="2025-02-16T22:29:01.948" v="2232" actId="1076"/>
-          <ac:spMkLst>
-            <pc:docMk/>
-            <pc:sldMk cId="3460364792" sldId="408"/>
-            <ac:spMk id="68" creationId="{6C231AE7-AC92-6EC3-7D1D-81E61F38E1E8}"/>
-          </ac:spMkLst>
-        </pc:spChg>
-        <pc:spChg chg="add mod">
-          <ac:chgData name="Manuel Caipo" userId="1f587cb93711f150" providerId="LiveId" clId="{903FCB81-997B-49A4-9915-D9CD3B62E1B6}" dt="2025-02-16T22:29:31.330" v="2238" actId="1076"/>
-          <ac:spMkLst>
-            <pc:docMk/>
-            <pc:sldMk cId="3460364792" sldId="408"/>
-            <ac:spMk id="69" creationId="{E831C994-6263-EE3A-85E9-737AF28533E4}"/>
-          </ac:spMkLst>
-        </pc:spChg>
-        <pc:spChg chg="add mod">
-          <ac:chgData name="Manuel Caipo" userId="1f587cb93711f150" providerId="LiveId" clId="{903FCB81-997B-49A4-9915-D9CD3B62E1B6}" dt="2025-02-16T22:30:04.382" v="2244" actId="1076"/>
-          <ac:spMkLst>
-            <pc:docMk/>
-            <pc:sldMk cId="3460364792" sldId="408"/>
-            <ac:spMk id="71" creationId="{DB13B3AD-3AC3-9AF3-893F-B3A9C6DF78F2}"/>
-          </ac:spMkLst>
-        </pc:spChg>
-        <pc:spChg chg="add mod">
-          <ac:chgData name="Manuel Caipo" userId="1f587cb93711f150" providerId="LiveId" clId="{903FCB81-997B-49A4-9915-D9CD3B62E1B6}" dt="2025-02-16T22:30:22.196" v="2252" actId="1076"/>
-          <ac:spMkLst>
-            <pc:docMk/>
-            <pc:sldMk cId="3460364792" sldId="408"/>
-            <ac:spMk id="72" creationId="{2676692B-C40E-1664-2460-9D8577EF98BB}"/>
-          </ac:spMkLst>
-        </pc:spChg>
-        <pc:spChg chg="add mod">
-          <ac:chgData name="Manuel Caipo" userId="1f587cb93711f150" providerId="LiveId" clId="{903FCB81-997B-49A4-9915-D9CD3B62E1B6}" dt="2025-02-16T22:38:32.958" v="2450" actId="14100"/>
-          <ac:spMkLst>
-            <pc:docMk/>
-            <pc:sldMk cId="3460364792" sldId="408"/>
-            <ac:spMk id="84" creationId="{1AE80DDD-1C4B-F522-5BAE-AA4EFB999BFF}"/>
-          </ac:spMkLst>
-        </pc:spChg>
-        <pc:spChg chg="add mod">
-          <ac:chgData name="Manuel Caipo" userId="1f587cb93711f150" providerId="LiveId" clId="{903FCB81-997B-49A4-9915-D9CD3B62E1B6}" dt="2025-02-16T22:33:29.669" v="2343" actId="1076"/>
-          <ac:spMkLst>
-            <pc:docMk/>
-            <pc:sldMk cId="3460364792" sldId="408"/>
-            <ac:spMk id="85" creationId="{F6802FE9-E05E-939D-B9A8-535BE191E6A7}"/>
-          </ac:spMkLst>
-        </pc:spChg>
-        <pc:spChg chg="add mod">
-          <ac:chgData name="Manuel Caipo" userId="1f587cb93711f150" providerId="LiveId" clId="{903FCB81-997B-49A4-9915-D9CD3B62E1B6}" dt="2025-02-16T22:34:54.836" v="2367"/>
-          <ac:spMkLst>
-            <pc:docMk/>
-            <pc:sldMk cId="3460364792" sldId="408"/>
-            <ac:spMk id="89" creationId="{189A3E81-AD5A-989A-C6A9-77739169302E}"/>
-          </ac:spMkLst>
-        </pc:spChg>
-        <pc:spChg chg="add mod">
-          <ac:chgData name="Manuel Caipo" userId="1f587cb93711f150" providerId="LiveId" clId="{903FCB81-997B-49A4-9915-D9CD3B62E1B6}" dt="2025-02-16T22:38:32.958" v="2450" actId="14100"/>
-          <ac:spMkLst>
-            <pc:docMk/>
-            <pc:sldMk cId="3460364792" sldId="408"/>
-            <ac:spMk id="93" creationId="{2D0D653A-AF00-9AAF-F5CE-7FAEF88ED604}"/>
-          </ac:spMkLst>
-        </pc:spChg>
-        <pc:spChg chg="add mod">
-          <ac:chgData name="Manuel Caipo" userId="1f587cb93711f150" providerId="LiveId" clId="{903FCB81-997B-49A4-9915-D9CD3B62E1B6}" dt="2025-02-16T22:39:05.115" v="2466" actId="207"/>
-          <ac:spMkLst>
-            <pc:docMk/>
-            <pc:sldMk cId="3460364792" sldId="408"/>
-            <ac:spMk id="94" creationId="{3F90BA42-5222-D688-A7B3-72D261A86234}"/>
-          </ac:spMkLst>
-        </pc:spChg>
-        <pc:spChg chg="add mod">
-          <ac:chgData name="Manuel Caipo" userId="1f587cb93711f150" providerId="LiveId" clId="{903FCB81-997B-49A4-9915-D9CD3B62E1B6}" dt="2025-02-16T22:38:51.391" v="2463" actId="20577"/>
-          <ac:spMkLst>
-            <pc:docMk/>
-            <pc:sldMk cId="3460364792" sldId="408"/>
-            <ac:spMk id="95" creationId="{084242FF-2FF9-E2B2-C03F-9E440D715DAB}"/>
-          </ac:spMkLst>
-        </pc:spChg>
-        <pc:spChg chg="add mod">
-          <ac:chgData name="Manuel Caipo" userId="1f587cb93711f150" providerId="LiveId" clId="{903FCB81-997B-49A4-9915-D9CD3B62E1B6}" dt="2025-02-16T22:39:54.160" v="2478" actId="20577"/>
-          <ac:spMkLst>
-            <pc:docMk/>
-            <pc:sldMk cId="3460364792" sldId="408"/>
-            <ac:spMk id="100" creationId="{2756B604-C967-3228-2464-6BE14FCECDCA}"/>
-          </ac:spMkLst>
-        </pc:spChg>
-        <pc:spChg chg="add mod">
-          <ac:chgData name="Manuel Caipo" userId="1f587cb93711f150" providerId="LiveId" clId="{903FCB81-997B-49A4-9915-D9CD3B62E1B6}" dt="2025-02-16T22:39:51.270" v="2474" actId="1076"/>
-          <ac:spMkLst>
-            <pc:docMk/>
-            <pc:sldMk cId="3460364792" sldId="408"/>
-            <ac:spMk id="101" creationId="{2D3C55AC-0271-1685-DD07-0017FEB69FF6}"/>
-          </ac:spMkLst>
-        </pc:spChg>
-        <pc:spChg chg="add del mod">
-          <ac:chgData name="Manuel Caipo" userId="1f587cb93711f150" providerId="LiveId" clId="{903FCB81-997B-49A4-9915-D9CD3B62E1B6}" dt="2025-02-16T22:44:28.345" v="2512" actId="478"/>
-          <ac:spMkLst>
-            <pc:docMk/>
-            <pc:sldMk cId="3460364792" sldId="408"/>
-            <ac:spMk id="102" creationId="{D9F75C28-89AF-8EAB-973F-F953C2191B5D}"/>
-          </ac:spMkLst>
-        </pc:spChg>
-        <pc:spChg chg="add del mod">
-          <ac:chgData name="Manuel Caipo" userId="1f587cb93711f150" providerId="LiveId" clId="{903FCB81-997B-49A4-9915-D9CD3B62E1B6}" dt="2025-02-16T22:44:29.036" v="2513" actId="478"/>
-          <ac:spMkLst>
-            <pc:docMk/>
-            <pc:sldMk cId="3460364792" sldId="408"/>
-            <ac:spMk id="103" creationId="{550A15EF-C562-A82D-563A-73F24005E316}"/>
-          </ac:spMkLst>
-        </pc:spChg>
-        <pc:picChg chg="add mod">
-          <ac:chgData name="Manuel Caipo" userId="1f587cb93711f150" providerId="LiveId" clId="{903FCB81-997B-49A4-9915-D9CD3B62E1B6}" dt="2025-02-16T22:29:57.824" v="2242" actId="1076"/>
-          <ac:picMkLst>
-            <pc:docMk/>
-            <pc:sldMk cId="3460364792" sldId="408"/>
-            <ac:picMk id="70" creationId="{471BD038-084C-FE07-1B69-773C636D07E7}"/>
-          </ac:picMkLst>
-        </pc:picChg>
-        <pc:cxnChg chg="del mod">
-          <ac:chgData name="Manuel Caipo" userId="1f587cb93711f150" providerId="LiveId" clId="{903FCB81-997B-49A4-9915-D9CD3B62E1B6}" dt="2025-02-16T22:26:11.929" v="2134" actId="478"/>
-          <ac:cxnSpMkLst>
-            <pc:docMk/>
-            <pc:sldMk cId="3460364792" sldId="408"/>
-            <ac:cxnSpMk id="23" creationId="{63D00AFF-05F8-74E2-A9F1-56979DCB5A48}"/>
-          </ac:cxnSpMkLst>
-        </pc:cxnChg>
-        <pc:cxnChg chg="del mod">
-          <ac:chgData name="Manuel Caipo" userId="1f587cb93711f150" providerId="LiveId" clId="{903FCB81-997B-49A4-9915-D9CD3B62E1B6}" dt="2025-02-16T22:26:19.884" v="2138" actId="478"/>
-          <ac:cxnSpMkLst>
-            <pc:docMk/>
-            <pc:sldMk cId="3460364792" sldId="408"/>
-            <ac:cxnSpMk id="24" creationId="{3C0EB04A-05D9-8F2F-46D4-E38318409155}"/>
-          </ac:cxnSpMkLst>
-        </pc:cxnChg>
-        <pc:cxnChg chg="del mod">
-          <ac:chgData name="Manuel Caipo" userId="1f587cb93711f150" providerId="LiveId" clId="{903FCB81-997B-49A4-9915-D9CD3B62E1B6}" dt="2025-02-16T22:25:10.214" v="2030" actId="478"/>
-          <ac:cxnSpMkLst>
-            <pc:docMk/>
-            <pc:sldMk cId="3460364792" sldId="408"/>
-            <ac:cxnSpMk id="25" creationId="{8471310E-DE49-ED1A-89C3-27C6A0D85083}"/>
-          </ac:cxnSpMkLst>
-        </pc:cxnChg>
-        <pc:cxnChg chg="mod">
-          <ac:chgData name="Manuel Caipo" userId="1f587cb93711f150" providerId="LiveId" clId="{903FCB81-997B-49A4-9915-D9CD3B62E1B6}" dt="2025-02-16T22:35:17.532" v="2372" actId="14100"/>
-          <ac:cxnSpMkLst>
-            <pc:docMk/>
-            <pc:sldMk cId="3460364792" sldId="408"/>
-            <ac:cxnSpMk id="26" creationId="{73172171-3E10-E75C-68EB-09320FAEC89B}"/>
-          </ac:cxnSpMkLst>
-        </pc:cxnChg>
-        <pc:cxnChg chg="del mod">
-          <ac:chgData name="Manuel Caipo" userId="1f587cb93711f150" providerId="LiveId" clId="{903FCB81-997B-49A4-9915-D9CD3B62E1B6}" dt="2025-02-16T22:34:17.155" v="2354" actId="478"/>
-          <ac:cxnSpMkLst>
-            <pc:docMk/>
-            <pc:sldMk cId="3460364792" sldId="408"/>
-            <ac:cxnSpMk id="27" creationId="{48141D99-FB5B-F05D-797F-196CA8FEC8A5}"/>
-          </ac:cxnSpMkLst>
-        </pc:cxnChg>
-        <pc:cxnChg chg="del mod">
-          <ac:chgData name="Manuel Caipo" userId="1f587cb93711f150" providerId="LiveId" clId="{903FCB81-997B-49A4-9915-D9CD3B62E1B6}" dt="2025-02-16T22:21:18.424" v="1868" actId="478"/>
-          <ac:cxnSpMkLst>
-            <pc:docMk/>
-            <pc:sldMk cId="3460364792" sldId="408"/>
-            <ac:cxnSpMk id="36" creationId="{99191641-D5DB-40E5-30C0-88ED54FB88AC}"/>
-          </ac:cxnSpMkLst>
-        </pc:cxnChg>
-        <pc:cxnChg chg="add del">
-          <ac:chgData name="Manuel Caipo" userId="1f587cb93711f150" providerId="LiveId" clId="{903FCB81-997B-49A4-9915-D9CD3B62E1B6}" dt="2025-02-16T22:20:25.376" v="1840" actId="478"/>
-          <ac:cxnSpMkLst>
-            <pc:docMk/>
-            <pc:sldMk cId="3460364792" sldId="408"/>
-            <ac:cxnSpMk id="40" creationId="{D40198A3-7487-D76B-1676-85F9859303EB}"/>
-          </ac:cxnSpMkLst>
-        </pc:cxnChg>
-        <pc:cxnChg chg="del mod">
-          <ac:chgData name="Manuel Caipo" userId="1f587cb93711f150" providerId="LiveId" clId="{903FCB81-997B-49A4-9915-D9CD3B62E1B6}" dt="2025-02-16T22:24:48.463" v="2020" actId="478"/>
-          <ac:cxnSpMkLst>
-            <pc:docMk/>
-            <pc:sldMk cId="3460364792" sldId="408"/>
-            <ac:cxnSpMk id="43" creationId="{94BA6404-5AC8-7E99-E130-2A9E6C505C44}"/>
-          </ac:cxnSpMkLst>
-        </pc:cxnChg>
-        <pc:cxnChg chg="add del mod">
-          <ac:chgData name="Manuel Caipo" userId="1f587cb93711f150" providerId="LiveId" clId="{903FCB81-997B-49A4-9915-D9CD3B62E1B6}" dt="2025-02-16T22:35:11.036" v="2370" actId="478"/>
-          <ac:cxnSpMkLst>
-            <pc:docMk/>
-            <pc:sldMk cId="3460364792" sldId="408"/>
-            <ac:cxnSpMk id="50" creationId="{04B2B8EE-6CDC-85C9-71D3-B0183C74C3FF}"/>
-          </ac:cxnSpMkLst>
-        </pc:cxnChg>
-        <pc:cxnChg chg="add mod">
-          <ac:chgData name="Manuel Caipo" userId="1f587cb93711f150" providerId="LiveId" clId="{903FCB81-997B-49A4-9915-D9CD3B62E1B6}" dt="2025-02-16T22:28:23.306" v="2184" actId="1076"/>
-          <ac:cxnSpMkLst>
-            <pc:docMk/>
-            <pc:sldMk cId="3460364792" sldId="408"/>
-            <ac:cxnSpMk id="60" creationId="{2A907281-CFF0-4084-CA6D-7E832DCE6A76}"/>
-          </ac:cxnSpMkLst>
-        </pc:cxnChg>
-        <pc:cxnChg chg="add mod">
-          <ac:chgData name="Manuel Caipo" userId="1f587cb93711f150" providerId="LiveId" clId="{903FCB81-997B-49A4-9915-D9CD3B62E1B6}" dt="2025-02-16T22:29:36.122" v="2239" actId="108"/>
-          <ac:cxnSpMkLst>
-            <pc:docMk/>
-            <pc:sldMk cId="3460364792" sldId="408"/>
-            <ac:cxnSpMk id="66" creationId="{6077E33B-6586-C42A-6F0A-56CE2D294DBC}"/>
-          </ac:cxnSpMkLst>
-        </pc:cxnChg>
-        <pc:cxnChg chg="add mod">
-          <ac:chgData name="Manuel Caipo" userId="1f587cb93711f150" providerId="LiveId" clId="{903FCB81-997B-49A4-9915-D9CD3B62E1B6}" dt="2025-02-16T22:32:43.005" v="2328" actId="1076"/>
-          <ac:cxnSpMkLst>
-            <pc:docMk/>
-            <pc:sldMk cId="3460364792" sldId="408"/>
-            <ac:cxnSpMk id="79" creationId="{88E1D189-5638-7FC3-FDDB-9E3BA5EA74EF}"/>
-          </ac:cxnSpMkLst>
-        </pc:cxnChg>
-        <pc:cxnChg chg="add mod">
-          <ac:chgData name="Manuel Caipo" userId="1f587cb93711f150" providerId="LiveId" clId="{903FCB81-997B-49A4-9915-D9CD3B62E1B6}" dt="2025-02-16T22:34:34.035" v="2362" actId="14100"/>
-          <ac:cxnSpMkLst>
-            <pc:docMk/>
-            <pc:sldMk cId="3460364792" sldId="408"/>
-            <ac:cxnSpMk id="86" creationId="{E11C9882-757A-CFB7-A82B-B3BEBAD14760}"/>
-          </ac:cxnSpMkLst>
-        </pc:cxnChg>
-        <pc:cxnChg chg="add mod">
-          <ac:chgData name="Manuel Caipo" userId="1f587cb93711f150" providerId="LiveId" clId="{903FCB81-997B-49A4-9915-D9CD3B62E1B6}" dt="2025-02-16T22:39:43.597" v="2472" actId="108"/>
-          <ac:cxnSpMkLst>
-            <pc:docMk/>
-            <pc:sldMk cId="3460364792" sldId="408"/>
-            <ac:cxnSpMk id="97" creationId="{9E7A7152-92E0-7328-F96B-2CD7E29F6AAE}"/>
-          </ac:cxnSpMkLst>
-        </pc:cxnChg>
       </pc:sldChg>
       <pc:sldChg chg="modSp mod">
         <pc:chgData name="Manuel Caipo" userId="1f587cb93711f150" providerId="LiveId" clId="{903FCB81-997B-49A4-9915-D9CD3B62E1B6}" dt="2025-02-16T22:31:11.908" v="2295" actId="20577"/>
@@ -3788,14 +1244,6 @@
           <pc:docMk/>
           <pc:sldMk cId="4053953256" sldId="409"/>
         </pc:sldMkLst>
-        <pc:spChg chg="mod">
-          <ac:chgData name="Manuel Caipo" userId="1f587cb93711f150" providerId="LiveId" clId="{903FCB81-997B-49A4-9915-D9CD3B62E1B6}" dt="2025-02-16T22:31:11.908" v="2295" actId="20577"/>
-          <ac:spMkLst>
-            <pc:docMk/>
-            <pc:sldMk cId="4053953256" sldId="409"/>
-            <ac:spMk id="2" creationId="{534644CA-71E9-953E-5099-A4F04D29FB7C}"/>
-          </ac:spMkLst>
-        </pc:spChg>
       </pc:sldChg>
       <pc:sldChg chg="new del">
         <pc:chgData name="Manuel Caipo" userId="1f587cb93711f150" providerId="LiveId" clId="{903FCB81-997B-49A4-9915-D9CD3B62E1B6}" dt="2025-02-16T22:04:41.804" v="1718" actId="47"/>
@@ -3810,86 +1258,6 @@
           <pc:docMk/>
           <pc:sldMk cId="3727871246" sldId="410"/>
         </pc:sldMkLst>
-        <pc:spChg chg="del mod ord">
-          <ac:chgData name="Manuel Caipo" userId="1f587cb93711f150" providerId="LiveId" clId="{903FCB81-997B-49A4-9915-D9CD3B62E1B6}" dt="2025-02-16T22:04:52.614" v="1720" actId="700"/>
-          <ac:spMkLst>
-            <pc:docMk/>
-            <pc:sldMk cId="3727871246" sldId="410"/>
-            <ac:spMk id="2" creationId="{7AE17A97-AD8A-D6A3-86A9-BCEAC1C3D625}"/>
-          </ac:spMkLst>
-        </pc:spChg>
-        <pc:spChg chg="mod ord">
-          <ac:chgData name="Manuel Caipo" userId="1f587cb93711f150" providerId="LiveId" clId="{903FCB81-997B-49A4-9915-D9CD3B62E1B6}" dt="2025-02-16T22:13:09.225" v="1726" actId="700"/>
-          <ac:spMkLst>
-            <pc:docMk/>
-            <pc:sldMk cId="3727871246" sldId="410"/>
-            <ac:spMk id="3" creationId="{FBE557D3-3AC4-CF08-85A3-1E0B03D15AA1}"/>
-          </ac:spMkLst>
-        </pc:spChg>
-        <pc:spChg chg="add del mod ord">
-          <ac:chgData name="Manuel Caipo" userId="1f587cb93711f150" providerId="LiveId" clId="{903FCB81-997B-49A4-9915-D9CD3B62E1B6}" dt="2025-02-16T22:13:09.225" v="1726" actId="700"/>
-          <ac:spMkLst>
-            <pc:docMk/>
-            <pc:sldMk cId="3727871246" sldId="410"/>
-            <ac:spMk id="4" creationId="{23CC244A-5184-6F4A-F5B5-9C0AE6674B7C}"/>
-          </ac:spMkLst>
-        </pc:spChg>
-        <pc:spChg chg="add del mod ord">
-          <ac:chgData name="Manuel Caipo" userId="1f587cb93711f150" providerId="LiveId" clId="{903FCB81-997B-49A4-9915-D9CD3B62E1B6}" dt="2025-02-16T22:13:09.225" v="1726" actId="700"/>
-          <ac:spMkLst>
-            <pc:docMk/>
-            <pc:sldMk cId="3727871246" sldId="410"/>
-            <ac:spMk id="5" creationId="{77A1829D-07D2-3293-48D1-56E8BE79E6A6}"/>
-          </ac:spMkLst>
-        </pc:spChg>
-        <pc:spChg chg="add del mod ord">
-          <ac:chgData name="Manuel Caipo" userId="1f587cb93711f150" providerId="LiveId" clId="{903FCB81-997B-49A4-9915-D9CD3B62E1B6}" dt="2025-02-16T22:13:09.225" v="1726" actId="700"/>
-          <ac:spMkLst>
-            <pc:docMk/>
-            <pc:sldMk cId="3727871246" sldId="410"/>
-            <ac:spMk id="6" creationId="{7D15BBE2-6240-5C50-CF42-DA9F8924D3AA}"/>
-          </ac:spMkLst>
-        </pc:spChg>
-        <pc:spChg chg="add del mod ord">
-          <ac:chgData name="Manuel Caipo" userId="1f587cb93711f150" providerId="LiveId" clId="{903FCB81-997B-49A4-9915-D9CD3B62E1B6}" dt="2025-02-16T22:13:09.225" v="1726" actId="700"/>
-          <ac:spMkLst>
-            <pc:docMk/>
-            <pc:sldMk cId="3727871246" sldId="410"/>
-            <ac:spMk id="7" creationId="{115CD4BD-62CF-772F-6DB2-0052271CDE40}"/>
-          </ac:spMkLst>
-        </pc:spChg>
-        <pc:spChg chg="add mod ord">
-          <ac:chgData name="Manuel Caipo" userId="1f587cb93711f150" providerId="LiveId" clId="{903FCB81-997B-49A4-9915-D9CD3B62E1B6}" dt="2025-02-16T22:14:05.502" v="1733"/>
-          <ac:spMkLst>
-            <pc:docMk/>
-            <pc:sldMk cId="3727871246" sldId="410"/>
-            <ac:spMk id="8" creationId="{F0486A98-AB38-0A9F-8C43-E8F36875B6F1}"/>
-          </ac:spMkLst>
-        </pc:spChg>
-        <pc:spChg chg="add del mod ord">
-          <ac:chgData name="Manuel Caipo" userId="1f587cb93711f150" providerId="LiveId" clId="{903FCB81-997B-49A4-9915-D9CD3B62E1B6}" dt="2025-02-16T22:14:07.139" v="1734" actId="478"/>
-          <ac:spMkLst>
-            <pc:docMk/>
-            <pc:sldMk cId="3727871246" sldId="410"/>
-            <ac:spMk id="9" creationId="{E46FD9BF-8811-0DEE-F977-7C6CAD4183E2}"/>
-          </ac:spMkLst>
-        </pc:spChg>
-        <pc:spChg chg="add mod ord">
-          <ac:chgData name="Manuel Caipo" userId="1f587cb93711f150" providerId="LiveId" clId="{903FCB81-997B-49A4-9915-D9CD3B62E1B6}" dt="2025-02-16T22:31:56.865" v="2317" actId="313"/>
-          <ac:spMkLst>
-            <pc:docMk/>
-            <pc:sldMk cId="3727871246" sldId="410"/>
-            <ac:spMk id="10" creationId="{8DAB705F-C26F-DF75-2A28-DD9AAE657A8A}"/>
-          </ac:spMkLst>
-        </pc:spChg>
-        <pc:spChg chg="add del mod ord">
-          <ac:chgData name="Manuel Caipo" userId="1f587cb93711f150" providerId="LiveId" clId="{903FCB81-997B-49A4-9915-D9CD3B62E1B6}" dt="2025-02-16T22:13:25.740" v="1731" actId="478"/>
-          <ac:spMkLst>
-            <pc:docMk/>
-            <pc:sldMk cId="3727871246" sldId="410"/>
-            <ac:spMk id="11" creationId="{C18847A7-4BC9-ABFB-D4C4-939A3F1B763D}"/>
-          </ac:spMkLst>
-        </pc:spChg>
       </pc:sldChg>
       <pc:sldChg chg="addSp delSp modSp new mod modClrScheme chgLayout">
         <pc:chgData name="Manuel Caipo" userId="1f587cb93711f150" providerId="LiveId" clId="{903FCB81-997B-49A4-9915-D9CD3B62E1B6}" dt="2025-02-16T22:40:53.705" v="2504" actId="20577"/>
@@ -3897,86 +1265,6 @@
           <pc:docMk/>
           <pc:sldMk cId="2839496875" sldId="411"/>
         </pc:sldMkLst>
-        <pc:spChg chg="del">
-          <ac:chgData name="Manuel Caipo" userId="1f587cb93711f150" providerId="LiveId" clId="{903FCB81-997B-49A4-9915-D9CD3B62E1B6}" dt="2025-02-16T22:40:37.319" v="2482" actId="700"/>
-          <ac:spMkLst>
-            <pc:docMk/>
-            <pc:sldMk cId="2839496875" sldId="411"/>
-            <ac:spMk id="2" creationId="{9B7C45C2-283F-6C1D-6D17-8DE96F08BA9D}"/>
-          </ac:spMkLst>
-        </pc:spChg>
-        <pc:spChg chg="del mod ord">
-          <ac:chgData name="Manuel Caipo" userId="1f587cb93711f150" providerId="LiveId" clId="{903FCB81-997B-49A4-9915-D9CD3B62E1B6}" dt="2025-02-16T22:40:37.319" v="2482" actId="700"/>
-          <ac:spMkLst>
-            <pc:docMk/>
-            <pc:sldMk cId="2839496875" sldId="411"/>
-            <ac:spMk id="3" creationId="{1934D7B1-2A59-5F0B-7BA3-CE0EDF5F4B7F}"/>
-          </ac:spMkLst>
-        </pc:spChg>
-        <pc:spChg chg="del">
-          <ac:chgData name="Manuel Caipo" userId="1f587cb93711f150" providerId="LiveId" clId="{903FCB81-997B-49A4-9915-D9CD3B62E1B6}" dt="2025-02-16T22:40:37.319" v="2482" actId="700"/>
-          <ac:spMkLst>
-            <pc:docMk/>
-            <pc:sldMk cId="2839496875" sldId="411"/>
-            <ac:spMk id="4" creationId="{D9FE23BA-3132-EBF5-3BC0-CCBA1430909C}"/>
-          </ac:spMkLst>
-        </pc:spChg>
-        <pc:spChg chg="del">
-          <ac:chgData name="Manuel Caipo" userId="1f587cb93711f150" providerId="LiveId" clId="{903FCB81-997B-49A4-9915-D9CD3B62E1B6}" dt="2025-02-16T22:40:37.319" v="2482" actId="700"/>
-          <ac:spMkLst>
-            <pc:docMk/>
-            <pc:sldMk cId="2839496875" sldId="411"/>
-            <ac:spMk id="5" creationId="{AD66F6E3-D2AB-C934-4DC7-423E2B25EFAE}"/>
-          </ac:spMkLst>
-        </pc:spChg>
-        <pc:spChg chg="del">
-          <ac:chgData name="Manuel Caipo" userId="1f587cb93711f150" providerId="LiveId" clId="{903FCB81-997B-49A4-9915-D9CD3B62E1B6}" dt="2025-02-16T22:40:37.319" v="2482" actId="700"/>
-          <ac:spMkLst>
-            <pc:docMk/>
-            <pc:sldMk cId="2839496875" sldId="411"/>
-            <ac:spMk id="6" creationId="{15FBF334-2D28-9102-3F56-FDFA4D8FB8A4}"/>
-          </ac:spMkLst>
-        </pc:spChg>
-        <pc:spChg chg="del">
-          <ac:chgData name="Manuel Caipo" userId="1f587cb93711f150" providerId="LiveId" clId="{903FCB81-997B-49A4-9915-D9CD3B62E1B6}" dt="2025-02-16T22:40:37.319" v="2482" actId="700"/>
-          <ac:spMkLst>
-            <pc:docMk/>
-            <pc:sldMk cId="2839496875" sldId="411"/>
-            <ac:spMk id="7" creationId="{E901CEF4-2B52-ED2A-B546-3FE5E778D285}"/>
-          </ac:spMkLst>
-        </pc:spChg>
-        <pc:spChg chg="del">
-          <ac:chgData name="Manuel Caipo" userId="1f587cb93711f150" providerId="LiveId" clId="{903FCB81-997B-49A4-9915-D9CD3B62E1B6}" dt="2025-02-16T22:40:37.319" v="2482" actId="700"/>
-          <ac:spMkLst>
-            <pc:docMk/>
-            <pc:sldMk cId="2839496875" sldId="411"/>
-            <ac:spMk id="8" creationId="{622D8D96-3059-F567-DA9B-1AC963725BD2}"/>
-          </ac:spMkLst>
-        </pc:spChg>
-        <pc:spChg chg="del">
-          <ac:chgData name="Manuel Caipo" userId="1f587cb93711f150" providerId="LiveId" clId="{903FCB81-997B-49A4-9915-D9CD3B62E1B6}" dt="2025-02-16T22:40:37.319" v="2482" actId="700"/>
-          <ac:spMkLst>
-            <pc:docMk/>
-            <pc:sldMk cId="2839496875" sldId="411"/>
-            <ac:spMk id="9" creationId="{C0F980D8-1F4D-EC64-12DF-CEECC6BE3049}"/>
-          </ac:spMkLst>
-        </pc:spChg>
-        <pc:spChg chg="mod ord">
-          <ac:chgData name="Manuel Caipo" userId="1f587cb93711f150" providerId="LiveId" clId="{903FCB81-997B-49A4-9915-D9CD3B62E1B6}" dt="2025-02-16T22:40:37.319" v="2482" actId="700"/>
-          <ac:spMkLst>
-            <pc:docMk/>
-            <pc:sldMk cId="2839496875" sldId="411"/>
-            <ac:spMk id="10" creationId="{78FB06CA-1466-8DD4-ED4C-6C5A26EB0033}"/>
-          </ac:spMkLst>
-        </pc:spChg>
-        <pc:spChg chg="add mod ord">
-          <ac:chgData name="Manuel Caipo" userId="1f587cb93711f150" providerId="LiveId" clId="{903FCB81-997B-49A4-9915-D9CD3B62E1B6}" dt="2025-02-16T22:40:53.705" v="2504" actId="20577"/>
-          <ac:spMkLst>
-            <pc:docMk/>
-            <pc:sldMk cId="2839496875" sldId="411"/>
-            <ac:spMk id="11" creationId="{65007650-5029-B71A-2652-10C598A7F15B}"/>
-          </ac:spMkLst>
-        </pc:spChg>
       </pc:sldChg>
       <pc:sldMasterChg chg="delSldLayout">
         <pc:chgData name="Manuel Caipo" userId="1f587cb93711f150" providerId="LiveId" clId="{903FCB81-997B-49A4-9915-D9CD3B62E1B6}" dt="2025-02-16T21:57:28.497" v="1357" actId="47"/>
@@ -4080,7 +1368,7 @@
           <a:p>
             <a:fld id="{6007911F-CEAF-4F0B-98BD-EFB38C6572AA}" type="datetimeFigureOut">
               <a:rPr lang="de-DE" smtClean="0"/>
-              <a:t>21.02.2025</a:t>
+              <a:t>19.10.2025</a:t>
             </a:fld>
             <a:endParaRPr lang="de-DE"/>
           </a:p>
@@ -4238,7 +1526,7 @@
           <a:p>
             <a:fld id="{492D48B2-9EB0-4B37-9B35-FC11E2EA535A}" type="slidenum">
               <a:rPr lang="de-DE" smtClean="0"/>
-              <a:t>‹Nr.›</a:t>
+              <a:t>‹#›</a:t>
             </a:fld>
             <a:endParaRPr lang="de-DE"/>
           </a:p>
@@ -5220,7 +2508,7 @@
             <a:fld id="{4898AEC0-503E-4FA4-859C-D0F72D6E3F79}" type="slidenum">
               <a:rPr lang="en-US" noProof="1" smtClean="0"/>
               <a:pPr/>
-              <a:t>‹Nr.›</a:t>
+              <a:t>‹#›</a:t>
             </a:fld>
             <a:endParaRPr lang="en-US" noProof="1"/>
           </a:p>
@@ -6118,7 +3406,7 @@
             <a:fld id="{4898AEC0-503E-4FA4-859C-D0F72D6E3F79}" type="slidenum">
               <a:rPr lang="en-US" noProof="1" dirty="0" smtClean="0"/>
               <a:pPr/>
-              <a:t>‹Nr.›</a:t>
+              <a:t>‹#›</a:t>
             </a:fld>
             <a:endParaRPr lang="en-US" noProof="1"/>
           </a:p>
@@ -6584,7 +3872,7 @@
             <a:fld id="{4898AEC0-503E-4FA4-859C-D0F72D6E3F79}" type="slidenum">
               <a:rPr lang="en-US" noProof="1" dirty="0" smtClean="0"/>
               <a:pPr/>
-              <a:t>‹Nr.›</a:t>
+              <a:t>‹#›</a:t>
             </a:fld>
             <a:endParaRPr lang="en-US" noProof="1"/>
           </a:p>
@@ -7377,7 +4665,7 @@
             <a:fld id="{4898AEC0-503E-4FA4-859C-D0F72D6E3F79}" type="slidenum">
               <a:rPr lang="en-US" noProof="1" dirty="0" smtClean="0"/>
               <a:pPr/>
-              <a:t>‹Nr.›</a:t>
+              <a:t>‹#›</a:t>
             </a:fld>
             <a:endParaRPr lang="en-US" noProof="1"/>
           </a:p>
@@ -7631,7 +4919,7 @@
             <a:fld id="{4898AEC0-503E-4FA4-859C-D0F72D6E3F79}" type="slidenum">
               <a:rPr lang="en-US" noProof="1" dirty="0" smtClean="0"/>
               <a:pPr/>
-              <a:t>‹Nr.›</a:t>
+              <a:t>‹#›</a:t>
             </a:fld>
             <a:endParaRPr lang="en-US" noProof="1"/>
           </a:p>
@@ -8313,7 +5601,7 @@
             <a:fld id="{4898AEC0-503E-4FA4-859C-D0F72D6E3F79}" type="slidenum">
               <a:rPr lang="en-US" noProof="1" dirty="0" smtClean="0"/>
               <a:pPr/>
-              <a:t>‹Nr.›</a:t>
+              <a:t>‹#›</a:t>
             </a:fld>
             <a:endParaRPr lang="en-US" noProof="1"/>
           </a:p>
@@ -8461,7 +5749,7 @@
             <a:fld id="{4898AEC0-503E-4FA4-859C-D0F72D6E3F79}" type="slidenum">
               <a:rPr lang="en-US" noProof="1" dirty="0" smtClean="0"/>
               <a:pPr/>
-              <a:t>‹Nr.›</a:t>
+              <a:t>‹#›</a:t>
             </a:fld>
             <a:endParaRPr lang="en-US" noProof="1"/>
           </a:p>
@@ -8736,7 +6024,7 @@
             <a:fld id="{4898AEC0-503E-4FA4-859C-D0F72D6E3F79}" type="slidenum">
               <a:rPr lang="en-US" noProof="1" dirty="0" smtClean="0"/>
               <a:pPr/>
-              <a:t>‹Nr.›</a:t>
+              <a:t>‹#›</a:t>
             </a:fld>
             <a:endParaRPr lang="en-US" noProof="1"/>
           </a:p>
@@ -8974,7 +6262,7 @@
             <a:fld id="{4898AEC0-503E-4FA4-859C-D0F72D6E3F79}" type="slidenum">
               <a:rPr lang="en-US" noProof="1" dirty="0" smtClean="0"/>
               <a:pPr/>
-              <a:t>‹Nr.›</a:t>
+              <a:t>‹#›</a:t>
             </a:fld>
             <a:endParaRPr lang="en-US" noProof="1"/>
           </a:p>
@@ -9225,7 +6513,7 @@
             <a:fld id="{4898AEC0-503E-4FA4-859C-D0F72D6E3F79}" type="slidenum">
               <a:rPr lang="en-US" noProof="1" dirty="0" smtClean="0"/>
               <a:pPr/>
-              <a:t>‹Nr.›</a:t>
+              <a:t>‹#›</a:t>
             </a:fld>
             <a:endParaRPr lang="en-US" noProof="1"/>
           </a:p>
@@ -10024,7 +7312,7 @@
             <a:fld id="{4898AEC0-503E-4FA4-859C-D0F72D6E3F79}" type="slidenum">
               <a:rPr lang="en-US" noProof="1" dirty="0" smtClean="0"/>
               <a:pPr/>
-              <a:t>‹Nr.›</a:t>
+              <a:t>‹#›</a:t>
             </a:fld>
             <a:endParaRPr lang="en-US" noProof="1"/>
           </a:p>
@@ -10418,7 +7706,7 @@
             <a:fld id="{4898AEC0-503E-4FA4-859C-D0F72D6E3F79}" type="slidenum">
               <a:rPr lang="en-US" noProof="1" smtClean="0"/>
               <a:pPr/>
-              <a:t>‹Nr.›</a:t>
+              <a:t>‹#›</a:t>
             </a:fld>
             <a:endParaRPr lang="en-US" noProof="1"/>
           </a:p>
@@ -10679,7 +7967,7 @@
             <a:fld id="{4898AEC0-503E-4FA4-859C-D0F72D6E3F79}" type="slidenum">
               <a:rPr lang="en-US" noProof="1" dirty="0" smtClean="0"/>
               <a:pPr/>
-              <a:t>‹Nr.›</a:t>
+              <a:t>‹#›</a:t>
             </a:fld>
             <a:endParaRPr lang="en-US" noProof="1"/>
           </a:p>
@@ -11097,7 +8385,7 @@
             <a:fld id="{4898AEC0-503E-4FA4-859C-D0F72D6E3F79}" type="slidenum">
               <a:rPr lang="en-US" noProof="1" dirty="0" smtClean="0"/>
               <a:pPr/>
-              <a:t>‹Nr.›</a:t>
+              <a:t>‹#›</a:t>
             </a:fld>
             <a:endParaRPr lang="en-US" noProof="1"/>
           </a:p>
@@ -11319,7 +8607,7 @@
             <a:fld id="{4898AEC0-503E-4FA4-859C-D0F72D6E3F79}" type="slidenum">
               <a:rPr lang="en-US" noProof="1" dirty="0" smtClean="0"/>
               <a:pPr/>
-              <a:t>‹Nr.›</a:t>
+              <a:t>‹#›</a:t>
             </a:fld>
             <a:endParaRPr lang="en-US" noProof="1"/>
           </a:p>
@@ -12533,7 +9821,7 @@
             <a:fld id="{4898AEC0-503E-4FA4-859C-D0F72D6E3F79}" type="slidenum">
               <a:rPr lang="en-US" noProof="1" dirty="0" smtClean="0"/>
               <a:pPr/>
-              <a:t>‹Nr.›</a:t>
+              <a:t>‹#›</a:t>
             </a:fld>
             <a:endParaRPr lang="en-US" noProof="1"/>
           </a:p>
@@ -13074,7 +10362,7 @@
             <a:fld id="{4898AEC0-503E-4FA4-859C-D0F72D6E3F79}" type="slidenum">
               <a:rPr lang="en-US" noProof="1" dirty="0" smtClean="0"/>
               <a:pPr/>
-              <a:t>‹Nr.›</a:t>
+              <a:t>‹#›</a:t>
             </a:fld>
             <a:endParaRPr lang="en-US" noProof="1"/>
           </a:p>
@@ -14129,7 +11417,7 @@
             <a:fld id="{4898AEC0-503E-4FA4-859C-D0F72D6E3F79}" type="slidenum">
               <a:rPr lang="en-US" noProof="1" dirty="0" smtClean="0"/>
               <a:pPr/>
-              <a:t>‹Nr.›</a:t>
+              <a:t>‹#›</a:t>
             </a:fld>
             <a:endParaRPr lang="en-US" noProof="1"/>
           </a:p>
@@ -14652,7 +11940,7 @@
             <a:fld id="{4898AEC0-503E-4FA4-859C-D0F72D6E3F79}" type="slidenum">
               <a:rPr lang="en-US" noProof="1" dirty="0" smtClean="0"/>
               <a:pPr/>
-              <a:t>‹Nr.›</a:t>
+              <a:t>‹#›</a:t>
             </a:fld>
             <a:endParaRPr lang="en-US" noProof="1"/>
           </a:p>
@@ -15817,7 +13105,7 @@
             <a:fld id="{4898AEC0-503E-4FA4-859C-D0F72D6E3F79}" type="slidenum">
               <a:rPr lang="en-US" noProof="1" dirty="0" smtClean="0"/>
               <a:pPr/>
-              <a:t>‹Nr.›</a:t>
+              <a:t>‹#›</a:t>
             </a:fld>
             <a:endParaRPr lang="en-US" noProof="1"/>
           </a:p>
@@ -16478,7 +13766,7 @@
             <a:fld id="{4898AEC0-503E-4FA4-859C-D0F72D6E3F79}" type="slidenum">
               <a:rPr lang="en-US" noProof="1" dirty="0" smtClean="0"/>
               <a:pPr/>
-              <a:t>‹Nr.›</a:t>
+              <a:t>‹#›</a:t>
             </a:fld>
             <a:endParaRPr lang="en-US" noProof="1"/>
           </a:p>
@@ -17790,7 +15078,7 @@
             <a:fld id="{4898AEC0-503E-4FA4-859C-D0F72D6E3F79}" type="slidenum">
               <a:rPr lang="en-US" noProof="1" dirty="0" smtClean="0"/>
               <a:pPr/>
-              <a:t>‹Nr.›</a:t>
+              <a:t>‹#›</a:t>
             </a:fld>
             <a:endParaRPr lang="en-US" noProof="1"/>
           </a:p>
@@ -18343,7 +15631,7 @@
             <a:fld id="{4898AEC0-503E-4FA4-859C-D0F72D6E3F79}" type="slidenum">
               <a:rPr lang="en-US" noProof="1" smtClean="0"/>
               <a:pPr/>
-              <a:t>‹Nr.›</a:t>
+              <a:t>‹#›</a:t>
             </a:fld>
             <a:endParaRPr lang="en-US" noProof="1"/>
           </a:p>
@@ -19054,7 +16342,7 @@
             <a:fld id="{4898AEC0-503E-4FA4-859C-D0F72D6E3F79}" type="slidenum">
               <a:rPr lang="en-US" noProof="1" dirty="0" smtClean="0"/>
               <a:pPr/>
-              <a:t>‹Nr.›</a:t>
+              <a:t>‹#›</a:t>
             </a:fld>
             <a:endParaRPr lang="en-US" noProof="1"/>
           </a:p>
@@ -19354,7 +16642,7 @@
             <a:fld id="{4898AEC0-503E-4FA4-859C-D0F72D6E3F79}" type="slidenum">
               <a:rPr lang="en-US" noProof="1" dirty="0" smtClean="0"/>
               <a:pPr/>
-              <a:t>‹Nr.›</a:t>
+              <a:t>‹#›</a:t>
             </a:fld>
             <a:endParaRPr lang="en-US" noProof="1"/>
           </a:p>
@@ -19957,7 +17245,7 @@
             <a:fld id="{EE2C4BDF-A8ED-4DB5-9B7A-968C5702A67C}" type="slidenum">
               <a:rPr lang="en-US" smtClean="0"/>
               <a:pPr/>
-              <a:t>‹Nr.›</a:t>
+              <a:t>‹#›</a:t>
             </a:fld>
             <a:endParaRPr lang="en-US"/>
           </a:p>
@@ -20154,7 +17442,7 @@
           <a:p>
             <a:fld id="{A409DC69-1A11-43FF-AB64-DE8F64BF42E0}" type="datetimeFigureOut">
               <a:rPr lang="de-DE" smtClean="0"/>
-              <a:t>21.02.2025</a:t>
+              <a:t>19.10.2025</a:t>
             </a:fld>
             <a:endParaRPr lang="de-DE"/>
           </a:p>
@@ -20208,7 +17496,7 @@
           <a:p>
             <a:fld id="{B552D1EF-BF0B-4BAA-B973-8890EAA3DC52}" type="slidenum">
               <a:rPr lang="de-DE" smtClean="0"/>
-              <a:t>‹Nr.›</a:t>
+              <a:t>‹#›</a:t>
             </a:fld>
             <a:endParaRPr lang="de-DE"/>
           </a:p>
@@ -21012,7 +18300,7 @@
             <a:fld id="{4898AEC0-503E-4FA4-859C-D0F72D6E3F79}" type="slidenum">
               <a:rPr lang="en-US" noProof="1" dirty="0" smtClean="0"/>
               <a:pPr/>
-              <a:t>‹Nr.›</a:t>
+              <a:t>‹#›</a:t>
             </a:fld>
             <a:endParaRPr lang="en-US" noProof="1"/>
           </a:p>
@@ -21286,7 +18574,7 @@
             <a:fld id="{4898AEC0-503E-4FA4-859C-D0F72D6E3F79}" type="slidenum">
               <a:rPr lang="en-US" noProof="1" dirty="0" smtClean="0"/>
               <a:pPr/>
-              <a:t>‹Nr.›</a:t>
+              <a:t>‹#›</a:t>
             </a:fld>
             <a:endParaRPr lang="en-US" noProof="1"/>
           </a:p>
@@ -22185,7 +19473,7 @@
             <a:fld id="{4898AEC0-503E-4FA4-859C-D0F72D6E3F79}" type="slidenum">
               <a:rPr lang="en-US" noProof="1" dirty="0" smtClean="0"/>
               <a:pPr/>
-              <a:t>‹Nr.›</a:t>
+              <a:t>‹#›</a:t>
             </a:fld>
             <a:endParaRPr lang="en-US" noProof="1"/>
           </a:p>
@@ -22575,7 +19863,7 @@
             <a:fld id="{4898AEC0-503E-4FA4-859C-D0F72D6E3F79}" type="slidenum">
               <a:rPr lang="en-US" noProof="1" dirty="0" smtClean="0"/>
               <a:pPr/>
-              <a:t>‹Nr.›</a:t>
+              <a:t>‹#›</a:t>
             </a:fld>
             <a:endParaRPr lang="en-US" noProof="1"/>
           </a:p>
@@ -23484,7 +20772,7 @@
             <a:fld id="{4898AEC0-503E-4FA4-859C-D0F72D6E3F79}" type="slidenum">
               <a:rPr lang="en-US" noProof="1" dirty="0" smtClean="0"/>
               <a:pPr/>
-              <a:t>‹Nr.›</a:t>
+              <a:t>‹#›</a:t>
             </a:fld>
             <a:endParaRPr lang="en-US" noProof="1"/>
           </a:p>
@@ -23874,7 +21162,7 @@
             <a:fld id="{4898AEC0-503E-4FA4-859C-D0F72D6E3F79}" type="slidenum">
               <a:rPr lang="en-US" noProof="1" dirty="0" smtClean="0"/>
               <a:pPr/>
-              <a:t>‹Nr.›</a:t>
+              <a:t>‹#›</a:t>
             </a:fld>
             <a:endParaRPr lang="en-US" noProof="1"/>
           </a:p>
@@ -24435,7 +21723,7 @@
             <a:fld id="{4898AEC0-503E-4FA4-859C-D0F72D6E3F79}" type="slidenum">
               <a:rPr lang="en-US" noProof="1" smtClean="0"/>
               <a:pPr/>
-              <a:t>‹Nr.›</a:t>
+              <a:t>‹#›</a:t>
             </a:fld>
             <a:endParaRPr lang="en-US" noProof="1"/>
           </a:p>
@@ -27166,1922 +24454,6 @@
           </a:p>
         </p:txBody>
       </p:sp>
-      <p:sp>
-        <p:nvSpPr>
-          <p:cNvPr id="33" name="Freihandform: Form 32">
-            <a:extLst>
-              <a:ext uri="{FF2B5EF4-FFF2-40B4-BE49-F238E27FC236}">
-                <a16:creationId xmlns:a16="http://schemas.microsoft.com/office/drawing/2014/main" id="{4E4D17DC-C4FD-7C1D-DBAB-CFAC88904A46}"/>
-              </a:ext>
-            </a:extLst>
-          </p:cNvPr>
-          <p:cNvSpPr/>
-          <p:nvPr/>
-        </p:nvSpPr>
-        <p:spPr>
-          <a:xfrm>
-            <a:off x="4820613" y="1069733"/>
-            <a:ext cx="1000833" cy="1627747"/>
-          </a:xfrm>
-          <a:custGeom>
-            <a:avLst/>
-            <a:gdLst>
-              <a:gd name="connsiteX0" fmla="*/ 0 w 947493"/>
-              <a:gd name="connsiteY0" fmla="*/ 1467727 h 1551547"/>
-              <a:gd name="connsiteX1" fmla="*/ 182880 w 947493"/>
-              <a:gd name="connsiteY1" fmla="*/ 1109587 h 1551547"/>
-              <a:gd name="connsiteX2" fmla="*/ 449580 w 947493"/>
-              <a:gd name="connsiteY2" fmla="*/ 766687 h 1551547"/>
-              <a:gd name="connsiteX3" fmla="*/ 662940 w 947493"/>
-              <a:gd name="connsiteY3" fmla="*/ 583807 h 1551547"/>
-              <a:gd name="connsiteX4" fmla="*/ 906780 w 947493"/>
-              <a:gd name="connsiteY4" fmla="*/ 27547 h 1551547"/>
-              <a:gd name="connsiteX5" fmla="*/ 944880 w 947493"/>
-              <a:gd name="connsiteY5" fmla="*/ 1551547 h 1551547"/>
-              <a:gd name="connsiteX0" fmla="*/ 0 w 1000833"/>
-              <a:gd name="connsiteY0" fmla="*/ 1627747 h 1627747"/>
-              <a:gd name="connsiteX1" fmla="*/ 236220 w 1000833"/>
-              <a:gd name="connsiteY1" fmla="*/ 1109587 h 1627747"/>
-              <a:gd name="connsiteX2" fmla="*/ 502920 w 1000833"/>
-              <a:gd name="connsiteY2" fmla="*/ 766687 h 1627747"/>
-              <a:gd name="connsiteX3" fmla="*/ 716280 w 1000833"/>
-              <a:gd name="connsiteY3" fmla="*/ 583807 h 1627747"/>
-              <a:gd name="connsiteX4" fmla="*/ 960120 w 1000833"/>
-              <a:gd name="connsiteY4" fmla="*/ 27547 h 1627747"/>
-              <a:gd name="connsiteX5" fmla="*/ 998220 w 1000833"/>
-              <a:gd name="connsiteY5" fmla="*/ 1551547 h 1627747"/>
-              <a:gd name="connsiteX0" fmla="*/ 0 w 1000833"/>
-              <a:gd name="connsiteY0" fmla="*/ 1627747 h 1627747"/>
-              <a:gd name="connsiteX1" fmla="*/ 236220 w 1000833"/>
-              <a:gd name="connsiteY1" fmla="*/ 1109587 h 1627747"/>
-              <a:gd name="connsiteX2" fmla="*/ 502920 w 1000833"/>
-              <a:gd name="connsiteY2" fmla="*/ 766687 h 1627747"/>
-              <a:gd name="connsiteX3" fmla="*/ 716280 w 1000833"/>
-              <a:gd name="connsiteY3" fmla="*/ 583807 h 1627747"/>
-              <a:gd name="connsiteX4" fmla="*/ 960120 w 1000833"/>
-              <a:gd name="connsiteY4" fmla="*/ 27547 h 1627747"/>
-              <a:gd name="connsiteX5" fmla="*/ 998220 w 1000833"/>
-              <a:gd name="connsiteY5" fmla="*/ 1612507 h 1627747"/>
-            </a:gdLst>
-            <a:ahLst/>
-            <a:cxnLst>
-              <a:cxn ang="0">
-                <a:pos x="connsiteX0" y="connsiteY0"/>
-              </a:cxn>
-              <a:cxn ang="0">
-                <a:pos x="connsiteX1" y="connsiteY1"/>
-              </a:cxn>
-              <a:cxn ang="0">
-                <a:pos x="connsiteX2" y="connsiteY2"/>
-              </a:cxn>
-              <a:cxn ang="0">
-                <a:pos x="connsiteX3" y="connsiteY3"/>
-              </a:cxn>
-              <a:cxn ang="0">
-                <a:pos x="connsiteX4" y="connsiteY4"/>
-              </a:cxn>
-              <a:cxn ang="0">
-                <a:pos x="connsiteX5" y="connsiteY5"/>
-              </a:cxn>
-            </a:cxnLst>
-            <a:rect l="l" t="t" r="r" b="b"/>
-            <a:pathLst>
-              <a:path w="1000833" h="1627747">
-                <a:moveTo>
-                  <a:pt x="0" y="1627747"/>
-                </a:moveTo>
-                <a:cubicBezTo>
-                  <a:pt x="53975" y="1507097"/>
-                  <a:pt x="152400" y="1253097"/>
-                  <a:pt x="236220" y="1109587"/>
-                </a:cubicBezTo>
-                <a:cubicBezTo>
-                  <a:pt x="320040" y="966077"/>
-                  <a:pt x="422910" y="854317"/>
-                  <a:pt x="502920" y="766687"/>
-                </a:cubicBezTo>
-                <a:cubicBezTo>
-                  <a:pt x="582930" y="679057"/>
-                  <a:pt x="640080" y="706997"/>
-                  <a:pt x="716280" y="583807"/>
-                </a:cubicBezTo>
-                <a:cubicBezTo>
-                  <a:pt x="792480" y="460617"/>
-                  <a:pt x="913130" y="-133743"/>
-                  <a:pt x="960120" y="27547"/>
-                </a:cubicBezTo>
-                <a:cubicBezTo>
-                  <a:pt x="1007110" y="188837"/>
-                  <a:pt x="1002665" y="931152"/>
-                  <a:pt x="998220" y="1612507"/>
-                </a:cubicBezTo>
-              </a:path>
-            </a:pathLst>
-          </a:custGeom>
-          <a:noFill/>
-          <a:ln w="9525" cap="flat" cmpd="sng" algn="ctr">
-            <a:solidFill>
-              <a:srgbClr val="00B050"/>
-            </a:solidFill>
-            <a:prstDash val="solid"/>
-          </a:ln>
-          <a:effectLst/>
-        </p:spPr>
-        <p:txBody>
-          <a:bodyPr rtlCol="0" anchor="ctr"/>
-          <a:lstStyle/>
-          <a:p>
-            <a:pPr algn="ctr"/>
-            <a:endParaRPr lang="en-US"/>
-          </a:p>
-        </p:txBody>
-      </p:sp>
-      <p:grpSp>
-        <p:nvGrpSpPr>
-          <p:cNvPr id="1064" name="Gruppieren 1063">
-            <a:extLst>
-              <a:ext uri="{FF2B5EF4-FFF2-40B4-BE49-F238E27FC236}">
-                <a16:creationId xmlns:a16="http://schemas.microsoft.com/office/drawing/2014/main" id="{16FABED9-35CF-1F8E-46A5-3547EAECB0E5}"/>
-              </a:ext>
-            </a:extLst>
-          </p:cNvPr>
-          <p:cNvGrpSpPr/>
-          <p:nvPr/>
-        </p:nvGrpSpPr>
-        <p:grpSpPr>
-          <a:xfrm>
-            <a:off x="4762266" y="644913"/>
-            <a:ext cx="6202893" cy="2849538"/>
-            <a:chOff x="4762266" y="644913"/>
-            <a:chExt cx="6202893" cy="2849538"/>
-          </a:xfrm>
-        </p:grpSpPr>
-        <p:sp>
-          <p:nvSpPr>
-            <p:cNvPr id="27" name="Textfeld 26">
-              <a:extLst>
-                <a:ext uri="{FF2B5EF4-FFF2-40B4-BE49-F238E27FC236}">
-                  <a16:creationId xmlns:a16="http://schemas.microsoft.com/office/drawing/2014/main" id="{4912BC55-9C57-76DC-BD2D-4DF511165EEF}"/>
-                </a:ext>
-              </a:extLst>
-            </p:cNvPr>
-            <p:cNvSpPr txBox="1"/>
-            <p:nvPr/>
-          </p:nvSpPr>
-          <p:spPr>
-            <a:xfrm>
-              <a:off x="7769307" y="785539"/>
-              <a:ext cx="2792012" cy="273642"/>
-            </a:xfrm>
-            <a:prstGeom prst="rect">
-              <a:avLst/>
-            </a:prstGeom>
-            <a:noFill/>
-          </p:spPr>
-          <p:txBody>
-            <a:bodyPr wrap="none" lIns="0" tIns="0" rIns="0" bIns="0" rtlCol="0">
-              <a:noAutofit/>
-            </a:bodyPr>
-            <a:lstStyle/>
-            <a:p>
-              <a:pPr marR="0" defTabSz="914400" eaLnBrk="1" fontAlgn="auto" latinLnBrk="0" hangingPunct="1">
-                <a:lnSpc>
-                  <a:spcPts val="2300"/>
-                </a:lnSpc>
-                <a:spcBef>
-                  <a:spcPts val="500"/>
-                </a:spcBef>
-                <a:spcAft>
-                  <a:spcPts val="0"/>
-                </a:spcAft>
-                <a:buClrTx/>
-                <a:buSzTx/>
-                <a:buFontTx/>
-                <a:buNone/>
-                <a:tabLst/>
-              </a:pPr>
-              <a:r>
-                <a:rPr lang="en-US" dirty="0">
-                  <a:solidFill>
-                    <a:srgbClr val="FF0000"/>
-                  </a:solidFill>
-                </a:rPr>
-                <a:t>PLC Condition = Threshold</a:t>
-              </a:r>
-              <a:endParaRPr kumimoji="0" lang="en-US" sz="1800" b="0" i="0" u="none" strike="noStrike" kern="0" cap="none" spc="0" normalizeH="0" baseline="0" noProof="0" dirty="0">
-                <a:ln>
-                  <a:noFill/>
-                </a:ln>
-                <a:solidFill>
-                  <a:srgbClr val="FF0000"/>
-                </a:solidFill>
-                <a:effectLst/>
-                <a:uLnTx/>
-                <a:uFillTx/>
-              </a:endParaRPr>
-            </a:p>
-          </p:txBody>
-        </p:sp>
-        <p:sp>
-          <p:nvSpPr>
-            <p:cNvPr id="35" name="Geschweifte Klammer rechts 34">
-              <a:extLst>
-                <a:ext uri="{FF2B5EF4-FFF2-40B4-BE49-F238E27FC236}">
-                  <a16:creationId xmlns:a16="http://schemas.microsoft.com/office/drawing/2014/main" id="{B9FDEF9B-DFD2-4E3C-61D0-3AD43C8E30AF}"/>
-                </a:ext>
-              </a:extLst>
-            </p:cNvPr>
-            <p:cNvSpPr/>
-            <p:nvPr/>
-          </p:nvSpPr>
-          <p:spPr>
-            <a:xfrm rot="5400000">
-              <a:off x="5240946" y="2552973"/>
-              <a:ext cx="160166" cy="1000833"/>
-            </a:xfrm>
-            <a:prstGeom prst="rightBrace">
-              <a:avLst>
-                <a:gd name="adj1" fmla="val 0"/>
-                <a:gd name="adj2" fmla="val 50000"/>
-              </a:avLst>
-            </a:prstGeom>
-          </p:spPr>
-          <p:style>
-            <a:lnRef idx="1">
-              <a:schemeClr val="accent1"/>
-            </a:lnRef>
-            <a:fillRef idx="0">
-              <a:schemeClr val="accent1"/>
-            </a:fillRef>
-            <a:effectRef idx="0">
-              <a:schemeClr val="accent1"/>
-            </a:effectRef>
-            <a:fontRef idx="minor">
-              <a:schemeClr val="tx1"/>
-            </a:fontRef>
-          </p:style>
-          <p:txBody>
-            <a:bodyPr rtlCol="0" anchor="ctr"/>
-            <a:lstStyle/>
-            <a:p>
-              <a:pPr algn="ctr"/>
-              <a:endParaRPr lang="en-US"/>
-            </a:p>
-          </p:txBody>
-        </p:sp>
-        <p:sp>
-          <p:nvSpPr>
-            <p:cNvPr id="36" name="Textfeld 35">
-              <a:extLst>
-                <a:ext uri="{FF2B5EF4-FFF2-40B4-BE49-F238E27FC236}">
-                  <a16:creationId xmlns:a16="http://schemas.microsoft.com/office/drawing/2014/main" id="{EDAE22A6-D2DF-92D7-E90B-76665CD68DD3}"/>
-                </a:ext>
-              </a:extLst>
-            </p:cNvPr>
-            <p:cNvSpPr txBox="1"/>
-            <p:nvPr/>
-          </p:nvSpPr>
-          <p:spPr>
-            <a:xfrm>
-              <a:off x="5073379" y="3085306"/>
-              <a:ext cx="495300" cy="348134"/>
-            </a:xfrm>
-            <a:prstGeom prst="rect">
-              <a:avLst/>
-            </a:prstGeom>
-            <a:noFill/>
-          </p:spPr>
-          <p:txBody>
-            <a:bodyPr wrap="none" lIns="0" tIns="0" rIns="0" bIns="0" rtlCol="0">
-              <a:noAutofit/>
-            </a:bodyPr>
-            <a:lstStyle/>
-            <a:p>
-              <a:pPr marR="0" algn="ctr" defTabSz="914400" eaLnBrk="1" fontAlgn="auto" latinLnBrk="0" hangingPunct="1">
-                <a:lnSpc>
-                  <a:spcPts val="2300"/>
-                </a:lnSpc>
-                <a:spcBef>
-                  <a:spcPts val="500"/>
-                </a:spcBef>
-                <a:spcAft>
-                  <a:spcPts val="0"/>
-                </a:spcAft>
-                <a:buClrTx/>
-                <a:buSzTx/>
-                <a:buFontTx/>
-                <a:buNone/>
-                <a:tabLst/>
-              </a:pPr>
-              <a:r>
-                <a:rPr kumimoji="0" lang="de-DE" sz="1000" b="0" i="0" u="none" strike="noStrike" kern="0" cap="none" spc="0" normalizeH="0" baseline="0" noProof="0" dirty="0">
-                  <a:solidFill>
-                    <a:srgbClr val="000000"/>
-                  </a:solidFill>
-                  <a:effectLst/>
-                  <a:uLnTx/>
-                  <a:uFillTx/>
-                </a:rPr>
-                <a:t>T/2</a:t>
-              </a:r>
-              <a:endParaRPr kumimoji="0" lang="en-US" sz="1000" b="0" i="0" u="none" strike="noStrike" kern="0" cap="none" spc="0" normalizeH="0" baseline="0" noProof="0" dirty="0">
-                <a:solidFill>
-                  <a:srgbClr val="000000"/>
-                </a:solidFill>
-                <a:effectLst/>
-                <a:uLnTx/>
-                <a:uFillTx/>
-              </a:endParaRPr>
-            </a:p>
-          </p:txBody>
-        </p:sp>
-        <p:grpSp>
-          <p:nvGrpSpPr>
-            <p:cNvPr id="42" name="Gruppieren 41">
-              <a:extLst>
-                <a:ext uri="{FF2B5EF4-FFF2-40B4-BE49-F238E27FC236}">
-                  <a16:creationId xmlns:a16="http://schemas.microsoft.com/office/drawing/2014/main" id="{D69AA990-12FF-4E4E-6EF8-413FD5EBBAC6}"/>
-                </a:ext>
-              </a:extLst>
-            </p:cNvPr>
-            <p:cNvGrpSpPr/>
-            <p:nvPr/>
-          </p:nvGrpSpPr>
-          <p:grpSpPr>
-            <a:xfrm>
-              <a:off x="4762266" y="644913"/>
-              <a:ext cx="6202893" cy="2849538"/>
-              <a:chOff x="4762266" y="644913"/>
-              <a:chExt cx="6202893" cy="2849538"/>
-            </a:xfrm>
-          </p:grpSpPr>
-          <p:grpSp>
-            <p:nvGrpSpPr>
-              <p:cNvPr id="31" name="Gruppieren 30">
-                <a:extLst>
-                  <a:ext uri="{FF2B5EF4-FFF2-40B4-BE49-F238E27FC236}">
-                    <a16:creationId xmlns:a16="http://schemas.microsoft.com/office/drawing/2014/main" id="{ABFDDC1A-7B20-A066-EA88-48E30A80E9EE}"/>
-                  </a:ext>
-                </a:extLst>
-              </p:cNvPr>
-              <p:cNvGrpSpPr/>
-              <p:nvPr/>
-            </p:nvGrpSpPr>
-            <p:grpSpPr>
-              <a:xfrm>
-                <a:off x="4770120" y="944880"/>
-                <a:ext cx="5294629" cy="2549571"/>
-                <a:chOff x="4770120" y="944880"/>
-                <a:chExt cx="5294629" cy="2549571"/>
-              </a:xfrm>
-            </p:grpSpPr>
-            <p:grpSp>
-              <p:nvGrpSpPr>
-                <p:cNvPr id="26" name="Gruppieren 25">
-                  <a:extLst>
-                    <a:ext uri="{FF2B5EF4-FFF2-40B4-BE49-F238E27FC236}">
-                      <a16:creationId xmlns:a16="http://schemas.microsoft.com/office/drawing/2014/main" id="{D823AE17-46F3-AA74-C77A-C0EC3D191EF9}"/>
-                    </a:ext>
-                  </a:extLst>
-                </p:cNvPr>
-                <p:cNvGrpSpPr/>
-                <p:nvPr/>
-              </p:nvGrpSpPr>
-              <p:grpSpPr>
-                <a:xfrm>
-                  <a:off x="4770120" y="944880"/>
-                  <a:ext cx="5294629" cy="1752600"/>
-                  <a:chOff x="2340610" y="944880"/>
-                  <a:chExt cx="7724139" cy="1874520"/>
-                </a:xfrm>
-              </p:grpSpPr>
-              <p:grpSp>
-                <p:nvGrpSpPr>
-                  <p:cNvPr id="25" name="Gruppieren 24">
-                    <a:extLst>
-                      <a:ext uri="{FF2B5EF4-FFF2-40B4-BE49-F238E27FC236}">
-                        <a16:creationId xmlns:a16="http://schemas.microsoft.com/office/drawing/2014/main" id="{D1E37F76-2DC4-69D1-B77B-07BAE09138A1}"/>
-                      </a:ext>
-                    </a:extLst>
-                  </p:cNvPr>
-                  <p:cNvGrpSpPr/>
-                  <p:nvPr/>
-                </p:nvGrpSpPr>
-                <p:grpSpPr>
-                  <a:xfrm>
-                    <a:off x="2377440" y="944880"/>
-                    <a:ext cx="7566660" cy="1874520"/>
-                    <a:chOff x="2377440" y="944880"/>
-                    <a:chExt cx="7566660" cy="1874520"/>
-                  </a:xfrm>
-                </p:grpSpPr>
-                <p:cxnSp>
-                  <p:nvCxnSpPr>
-                    <p:cNvPr id="8" name="Gerader Verbinder 7">
-                      <a:extLst>
-                        <a:ext uri="{FF2B5EF4-FFF2-40B4-BE49-F238E27FC236}">
-                          <a16:creationId xmlns:a16="http://schemas.microsoft.com/office/drawing/2014/main" id="{1D8F84B5-8B6E-A4FB-F6D7-1466321BBBBF}"/>
-                        </a:ext>
-                      </a:extLst>
-                    </p:cNvPr>
-                    <p:cNvCxnSpPr>
-                      <a:cxnSpLocks/>
-                    </p:cNvCxnSpPr>
-                    <p:nvPr/>
-                  </p:nvCxnSpPr>
-                  <p:spPr>
-                    <a:xfrm>
-                      <a:off x="2377440" y="944880"/>
-                      <a:ext cx="0" cy="1874520"/>
-                    </a:xfrm>
-                    <a:prstGeom prst="line">
-                      <a:avLst/>
-                    </a:prstGeom>
-                    <a:ln w="76200"/>
-                  </p:spPr>
-                  <p:style>
-                    <a:lnRef idx="3">
-                      <a:schemeClr val="accent3"/>
-                    </a:lnRef>
-                    <a:fillRef idx="0">
-                      <a:schemeClr val="accent3"/>
-                    </a:fillRef>
-                    <a:effectRef idx="2">
-                      <a:schemeClr val="accent3"/>
-                    </a:effectRef>
-                    <a:fontRef idx="minor">
-                      <a:schemeClr val="tx1"/>
-                    </a:fontRef>
-                  </p:style>
-                </p:cxnSp>
-                <p:cxnSp>
-                  <p:nvCxnSpPr>
-                    <p:cNvPr id="10" name="Gerader Verbinder 9">
-                      <a:extLst>
-                        <a:ext uri="{FF2B5EF4-FFF2-40B4-BE49-F238E27FC236}">
-                          <a16:creationId xmlns:a16="http://schemas.microsoft.com/office/drawing/2014/main" id="{5FC69B3F-9295-B3C1-99A8-98A2A0536083}"/>
-                        </a:ext>
-                      </a:extLst>
-                    </p:cNvPr>
-                    <p:cNvCxnSpPr>
-                      <a:cxnSpLocks/>
-                    </p:cNvCxnSpPr>
-                    <p:nvPr/>
-                  </p:nvCxnSpPr>
-                  <p:spPr>
-                    <a:xfrm flipV="1">
-                      <a:off x="2377440" y="2807970"/>
-                      <a:ext cx="7566660" cy="11430"/>
-                    </a:xfrm>
-                    <a:prstGeom prst="line">
-                      <a:avLst/>
-                    </a:prstGeom>
-                    <a:ln w="76200"/>
-                  </p:spPr>
-                  <p:style>
-                    <a:lnRef idx="3">
-                      <a:schemeClr val="accent3"/>
-                    </a:lnRef>
-                    <a:fillRef idx="0">
-                      <a:schemeClr val="accent3"/>
-                    </a:fillRef>
-                    <a:effectRef idx="2">
-                      <a:schemeClr val="accent3"/>
-                    </a:effectRef>
-                    <a:fontRef idx="minor">
-                      <a:schemeClr val="tx1"/>
-                    </a:fontRef>
-                  </p:style>
-                </p:cxnSp>
-              </p:grpSp>
-              <p:sp>
-                <p:nvSpPr>
-                  <p:cNvPr id="18" name="Freihandform: Form 17">
-                    <a:extLst>
-                      <a:ext uri="{FF2B5EF4-FFF2-40B4-BE49-F238E27FC236}">
-                        <a16:creationId xmlns:a16="http://schemas.microsoft.com/office/drawing/2014/main" id="{2EE395E6-5F63-06AD-7042-B9A9B6E8A30F}"/>
-                      </a:ext>
-                    </a:extLst>
-                  </p:cNvPr>
-                  <p:cNvSpPr/>
-                  <p:nvPr/>
-                </p:nvSpPr>
-                <p:spPr>
-                  <a:xfrm>
-                    <a:off x="2382520" y="1262627"/>
-                    <a:ext cx="3359150" cy="1545343"/>
-                  </a:xfrm>
-                  <a:custGeom>
-                    <a:avLst/>
-                    <a:gdLst>
-                      <a:gd name="connsiteX0" fmla="*/ 0 w 3352800"/>
-                      <a:gd name="connsiteY0" fmla="*/ 1533913 h 1632973"/>
-                      <a:gd name="connsiteX1" fmla="*/ 160020 w 3352800"/>
-                      <a:gd name="connsiteY1" fmla="*/ 1488193 h 1632973"/>
-                      <a:gd name="connsiteX2" fmla="*/ 624840 w 3352800"/>
-                      <a:gd name="connsiteY2" fmla="*/ 1023373 h 1632973"/>
-                      <a:gd name="connsiteX3" fmla="*/ 1226820 w 3352800"/>
-                      <a:gd name="connsiteY3" fmla="*/ 985273 h 1632973"/>
-                      <a:gd name="connsiteX4" fmla="*/ 1577340 w 3352800"/>
-                      <a:gd name="connsiteY4" fmla="*/ 1008133 h 1632973"/>
-                      <a:gd name="connsiteX5" fmla="*/ 1973580 w 3352800"/>
-                      <a:gd name="connsiteY5" fmla="*/ 909073 h 1632973"/>
-                      <a:gd name="connsiteX6" fmla="*/ 2263140 w 3352800"/>
-                      <a:gd name="connsiteY6" fmla="*/ 528073 h 1632973"/>
-                      <a:gd name="connsiteX7" fmla="*/ 2636520 w 3352800"/>
-                      <a:gd name="connsiteY7" fmla="*/ 421393 h 1632973"/>
-                      <a:gd name="connsiteX8" fmla="*/ 2987040 w 3352800"/>
-                      <a:gd name="connsiteY8" fmla="*/ 48013 h 1632973"/>
-                      <a:gd name="connsiteX9" fmla="*/ 3352800 w 3352800"/>
-                      <a:gd name="connsiteY9" fmla="*/ 1632973 h 1632973"/>
-                      <a:gd name="connsiteX0" fmla="*/ 0 w 3348990"/>
-                      <a:gd name="connsiteY0" fmla="*/ 1533913 h 1559901"/>
-                      <a:gd name="connsiteX1" fmla="*/ 160020 w 3348990"/>
-                      <a:gd name="connsiteY1" fmla="*/ 1488193 h 1559901"/>
-                      <a:gd name="connsiteX2" fmla="*/ 624840 w 3348990"/>
-                      <a:gd name="connsiteY2" fmla="*/ 1023373 h 1559901"/>
-                      <a:gd name="connsiteX3" fmla="*/ 1226820 w 3348990"/>
-                      <a:gd name="connsiteY3" fmla="*/ 985273 h 1559901"/>
-                      <a:gd name="connsiteX4" fmla="*/ 1577340 w 3348990"/>
-                      <a:gd name="connsiteY4" fmla="*/ 1008133 h 1559901"/>
-                      <a:gd name="connsiteX5" fmla="*/ 1973580 w 3348990"/>
-                      <a:gd name="connsiteY5" fmla="*/ 909073 h 1559901"/>
-                      <a:gd name="connsiteX6" fmla="*/ 2263140 w 3348990"/>
-                      <a:gd name="connsiteY6" fmla="*/ 528073 h 1559901"/>
-                      <a:gd name="connsiteX7" fmla="*/ 2636520 w 3348990"/>
-                      <a:gd name="connsiteY7" fmla="*/ 421393 h 1559901"/>
-                      <a:gd name="connsiteX8" fmla="*/ 2987040 w 3348990"/>
-                      <a:gd name="connsiteY8" fmla="*/ 48013 h 1559901"/>
-                      <a:gd name="connsiteX9" fmla="*/ 3348990 w 3348990"/>
-                      <a:gd name="connsiteY9" fmla="*/ 1559901 h 1559901"/>
-                      <a:gd name="connsiteX0" fmla="*/ 0 w 3384550"/>
-                      <a:gd name="connsiteY0" fmla="*/ 1569808 h 1578209"/>
-                      <a:gd name="connsiteX1" fmla="*/ 195580 w 3384550"/>
-                      <a:gd name="connsiteY1" fmla="*/ 1488193 h 1578209"/>
-                      <a:gd name="connsiteX2" fmla="*/ 660400 w 3384550"/>
-                      <a:gd name="connsiteY2" fmla="*/ 1023373 h 1578209"/>
-                      <a:gd name="connsiteX3" fmla="*/ 1262380 w 3384550"/>
-                      <a:gd name="connsiteY3" fmla="*/ 985273 h 1578209"/>
-                      <a:gd name="connsiteX4" fmla="*/ 1612900 w 3384550"/>
-                      <a:gd name="connsiteY4" fmla="*/ 1008133 h 1578209"/>
-                      <a:gd name="connsiteX5" fmla="*/ 2009140 w 3384550"/>
-                      <a:gd name="connsiteY5" fmla="*/ 909073 h 1578209"/>
-                      <a:gd name="connsiteX6" fmla="*/ 2298700 w 3384550"/>
-                      <a:gd name="connsiteY6" fmla="*/ 528073 h 1578209"/>
-                      <a:gd name="connsiteX7" fmla="*/ 2672080 w 3384550"/>
-                      <a:gd name="connsiteY7" fmla="*/ 421393 h 1578209"/>
-                      <a:gd name="connsiteX8" fmla="*/ 3022600 w 3384550"/>
-                      <a:gd name="connsiteY8" fmla="*/ 48013 h 1578209"/>
-                      <a:gd name="connsiteX9" fmla="*/ 3384550 w 3384550"/>
-                      <a:gd name="connsiteY9" fmla="*/ 1559901 h 1578209"/>
-                      <a:gd name="connsiteX0" fmla="*/ 0 w 3359150"/>
-                      <a:gd name="connsiteY0" fmla="*/ 1523657 h 1559901"/>
-                      <a:gd name="connsiteX1" fmla="*/ 170180 w 3359150"/>
-                      <a:gd name="connsiteY1" fmla="*/ 1488193 h 1559901"/>
-                      <a:gd name="connsiteX2" fmla="*/ 635000 w 3359150"/>
-                      <a:gd name="connsiteY2" fmla="*/ 1023373 h 1559901"/>
-                      <a:gd name="connsiteX3" fmla="*/ 1236980 w 3359150"/>
-                      <a:gd name="connsiteY3" fmla="*/ 985273 h 1559901"/>
-                      <a:gd name="connsiteX4" fmla="*/ 1587500 w 3359150"/>
-                      <a:gd name="connsiteY4" fmla="*/ 1008133 h 1559901"/>
-                      <a:gd name="connsiteX5" fmla="*/ 1983740 w 3359150"/>
-                      <a:gd name="connsiteY5" fmla="*/ 909073 h 1559901"/>
-                      <a:gd name="connsiteX6" fmla="*/ 2273300 w 3359150"/>
-                      <a:gd name="connsiteY6" fmla="*/ 528073 h 1559901"/>
-                      <a:gd name="connsiteX7" fmla="*/ 2646680 w 3359150"/>
-                      <a:gd name="connsiteY7" fmla="*/ 421393 h 1559901"/>
-                      <a:gd name="connsiteX8" fmla="*/ 2997200 w 3359150"/>
-                      <a:gd name="connsiteY8" fmla="*/ 48013 h 1559901"/>
-                      <a:gd name="connsiteX9" fmla="*/ 3359150 w 3359150"/>
-                      <a:gd name="connsiteY9" fmla="*/ 1559901 h 1559901"/>
-                    </a:gdLst>
-                    <a:ahLst/>
-                    <a:cxnLst>
-                      <a:cxn ang="0">
-                        <a:pos x="connsiteX0" y="connsiteY0"/>
-                      </a:cxn>
-                      <a:cxn ang="0">
-                        <a:pos x="connsiteX1" y="connsiteY1"/>
-                      </a:cxn>
-                      <a:cxn ang="0">
-                        <a:pos x="connsiteX2" y="connsiteY2"/>
-                      </a:cxn>
-                      <a:cxn ang="0">
-                        <a:pos x="connsiteX3" y="connsiteY3"/>
-                      </a:cxn>
-                      <a:cxn ang="0">
-                        <a:pos x="connsiteX4" y="connsiteY4"/>
-                      </a:cxn>
-                      <a:cxn ang="0">
-                        <a:pos x="connsiteX5" y="connsiteY5"/>
-                      </a:cxn>
-                      <a:cxn ang="0">
-                        <a:pos x="connsiteX6" y="connsiteY6"/>
-                      </a:cxn>
-                      <a:cxn ang="0">
-                        <a:pos x="connsiteX7" y="connsiteY7"/>
-                      </a:cxn>
-                      <a:cxn ang="0">
-                        <a:pos x="connsiteX8" y="connsiteY8"/>
-                      </a:cxn>
-                      <a:cxn ang="0">
-                        <a:pos x="connsiteX9" y="connsiteY9"/>
-                      </a:cxn>
-                    </a:cxnLst>
-                    <a:rect l="l" t="t" r="r" b="b"/>
-                    <a:pathLst>
-                      <a:path w="3359150" h="1559901">
-                        <a:moveTo>
-                          <a:pt x="0" y="1523657"/>
-                        </a:moveTo>
-                        <a:cubicBezTo>
-                          <a:pt x="27940" y="1543342"/>
-                          <a:pt x="64347" y="1571574"/>
-                          <a:pt x="170180" y="1488193"/>
-                        </a:cubicBezTo>
-                        <a:cubicBezTo>
-                          <a:pt x="276013" y="1404812"/>
-                          <a:pt x="457200" y="1107193"/>
-                          <a:pt x="635000" y="1023373"/>
-                        </a:cubicBezTo>
-                        <a:cubicBezTo>
-                          <a:pt x="812800" y="939553"/>
-                          <a:pt x="1078230" y="987813"/>
-                          <a:pt x="1236980" y="985273"/>
-                        </a:cubicBezTo>
-                        <a:cubicBezTo>
-                          <a:pt x="1395730" y="982733"/>
-                          <a:pt x="1463040" y="1020833"/>
-                          <a:pt x="1587500" y="1008133"/>
-                        </a:cubicBezTo>
-                        <a:cubicBezTo>
-                          <a:pt x="1711960" y="995433"/>
-                          <a:pt x="1869440" y="989083"/>
-                          <a:pt x="1983740" y="909073"/>
-                        </a:cubicBezTo>
-                        <a:cubicBezTo>
-                          <a:pt x="2098040" y="829063"/>
-                          <a:pt x="2162810" y="609353"/>
-                          <a:pt x="2273300" y="528073"/>
-                        </a:cubicBezTo>
-                        <a:cubicBezTo>
-                          <a:pt x="2383790" y="446793"/>
-                          <a:pt x="2526030" y="501403"/>
-                          <a:pt x="2646680" y="421393"/>
-                        </a:cubicBezTo>
-                        <a:cubicBezTo>
-                          <a:pt x="2767330" y="341383"/>
-                          <a:pt x="2877820" y="-153917"/>
-                          <a:pt x="2997200" y="48013"/>
-                        </a:cubicBezTo>
-                        <a:cubicBezTo>
-                          <a:pt x="3116580" y="249943"/>
-                          <a:pt x="3235960" y="868386"/>
-                          <a:pt x="3359150" y="1559901"/>
-                        </a:cubicBezTo>
-                      </a:path>
-                    </a:pathLst>
-                  </a:custGeom>
-                  <a:ln/>
-                </p:spPr>
-                <p:style>
-                  <a:lnRef idx="3">
-                    <a:schemeClr val="accent2"/>
-                  </a:lnRef>
-                  <a:fillRef idx="0">
-                    <a:schemeClr val="accent2"/>
-                  </a:fillRef>
-                  <a:effectRef idx="2">
-                    <a:schemeClr val="accent2"/>
-                  </a:effectRef>
-                  <a:fontRef idx="minor">
-                    <a:schemeClr val="tx1"/>
-                  </a:fontRef>
-                </p:style>
-                <p:txBody>
-                  <a:bodyPr rtlCol="0" anchor="ctr"/>
-                  <a:lstStyle/>
-                  <a:p>
-                    <a:pPr algn="ctr"/>
-                    <a:endParaRPr lang="en-US" dirty="0"/>
-                  </a:p>
-                </p:txBody>
-              </p:sp>
-              <p:cxnSp>
-                <p:nvCxnSpPr>
-                  <p:cNvPr id="20" name="Gerader Verbinder 19">
-                    <a:extLst>
-                      <a:ext uri="{FF2B5EF4-FFF2-40B4-BE49-F238E27FC236}">
-                        <a16:creationId xmlns:a16="http://schemas.microsoft.com/office/drawing/2014/main" id="{39CEA6FE-E307-4E01-F367-C0813D119616}"/>
-                      </a:ext>
-                    </a:extLst>
-                  </p:cNvPr>
-                  <p:cNvCxnSpPr/>
-                  <p:nvPr/>
-                </p:nvCxnSpPr>
-                <p:spPr>
-                  <a:xfrm flipV="1">
-                    <a:off x="2340610" y="1447800"/>
-                    <a:ext cx="7724139" cy="85337"/>
-                  </a:xfrm>
-                  <a:prstGeom prst="line">
-                    <a:avLst/>
-                  </a:prstGeom>
-                  <a:ln w="19050" cap="flat" cmpd="sng" algn="ctr">
-                    <a:solidFill>
-                      <a:schemeClr val="accent6"/>
-                    </a:solidFill>
-                    <a:prstDash val="dash"/>
-                    <a:round/>
-                    <a:headEnd type="none" w="med" len="med"/>
-                    <a:tailEnd type="none" w="med" len="med"/>
-                  </a:ln>
-                </p:spPr>
-                <p:style>
-                  <a:lnRef idx="0">
-                    <a:scrgbClr r="0" g="0" b="0"/>
-                  </a:lnRef>
-                  <a:fillRef idx="0">
-                    <a:scrgbClr r="0" g="0" b="0"/>
-                  </a:fillRef>
-                  <a:effectRef idx="0">
-                    <a:scrgbClr r="0" g="0" b="0"/>
-                  </a:effectRef>
-                  <a:fontRef idx="minor">
-                    <a:schemeClr val="tx1"/>
-                  </a:fontRef>
-                </p:style>
-              </p:cxnSp>
-              <p:sp>
-                <p:nvSpPr>
-                  <p:cNvPr id="21" name="Freihandform: Form 20">
-                    <a:extLst>
-                      <a:ext uri="{FF2B5EF4-FFF2-40B4-BE49-F238E27FC236}">
-                        <a16:creationId xmlns:a16="http://schemas.microsoft.com/office/drawing/2014/main" id="{B18209A1-03C9-AE0B-AC18-56DF6C569C7D}"/>
-                      </a:ext>
-                    </a:extLst>
-                  </p:cNvPr>
-                  <p:cNvSpPr/>
-                  <p:nvPr/>
-                </p:nvSpPr>
-                <p:spPr>
-                  <a:xfrm>
-                    <a:off x="5741670" y="1251197"/>
-                    <a:ext cx="3359150" cy="1545343"/>
-                  </a:xfrm>
-                  <a:custGeom>
-                    <a:avLst/>
-                    <a:gdLst>
-                      <a:gd name="connsiteX0" fmla="*/ 0 w 3352800"/>
-                      <a:gd name="connsiteY0" fmla="*/ 1533913 h 1632973"/>
-                      <a:gd name="connsiteX1" fmla="*/ 160020 w 3352800"/>
-                      <a:gd name="connsiteY1" fmla="*/ 1488193 h 1632973"/>
-                      <a:gd name="connsiteX2" fmla="*/ 624840 w 3352800"/>
-                      <a:gd name="connsiteY2" fmla="*/ 1023373 h 1632973"/>
-                      <a:gd name="connsiteX3" fmla="*/ 1226820 w 3352800"/>
-                      <a:gd name="connsiteY3" fmla="*/ 985273 h 1632973"/>
-                      <a:gd name="connsiteX4" fmla="*/ 1577340 w 3352800"/>
-                      <a:gd name="connsiteY4" fmla="*/ 1008133 h 1632973"/>
-                      <a:gd name="connsiteX5" fmla="*/ 1973580 w 3352800"/>
-                      <a:gd name="connsiteY5" fmla="*/ 909073 h 1632973"/>
-                      <a:gd name="connsiteX6" fmla="*/ 2263140 w 3352800"/>
-                      <a:gd name="connsiteY6" fmla="*/ 528073 h 1632973"/>
-                      <a:gd name="connsiteX7" fmla="*/ 2636520 w 3352800"/>
-                      <a:gd name="connsiteY7" fmla="*/ 421393 h 1632973"/>
-                      <a:gd name="connsiteX8" fmla="*/ 2987040 w 3352800"/>
-                      <a:gd name="connsiteY8" fmla="*/ 48013 h 1632973"/>
-                      <a:gd name="connsiteX9" fmla="*/ 3352800 w 3352800"/>
-                      <a:gd name="connsiteY9" fmla="*/ 1632973 h 1632973"/>
-                      <a:gd name="connsiteX0" fmla="*/ 0 w 3348990"/>
-                      <a:gd name="connsiteY0" fmla="*/ 1533913 h 1559901"/>
-                      <a:gd name="connsiteX1" fmla="*/ 160020 w 3348990"/>
-                      <a:gd name="connsiteY1" fmla="*/ 1488193 h 1559901"/>
-                      <a:gd name="connsiteX2" fmla="*/ 624840 w 3348990"/>
-                      <a:gd name="connsiteY2" fmla="*/ 1023373 h 1559901"/>
-                      <a:gd name="connsiteX3" fmla="*/ 1226820 w 3348990"/>
-                      <a:gd name="connsiteY3" fmla="*/ 985273 h 1559901"/>
-                      <a:gd name="connsiteX4" fmla="*/ 1577340 w 3348990"/>
-                      <a:gd name="connsiteY4" fmla="*/ 1008133 h 1559901"/>
-                      <a:gd name="connsiteX5" fmla="*/ 1973580 w 3348990"/>
-                      <a:gd name="connsiteY5" fmla="*/ 909073 h 1559901"/>
-                      <a:gd name="connsiteX6" fmla="*/ 2263140 w 3348990"/>
-                      <a:gd name="connsiteY6" fmla="*/ 528073 h 1559901"/>
-                      <a:gd name="connsiteX7" fmla="*/ 2636520 w 3348990"/>
-                      <a:gd name="connsiteY7" fmla="*/ 421393 h 1559901"/>
-                      <a:gd name="connsiteX8" fmla="*/ 2987040 w 3348990"/>
-                      <a:gd name="connsiteY8" fmla="*/ 48013 h 1559901"/>
-                      <a:gd name="connsiteX9" fmla="*/ 3348990 w 3348990"/>
-                      <a:gd name="connsiteY9" fmla="*/ 1559901 h 1559901"/>
-                      <a:gd name="connsiteX0" fmla="*/ 0 w 3384550"/>
-                      <a:gd name="connsiteY0" fmla="*/ 1569808 h 1578209"/>
-                      <a:gd name="connsiteX1" fmla="*/ 195580 w 3384550"/>
-                      <a:gd name="connsiteY1" fmla="*/ 1488193 h 1578209"/>
-                      <a:gd name="connsiteX2" fmla="*/ 660400 w 3384550"/>
-                      <a:gd name="connsiteY2" fmla="*/ 1023373 h 1578209"/>
-                      <a:gd name="connsiteX3" fmla="*/ 1262380 w 3384550"/>
-                      <a:gd name="connsiteY3" fmla="*/ 985273 h 1578209"/>
-                      <a:gd name="connsiteX4" fmla="*/ 1612900 w 3384550"/>
-                      <a:gd name="connsiteY4" fmla="*/ 1008133 h 1578209"/>
-                      <a:gd name="connsiteX5" fmla="*/ 2009140 w 3384550"/>
-                      <a:gd name="connsiteY5" fmla="*/ 909073 h 1578209"/>
-                      <a:gd name="connsiteX6" fmla="*/ 2298700 w 3384550"/>
-                      <a:gd name="connsiteY6" fmla="*/ 528073 h 1578209"/>
-                      <a:gd name="connsiteX7" fmla="*/ 2672080 w 3384550"/>
-                      <a:gd name="connsiteY7" fmla="*/ 421393 h 1578209"/>
-                      <a:gd name="connsiteX8" fmla="*/ 3022600 w 3384550"/>
-                      <a:gd name="connsiteY8" fmla="*/ 48013 h 1578209"/>
-                      <a:gd name="connsiteX9" fmla="*/ 3384550 w 3384550"/>
-                      <a:gd name="connsiteY9" fmla="*/ 1559901 h 1578209"/>
-                      <a:gd name="connsiteX0" fmla="*/ 0 w 3359150"/>
-                      <a:gd name="connsiteY0" fmla="*/ 1523657 h 1559901"/>
-                      <a:gd name="connsiteX1" fmla="*/ 170180 w 3359150"/>
-                      <a:gd name="connsiteY1" fmla="*/ 1488193 h 1559901"/>
-                      <a:gd name="connsiteX2" fmla="*/ 635000 w 3359150"/>
-                      <a:gd name="connsiteY2" fmla="*/ 1023373 h 1559901"/>
-                      <a:gd name="connsiteX3" fmla="*/ 1236980 w 3359150"/>
-                      <a:gd name="connsiteY3" fmla="*/ 985273 h 1559901"/>
-                      <a:gd name="connsiteX4" fmla="*/ 1587500 w 3359150"/>
-                      <a:gd name="connsiteY4" fmla="*/ 1008133 h 1559901"/>
-                      <a:gd name="connsiteX5" fmla="*/ 1983740 w 3359150"/>
-                      <a:gd name="connsiteY5" fmla="*/ 909073 h 1559901"/>
-                      <a:gd name="connsiteX6" fmla="*/ 2273300 w 3359150"/>
-                      <a:gd name="connsiteY6" fmla="*/ 528073 h 1559901"/>
-                      <a:gd name="connsiteX7" fmla="*/ 2646680 w 3359150"/>
-                      <a:gd name="connsiteY7" fmla="*/ 421393 h 1559901"/>
-                      <a:gd name="connsiteX8" fmla="*/ 2997200 w 3359150"/>
-                      <a:gd name="connsiteY8" fmla="*/ 48013 h 1559901"/>
-                      <a:gd name="connsiteX9" fmla="*/ 3359150 w 3359150"/>
-                      <a:gd name="connsiteY9" fmla="*/ 1559901 h 1559901"/>
-                    </a:gdLst>
-                    <a:ahLst/>
-                    <a:cxnLst>
-                      <a:cxn ang="0">
-                        <a:pos x="connsiteX0" y="connsiteY0"/>
-                      </a:cxn>
-                      <a:cxn ang="0">
-                        <a:pos x="connsiteX1" y="connsiteY1"/>
-                      </a:cxn>
-                      <a:cxn ang="0">
-                        <a:pos x="connsiteX2" y="connsiteY2"/>
-                      </a:cxn>
-                      <a:cxn ang="0">
-                        <a:pos x="connsiteX3" y="connsiteY3"/>
-                      </a:cxn>
-                      <a:cxn ang="0">
-                        <a:pos x="connsiteX4" y="connsiteY4"/>
-                      </a:cxn>
-                      <a:cxn ang="0">
-                        <a:pos x="connsiteX5" y="connsiteY5"/>
-                      </a:cxn>
-                      <a:cxn ang="0">
-                        <a:pos x="connsiteX6" y="connsiteY6"/>
-                      </a:cxn>
-                      <a:cxn ang="0">
-                        <a:pos x="connsiteX7" y="connsiteY7"/>
-                      </a:cxn>
-                      <a:cxn ang="0">
-                        <a:pos x="connsiteX8" y="connsiteY8"/>
-                      </a:cxn>
-                      <a:cxn ang="0">
-                        <a:pos x="connsiteX9" y="connsiteY9"/>
-                      </a:cxn>
-                    </a:cxnLst>
-                    <a:rect l="l" t="t" r="r" b="b"/>
-                    <a:pathLst>
-                      <a:path w="3359150" h="1559901">
-                        <a:moveTo>
-                          <a:pt x="0" y="1523657"/>
-                        </a:moveTo>
-                        <a:cubicBezTo>
-                          <a:pt x="27940" y="1543342"/>
-                          <a:pt x="64347" y="1571574"/>
-                          <a:pt x="170180" y="1488193"/>
-                        </a:cubicBezTo>
-                        <a:cubicBezTo>
-                          <a:pt x="276013" y="1404812"/>
-                          <a:pt x="457200" y="1107193"/>
-                          <a:pt x="635000" y="1023373"/>
-                        </a:cubicBezTo>
-                        <a:cubicBezTo>
-                          <a:pt x="812800" y="939553"/>
-                          <a:pt x="1078230" y="987813"/>
-                          <a:pt x="1236980" y="985273"/>
-                        </a:cubicBezTo>
-                        <a:cubicBezTo>
-                          <a:pt x="1395730" y="982733"/>
-                          <a:pt x="1463040" y="1020833"/>
-                          <a:pt x="1587500" y="1008133"/>
-                        </a:cubicBezTo>
-                        <a:cubicBezTo>
-                          <a:pt x="1711960" y="995433"/>
-                          <a:pt x="1869440" y="989083"/>
-                          <a:pt x="1983740" y="909073"/>
-                        </a:cubicBezTo>
-                        <a:cubicBezTo>
-                          <a:pt x="2098040" y="829063"/>
-                          <a:pt x="2162810" y="609353"/>
-                          <a:pt x="2273300" y="528073"/>
-                        </a:cubicBezTo>
-                        <a:cubicBezTo>
-                          <a:pt x="2383790" y="446793"/>
-                          <a:pt x="2526030" y="501403"/>
-                          <a:pt x="2646680" y="421393"/>
-                        </a:cubicBezTo>
-                        <a:cubicBezTo>
-                          <a:pt x="2767330" y="341383"/>
-                          <a:pt x="2877820" y="-153917"/>
-                          <a:pt x="2997200" y="48013"/>
-                        </a:cubicBezTo>
-                        <a:cubicBezTo>
-                          <a:pt x="3116580" y="249943"/>
-                          <a:pt x="3235960" y="868386"/>
-                          <a:pt x="3359150" y="1559901"/>
-                        </a:cubicBezTo>
-                      </a:path>
-                    </a:pathLst>
-                  </a:custGeom>
-                  <a:ln/>
-                </p:spPr>
-                <p:style>
-                  <a:lnRef idx="3">
-                    <a:schemeClr val="accent2"/>
-                  </a:lnRef>
-                  <a:fillRef idx="0">
-                    <a:schemeClr val="accent2"/>
-                  </a:fillRef>
-                  <a:effectRef idx="2">
-                    <a:schemeClr val="accent2"/>
-                  </a:effectRef>
-                  <a:fontRef idx="minor">
-                    <a:schemeClr val="tx1"/>
-                  </a:fontRef>
-                </p:style>
-                <p:txBody>
-                  <a:bodyPr rtlCol="0" anchor="ctr"/>
-                  <a:lstStyle/>
-                  <a:p>
-                    <a:pPr algn="ctr"/>
-                    <a:endParaRPr lang="en-US"/>
-                  </a:p>
-                </p:txBody>
-              </p:sp>
-            </p:grpSp>
-            <p:sp>
-              <p:nvSpPr>
-                <p:cNvPr id="29" name="Geschweifte Klammer rechts 28">
-                  <a:extLst>
-                    <a:ext uri="{FF2B5EF4-FFF2-40B4-BE49-F238E27FC236}">
-                      <a16:creationId xmlns:a16="http://schemas.microsoft.com/office/drawing/2014/main" id="{A163F59F-66A9-8515-9B93-D92A03619357}"/>
-                    </a:ext>
-                  </a:extLst>
-                </p:cNvPr>
-                <p:cNvSpPr/>
-                <p:nvPr/>
-              </p:nvSpPr>
-              <p:spPr>
-                <a:xfrm rot="5400000">
-                  <a:off x="8157648" y="1889809"/>
-                  <a:ext cx="348133" cy="2302578"/>
-                </a:xfrm>
-                <a:prstGeom prst="rightBrace">
-                  <a:avLst>
-                    <a:gd name="adj1" fmla="val 0"/>
-                    <a:gd name="adj2" fmla="val 50000"/>
-                  </a:avLst>
-                </a:prstGeom>
-              </p:spPr>
-              <p:style>
-                <a:lnRef idx="1">
-                  <a:schemeClr val="accent1"/>
-                </a:lnRef>
-                <a:fillRef idx="0">
-                  <a:schemeClr val="accent1"/>
-                </a:fillRef>
-                <a:effectRef idx="0">
-                  <a:schemeClr val="accent1"/>
-                </a:effectRef>
-                <a:fontRef idx="minor">
-                  <a:schemeClr val="tx1"/>
-                </a:fontRef>
-              </p:style>
-              <p:txBody>
-                <a:bodyPr rtlCol="0" anchor="ctr"/>
-                <a:lstStyle/>
-                <a:p>
-                  <a:pPr algn="ctr"/>
-                  <a:endParaRPr lang="en-US" dirty="0"/>
-                </a:p>
-              </p:txBody>
-            </p:sp>
-            <p:sp>
-              <p:nvSpPr>
-                <p:cNvPr id="30" name="Textfeld 29">
-                  <a:extLst>
-                    <a:ext uri="{FF2B5EF4-FFF2-40B4-BE49-F238E27FC236}">
-                      <a16:creationId xmlns:a16="http://schemas.microsoft.com/office/drawing/2014/main" id="{01889094-7F7A-391B-D09F-047D422C1485}"/>
-                    </a:ext>
-                  </a:extLst>
-                </p:cNvPr>
-                <p:cNvSpPr txBox="1"/>
-                <p:nvPr/>
-              </p:nvSpPr>
-              <p:spPr>
-                <a:xfrm>
-                  <a:off x="8176260" y="3146317"/>
-                  <a:ext cx="495300" cy="348134"/>
-                </a:xfrm>
-                <a:prstGeom prst="rect">
-                  <a:avLst/>
-                </a:prstGeom>
-                <a:noFill/>
-              </p:spPr>
-              <p:txBody>
-                <a:bodyPr wrap="none" lIns="0" tIns="0" rIns="0" bIns="0" rtlCol="0">
-                  <a:noAutofit/>
-                </a:bodyPr>
-                <a:lstStyle/>
-                <a:p>
-                  <a:pPr marR="0" defTabSz="914400" eaLnBrk="1" fontAlgn="auto" latinLnBrk="0" hangingPunct="1">
-                    <a:lnSpc>
-                      <a:spcPts val="2300"/>
-                    </a:lnSpc>
-                    <a:spcBef>
-                      <a:spcPts val="500"/>
-                    </a:spcBef>
-                    <a:spcAft>
-                      <a:spcPts val="0"/>
-                    </a:spcAft>
-                    <a:buClrTx/>
-                    <a:buSzTx/>
-                    <a:buFontTx/>
-                    <a:buNone/>
-                    <a:tabLst/>
-                  </a:pPr>
-                  <a:r>
-                    <a:rPr kumimoji="0" lang="de-DE" sz="1000" b="0" i="0" u="none" strike="noStrike" kern="0" cap="none" spc="0" normalizeH="0" baseline="0" noProof="0" dirty="0">
-                      <a:solidFill>
-                        <a:srgbClr val="000000"/>
-                      </a:solidFill>
-                      <a:effectLst/>
-                      <a:uLnTx/>
-                      <a:uFillTx/>
-                    </a:rPr>
-                    <a:t>T = 60days</a:t>
-                  </a:r>
-                  <a:endParaRPr kumimoji="0" lang="en-US" sz="1000" b="0" i="0" u="none" strike="noStrike" kern="0" cap="none" spc="0" normalizeH="0" baseline="0" noProof="0" dirty="0">
-                    <a:solidFill>
-                      <a:srgbClr val="000000"/>
-                    </a:solidFill>
-                    <a:effectLst/>
-                    <a:uLnTx/>
-                    <a:uFillTx/>
-                  </a:endParaRPr>
-                </a:p>
-              </p:txBody>
-            </p:sp>
-          </p:grpSp>
-          <p:sp>
-            <p:nvSpPr>
-              <p:cNvPr id="40" name="Textfeld 39">
-                <a:extLst>
-                  <a:ext uri="{FF2B5EF4-FFF2-40B4-BE49-F238E27FC236}">
-                    <a16:creationId xmlns:a16="http://schemas.microsoft.com/office/drawing/2014/main" id="{308B60D0-FFB4-0646-8642-26596FF47CA5}"/>
-                  </a:ext>
-                </a:extLst>
-              </p:cNvPr>
-              <p:cNvSpPr txBox="1"/>
-              <p:nvPr/>
-            </p:nvSpPr>
-            <p:spPr>
-              <a:xfrm>
-                <a:off x="4762266" y="644913"/>
-                <a:ext cx="914400" cy="362393"/>
-              </a:xfrm>
-              <a:prstGeom prst="rect">
-                <a:avLst/>
-              </a:prstGeom>
-              <a:noFill/>
-            </p:spPr>
-            <p:txBody>
-              <a:bodyPr wrap="none" lIns="0" tIns="0" rIns="0" bIns="0" rtlCol="0">
-                <a:noAutofit/>
-              </a:bodyPr>
-              <a:lstStyle/>
-              <a:p>
-                <a:pPr marR="0" defTabSz="914400" eaLnBrk="1" fontAlgn="auto" latinLnBrk="0" hangingPunct="1">
-                  <a:lnSpc>
-                    <a:spcPts val="2300"/>
-                  </a:lnSpc>
-                  <a:spcBef>
-                    <a:spcPts val="500"/>
-                  </a:spcBef>
-                  <a:spcAft>
-                    <a:spcPts val="0"/>
-                  </a:spcAft>
-                  <a:buClrTx/>
-                  <a:buSzTx/>
-                  <a:buFontTx/>
-                  <a:buNone/>
-                  <a:tabLst/>
-                </a:pPr>
-                <a:r>
-                  <a:rPr kumimoji="0" lang="de-DE" sz="1200" b="0" i="0" u="none" strike="noStrike" kern="0" cap="none" spc="0" normalizeH="0" baseline="0" noProof="0" dirty="0" err="1">
-                    <a:ln>
-                      <a:noFill/>
-                    </a:ln>
-                    <a:solidFill>
-                      <a:schemeClr val="accent3">
-                        <a:lumMod val="75000"/>
-                      </a:schemeClr>
-                    </a:solidFill>
-                    <a:effectLst/>
-                    <a:uLnTx/>
-                    <a:uFillTx/>
-                  </a:rPr>
-                  <a:t>Temperature</a:t>
-                </a:r>
-                <a:endParaRPr kumimoji="0" lang="en-US" sz="1200" b="0" i="0" u="none" strike="noStrike" kern="0" cap="none" spc="0" normalizeH="0" baseline="0" noProof="0" dirty="0">
-                  <a:ln>
-                    <a:noFill/>
-                  </a:ln>
-                  <a:solidFill>
-                    <a:schemeClr val="accent3">
-                      <a:lumMod val="75000"/>
-                    </a:schemeClr>
-                  </a:solidFill>
-                  <a:effectLst/>
-                  <a:uLnTx/>
-                  <a:uFillTx/>
-                </a:endParaRPr>
-              </a:p>
-            </p:txBody>
-          </p:sp>
-          <p:sp>
-            <p:nvSpPr>
-              <p:cNvPr id="41" name="Textfeld 40">
-                <a:extLst>
-                  <a:ext uri="{FF2B5EF4-FFF2-40B4-BE49-F238E27FC236}">
-                    <a16:creationId xmlns:a16="http://schemas.microsoft.com/office/drawing/2014/main" id="{818BA447-225D-05AA-CB8E-CB353DF8DF63}"/>
-                  </a:ext>
-                </a:extLst>
-              </p:cNvPr>
-              <p:cNvSpPr txBox="1"/>
-              <p:nvPr/>
-            </p:nvSpPr>
-            <p:spPr>
-              <a:xfrm>
-                <a:off x="10050759" y="2494910"/>
-                <a:ext cx="914400" cy="362393"/>
-              </a:xfrm>
-              <a:prstGeom prst="rect">
-                <a:avLst/>
-              </a:prstGeom>
-              <a:noFill/>
-            </p:spPr>
-            <p:txBody>
-              <a:bodyPr wrap="none" lIns="0" tIns="0" rIns="0" bIns="0" rtlCol="0">
-                <a:noAutofit/>
-              </a:bodyPr>
-              <a:lstStyle/>
-              <a:p>
-                <a:pPr marR="0" defTabSz="914400" eaLnBrk="1" fontAlgn="auto" latinLnBrk="0" hangingPunct="1">
-                  <a:lnSpc>
-                    <a:spcPts val="2300"/>
-                  </a:lnSpc>
-                  <a:spcBef>
-                    <a:spcPts val="500"/>
-                  </a:spcBef>
-                  <a:spcAft>
-                    <a:spcPts val="0"/>
-                  </a:spcAft>
-                  <a:buClrTx/>
-                  <a:buSzTx/>
-                  <a:buFontTx/>
-                  <a:buNone/>
-                  <a:tabLst/>
-                </a:pPr>
-                <a:r>
-                  <a:rPr kumimoji="0" lang="de-DE" sz="1200" b="0" i="0" u="none" strike="noStrike" kern="0" cap="none" spc="0" normalizeH="0" baseline="0" noProof="0" dirty="0">
-                    <a:ln>
-                      <a:noFill/>
-                    </a:ln>
-                    <a:solidFill>
-                      <a:schemeClr val="accent3">
-                        <a:lumMod val="75000"/>
-                      </a:schemeClr>
-                    </a:solidFill>
-                    <a:effectLst/>
-                    <a:uLnTx/>
-                    <a:uFillTx/>
-                  </a:rPr>
-                  <a:t>Time</a:t>
-                </a:r>
-                <a:endParaRPr kumimoji="0" lang="en-US" sz="1200" b="0" i="0" u="none" strike="noStrike" kern="0" cap="none" spc="0" normalizeH="0" baseline="0" noProof="0" dirty="0">
-                  <a:ln>
-                    <a:noFill/>
-                  </a:ln>
-                  <a:solidFill>
-                    <a:schemeClr val="accent3">
-                      <a:lumMod val="75000"/>
-                    </a:schemeClr>
-                  </a:solidFill>
-                  <a:effectLst/>
-                  <a:uLnTx/>
-                  <a:uFillTx/>
-                </a:endParaRPr>
-              </a:p>
-            </p:txBody>
-          </p:sp>
-        </p:grpSp>
-      </p:grpSp>
-      <p:grpSp>
-        <p:nvGrpSpPr>
-          <p:cNvPr id="51" name="Gruppieren 50">
-            <a:extLst>
-              <a:ext uri="{FF2B5EF4-FFF2-40B4-BE49-F238E27FC236}">
-                <a16:creationId xmlns:a16="http://schemas.microsoft.com/office/drawing/2014/main" id="{E5473D9F-C2F2-90BB-564A-3ED53DCD1DDA}"/>
-              </a:ext>
-            </a:extLst>
-          </p:cNvPr>
-          <p:cNvGrpSpPr/>
-          <p:nvPr/>
-        </p:nvGrpSpPr>
-        <p:grpSpPr>
-          <a:xfrm>
-            <a:off x="296663" y="1010000"/>
-            <a:ext cx="5186683" cy="2252067"/>
-            <a:chOff x="266699" y="1007306"/>
-            <a:chExt cx="5186683" cy="2252067"/>
-          </a:xfrm>
-        </p:grpSpPr>
-        <p:cxnSp>
-          <p:nvCxnSpPr>
-            <p:cNvPr id="37" name="Gerader Verbinder 36">
-              <a:extLst>
-                <a:ext uri="{FF2B5EF4-FFF2-40B4-BE49-F238E27FC236}">
-                  <a16:creationId xmlns:a16="http://schemas.microsoft.com/office/drawing/2014/main" id="{C7799254-5800-6D37-1545-3710A61A577B}"/>
-                </a:ext>
-              </a:extLst>
-            </p:cNvPr>
-            <p:cNvCxnSpPr>
-              <a:cxnSpLocks/>
-            </p:cNvCxnSpPr>
-            <p:nvPr/>
-          </p:nvCxnSpPr>
-          <p:spPr>
-            <a:xfrm>
-              <a:off x="266699" y="1007306"/>
-              <a:ext cx="0" cy="1752600"/>
-            </a:xfrm>
-            <a:prstGeom prst="line">
-              <a:avLst/>
-            </a:prstGeom>
-            <a:ln w="76200"/>
-          </p:spPr>
-          <p:style>
-            <a:lnRef idx="3">
-              <a:schemeClr val="accent3"/>
-            </a:lnRef>
-            <a:fillRef idx="0">
-              <a:schemeClr val="accent3"/>
-            </a:fillRef>
-            <a:effectRef idx="2">
-              <a:schemeClr val="accent3"/>
-            </a:effectRef>
-            <a:fontRef idx="minor">
-              <a:schemeClr val="tx1"/>
-            </a:fontRef>
-          </p:style>
-        </p:cxnSp>
-        <p:grpSp>
-          <p:nvGrpSpPr>
-            <p:cNvPr id="46" name="Gruppieren 45">
-              <a:extLst>
-                <a:ext uri="{FF2B5EF4-FFF2-40B4-BE49-F238E27FC236}">
-                  <a16:creationId xmlns:a16="http://schemas.microsoft.com/office/drawing/2014/main" id="{5433EB2A-FDC0-2486-85FD-18C98BBBE240}"/>
-                </a:ext>
-              </a:extLst>
-            </p:cNvPr>
-            <p:cNvGrpSpPr/>
-            <p:nvPr/>
-          </p:nvGrpSpPr>
-          <p:grpSpPr>
-            <a:xfrm>
-              <a:off x="266699" y="1249029"/>
-              <a:ext cx="5186683" cy="1782308"/>
-              <a:chOff x="266699" y="1249029"/>
-              <a:chExt cx="5186683" cy="1782308"/>
-            </a:xfrm>
-          </p:grpSpPr>
-          <p:cxnSp>
-            <p:nvCxnSpPr>
-              <p:cNvPr id="39" name="Gerader Verbinder 38">
-                <a:extLst>
-                  <a:ext uri="{FF2B5EF4-FFF2-40B4-BE49-F238E27FC236}">
-                    <a16:creationId xmlns:a16="http://schemas.microsoft.com/office/drawing/2014/main" id="{A155EDB6-72FF-0A18-E8B5-556A58F1A40E}"/>
-                  </a:ext>
-                </a:extLst>
-              </p:cNvPr>
-              <p:cNvCxnSpPr>
-                <a:cxnSpLocks/>
-              </p:cNvCxnSpPr>
-              <p:nvPr/>
-            </p:nvCxnSpPr>
-            <p:spPr>
-              <a:xfrm flipV="1">
-                <a:off x="266699" y="2693862"/>
-                <a:ext cx="5186683" cy="10687"/>
-              </a:xfrm>
-              <a:prstGeom prst="line">
-                <a:avLst/>
-              </a:prstGeom>
-              <a:ln w="76200"/>
-            </p:spPr>
-            <p:style>
-              <a:lnRef idx="3">
-                <a:schemeClr val="accent3"/>
-              </a:lnRef>
-              <a:fillRef idx="0">
-                <a:schemeClr val="accent3"/>
-              </a:fillRef>
-              <a:effectRef idx="2">
-                <a:schemeClr val="accent3"/>
-              </a:effectRef>
-              <a:fontRef idx="minor">
-                <a:schemeClr val="tx1"/>
-              </a:fontRef>
-            </p:style>
-          </p:cxnSp>
-          <p:sp>
-            <p:nvSpPr>
-              <p:cNvPr id="43" name="Freihandform: Form 42">
-                <a:extLst>
-                  <a:ext uri="{FF2B5EF4-FFF2-40B4-BE49-F238E27FC236}">
-                    <a16:creationId xmlns:a16="http://schemas.microsoft.com/office/drawing/2014/main" id="{893A22DF-565A-FF6E-5AB1-48BA7A5AEE15}"/>
-                  </a:ext>
-                </a:extLst>
-              </p:cNvPr>
-              <p:cNvSpPr/>
-              <p:nvPr/>
-            </p:nvSpPr>
-            <p:spPr>
-              <a:xfrm>
-                <a:off x="275527" y="1259716"/>
-                <a:ext cx="2302581" cy="1444833"/>
-              </a:xfrm>
-              <a:custGeom>
-                <a:avLst/>
-                <a:gdLst>
-                  <a:gd name="connsiteX0" fmla="*/ 0 w 3352800"/>
-                  <a:gd name="connsiteY0" fmla="*/ 1533913 h 1632973"/>
-                  <a:gd name="connsiteX1" fmla="*/ 160020 w 3352800"/>
-                  <a:gd name="connsiteY1" fmla="*/ 1488193 h 1632973"/>
-                  <a:gd name="connsiteX2" fmla="*/ 624840 w 3352800"/>
-                  <a:gd name="connsiteY2" fmla="*/ 1023373 h 1632973"/>
-                  <a:gd name="connsiteX3" fmla="*/ 1226820 w 3352800"/>
-                  <a:gd name="connsiteY3" fmla="*/ 985273 h 1632973"/>
-                  <a:gd name="connsiteX4" fmla="*/ 1577340 w 3352800"/>
-                  <a:gd name="connsiteY4" fmla="*/ 1008133 h 1632973"/>
-                  <a:gd name="connsiteX5" fmla="*/ 1973580 w 3352800"/>
-                  <a:gd name="connsiteY5" fmla="*/ 909073 h 1632973"/>
-                  <a:gd name="connsiteX6" fmla="*/ 2263140 w 3352800"/>
-                  <a:gd name="connsiteY6" fmla="*/ 528073 h 1632973"/>
-                  <a:gd name="connsiteX7" fmla="*/ 2636520 w 3352800"/>
-                  <a:gd name="connsiteY7" fmla="*/ 421393 h 1632973"/>
-                  <a:gd name="connsiteX8" fmla="*/ 2987040 w 3352800"/>
-                  <a:gd name="connsiteY8" fmla="*/ 48013 h 1632973"/>
-                  <a:gd name="connsiteX9" fmla="*/ 3352800 w 3352800"/>
-                  <a:gd name="connsiteY9" fmla="*/ 1632973 h 1632973"/>
-                  <a:gd name="connsiteX0" fmla="*/ 0 w 3348990"/>
-                  <a:gd name="connsiteY0" fmla="*/ 1533913 h 1559901"/>
-                  <a:gd name="connsiteX1" fmla="*/ 160020 w 3348990"/>
-                  <a:gd name="connsiteY1" fmla="*/ 1488193 h 1559901"/>
-                  <a:gd name="connsiteX2" fmla="*/ 624840 w 3348990"/>
-                  <a:gd name="connsiteY2" fmla="*/ 1023373 h 1559901"/>
-                  <a:gd name="connsiteX3" fmla="*/ 1226820 w 3348990"/>
-                  <a:gd name="connsiteY3" fmla="*/ 985273 h 1559901"/>
-                  <a:gd name="connsiteX4" fmla="*/ 1577340 w 3348990"/>
-                  <a:gd name="connsiteY4" fmla="*/ 1008133 h 1559901"/>
-                  <a:gd name="connsiteX5" fmla="*/ 1973580 w 3348990"/>
-                  <a:gd name="connsiteY5" fmla="*/ 909073 h 1559901"/>
-                  <a:gd name="connsiteX6" fmla="*/ 2263140 w 3348990"/>
-                  <a:gd name="connsiteY6" fmla="*/ 528073 h 1559901"/>
-                  <a:gd name="connsiteX7" fmla="*/ 2636520 w 3348990"/>
-                  <a:gd name="connsiteY7" fmla="*/ 421393 h 1559901"/>
-                  <a:gd name="connsiteX8" fmla="*/ 2987040 w 3348990"/>
-                  <a:gd name="connsiteY8" fmla="*/ 48013 h 1559901"/>
-                  <a:gd name="connsiteX9" fmla="*/ 3348990 w 3348990"/>
-                  <a:gd name="connsiteY9" fmla="*/ 1559901 h 1559901"/>
-                  <a:gd name="connsiteX0" fmla="*/ 0 w 3384550"/>
-                  <a:gd name="connsiteY0" fmla="*/ 1569808 h 1578209"/>
-                  <a:gd name="connsiteX1" fmla="*/ 195580 w 3384550"/>
-                  <a:gd name="connsiteY1" fmla="*/ 1488193 h 1578209"/>
-                  <a:gd name="connsiteX2" fmla="*/ 660400 w 3384550"/>
-                  <a:gd name="connsiteY2" fmla="*/ 1023373 h 1578209"/>
-                  <a:gd name="connsiteX3" fmla="*/ 1262380 w 3384550"/>
-                  <a:gd name="connsiteY3" fmla="*/ 985273 h 1578209"/>
-                  <a:gd name="connsiteX4" fmla="*/ 1612900 w 3384550"/>
-                  <a:gd name="connsiteY4" fmla="*/ 1008133 h 1578209"/>
-                  <a:gd name="connsiteX5" fmla="*/ 2009140 w 3384550"/>
-                  <a:gd name="connsiteY5" fmla="*/ 909073 h 1578209"/>
-                  <a:gd name="connsiteX6" fmla="*/ 2298700 w 3384550"/>
-                  <a:gd name="connsiteY6" fmla="*/ 528073 h 1578209"/>
-                  <a:gd name="connsiteX7" fmla="*/ 2672080 w 3384550"/>
-                  <a:gd name="connsiteY7" fmla="*/ 421393 h 1578209"/>
-                  <a:gd name="connsiteX8" fmla="*/ 3022600 w 3384550"/>
-                  <a:gd name="connsiteY8" fmla="*/ 48013 h 1578209"/>
-                  <a:gd name="connsiteX9" fmla="*/ 3384550 w 3384550"/>
-                  <a:gd name="connsiteY9" fmla="*/ 1559901 h 1578209"/>
-                  <a:gd name="connsiteX0" fmla="*/ 0 w 3359150"/>
-                  <a:gd name="connsiteY0" fmla="*/ 1523657 h 1559901"/>
-                  <a:gd name="connsiteX1" fmla="*/ 170180 w 3359150"/>
-                  <a:gd name="connsiteY1" fmla="*/ 1488193 h 1559901"/>
-                  <a:gd name="connsiteX2" fmla="*/ 635000 w 3359150"/>
-                  <a:gd name="connsiteY2" fmla="*/ 1023373 h 1559901"/>
-                  <a:gd name="connsiteX3" fmla="*/ 1236980 w 3359150"/>
-                  <a:gd name="connsiteY3" fmla="*/ 985273 h 1559901"/>
-                  <a:gd name="connsiteX4" fmla="*/ 1587500 w 3359150"/>
-                  <a:gd name="connsiteY4" fmla="*/ 1008133 h 1559901"/>
-                  <a:gd name="connsiteX5" fmla="*/ 1983740 w 3359150"/>
-                  <a:gd name="connsiteY5" fmla="*/ 909073 h 1559901"/>
-                  <a:gd name="connsiteX6" fmla="*/ 2273300 w 3359150"/>
-                  <a:gd name="connsiteY6" fmla="*/ 528073 h 1559901"/>
-                  <a:gd name="connsiteX7" fmla="*/ 2646680 w 3359150"/>
-                  <a:gd name="connsiteY7" fmla="*/ 421393 h 1559901"/>
-                  <a:gd name="connsiteX8" fmla="*/ 2997200 w 3359150"/>
-                  <a:gd name="connsiteY8" fmla="*/ 48013 h 1559901"/>
-                  <a:gd name="connsiteX9" fmla="*/ 3359150 w 3359150"/>
-                  <a:gd name="connsiteY9" fmla="*/ 1559901 h 1559901"/>
-                </a:gdLst>
-                <a:ahLst/>
-                <a:cxnLst>
-                  <a:cxn ang="0">
-                    <a:pos x="connsiteX0" y="connsiteY0"/>
-                  </a:cxn>
-                  <a:cxn ang="0">
-                    <a:pos x="connsiteX1" y="connsiteY1"/>
-                  </a:cxn>
-                  <a:cxn ang="0">
-                    <a:pos x="connsiteX2" y="connsiteY2"/>
-                  </a:cxn>
-                  <a:cxn ang="0">
-                    <a:pos x="connsiteX3" y="connsiteY3"/>
-                  </a:cxn>
-                  <a:cxn ang="0">
-                    <a:pos x="connsiteX4" y="connsiteY4"/>
-                  </a:cxn>
-                  <a:cxn ang="0">
-                    <a:pos x="connsiteX5" y="connsiteY5"/>
-                  </a:cxn>
-                  <a:cxn ang="0">
-                    <a:pos x="connsiteX6" y="connsiteY6"/>
-                  </a:cxn>
-                  <a:cxn ang="0">
-                    <a:pos x="connsiteX7" y="connsiteY7"/>
-                  </a:cxn>
-                  <a:cxn ang="0">
-                    <a:pos x="connsiteX8" y="connsiteY8"/>
-                  </a:cxn>
-                  <a:cxn ang="0">
-                    <a:pos x="connsiteX9" y="connsiteY9"/>
-                  </a:cxn>
-                </a:cxnLst>
-                <a:rect l="l" t="t" r="r" b="b"/>
-                <a:pathLst>
-                  <a:path w="3359150" h="1559901">
-                    <a:moveTo>
-                      <a:pt x="0" y="1523657"/>
-                    </a:moveTo>
-                    <a:cubicBezTo>
-                      <a:pt x="27940" y="1543342"/>
-                      <a:pt x="64347" y="1571574"/>
-                      <a:pt x="170180" y="1488193"/>
-                    </a:cubicBezTo>
-                    <a:cubicBezTo>
-                      <a:pt x="276013" y="1404812"/>
-                      <a:pt x="457200" y="1107193"/>
-                      <a:pt x="635000" y="1023373"/>
-                    </a:cubicBezTo>
-                    <a:cubicBezTo>
-                      <a:pt x="812800" y="939553"/>
-                      <a:pt x="1078230" y="987813"/>
-                      <a:pt x="1236980" y="985273"/>
-                    </a:cubicBezTo>
-                    <a:cubicBezTo>
-                      <a:pt x="1395730" y="982733"/>
-                      <a:pt x="1463040" y="1020833"/>
-                      <a:pt x="1587500" y="1008133"/>
-                    </a:cubicBezTo>
-                    <a:cubicBezTo>
-                      <a:pt x="1711960" y="995433"/>
-                      <a:pt x="1869440" y="989083"/>
-                      <a:pt x="1983740" y="909073"/>
-                    </a:cubicBezTo>
-                    <a:cubicBezTo>
-                      <a:pt x="2098040" y="829063"/>
-                      <a:pt x="2162810" y="609353"/>
-                      <a:pt x="2273300" y="528073"/>
-                    </a:cubicBezTo>
-                    <a:cubicBezTo>
-                      <a:pt x="2383790" y="446793"/>
-                      <a:pt x="2526030" y="501403"/>
-                      <a:pt x="2646680" y="421393"/>
-                    </a:cubicBezTo>
-                    <a:cubicBezTo>
-                      <a:pt x="2767330" y="341383"/>
-                      <a:pt x="2877820" y="-153917"/>
-                      <a:pt x="2997200" y="48013"/>
-                    </a:cubicBezTo>
-                    <a:cubicBezTo>
-                      <a:pt x="3116580" y="249943"/>
-                      <a:pt x="3235960" y="868386"/>
-                      <a:pt x="3359150" y="1559901"/>
-                    </a:cubicBezTo>
-                  </a:path>
-                </a:pathLst>
-              </a:custGeom>
-              <a:ln w="19050" cap="flat" cmpd="sng" algn="ctr">
-                <a:solidFill>
-                  <a:schemeClr val="accent3"/>
-                </a:solidFill>
-                <a:prstDash val="dash"/>
-                <a:round/>
-                <a:headEnd type="none" w="med" len="med"/>
-                <a:tailEnd type="none" w="med" len="med"/>
-              </a:ln>
-            </p:spPr>
-            <p:style>
-              <a:lnRef idx="0">
-                <a:scrgbClr r="0" g="0" b="0"/>
-              </a:lnRef>
-              <a:fillRef idx="0">
-                <a:scrgbClr r="0" g="0" b="0"/>
-              </a:fillRef>
-              <a:effectRef idx="0">
-                <a:scrgbClr r="0" g="0" b="0"/>
-              </a:effectRef>
-              <a:fontRef idx="minor">
-                <a:schemeClr val="tx1"/>
-              </a:fontRef>
-            </p:style>
-            <p:txBody>
-              <a:bodyPr rtlCol="0" anchor="ctr"/>
-              <a:lstStyle/>
-              <a:p>
-                <a:pPr algn="ctr"/>
-                <a:endParaRPr lang="en-US"/>
-              </a:p>
-            </p:txBody>
-          </p:sp>
-          <p:sp>
-            <p:nvSpPr>
-              <p:cNvPr id="44" name="Freihandform: Form 43">
-                <a:extLst>
-                  <a:ext uri="{FF2B5EF4-FFF2-40B4-BE49-F238E27FC236}">
-                    <a16:creationId xmlns:a16="http://schemas.microsoft.com/office/drawing/2014/main" id="{58F610FE-0BA9-CD56-DBCB-3262427EAE92}"/>
-                  </a:ext>
-                </a:extLst>
-              </p:cNvPr>
-              <p:cNvSpPr/>
-              <p:nvPr/>
-            </p:nvSpPr>
-            <p:spPr>
-              <a:xfrm>
-                <a:off x="2514551" y="1249029"/>
-                <a:ext cx="2302581" cy="1444833"/>
-              </a:xfrm>
-              <a:custGeom>
-                <a:avLst/>
-                <a:gdLst>
-                  <a:gd name="connsiteX0" fmla="*/ 0 w 3352800"/>
-                  <a:gd name="connsiteY0" fmla="*/ 1533913 h 1632973"/>
-                  <a:gd name="connsiteX1" fmla="*/ 160020 w 3352800"/>
-                  <a:gd name="connsiteY1" fmla="*/ 1488193 h 1632973"/>
-                  <a:gd name="connsiteX2" fmla="*/ 624840 w 3352800"/>
-                  <a:gd name="connsiteY2" fmla="*/ 1023373 h 1632973"/>
-                  <a:gd name="connsiteX3" fmla="*/ 1226820 w 3352800"/>
-                  <a:gd name="connsiteY3" fmla="*/ 985273 h 1632973"/>
-                  <a:gd name="connsiteX4" fmla="*/ 1577340 w 3352800"/>
-                  <a:gd name="connsiteY4" fmla="*/ 1008133 h 1632973"/>
-                  <a:gd name="connsiteX5" fmla="*/ 1973580 w 3352800"/>
-                  <a:gd name="connsiteY5" fmla="*/ 909073 h 1632973"/>
-                  <a:gd name="connsiteX6" fmla="*/ 2263140 w 3352800"/>
-                  <a:gd name="connsiteY6" fmla="*/ 528073 h 1632973"/>
-                  <a:gd name="connsiteX7" fmla="*/ 2636520 w 3352800"/>
-                  <a:gd name="connsiteY7" fmla="*/ 421393 h 1632973"/>
-                  <a:gd name="connsiteX8" fmla="*/ 2987040 w 3352800"/>
-                  <a:gd name="connsiteY8" fmla="*/ 48013 h 1632973"/>
-                  <a:gd name="connsiteX9" fmla="*/ 3352800 w 3352800"/>
-                  <a:gd name="connsiteY9" fmla="*/ 1632973 h 1632973"/>
-                  <a:gd name="connsiteX0" fmla="*/ 0 w 3348990"/>
-                  <a:gd name="connsiteY0" fmla="*/ 1533913 h 1559901"/>
-                  <a:gd name="connsiteX1" fmla="*/ 160020 w 3348990"/>
-                  <a:gd name="connsiteY1" fmla="*/ 1488193 h 1559901"/>
-                  <a:gd name="connsiteX2" fmla="*/ 624840 w 3348990"/>
-                  <a:gd name="connsiteY2" fmla="*/ 1023373 h 1559901"/>
-                  <a:gd name="connsiteX3" fmla="*/ 1226820 w 3348990"/>
-                  <a:gd name="connsiteY3" fmla="*/ 985273 h 1559901"/>
-                  <a:gd name="connsiteX4" fmla="*/ 1577340 w 3348990"/>
-                  <a:gd name="connsiteY4" fmla="*/ 1008133 h 1559901"/>
-                  <a:gd name="connsiteX5" fmla="*/ 1973580 w 3348990"/>
-                  <a:gd name="connsiteY5" fmla="*/ 909073 h 1559901"/>
-                  <a:gd name="connsiteX6" fmla="*/ 2263140 w 3348990"/>
-                  <a:gd name="connsiteY6" fmla="*/ 528073 h 1559901"/>
-                  <a:gd name="connsiteX7" fmla="*/ 2636520 w 3348990"/>
-                  <a:gd name="connsiteY7" fmla="*/ 421393 h 1559901"/>
-                  <a:gd name="connsiteX8" fmla="*/ 2987040 w 3348990"/>
-                  <a:gd name="connsiteY8" fmla="*/ 48013 h 1559901"/>
-                  <a:gd name="connsiteX9" fmla="*/ 3348990 w 3348990"/>
-                  <a:gd name="connsiteY9" fmla="*/ 1559901 h 1559901"/>
-                  <a:gd name="connsiteX0" fmla="*/ 0 w 3384550"/>
-                  <a:gd name="connsiteY0" fmla="*/ 1569808 h 1578209"/>
-                  <a:gd name="connsiteX1" fmla="*/ 195580 w 3384550"/>
-                  <a:gd name="connsiteY1" fmla="*/ 1488193 h 1578209"/>
-                  <a:gd name="connsiteX2" fmla="*/ 660400 w 3384550"/>
-                  <a:gd name="connsiteY2" fmla="*/ 1023373 h 1578209"/>
-                  <a:gd name="connsiteX3" fmla="*/ 1262380 w 3384550"/>
-                  <a:gd name="connsiteY3" fmla="*/ 985273 h 1578209"/>
-                  <a:gd name="connsiteX4" fmla="*/ 1612900 w 3384550"/>
-                  <a:gd name="connsiteY4" fmla="*/ 1008133 h 1578209"/>
-                  <a:gd name="connsiteX5" fmla="*/ 2009140 w 3384550"/>
-                  <a:gd name="connsiteY5" fmla="*/ 909073 h 1578209"/>
-                  <a:gd name="connsiteX6" fmla="*/ 2298700 w 3384550"/>
-                  <a:gd name="connsiteY6" fmla="*/ 528073 h 1578209"/>
-                  <a:gd name="connsiteX7" fmla="*/ 2672080 w 3384550"/>
-                  <a:gd name="connsiteY7" fmla="*/ 421393 h 1578209"/>
-                  <a:gd name="connsiteX8" fmla="*/ 3022600 w 3384550"/>
-                  <a:gd name="connsiteY8" fmla="*/ 48013 h 1578209"/>
-                  <a:gd name="connsiteX9" fmla="*/ 3384550 w 3384550"/>
-                  <a:gd name="connsiteY9" fmla="*/ 1559901 h 1578209"/>
-                  <a:gd name="connsiteX0" fmla="*/ 0 w 3359150"/>
-                  <a:gd name="connsiteY0" fmla="*/ 1523657 h 1559901"/>
-                  <a:gd name="connsiteX1" fmla="*/ 170180 w 3359150"/>
-                  <a:gd name="connsiteY1" fmla="*/ 1488193 h 1559901"/>
-                  <a:gd name="connsiteX2" fmla="*/ 635000 w 3359150"/>
-                  <a:gd name="connsiteY2" fmla="*/ 1023373 h 1559901"/>
-                  <a:gd name="connsiteX3" fmla="*/ 1236980 w 3359150"/>
-                  <a:gd name="connsiteY3" fmla="*/ 985273 h 1559901"/>
-                  <a:gd name="connsiteX4" fmla="*/ 1587500 w 3359150"/>
-                  <a:gd name="connsiteY4" fmla="*/ 1008133 h 1559901"/>
-                  <a:gd name="connsiteX5" fmla="*/ 1983740 w 3359150"/>
-                  <a:gd name="connsiteY5" fmla="*/ 909073 h 1559901"/>
-                  <a:gd name="connsiteX6" fmla="*/ 2273300 w 3359150"/>
-                  <a:gd name="connsiteY6" fmla="*/ 528073 h 1559901"/>
-                  <a:gd name="connsiteX7" fmla="*/ 2646680 w 3359150"/>
-                  <a:gd name="connsiteY7" fmla="*/ 421393 h 1559901"/>
-                  <a:gd name="connsiteX8" fmla="*/ 2997200 w 3359150"/>
-                  <a:gd name="connsiteY8" fmla="*/ 48013 h 1559901"/>
-                  <a:gd name="connsiteX9" fmla="*/ 3359150 w 3359150"/>
-                  <a:gd name="connsiteY9" fmla="*/ 1559901 h 1559901"/>
-                </a:gdLst>
-                <a:ahLst/>
-                <a:cxnLst>
-                  <a:cxn ang="0">
-                    <a:pos x="connsiteX0" y="connsiteY0"/>
-                  </a:cxn>
-                  <a:cxn ang="0">
-                    <a:pos x="connsiteX1" y="connsiteY1"/>
-                  </a:cxn>
-                  <a:cxn ang="0">
-                    <a:pos x="connsiteX2" y="connsiteY2"/>
-                  </a:cxn>
-                  <a:cxn ang="0">
-                    <a:pos x="connsiteX3" y="connsiteY3"/>
-                  </a:cxn>
-                  <a:cxn ang="0">
-                    <a:pos x="connsiteX4" y="connsiteY4"/>
-                  </a:cxn>
-                  <a:cxn ang="0">
-                    <a:pos x="connsiteX5" y="connsiteY5"/>
-                  </a:cxn>
-                  <a:cxn ang="0">
-                    <a:pos x="connsiteX6" y="connsiteY6"/>
-                  </a:cxn>
-                  <a:cxn ang="0">
-                    <a:pos x="connsiteX7" y="connsiteY7"/>
-                  </a:cxn>
-                  <a:cxn ang="0">
-                    <a:pos x="connsiteX8" y="connsiteY8"/>
-                  </a:cxn>
-                  <a:cxn ang="0">
-                    <a:pos x="connsiteX9" y="connsiteY9"/>
-                  </a:cxn>
-                </a:cxnLst>
-                <a:rect l="l" t="t" r="r" b="b"/>
-                <a:pathLst>
-                  <a:path w="3359150" h="1559901">
-                    <a:moveTo>
-                      <a:pt x="0" y="1523657"/>
-                    </a:moveTo>
-                    <a:cubicBezTo>
-                      <a:pt x="27940" y="1543342"/>
-                      <a:pt x="64347" y="1571574"/>
-                      <a:pt x="170180" y="1488193"/>
-                    </a:cubicBezTo>
-                    <a:cubicBezTo>
-                      <a:pt x="276013" y="1404812"/>
-                      <a:pt x="457200" y="1107193"/>
-                      <a:pt x="635000" y="1023373"/>
-                    </a:cubicBezTo>
-                    <a:cubicBezTo>
-                      <a:pt x="812800" y="939553"/>
-                      <a:pt x="1078230" y="987813"/>
-                      <a:pt x="1236980" y="985273"/>
-                    </a:cubicBezTo>
-                    <a:cubicBezTo>
-                      <a:pt x="1395730" y="982733"/>
-                      <a:pt x="1463040" y="1020833"/>
-                      <a:pt x="1587500" y="1008133"/>
-                    </a:cubicBezTo>
-                    <a:cubicBezTo>
-                      <a:pt x="1711960" y="995433"/>
-                      <a:pt x="1869440" y="989083"/>
-                      <a:pt x="1983740" y="909073"/>
-                    </a:cubicBezTo>
-                    <a:cubicBezTo>
-                      <a:pt x="2098040" y="829063"/>
-                      <a:pt x="2162810" y="609353"/>
-                      <a:pt x="2273300" y="528073"/>
-                    </a:cubicBezTo>
-                    <a:cubicBezTo>
-                      <a:pt x="2383790" y="446793"/>
-                      <a:pt x="2526030" y="501403"/>
-                      <a:pt x="2646680" y="421393"/>
-                    </a:cubicBezTo>
-                    <a:cubicBezTo>
-                      <a:pt x="2767330" y="341383"/>
-                      <a:pt x="2877820" y="-153917"/>
-                      <a:pt x="2997200" y="48013"/>
-                    </a:cubicBezTo>
-                    <a:cubicBezTo>
-                      <a:pt x="3116580" y="249943"/>
-                      <a:pt x="3235960" y="868386"/>
-                      <a:pt x="3359150" y="1559901"/>
-                    </a:cubicBezTo>
-                  </a:path>
-                </a:pathLst>
-              </a:custGeom>
-              <a:ln w="19050" cap="flat" cmpd="sng" algn="ctr">
-                <a:solidFill>
-                  <a:schemeClr val="accent3"/>
-                </a:solidFill>
-                <a:prstDash val="dash"/>
-                <a:round/>
-                <a:headEnd type="none" w="med" len="med"/>
-                <a:tailEnd type="none" w="med" len="med"/>
-              </a:ln>
-            </p:spPr>
-            <p:style>
-              <a:lnRef idx="0">
-                <a:scrgbClr r="0" g="0" b="0"/>
-              </a:lnRef>
-              <a:fillRef idx="0">
-                <a:scrgbClr r="0" g="0" b="0"/>
-              </a:fillRef>
-              <a:effectRef idx="0">
-                <a:scrgbClr r="0" g="0" b="0"/>
-              </a:effectRef>
-              <a:fontRef idx="minor">
-                <a:schemeClr val="tx1"/>
-              </a:fontRef>
-            </p:style>
-            <p:txBody>
-              <a:bodyPr rtlCol="0" anchor="ctr"/>
-              <a:lstStyle/>
-              <a:p>
-                <a:pPr algn="ctr"/>
-                <a:endParaRPr lang="en-US"/>
-              </a:p>
-            </p:txBody>
-          </p:sp>
-          <p:sp>
-            <p:nvSpPr>
-              <p:cNvPr id="45" name="Textfeld 44">
-                <a:extLst>
-                  <a:ext uri="{FF2B5EF4-FFF2-40B4-BE49-F238E27FC236}">
-                    <a16:creationId xmlns:a16="http://schemas.microsoft.com/office/drawing/2014/main" id="{230378A4-FC8F-F74B-D155-787684144B6F}"/>
-                  </a:ext>
-                </a:extLst>
-              </p:cNvPr>
-              <p:cNvSpPr txBox="1"/>
-              <p:nvPr/>
-            </p:nvSpPr>
-            <p:spPr>
-              <a:xfrm>
-                <a:off x="1892960" y="2683203"/>
-                <a:ext cx="1736171" cy="348134"/>
-              </a:xfrm>
-              <a:prstGeom prst="rect">
-                <a:avLst/>
-              </a:prstGeom>
-              <a:noFill/>
-            </p:spPr>
-            <p:txBody>
-              <a:bodyPr wrap="none" lIns="0" tIns="0" rIns="0" bIns="0" rtlCol="0">
-                <a:noAutofit/>
-              </a:bodyPr>
-              <a:lstStyle/>
-              <a:p>
-                <a:pPr marR="0" defTabSz="914400" eaLnBrk="1" fontAlgn="auto" latinLnBrk="0" hangingPunct="1">
-                  <a:lnSpc>
-                    <a:spcPts val="2300"/>
-                  </a:lnSpc>
-                  <a:spcBef>
-                    <a:spcPts val="500"/>
-                  </a:spcBef>
-                  <a:spcAft>
-                    <a:spcPts val="0"/>
-                  </a:spcAft>
-                  <a:buClrTx/>
-                  <a:buSzTx/>
-                  <a:buFontTx/>
-                  <a:buNone/>
-                  <a:tabLst/>
-                </a:pPr>
-                <a:r>
-                  <a:rPr lang="de-DE" sz="1000" b="1" kern="0" dirty="0">
-                    <a:solidFill>
-                      <a:srgbClr val="000000"/>
-                    </a:solidFill>
-                  </a:rPr>
-                  <a:t>Data Base = </a:t>
-                </a:r>
-                <a:r>
-                  <a:rPr lang="de-DE" sz="1000" b="1" kern="0" dirty="0" err="1">
-                    <a:solidFill>
-                      <a:srgbClr val="000000"/>
-                    </a:solidFill>
-                  </a:rPr>
-                  <a:t>History</a:t>
-                </a:r>
-                <a:r>
-                  <a:rPr lang="de-DE" sz="1000" b="1" kern="0" dirty="0">
-                    <a:solidFill>
-                      <a:srgbClr val="000000"/>
-                    </a:solidFill>
-                  </a:rPr>
-                  <a:t> &gt; Year</a:t>
-                </a:r>
-                <a:endParaRPr kumimoji="0" lang="en-US" sz="1000" b="1" i="0" u="none" strike="noStrike" kern="0" cap="none" spc="0" normalizeH="0" baseline="0" noProof="0" dirty="0">
-                  <a:solidFill>
-                    <a:srgbClr val="000000"/>
-                  </a:solidFill>
-                  <a:effectLst/>
-                  <a:uLnTx/>
-                  <a:uFillTx/>
-                </a:endParaRPr>
-              </a:p>
-            </p:txBody>
-          </p:sp>
-        </p:grpSp>
-        <p:sp>
-          <p:nvSpPr>
-            <p:cNvPr id="48" name="Geschweifte Klammer rechts 47">
-              <a:extLst>
-                <a:ext uri="{FF2B5EF4-FFF2-40B4-BE49-F238E27FC236}">
-                  <a16:creationId xmlns:a16="http://schemas.microsoft.com/office/drawing/2014/main" id="{29975C52-6847-28BA-596C-16470394A78C}"/>
-                </a:ext>
-              </a:extLst>
-            </p:cNvPr>
-            <p:cNvSpPr/>
-            <p:nvPr/>
-          </p:nvSpPr>
-          <p:spPr>
-            <a:xfrm rot="5400000">
-              <a:off x="2444233" y="1934018"/>
-              <a:ext cx="348133" cy="2302578"/>
-            </a:xfrm>
-            <a:prstGeom prst="rightBrace">
-              <a:avLst>
-                <a:gd name="adj1" fmla="val 0"/>
-                <a:gd name="adj2" fmla="val 50000"/>
-              </a:avLst>
-            </a:prstGeom>
-          </p:spPr>
-          <p:style>
-            <a:lnRef idx="1">
-              <a:schemeClr val="accent1"/>
-            </a:lnRef>
-            <a:fillRef idx="0">
-              <a:schemeClr val="accent1"/>
-            </a:fillRef>
-            <a:effectRef idx="0">
-              <a:schemeClr val="accent1"/>
-            </a:effectRef>
-            <a:fontRef idx="minor">
-              <a:schemeClr val="tx1"/>
-            </a:fontRef>
-          </p:style>
-          <p:txBody>
-            <a:bodyPr rtlCol="0" anchor="ctr"/>
-            <a:lstStyle/>
-            <a:p>
-              <a:pPr algn="ctr"/>
-              <a:endParaRPr lang="en-US" dirty="0"/>
-            </a:p>
-          </p:txBody>
-        </p:sp>
-      </p:grpSp>
       <p:grpSp>
         <p:nvGrpSpPr>
           <p:cNvPr id="1062" name="Gruppieren 1061">
@@ -29438,10 +24810,10 @@
       </p:grpSp>
       <p:grpSp>
         <p:nvGrpSpPr>
-          <p:cNvPr id="1080" name="Gruppieren 1079">
+          <p:cNvPr id="5" name="Group 4">
             <a:extLst>
               <a:ext uri="{FF2B5EF4-FFF2-40B4-BE49-F238E27FC236}">
-                <a16:creationId xmlns:a16="http://schemas.microsoft.com/office/drawing/2014/main" id="{6E14010A-B98C-7231-6A42-24D76A55E513}"/>
+                <a16:creationId xmlns:a16="http://schemas.microsoft.com/office/drawing/2014/main" id="{AF65EB29-FFBD-A2D6-12F2-B97BD1FF6A28}"/>
               </a:ext>
             </a:extLst>
           </p:cNvPr>
@@ -29450,18 +24822,148 @@
         </p:nvGrpSpPr>
         <p:grpSpPr>
           <a:xfrm>
-            <a:off x="2200868" y="1306655"/>
-            <a:ext cx="3841578" cy="3942953"/>
-            <a:chOff x="2200868" y="1306655"/>
-            <a:chExt cx="3841578" cy="3942953"/>
+            <a:off x="4762266" y="644913"/>
+            <a:ext cx="6202893" cy="2849538"/>
+            <a:chOff x="4762266" y="644913"/>
+            <a:chExt cx="6202893" cy="2849538"/>
           </a:xfrm>
         </p:grpSpPr>
+        <p:sp>
+          <p:nvSpPr>
+            <p:cNvPr id="33" name="Freihandform: Form 32">
+              <a:extLst>
+                <a:ext uri="{FF2B5EF4-FFF2-40B4-BE49-F238E27FC236}">
+                  <a16:creationId xmlns:a16="http://schemas.microsoft.com/office/drawing/2014/main" id="{4E4D17DC-C4FD-7C1D-DBAB-CFAC88904A46}"/>
+                </a:ext>
+              </a:extLst>
+            </p:cNvPr>
+            <p:cNvSpPr/>
+            <p:nvPr/>
+          </p:nvSpPr>
+          <p:spPr>
+            <a:xfrm>
+              <a:off x="4820613" y="1069733"/>
+              <a:ext cx="1000833" cy="1627747"/>
+            </a:xfrm>
+            <a:custGeom>
+              <a:avLst/>
+              <a:gdLst>
+                <a:gd name="connsiteX0" fmla="*/ 0 w 947493"/>
+                <a:gd name="connsiteY0" fmla="*/ 1467727 h 1551547"/>
+                <a:gd name="connsiteX1" fmla="*/ 182880 w 947493"/>
+                <a:gd name="connsiteY1" fmla="*/ 1109587 h 1551547"/>
+                <a:gd name="connsiteX2" fmla="*/ 449580 w 947493"/>
+                <a:gd name="connsiteY2" fmla="*/ 766687 h 1551547"/>
+                <a:gd name="connsiteX3" fmla="*/ 662940 w 947493"/>
+                <a:gd name="connsiteY3" fmla="*/ 583807 h 1551547"/>
+                <a:gd name="connsiteX4" fmla="*/ 906780 w 947493"/>
+                <a:gd name="connsiteY4" fmla="*/ 27547 h 1551547"/>
+                <a:gd name="connsiteX5" fmla="*/ 944880 w 947493"/>
+                <a:gd name="connsiteY5" fmla="*/ 1551547 h 1551547"/>
+                <a:gd name="connsiteX0" fmla="*/ 0 w 1000833"/>
+                <a:gd name="connsiteY0" fmla="*/ 1627747 h 1627747"/>
+                <a:gd name="connsiteX1" fmla="*/ 236220 w 1000833"/>
+                <a:gd name="connsiteY1" fmla="*/ 1109587 h 1627747"/>
+                <a:gd name="connsiteX2" fmla="*/ 502920 w 1000833"/>
+                <a:gd name="connsiteY2" fmla="*/ 766687 h 1627747"/>
+                <a:gd name="connsiteX3" fmla="*/ 716280 w 1000833"/>
+                <a:gd name="connsiteY3" fmla="*/ 583807 h 1627747"/>
+                <a:gd name="connsiteX4" fmla="*/ 960120 w 1000833"/>
+                <a:gd name="connsiteY4" fmla="*/ 27547 h 1627747"/>
+                <a:gd name="connsiteX5" fmla="*/ 998220 w 1000833"/>
+                <a:gd name="connsiteY5" fmla="*/ 1551547 h 1627747"/>
+                <a:gd name="connsiteX0" fmla="*/ 0 w 1000833"/>
+                <a:gd name="connsiteY0" fmla="*/ 1627747 h 1627747"/>
+                <a:gd name="connsiteX1" fmla="*/ 236220 w 1000833"/>
+                <a:gd name="connsiteY1" fmla="*/ 1109587 h 1627747"/>
+                <a:gd name="connsiteX2" fmla="*/ 502920 w 1000833"/>
+                <a:gd name="connsiteY2" fmla="*/ 766687 h 1627747"/>
+                <a:gd name="connsiteX3" fmla="*/ 716280 w 1000833"/>
+                <a:gd name="connsiteY3" fmla="*/ 583807 h 1627747"/>
+                <a:gd name="connsiteX4" fmla="*/ 960120 w 1000833"/>
+                <a:gd name="connsiteY4" fmla="*/ 27547 h 1627747"/>
+                <a:gd name="connsiteX5" fmla="*/ 998220 w 1000833"/>
+                <a:gd name="connsiteY5" fmla="*/ 1612507 h 1627747"/>
+              </a:gdLst>
+              <a:ahLst/>
+              <a:cxnLst>
+                <a:cxn ang="0">
+                  <a:pos x="connsiteX0" y="connsiteY0"/>
+                </a:cxn>
+                <a:cxn ang="0">
+                  <a:pos x="connsiteX1" y="connsiteY1"/>
+                </a:cxn>
+                <a:cxn ang="0">
+                  <a:pos x="connsiteX2" y="connsiteY2"/>
+                </a:cxn>
+                <a:cxn ang="0">
+                  <a:pos x="connsiteX3" y="connsiteY3"/>
+                </a:cxn>
+                <a:cxn ang="0">
+                  <a:pos x="connsiteX4" y="connsiteY4"/>
+                </a:cxn>
+                <a:cxn ang="0">
+                  <a:pos x="connsiteX5" y="connsiteY5"/>
+                </a:cxn>
+              </a:cxnLst>
+              <a:rect l="l" t="t" r="r" b="b"/>
+              <a:pathLst>
+                <a:path w="1000833" h="1627747">
+                  <a:moveTo>
+                    <a:pt x="0" y="1627747"/>
+                  </a:moveTo>
+                  <a:cubicBezTo>
+                    <a:pt x="53975" y="1507097"/>
+                    <a:pt x="152400" y="1253097"/>
+                    <a:pt x="236220" y="1109587"/>
+                  </a:cubicBezTo>
+                  <a:cubicBezTo>
+                    <a:pt x="320040" y="966077"/>
+                    <a:pt x="422910" y="854317"/>
+                    <a:pt x="502920" y="766687"/>
+                  </a:cubicBezTo>
+                  <a:cubicBezTo>
+                    <a:pt x="582930" y="679057"/>
+                    <a:pt x="640080" y="706997"/>
+                    <a:pt x="716280" y="583807"/>
+                  </a:cubicBezTo>
+                  <a:cubicBezTo>
+                    <a:pt x="792480" y="460617"/>
+                    <a:pt x="913130" y="-133743"/>
+                    <a:pt x="960120" y="27547"/>
+                  </a:cubicBezTo>
+                  <a:cubicBezTo>
+                    <a:pt x="1007110" y="188837"/>
+                    <a:pt x="1002665" y="931152"/>
+                    <a:pt x="998220" y="1612507"/>
+                  </a:cubicBezTo>
+                </a:path>
+              </a:pathLst>
+            </a:custGeom>
+            <a:noFill/>
+            <a:ln w="9525" cap="flat" cmpd="sng" algn="ctr">
+              <a:solidFill>
+                <a:srgbClr val="00B050"/>
+              </a:solidFill>
+              <a:prstDash val="solid"/>
+            </a:ln>
+            <a:effectLst/>
+          </p:spPr>
+          <p:txBody>
+            <a:bodyPr rtlCol="0" anchor="ctr"/>
+            <a:lstStyle/>
+            <a:p>
+              <a:pPr algn="ctr"/>
+              <a:endParaRPr lang="en-US"/>
+            </a:p>
+          </p:txBody>
+        </p:sp>
         <p:grpSp>
           <p:nvGrpSpPr>
-            <p:cNvPr id="1063" name="Gruppieren 1062">
+            <p:cNvPr id="1064" name="Gruppieren 1063">
               <a:extLst>
                 <a:ext uri="{FF2B5EF4-FFF2-40B4-BE49-F238E27FC236}">
-                  <a16:creationId xmlns:a16="http://schemas.microsoft.com/office/drawing/2014/main" id="{AA3DF2BD-7410-2508-A1FE-C65BDF3D37D0}"/>
+                  <a16:creationId xmlns:a16="http://schemas.microsoft.com/office/drawing/2014/main" id="{16FABED9-35CF-1F8E-46A5-3547EAECB0E5}"/>
                 </a:ext>
               </a:extLst>
             </p:cNvPr>
@@ -29470,18 +24972,208 @@
           </p:nvGrpSpPr>
           <p:grpSpPr>
             <a:xfrm>
-              <a:off x="2200868" y="1306655"/>
-              <a:ext cx="3841578" cy="3858657"/>
-              <a:chOff x="2204758" y="1307684"/>
-              <a:chExt cx="3841578" cy="3858657"/>
+              <a:off x="4762266" y="644913"/>
+              <a:ext cx="6202893" cy="2849538"/>
+              <a:chOff x="4762266" y="644913"/>
+              <a:chExt cx="6202893" cy="2849538"/>
             </a:xfrm>
           </p:grpSpPr>
+          <p:sp>
+            <p:nvSpPr>
+              <p:cNvPr id="27" name="Textfeld 26">
+                <a:extLst>
+                  <a:ext uri="{FF2B5EF4-FFF2-40B4-BE49-F238E27FC236}">
+                    <a16:creationId xmlns:a16="http://schemas.microsoft.com/office/drawing/2014/main" id="{4912BC55-9C57-76DC-BD2D-4DF511165EEF}"/>
+                  </a:ext>
+                </a:extLst>
+              </p:cNvPr>
+              <p:cNvSpPr txBox="1"/>
+              <p:nvPr/>
+            </p:nvSpPr>
+            <p:spPr>
+              <a:xfrm>
+                <a:off x="7769307" y="785539"/>
+                <a:ext cx="2792012" cy="273642"/>
+              </a:xfrm>
+              <a:prstGeom prst="rect">
+                <a:avLst/>
+              </a:prstGeom>
+              <a:noFill/>
+            </p:spPr>
+            <p:txBody>
+              <a:bodyPr wrap="none" lIns="0" tIns="0" rIns="0" bIns="0" rtlCol="0">
+                <a:noAutofit/>
+              </a:bodyPr>
+              <a:lstStyle/>
+              <a:p>
+                <a:pPr marR="0" defTabSz="914400" eaLnBrk="1" fontAlgn="auto" latinLnBrk="0" hangingPunct="1">
+                  <a:lnSpc>
+                    <a:spcPts val="2300"/>
+                  </a:lnSpc>
+                  <a:spcBef>
+                    <a:spcPts val="500"/>
+                  </a:spcBef>
+                  <a:spcAft>
+                    <a:spcPts val="0"/>
+                  </a:spcAft>
+                  <a:buClrTx/>
+                  <a:buSzTx/>
+                  <a:buFontTx/>
+                  <a:buNone/>
+                  <a:tabLst/>
+                </a:pPr>
+                <a:r>
+                  <a:rPr lang="en-US" dirty="0">
+                    <a:solidFill>
+                      <a:srgbClr val="FF0000"/>
+                    </a:solidFill>
+                  </a:rPr>
+                  <a:t>PLC Condition = Threshold</a:t>
+                </a:r>
+                <a:endParaRPr kumimoji="0" lang="en-US" sz="1800" b="0" i="0" u="none" strike="noStrike" kern="0" cap="none" spc="0" normalizeH="0" baseline="0" noProof="0" dirty="0">
+                  <a:ln>
+                    <a:noFill/>
+                  </a:ln>
+                  <a:solidFill>
+                    <a:srgbClr val="FF0000"/>
+                  </a:solidFill>
+                  <a:effectLst/>
+                  <a:uLnTx/>
+                  <a:uFillTx/>
+                </a:endParaRPr>
+              </a:p>
+            </p:txBody>
+          </p:sp>
+          <p:sp>
+            <p:nvSpPr>
+              <p:cNvPr id="35" name="Geschweifte Klammer rechts 34">
+                <a:extLst>
+                  <a:ext uri="{FF2B5EF4-FFF2-40B4-BE49-F238E27FC236}">
+                    <a16:creationId xmlns:a16="http://schemas.microsoft.com/office/drawing/2014/main" id="{B9FDEF9B-DFD2-4E3C-61D0-3AD43C8E30AF}"/>
+                  </a:ext>
+                </a:extLst>
+              </p:cNvPr>
+              <p:cNvSpPr/>
+              <p:nvPr/>
+            </p:nvSpPr>
+            <p:spPr>
+              <a:xfrm rot="5400000">
+                <a:off x="5240946" y="2552973"/>
+                <a:ext cx="160166" cy="1000833"/>
+              </a:xfrm>
+              <a:prstGeom prst="rightBrace">
+                <a:avLst>
+                  <a:gd name="adj1" fmla="val 0"/>
+                  <a:gd name="adj2" fmla="val 50000"/>
+                </a:avLst>
+              </a:prstGeom>
+            </p:spPr>
+            <p:style>
+              <a:lnRef idx="1">
+                <a:schemeClr val="accent1"/>
+              </a:lnRef>
+              <a:fillRef idx="0">
+                <a:schemeClr val="accent1"/>
+              </a:fillRef>
+              <a:effectRef idx="0">
+                <a:schemeClr val="accent1"/>
+              </a:effectRef>
+              <a:fontRef idx="minor">
+                <a:schemeClr val="tx1"/>
+              </a:fontRef>
+            </p:style>
+            <p:txBody>
+              <a:bodyPr rtlCol="0" anchor="ctr"/>
+              <a:lstStyle/>
+              <a:p>
+                <a:pPr algn="ctr"/>
+                <a:endParaRPr lang="en-US"/>
+              </a:p>
+            </p:txBody>
+          </p:sp>
+          <p:sp>
+            <p:nvSpPr>
+              <p:cNvPr id="36" name="Textfeld 35">
+                <a:extLst>
+                  <a:ext uri="{FF2B5EF4-FFF2-40B4-BE49-F238E27FC236}">
+                    <a16:creationId xmlns:a16="http://schemas.microsoft.com/office/drawing/2014/main" id="{EDAE22A6-D2DF-92D7-E90B-76665CD68DD3}"/>
+                  </a:ext>
+                </a:extLst>
+              </p:cNvPr>
+              <p:cNvSpPr txBox="1"/>
+              <p:nvPr/>
+            </p:nvSpPr>
+            <p:spPr>
+              <a:xfrm>
+                <a:off x="5073379" y="3085306"/>
+                <a:ext cx="495300" cy="348134"/>
+              </a:xfrm>
+              <a:prstGeom prst="rect">
+                <a:avLst/>
+              </a:prstGeom>
+              <a:noFill/>
+            </p:spPr>
+            <p:txBody>
+              <a:bodyPr wrap="none" lIns="0" tIns="0" rIns="0" bIns="0" rtlCol="0">
+                <a:noAutofit/>
+              </a:bodyPr>
+              <a:lstStyle/>
+              <a:p>
+                <a:pPr marR="0" algn="ctr" defTabSz="914400" eaLnBrk="1" fontAlgn="auto" latinLnBrk="0" hangingPunct="1">
+                  <a:lnSpc>
+                    <a:spcPts val="2300"/>
+                  </a:lnSpc>
+                  <a:spcBef>
+                    <a:spcPts val="500"/>
+                  </a:spcBef>
+                  <a:spcAft>
+                    <a:spcPts val="0"/>
+                  </a:spcAft>
+                  <a:buClrTx/>
+                  <a:buSzTx/>
+                  <a:buFontTx/>
+                  <a:buNone/>
+                  <a:tabLst/>
+                </a:pPr>
+                <a:r>
+                  <a:rPr kumimoji="0" lang="de-DE" sz="1000" b="0" i="0" u="none" strike="noStrike" kern="0" cap="none" spc="0" normalizeH="0" baseline="0" noProof="0" dirty="0">
+                    <a:solidFill>
+                      <a:srgbClr val="000000"/>
+                    </a:solidFill>
+                    <a:effectLst/>
+                    <a:uLnTx/>
+                    <a:uFillTx/>
+                  </a:rPr>
+                  <a:t>T/2= 30 </a:t>
+                </a:r>
+                <a:r>
+                  <a:rPr kumimoji="0" lang="de-DE" sz="1000" b="0" i="0" u="none" strike="noStrike" kern="0" cap="none" spc="0" normalizeH="0" baseline="0" noProof="0" dirty="0" err="1">
+                    <a:solidFill>
+                      <a:srgbClr val="000000"/>
+                    </a:solidFill>
+                    <a:effectLst/>
+                    <a:uLnTx/>
+                    <a:uFillTx/>
+                  </a:rPr>
+                  <a:t>days</a:t>
+                </a:r>
+                <a:endParaRPr kumimoji="0" lang="en-US" sz="1000" b="0" i="0" u="none" strike="noStrike" kern="0" cap="none" spc="0" normalizeH="0" baseline="0" noProof="0" dirty="0">
+                  <a:solidFill>
+                    <a:srgbClr val="000000"/>
+                  </a:solidFill>
+                  <a:effectLst/>
+                  <a:uLnTx/>
+                  <a:uFillTx/>
+                </a:endParaRPr>
+              </a:p>
+            </p:txBody>
+          </p:sp>
           <p:grpSp>
             <p:nvGrpSpPr>
-              <p:cNvPr id="1031" name="Gruppieren 1030">
+              <p:cNvPr id="42" name="Gruppieren 41">
                 <a:extLst>
                   <a:ext uri="{FF2B5EF4-FFF2-40B4-BE49-F238E27FC236}">
-                    <a16:creationId xmlns:a16="http://schemas.microsoft.com/office/drawing/2014/main" id="{B3838F09-DEDF-2509-1813-F36976203385}"/>
+                    <a16:creationId xmlns:a16="http://schemas.microsoft.com/office/drawing/2014/main" id="{D69AA990-12FF-4E4E-6EF8-413FD5EBBAC6}"/>
                   </a:ext>
                 </a:extLst>
               </p:cNvPr>
@@ -29490,679 +25182,18 @@
             </p:nvGrpSpPr>
             <p:grpSpPr>
               <a:xfrm>
-                <a:off x="5070802" y="1307684"/>
-                <a:ext cx="628960" cy="1368795"/>
-                <a:chOff x="5056833" y="1304544"/>
-                <a:chExt cx="628960" cy="1368795"/>
+                <a:off x="4762266" y="644913"/>
+                <a:ext cx="6202893" cy="2849538"/>
+                <a:chOff x="4762266" y="644913"/>
+                <a:chExt cx="6202893" cy="2849538"/>
               </a:xfrm>
             </p:grpSpPr>
-            <p:cxnSp>
-              <p:nvCxnSpPr>
-                <p:cNvPr id="56" name="Gerader Verbinder 55">
+            <p:grpSp>
+              <p:nvGrpSpPr>
+                <p:cNvPr id="31" name="Gruppieren 30">
                   <a:extLst>
                     <a:ext uri="{FF2B5EF4-FFF2-40B4-BE49-F238E27FC236}">
-                      <a16:creationId xmlns:a16="http://schemas.microsoft.com/office/drawing/2014/main" id="{B86013D5-C8A0-A642-5785-A6F28FA78229}"/>
-                    </a:ext>
-                  </a:extLst>
-                </p:cNvPr>
-                <p:cNvCxnSpPr>
-                  <a:cxnSpLocks/>
-                  <a:endCxn id="33" idx="1"/>
-                </p:cNvCxnSpPr>
-                <p:nvPr/>
-              </p:nvCxnSpPr>
-              <p:spPr>
-                <a:xfrm flipH="1" flipV="1">
-                  <a:off x="5056833" y="2179320"/>
-                  <a:ext cx="384" cy="494019"/>
-                </a:xfrm>
-                <a:prstGeom prst="line">
-                  <a:avLst/>
-                </a:prstGeom>
-                <a:ln>
-                  <a:solidFill>
-                    <a:srgbClr val="00B050"/>
-                  </a:solidFill>
-                </a:ln>
-              </p:spPr>
-              <p:style>
-                <a:lnRef idx="1">
-                  <a:schemeClr val="accent1"/>
-                </a:lnRef>
-                <a:fillRef idx="0">
-                  <a:schemeClr val="accent1"/>
-                </a:fillRef>
-                <a:effectRef idx="0">
-                  <a:schemeClr val="accent1"/>
-                </a:effectRef>
-                <a:fontRef idx="minor">
-                  <a:schemeClr val="tx1"/>
-                </a:fontRef>
-              </p:style>
-            </p:cxnSp>
-            <p:cxnSp>
-              <p:nvCxnSpPr>
-                <p:cNvPr id="60" name="Gerader Verbinder 59">
-                  <a:extLst>
-                    <a:ext uri="{FF2B5EF4-FFF2-40B4-BE49-F238E27FC236}">
-                      <a16:creationId xmlns:a16="http://schemas.microsoft.com/office/drawing/2014/main" id="{193112BF-9169-558B-217B-0AF32C6AD3CA}"/>
-                    </a:ext>
-                  </a:extLst>
-                </p:cNvPr>
-                <p:cNvCxnSpPr/>
-                <p:nvPr/>
-              </p:nvCxnSpPr>
-              <p:spPr>
-                <a:xfrm flipV="1">
-                  <a:off x="5219466" y="1982132"/>
-                  <a:ext cx="0" cy="691207"/>
-                </a:xfrm>
-                <a:prstGeom prst="line">
-                  <a:avLst/>
-                </a:prstGeom>
-                <a:ln>
-                  <a:solidFill>
-                    <a:srgbClr val="00B050"/>
-                  </a:solidFill>
-                </a:ln>
-              </p:spPr>
-              <p:style>
-                <a:lnRef idx="1">
-                  <a:schemeClr val="accent1"/>
-                </a:lnRef>
-                <a:fillRef idx="0">
-                  <a:schemeClr val="accent1"/>
-                </a:fillRef>
-                <a:effectRef idx="0">
-                  <a:schemeClr val="accent1"/>
-                </a:effectRef>
-                <a:fontRef idx="minor">
-                  <a:schemeClr val="tx1"/>
-                </a:fontRef>
-              </p:style>
-            </p:cxnSp>
-            <p:cxnSp>
-              <p:nvCxnSpPr>
-                <p:cNvPr id="61" name="Gerader Verbinder 60">
-                  <a:extLst>
-                    <a:ext uri="{FF2B5EF4-FFF2-40B4-BE49-F238E27FC236}">
-                      <a16:creationId xmlns:a16="http://schemas.microsoft.com/office/drawing/2014/main" id="{1EEC275F-6360-3A41-F395-3B096B83FCC3}"/>
-                    </a:ext>
-                  </a:extLst>
-                </p:cNvPr>
-                <p:cNvCxnSpPr>
-                  <a:cxnSpLocks/>
-                </p:cNvCxnSpPr>
-                <p:nvPr/>
-              </p:nvCxnSpPr>
-              <p:spPr>
-                <a:xfrm flipV="1">
-                  <a:off x="5371866" y="1883606"/>
-                  <a:ext cx="0" cy="761291"/>
-                </a:xfrm>
-                <a:prstGeom prst="line">
-                  <a:avLst/>
-                </a:prstGeom>
-                <a:ln>
-                  <a:solidFill>
-                    <a:srgbClr val="00B050"/>
-                  </a:solidFill>
-                </a:ln>
-              </p:spPr>
-              <p:style>
-                <a:lnRef idx="1">
-                  <a:schemeClr val="accent1"/>
-                </a:lnRef>
-                <a:fillRef idx="0">
-                  <a:schemeClr val="accent1"/>
-                </a:fillRef>
-                <a:effectRef idx="0">
-                  <a:schemeClr val="accent1"/>
-                </a:effectRef>
-                <a:fontRef idx="minor">
-                  <a:schemeClr val="tx1"/>
-                </a:fontRef>
-              </p:style>
-            </p:cxnSp>
-            <p:cxnSp>
-              <p:nvCxnSpPr>
-                <p:cNvPr id="1024" name="Gerader Verbinder 1023">
-                  <a:extLst>
-                    <a:ext uri="{FF2B5EF4-FFF2-40B4-BE49-F238E27FC236}">
-                      <a16:creationId xmlns:a16="http://schemas.microsoft.com/office/drawing/2014/main" id="{E4C5F8BC-7EA9-A73A-7730-5A08AE544D69}"/>
-                    </a:ext>
-                  </a:extLst>
-                </p:cNvPr>
-                <p:cNvCxnSpPr>
-                  <a:cxnSpLocks/>
-                </p:cNvCxnSpPr>
-                <p:nvPr/>
-              </p:nvCxnSpPr>
-              <p:spPr>
-                <a:xfrm flipV="1">
-                  <a:off x="5532103" y="1821180"/>
-                  <a:ext cx="0" cy="823716"/>
-                </a:xfrm>
-                <a:prstGeom prst="line">
-                  <a:avLst/>
-                </a:prstGeom>
-                <a:ln>
-                  <a:solidFill>
-                    <a:srgbClr val="00B050"/>
-                  </a:solidFill>
-                </a:ln>
-              </p:spPr>
-              <p:style>
-                <a:lnRef idx="1">
-                  <a:schemeClr val="accent1"/>
-                </a:lnRef>
-                <a:fillRef idx="0">
-                  <a:schemeClr val="accent1"/>
-                </a:fillRef>
-                <a:effectRef idx="0">
-                  <a:schemeClr val="accent1"/>
-                </a:effectRef>
-                <a:fontRef idx="minor">
-                  <a:schemeClr val="tx1"/>
-                </a:fontRef>
-              </p:style>
-            </p:cxnSp>
-            <p:cxnSp>
-              <p:nvCxnSpPr>
-                <p:cNvPr id="1027" name="Gerader Verbinder 1026">
-                  <a:extLst>
-                    <a:ext uri="{FF2B5EF4-FFF2-40B4-BE49-F238E27FC236}">
-                      <a16:creationId xmlns:a16="http://schemas.microsoft.com/office/drawing/2014/main" id="{D492A4AA-1071-E8B0-9E7A-752AD20E6C2C}"/>
-                    </a:ext>
-                  </a:extLst>
-                </p:cNvPr>
-                <p:cNvCxnSpPr>
-                  <a:cxnSpLocks/>
-                </p:cNvCxnSpPr>
-                <p:nvPr/>
-              </p:nvCxnSpPr>
-              <p:spPr>
-                <a:xfrm flipV="1">
-                  <a:off x="5685793" y="1304544"/>
-                  <a:ext cx="0" cy="1340352"/>
-                </a:xfrm>
-                <a:prstGeom prst="line">
-                  <a:avLst/>
-                </a:prstGeom>
-                <a:ln>
-                  <a:solidFill>
-                    <a:srgbClr val="00B050"/>
-                  </a:solidFill>
-                </a:ln>
-              </p:spPr>
-              <p:style>
-                <a:lnRef idx="1">
-                  <a:schemeClr val="accent1"/>
-                </a:lnRef>
-                <a:fillRef idx="0">
-                  <a:schemeClr val="accent1"/>
-                </a:fillRef>
-                <a:effectRef idx="0">
-                  <a:schemeClr val="accent1"/>
-                </a:effectRef>
-                <a:fontRef idx="minor">
-                  <a:schemeClr val="tx1"/>
-                </a:fontRef>
-              </p:style>
-            </p:cxnSp>
-          </p:grpSp>
-          <p:grpSp>
-            <p:nvGrpSpPr>
-              <p:cNvPr id="1061" name="Gruppieren 1060">
-                <a:extLst>
-                  <a:ext uri="{FF2B5EF4-FFF2-40B4-BE49-F238E27FC236}">
-                    <a16:creationId xmlns:a16="http://schemas.microsoft.com/office/drawing/2014/main" id="{D353EEB3-3532-F4A4-A439-CBC6E81D765B}"/>
-                  </a:ext>
-                </a:extLst>
-              </p:cNvPr>
-              <p:cNvGrpSpPr/>
-              <p:nvPr/>
-            </p:nvGrpSpPr>
-            <p:grpSpPr>
-              <a:xfrm>
-                <a:off x="2204758" y="3259373"/>
-                <a:ext cx="3841578" cy="1906968"/>
-                <a:chOff x="2204758" y="3259373"/>
-                <a:chExt cx="3841578" cy="1906968"/>
-              </a:xfrm>
-            </p:grpSpPr>
-            <p:sp>
-              <p:nvSpPr>
-                <p:cNvPr id="50" name="Textfeld 49">
-                  <a:extLst>
-                    <a:ext uri="{FF2B5EF4-FFF2-40B4-BE49-F238E27FC236}">
-                      <a16:creationId xmlns:a16="http://schemas.microsoft.com/office/drawing/2014/main" id="{046BB9F8-1E70-AE9A-6CC1-92C09E6E392A}"/>
-                    </a:ext>
-                  </a:extLst>
-                </p:cNvPr>
-                <p:cNvSpPr txBox="1"/>
-                <p:nvPr/>
-              </p:nvSpPr>
-              <p:spPr>
-                <a:xfrm>
-                  <a:off x="2204758" y="3320384"/>
-                  <a:ext cx="914400" cy="326821"/>
-                </a:xfrm>
-                <a:prstGeom prst="rect">
-                  <a:avLst/>
-                </a:prstGeom>
-                <a:solidFill>
-                  <a:schemeClr val="accent1">
-                    <a:lumMod val="50000"/>
-                    <a:lumOff val="50000"/>
-                  </a:schemeClr>
-                </a:solidFill>
-                <a:ln>
-                  <a:noFill/>
-                </a:ln>
-              </p:spPr>
-              <p:txBody>
-                <a:bodyPr wrap="none" lIns="0" tIns="0" rIns="0" bIns="0" rtlCol="0">
-                  <a:noAutofit/>
-                </a:bodyPr>
-                <a:lstStyle/>
-                <a:p>
-                  <a:pPr marR="0" algn="ctr" defTabSz="914400" eaLnBrk="1" fontAlgn="auto" latinLnBrk="0" hangingPunct="1">
-                    <a:lnSpc>
-                      <a:spcPts val="2300"/>
-                    </a:lnSpc>
-                    <a:spcBef>
-                      <a:spcPts val="500"/>
-                    </a:spcBef>
-                    <a:spcAft>
-                      <a:spcPts val="0"/>
-                    </a:spcAft>
-                    <a:buClrTx/>
-                    <a:buSzTx/>
-                    <a:buFontTx/>
-                    <a:buNone/>
-                    <a:tabLst/>
-                  </a:pPr>
-                  <a:r>
-                    <a:rPr kumimoji="0" lang="de-DE" sz="1600" b="0" i="0" u="none" strike="noStrike" kern="0" cap="none" spc="0" normalizeH="0" baseline="0" noProof="0" dirty="0">
-                      <a:ln>
-                        <a:noFill/>
-                      </a:ln>
-                      <a:solidFill>
-                        <a:schemeClr val="accent4">
-                          <a:lumMod val="20000"/>
-                          <a:lumOff val="80000"/>
-                        </a:schemeClr>
-                      </a:solidFill>
-                      <a:effectLst/>
-                      <a:uLnTx/>
-                      <a:uFillTx/>
-                    </a:rPr>
-                    <a:t>AI Model</a:t>
-                  </a:r>
-                  <a:endParaRPr kumimoji="0" lang="en-US" sz="1600" b="0" i="0" u="none" strike="noStrike" kern="0" cap="none" spc="0" normalizeH="0" baseline="0" noProof="0" dirty="0">
-                    <a:ln>
-                      <a:noFill/>
-                    </a:ln>
-                    <a:solidFill>
-                      <a:schemeClr val="accent4">
-                        <a:lumMod val="20000"/>
-                        <a:lumOff val="80000"/>
-                      </a:schemeClr>
-                    </a:solidFill>
-                    <a:effectLst/>
-                    <a:uLnTx/>
-                    <a:uFillTx/>
-                  </a:endParaRPr>
-                </a:p>
-              </p:txBody>
-            </p:sp>
-            <p:cxnSp>
-              <p:nvCxnSpPr>
-                <p:cNvPr id="53" name="Verbinder: gewinkelt 52">
-                  <a:extLst>
-                    <a:ext uri="{FF2B5EF4-FFF2-40B4-BE49-F238E27FC236}">
-                      <a16:creationId xmlns:a16="http://schemas.microsoft.com/office/drawing/2014/main" id="{DC5A694B-A3DC-D9FB-2613-D638745CE69F}"/>
-                    </a:ext>
-                  </a:extLst>
-                </p:cNvPr>
-                <p:cNvCxnSpPr>
-                  <a:cxnSpLocks/>
-                  <a:stCxn id="36" idx="1"/>
-                  <a:endCxn id="50" idx="3"/>
-                </p:cNvCxnSpPr>
-                <p:nvPr/>
-              </p:nvCxnSpPr>
-              <p:spPr>
-                <a:xfrm rot="10800000" flipV="1">
-                  <a:off x="3119159" y="3259373"/>
-                  <a:ext cx="1954221" cy="224422"/>
-                </a:xfrm>
-                <a:prstGeom prst="bentConnector3">
-                  <a:avLst/>
-                </a:prstGeom>
-                <a:ln>
-                  <a:noFill/>
-                  <a:tailEnd type="triangle"/>
-                </a:ln>
-              </p:spPr>
-              <p:style>
-                <a:lnRef idx="1">
-                  <a:schemeClr val="accent1"/>
-                </a:lnRef>
-                <a:fillRef idx="0">
-                  <a:schemeClr val="accent1"/>
-                </a:fillRef>
-                <a:effectRef idx="0">
-                  <a:schemeClr val="accent1"/>
-                </a:effectRef>
-                <a:fontRef idx="minor">
-                  <a:schemeClr val="tx1"/>
-                </a:fontRef>
-              </p:style>
-            </p:cxnSp>
-            <p:cxnSp>
-              <p:nvCxnSpPr>
-                <p:cNvPr id="1036" name="Verbinder: gewinkelt 1035">
-                  <a:extLst>
-                    <a:ext uri="{FF2B5EF4-FFF2-40B4-BE49-F238E27FC236}">
-                      <a16:creationId xmlns:a16="http://schemas.microsoft.com/office/drawing/2014/main" id="{C7884F8D-45E8-7734-39D1-44FA56543A0F}"/>
-                    </a:ext>
-                  </a:extLst>
-                </p:cNvPr>
-                <p:cNvCxnSpPr>
-                  <a:cxnSpLocks/>
-                  <a:stCxn id="50" idx="2"/>
-                </p:cNvCxnSpPr>
-                <p:nvPr/>
-              </p:nvCxnSpPr>
-              <p:spPr>
-                <a:xfrm rot="16200000" flipH="1">
-                  <a:off x="2817173" y="3491990"/>
-                  <a:ext cx="372793" cy="683222"/>
-                </a:xfrm>
-                <a:prstGeom prst="bentConnector2">
-                  <a:avLst/>
-                </a:prstGeom>
-                <a:ln>
-                  <a:noFill/>
-                  <a:tailEnd type="triangle"/>
-                </a:ln>
-              </p:spPr>
-              <p:style>
-                <a:lnRef idx="1">
-                  <a:schemeClr val="accent1"/>
-                </a:lnRef>
-                <a:fillRef idx="0">
-                  <a:schemeClr val="accent1"/>
-                </a:fillRef>
-                <a:effectRef idx="0">
-                  <a:schemeClr val="accent1"/>
-                </a:effectRef>
-                <a:fontRef idx="minor">
-                  <a:schemeClr val="tx1"/>
-                </a:fontRef>
-              </p:style>
-            </p:cxnSp>
-            <p:sp>
-              <p:nvSpPr>
-                <p:cNvPr id="1039" name="Rechteck 1038">
-                  <a:extLst>
-                    <a:ext uri="{FF2B5EF4-FFF2-40B4-BE49-F238E27FC236}">
-                      <a16:creationId xmlns:a16="http://schemas.microsoft.com/office/drawing/2014/main" id="{9FF56A08-C401-10E0-3FCE-B52256A55373}"/>
-                    </a:ext>
-                  </a:extLst>
-                </p:cNvPr>
-                <p:cNvSpPr/>
-                <p:nvPr/>
-              </p:nvSpPr>
-              <p:spPr>
-                <a:xfrm>
-                  <a:off x="3345181" y="3815232"/>
-                  <a:ext cx="1623059" cy="467207"/>
-                </a:xfrm>
-                <a:prstGeom prst="rect">
-                  <a:avLst/>
-                </a:prstGeom>
-                <a:solidFill>
-                  <a:schemeClr val="accent1">
-                    <a:lumMod val="10000"/>
-                    <a:lumOff val="90000"/>
-                  </a:schemeClr>
-                </a:solidFill>
-                <a:ln w="9525" cap="flat" cmpd="sng" algn="ctr">
-                  <a:noFill/>
-                  <a:prstDash val="solid"/>
-                </a:ln>
-                <a:effectLst/>
-              </p:spPr>
-              <p:txBody>
-                <a:bodyPr rtlCol="0" anchor="ctr"/>
-                <a:lstStyle/>
-                <a:p>
-                  <a:pPr marL="0" marR="0" indent="0" algn="ctr" defTabSz="914400" eaLnBrk="1" fontAlgn="auto" latinLnBrk="0" hangingPunct="1">
-                    <a:lnSpc>
-                      <a:spcPct val="100000"/>
-                    </a:lnSpc>
-                    <a:spcBef>
-                      <a:spcPts val="0"/>
-                    </a:spcBef>
-                    <a:spcAft>
-                      <a:spcPts val="0"/>
-                    </a:spcAft>
-                    <a:buClrTx/>
-                    <a:buSzTx/>
-                    <a:buFontTx/>
-                    <a:buNone/>
-                    <a:tabLst/>
-                  </a:pPr>
-                  <a:r>
-                    <a:rPr kumimoji="0" lang="de-DE" sz="1400" b="0" i="0" u="none" strike="noStrike" kern="0" cap="none" spc="0" normalizeH="0" baseline="0" noProof="0" dirty="0" err="1">
-                      <a:ln>
-                        <a:noFill/>
-                      </a:ln>
-                      <a:solidFill>
-                        <a:schemeClr val="accent1">
-                          <a:lumMod val="90000"/>
-                          <a:lumOff val="10000"/>
-                        </a:schemeClr>
-                      </a:solidFill>
-                      <a:effectLst/>
-                      <a:uLnTx/>
-                      <a:uFillTx/>
-                      <a:latin typeface="Bosch Office Sans"/>
-                      <a:ea typeface="+mn-ea"/>
-                      <a:cs typeface="+mn-cs"/>
-                    </a:rPr>
-                    <a:t>Anomaly</a:t>
-                  </a:r>
-                  <a:r>
-                    <a:rPr kumimoji="0" lang="de-DE" sz="1400" b="0" i="0" u="none" strike="noStrike" kern="0" cap="none" spc="0" normalizeH="0" baseline="0" noProof="0" dirty="0">
-                      <a:ln>
-                        <a:noFill/>
-                      </a:ln>
-                      <a:solidFill>
-                        <a:schemeClr val="accent1">
-                          <a:lumMod val="90000"/>
-                          <a:lumOff val="10000"/>
-                        </a:schemeClr>
-                      </a:solidFill>
-                      <a:effectLst/>
-                      <a:uLnTx/>
-                      <a:uFillTx/>
-                      <a:latin typeface="Bosch Office Sans"/>
-                      <a:ea typeface="+mn-ea"/>
-                      <a:cs typeface="+mn-cs"/>
-                    </a:rPr>
-                    <a:t> </a:t>
-                  </a:r>
-                  <a:r>
-                    <a:rPr kumimoji="0" lang="de-DE" sz="1400" b="0" i="0" u="none" strike="noStrike" kern="0" cap="none" spc="0" normalizeH="0" baseline="0" noProof="0" dirty="0" err="1">
-                      <a:ln>
-                        <a:noFill/>
-                      </a:ln>
-                      <a:solidFill>
-                        <a:schemeClr val="accent1">
-                          <a:lumMod val="90000"/>
-                          <a:lumOff val="10000"/>
-                        </a:schemeClr>
-                      </a:solidFill>
-                      <a:effectLst/>
-                      <a:uLnTx/>
-                      <a:uFillTx/>
-                      <a:latin typeface="Bosch Office Sans"/>
-                      <a:ea typeface="+mn-ea"/>
-                      <a:cs typeface="+mn-cs"/>
-                    </a:rPr>
-                    <a:t>Behavior</a:t>
-                  </a:r>
-                  <a:r>
-                    <a:rPr kumimoji="0" lang="de-DE" sz="1400" b="0" i="0" u="none" strike="noStrike" kern="0" cap="none" spc="0" normalizeH="0" baseline="0" noProof="0" dirty="0">
-                      <a:ln>
-                        <a:noFill/>
-                      </a:ln>
-                      <a:solidFill>
-                        <a:schemeClr val="accent1">
-                          <a:lumMod val="90000"/>
-                          <a:lumOff val="10000"/>
-                        </a:schemeClr>
-                      </a:solidFill>
-                      <a:effectLst/>
-                      <a:uLnTx/>
-                      <a:uFillTx/>
-                      <a:latin typeface="Bosch Office Sans"/>
-                      <a:ea typeface="+mn-ea"/>
-                      <a:cs typeface="+mn-cs"/>
-                    </a:rPr>
-                    <a:t> </a:t>
-                  </a:r>
-                  <a:endParaRPr kumimoji="0" lang="en-US" sz="1400" b="0" i="0" u="none" strike="noStrike" kern="0" cap="none" spc="0" normalizeH="0" baseline="0" noProof="0" dirty="0">
-                    <a:ln>
-                      <a:noFill/>
-                    </a:ln>
-                    <a:solidFill>
-                      <a:schemeClr val="accent1">
-                        <a:lumMod val="90000"/>
-                        <a:lumOff val="10000"/>
-                      </a:schemeClr>
-                    </a:solidFill>
-                    <a:effectLst/>
-                    <a:uLnTx/>
-                    <a:uFillTx/>
-                    <a:latin typeface="Bosch Office Sans"/>
-                    <a:ea typeface="+mn-ea"/>
-                    <a:cs typeface="+mn-cs"/>
-                  </a:endParaRPr>
-                </a:p>
-              </p:txBody>
-            </p:sp>
-            <p:sp>
-              <p:nvSpPr>
-                <p:cNvPr id="1040" name="Textfeld 1039">
-                  <a:extLst>
-                    <a:ext uri="{FF2B5EF4-FFF2-40B4-BE49-F238E27FC236}">
-                      <a16:creationId xmlns:a16="http://schemas.microsoft.com/office/drawing/2014/main" id="{47D8F08A-63B4-ABE3-9263-E2B31A39E830}"/>
-                    </a:ext>
-                  </a:extLst>
-                </p:cNvPr>
-                <p:cNvSpPr txBox="1"/>
-                <p:nvPr/>
-              </p:nvSpPr>
-              <p:spPr>
-                <a:xfrm>
-                  <a:off x="5093662" y="3895828"/>
-                  <a:ext cx="952674" cy="348135"/>
-                </a:xfrm>
-                <a:prstGeom prst="rect">
-                  <a:avLst/>
-                </a:prstGeom>
-                <a:noFill/>
-                <a:ln>
-                  <a:noFill/>
-                </a:ln>
-              </p:spPr>
-              <p:txBody>
-                <a:bodyPr wrap="none" lIns="0" tIns="0" rIns="0" bIns="0" rtlCol="0">
-                  <a:noAutofit/>
-                </a:bodyPr>
-                <a:lstStyle/>
-                <a:p>
-                  <a:pPr marR="0" defTabSz="914400" eaLnBrk="1" fontAlgn="auto" latinLnBrk="0" hangingPunct="1">
-                    <a:lnSpc>
-                      <a:spcPts val="1200"/>
-                    </a:lnSpc>
-                    <a:spcBef>
-                      <a:spcPts val="0"/>
-                    </a:spcBef>
-                    <a:spcAft>
-                      <a:spcPts val="0"/>
-                    </a:spcAft>
-                    <a:buClrTx/>
-                    <a:buSzTx/>
-                    <a:buFontTx/>
-                    <a:buNone/>
-                    <a:tabLst/>
-                  </a:pPr>
-                  <a:r>
-                    <a:rPr kumimoji="0" lang="de-DE" sz="1000" b="0" i="0" u="none" strike="noStrike" kern="0" cap="none" spc="0" normalizeH="0" baseline="0" noProof="0" dirty="0">
-                      <a:ln>
-                        <a:noFill/>
-                      </a:ln>
-                      <a:solidFill>
-                        <a:srgbClr val="000000"/>
-                      </a:solidFill>
-                      <a:effectLst/>
-                      <a:uLnTx/>
-                      <a:uFillTx/>
-                    </a:rPr>
-                    <a:t>15% </a:t>
-                  </a:r>
-                  <a:r>
-                    <a:rPr lang="de-DE" sz="1000" kern="0" dirty="0">
-                      <a:solidFill>
-                        <a:srgbClr val="000000"/>
-                      </a:solidFill>
-                    </a:rPr>
-                    <a:t>V</a:t>
-                  </a:r>
-                  <a:r>
-                    <a:rPr kumimoji="0" lang="de-DE" sz="1000" b="0" i="0" u="none" strike="noStrike" kern="0" cap="none" spc="0" normalizeH="0" baseline="0" noProof="0" dirty="0" err="1">
-                      <a:ln>
-                        <a:noFill/>
-                      </a:ln>
-                      <a:solidFill>
-                        <a:srgbClr val="000000"/>
-                      </a:solidFill>
-                      <a:effectLst/>
-                      <a:uLnTx/>
-                      <a:uFillTx/>
-                    </a:rPr>
-                    <a:t>ariation</a:t>
-                  </a:r>
-                  <a:br>
-                    <a:rPr lang="de-DE" sz="1000" kern="0" dirty="0">
-                      <a:solidFill>
-                        <a:srgbClr val="000000"/>
-                      </a:solidFill>
-                    </a:rPr>
-                  </a:br>
-                  <a:r>
-                    <a:rPr lang="de-DE" sz="1000" kern="0" dirty="0">
-                      <a:solidFill>
-                        <a:srgbClr val="000000"/>
-                      </a:solidFill>
-                    </a:rPr>
-                    <a:t>25% Variation</a:t>
-                  </a:r>
-                </a:p>
-              </p:txBody>
-            </p:sp>
-            <p:grpSp>
-              <p:nvGrpSpPr>
-                <p:cNvPr id="1047" name="Gruppieren 1046">
-                  <a:extLst>
-                    <a:ext uri="{FF2B5EF4-FFF2-40B4-BE49-F238E27FC236}">
-                      <a16:creationId xmlns:a16="http://schemas.microsoft.com/office/drawing/2014/main" id="{6109CD74-8C19-3A00-DEBC-77A0AD3DFCED}"/>
+                      <a16:creationId xmlns:a16="http://schemas.microsoft.com/office/drawing/2014/main" id="{ABFDDC1A-7B20-A066-EA88-48E30A80E9EE}"/>
                     </a:ext>
                   </a:extLst>
                 </p:cNvPr>
@@ -30171,18 +25202,609 @@
               </p:nvGrpSpPr>
               <p:grpSpPr>
                 <a:xfrm>
-                  <a:off x="3418191" y="4768657"/>
-                  <a:ext cx="495300" cy="397684"/>
-                  <a:chOff x="3665841" y="3302090"/>
-                  <a:chExt cx="2620659" cy="1761730"/>
+                  <a:off x="4770120" y="944880"/>
+                  <a:ext cx="5294629" cy="2549571"/>
+                  <a:chOff x="4770120" y="944880"/>
+                  <a:chExt cx="5294629" cy="2549571"/>
                 </a:xfrm>
               </p:grpSpPr>
+              <p:grpSp>
+                <p:nvGrpSpPr>
+                  <p:cNvPr id="26" name="Gruppieren 25">
+                    <a:extLst>
+                      <a:ext uri="{FF2B5EF4-FFF2-40B4-BE49-F238E27FC236}">
+                        <a16:creationId xmlns:a16="http://schemas.microsoft.com/office/drawing/2014/main" id="{D823AE17-46F3-AA74-C77A-C0EC3D191EF9}"/>
+                      </a:ext>
+                    </a:extLst>
+                  </p:cNvPr>
+                  <p:cNvGrpSpPr/>
+                  <p:nvPr/>
+                </p:nvGrpSpPr>
+                <p:grpSpPr>
+                  <a:xfrm>
+                    <a:off x="4770120" y="944880"/>
+                    <a:ext cx="5294629" cy="1752600"/>
+                    <a:chOff x="2340610" y="944880"/>
+                    <a:chExt cx="7724139" cy="1874520"/>
+                  </a:xfrm>
+                </p:grpSpPr>
+                <p:grpSp>
+                  <p:nvGrpSpPr>
+                    <p:cNvPr id="25" name="Gruppieren 24">
+                      <a:extLst>
+                        <a:ext uri="{FF2B5EF4-FFF2-40B4-BE49-F238E27FC236}">
+                          <a16:creationId xmlns:a16="http://schemas.microsoft.com/office/drawing/2014/main" id="{D1E37F76-2DC4-69D1-B77B-07BAE09138A1}"/>
+                        </a:ext>
+                      </a:extLst>
+                    </p:cNvPr>
+                    <p:cNvGrpSpPr/>
+                    <p:nvPr/>
+                  </p:nvGrpSpPr>
+                  <p:grpSpPr>
+                    <a:xfrm>
+                      <a:off x="2377440" y="944880"/>
+                      <a:ext cx="7566660" cy="1874520"/>
+                      <a:chOff x="2377440" y="944880"/>
+                      <a:chExt cx="7566660" cy="1874520"/>
+                    </a:xfrm>
+                  </p:grpSpPr>
+                  <p:cxnSp>
+                    <p:nvCxnSpPr>
+                      <p:cNvPr id="8" name="Gerader Verbinder 7">
+                        <a:extLst>
+                          <a:ext uri="{FF2B5EF4-FFF2-40B4-BE49-F238E27FC236}">
+                            <a16:creationId xmlns:a16="http://schemas.microsoft.com/office/drawing/2014/main" id="{1D8F84B5-8B6E-A4FB-F6D7-1466321BBBBF}"/>
+                          </a:ext>
+                        </a:extLst>
+                      </p:cNvPr>
+                      <p:cNvCxnSpPr>
+                        <a:cxnSpLocks/>
+                      </p:cNvCxnSpPr>
+                      <p:nvPr/>
+                    </p:nvCxnSpPr>
+                    <p:spPr>
+                      <a:xfrm>
+                        <a:off x="2377440" y="944880"/>
+                        <a:ext cx="0" cy="1874520"/>
+                      </a:xfrm>
+                      <a:prstGeom prst="line">
+                        <a:avLst/>
+                      </a:prstGeom>
+                      <a:ln w="76200"/>
+                    </p:spPr>
+                    <p:style>
+                      <a:lnRef idx="3">
+                        <a:schemeClr val="accent3"/>
+                      </a:lnRef>
+                      <a:fillRef idx="0">
+                        <a:schemeClr val="accent3"/>
+                      </a:fillRef>
+                      <a:effectRef idx="2">
+                        <a:schemeClr val="accent3"/>
+                      </a:effectRef>
+                      <a:fontRef idx="minor">
+                        <a:schemeClr val="tx1"/>
+                      </a:fontRef>
+                    </p:style>
+                  </p:cxnSp>
+                  <p:cxnSp>
+                    <p:nvCxnSpPr>
+                      <p:cNvPr id="10" name="Gerader Verbinder 9">
+                        <a:extLst>
+                          <a:ext uri="{FF2B5EF4-FFF2-40B4-BE49-F238E27FC236}">
+                            <a16:creationId xmlns:a16="http://schemas.microsoft.com/office/drawing/2014/main" id="{5FC69B3F-9295-B3C1-99A8-98A2A0536083}"/>
+                          </a:ext>
+                        </a:extLst>
+                      </p:cNvPr>
+                      <p:cNvCxnSpPr>
+                        <a:cxnSpLocks/>
+                      </p:cNvCxnSpPr>
+                      <p:nvPr/>
+                    </p:nvCxnSpPr>
+                    <p:spPr>
+                      <a:xfrm flipV="1">
+                        <a:off x="2377440" y="2807970"/>
+                        <a:ext cx="7566660" cy="11430"/>
+                      </a:xfrm>
+                      <a:prstGeom prst="line">
+                        <a:avLst/>
+                      </a:prstGeom>
+                      <a:ln w="76200"/>
+                    </p:spPr>
+                    <p:style>
+                      <a:lnRef idx="3">
+                        <a:schemeClr val="accent3"/>
+                      </a:lnRef>
+                      <a:fillRef idx="0">
+                        <a:schemeClr val="accent3"/>
+                      </a:fillRef>
+                      <a:effectRef idx="2">
+                        <a:schemeClr val="accent3"/>
+                      </a:effectRef>
+                      <a:fontRef idx="minor">
+                        <a:schemeClr val="tx1"/>
+                      </a:fontRef>
+                    </p:style>
+                  </p:cxnSp>
+                </p:grpSp>
+                <p:sp>
+                  <p:nvSpPr>
+                    <p:cNvPr id="18" name="Freihandform: Form 17">
+                      <a:extLst>
+                        <a:ext uri="{FF2B5EF4-FFF2-40B4-BE49-F238E27FC236}">
+                          <a16:creationId xmlns:a16="http://schemas.microsoft.com/office/drawing/2014/main" id="{2EE395E6-5F63-06AD-7042-B9A9B6E8A30F}"/>
+                        </a:ext>
+                      </a:extLst>
+                    </p:cNvPr>
+                    <p:cNvSpPr/>
+                    <p:nvPr/>
+                  </p:nvSpPr>
+                  <p:spPr>
+                    <a:xfrm>
+                      <a:off x="2382520" y="1262627"/>
+                      <a:ext cx="3359150" cy="1545343"/>
+                    </a:xfrm>
+                    <a:custGeom>
+                      <a:avLst/>
+                      <a:gdLst>
+                        <a:gd name="connsiteX0" fmla="*/ 0 w 3352800"/>
+                        <a:gd name="connsiteY0" fmla="*/ 1533913 h 1632973"/>
+                        <a:gd name="connsiteX1" fmla="*/ 160020 w 3352800"/>
+                        <a:gd name="connsiteY1" fmla="*/ 1488193 h 1632973"/>
+                        <a:gd name="connsiteX2" fmla="*/ 624840 w 3352800"/>
+                        <a:gd name="connsiteY2" fmla="*/ 1023373 h 1632973"/>
+                        <a:gd name="connsiteX3" fmla="*/ 1226820 w 3352800"/>
+                        <a:gd name="connsiteY3" fmla="*/ 985273 h 1632973"/>
+                        <a:gd name="connsiteX4" fmla="*/ 1577340 w 3352800"/>
+                        <a:gd name="connsiteY4" fmla="*/ 1008133 h 1632973"/>
+                        <a:gd name="connsiteX5" fmla="*/ 1973580 w 3352800"/>
+                        <a:gd name="connsiteY5" fmla="*/ 909073 h 1632973"/>
+                        <a:gd name="connsiteX6" fmla="*/ 2263140 w 3352800"/>
+                        <a:gd name="connsiteY6" fmla="*/ 528073 h 1632973"/>
+                        <a:gd name="connsiteX7" fmla="*/ 2636520 w 3352800"/>
+                        <a:gd name="connsiteY7" fmla="*/ 421393 h 1632973"/>
+                        <a:gd name="connsiteX8" fmla="*/ 2987040 w 3352800"/>
+                        <a:gd name="connsiteY8" fmla="*/ 48013 h 1632973"/>
+                        <a:gd name="connsiteX9" fmla="*/ 3352800 w 3352800"/>
+                        <a:gd name="connsiteY9" fmla="*/ 1632973 h 1632973"/>
+                        <a:gd name="connsiteX0" fmla="*/ 0 w 3348990"/>
+                        <a:gd name="connsiteY0" fmla="*/ 1533913 h 1559901"/>
+                        <a:gd name="connsiteX1" fmla="*/ 160020 w 3348990"/>
+                        <a:gd name="connsiteY1" fmla="*/ 1488193 h 1559901"/>
+                        <a:gd name="connsiteX2" fmla="*/ 624840 w 3348990"/>
+                        <a:gd name="connsiteY2" fmla="*/ 1023373 h 1559901"/>
+                        <a:gd name="connsiteX3" fmla="*/ 1226820 w 3348990"/>
+                        <a:gd name="connsiteY3" fmla="*/ 985273 h 1559901"/>
+                        <a:gd name="connsiteX4" fmla="*/ 1577340 w 3348990"/>
+                        <a:gd name="connsiteY4" fmla="*/ 1008133 h 1559901"/>
+                        <a:gd name="connsiteX5" fmla="*/ 1973580 w 3348990"/>
+                        <a:gd name="connsiteY5" fmla="*/ 909073 h 1559901"/>
+                        <a:gd name="connsiteX6" fmla="*/ 2263140 w 3348990"/>
+                        <a:gd name="connsiteY6" fmla="*/ 528073 h 1559901"/>
+                        <a:gd name="connsiteX7" fmla="*/ 2636520 w 3348990"/>
+                        <a:gd name="connsiteY7" fmla="*/ 421393 h 1559901"/>
+                        <a:gd name="connsiteX8" fmla="*/ 2987040 w 3348990"/>
+                        <a:gd name="connsiteY8" fmla="*/ 48013 h 1559901"/>
+                        <a:gd name="connsiteX9" fmla="*/ 3348990 w 3348990"/>
+                        <a:gd name="connsiteY9" fmla="*/ 1559901 h 1559901"/>
+                        <a:gd name="connsiteX0" fmla="*/ 0 w 3384550"/>
+                        <a:gd name="connsiteY0" fmla="*/ 1569808 h 1578209"/>
+                        <a:gd name="connsiteX1" fmla="*/ 195580 w 3384550"/>
+                        <a:gd name="connsiteY1" fmla="*/ 1488193 h 1578209"/>
+                        <a:gd name="connsiteX2" fmla="*/ 660400 w 3384550"/>
+                        <a:gd name="connsiteY2" fmla="*/ 1023373 h 1578209"/>
+                        <a:gd name="connsiteX3" fmla="*/ 1262380 w 3384550"/>
+                        <a:gd name="connsiteY3" fmla="*/ 985273 h 1578209"/>
+                        <a:gd name="connsiteX4" fmla="*/ 1612900 w 3384550"/>
+                        <a:gd name="connsiteY4" fmla="*/ 1008133 h 1578209"/>
+                        <a:gd name="connsiteX5" fmla="*/ 2009140 w 3384550"/>
+                        <a:gd name="connsiteY5" fmla="*/ 909073 h 1578209"/>
+                        <a:gd name="connsiteX6" fmla="*/ 2298700 w 3384550"/>
+                        <a:gd name="connsiteY6" fmla="*/ 528073 h 1578209"/>
+                        <a:gd name="connsiteX7" fmla="*/ 2672080 w 3384550"/>
+                        <a:gd name="connsiteY7" fmla="*/ 421393 h 1578209"/>
+                        <a:gd name="connsiteX8" fmla="*/ 3022600 w 3384550"/>
+                        <a:gd name="connsiteY8" fmla="*/ 48013 h 1578209"/>
+                        <a:gd name="connsiteX9" fmla="*/ 3384550 w 3384550"/>
+                        <a:gd name="connsiteY9" fmla="*/ 1559901 h 1578209"/>
+                        <a:gd name="connsiteX0" fmla="*/ 0 w 3359150"/>
+                        <a:gd name="connsiteY0" fmla="*/ 1523657 h 1559901"/>
+                        <a:gd name="connsiteX1" fmla="*/ 170180 w 3359150"/>
+                        <a:gd name="connsiteY1" fmla="*/ 1488193 h 1559901"/>
+                        <a:gd name="connsiteX2" fmla="*/ 635000 w 3359150"/>
+                        <a:gd name="connsiteY2" fmla="*/ 1023373 h 1559901"/>
+                        <a:gd name="connsiteX3" fmla="*/ 1236980 w 3359150"/>
+                        <a:gd name="connsiteY3" fmla="*/ 985273 h 1559901"/>
+                        <a:gd name="connsiteX4" fmla="*/ 1587500 w 3359150"/>
+                        <a:gd name="connsiteY4" fmla="*/ 1008133 h 1559901"/>
+                        <a:gd name="connsiteX5" fmla="*/ 1983740 w 3359150"/>
+                        <a:gd name="connsiteY5" fmla="*/ 909073 h 1559901"/>
+                        <a:gd name="connsiteX6" fmla="*/ 2273300 w 3359150"/>
+                        <a:gd name="connsiteY6" fmla="*/ 528073 h 1559901"/>
+                        <a:gd name="connsiteX7" fmla="*/ 2646680 w 3359150"/>
+                        <a:gd name="connsiteY7" fmla="*/ 421393 h 1559901"/>
+                        <a:gd name="connsiteX8" fmla="*/ 2997200 w 3359150"/>
+                        <a:gd name="connsiteY8" fmla="*/ 48013 h 1559901"/>
+                        <a:gd name="connsiteX9" fmla="*/ 3359150 w 3359150"/>
+                        <a:gd name="connsiteY9" fmla="*/ 1559901 h 1559901"/>
+                      </a:gdLst>
+                      <a:ahLst/>
+                      <a:cxnLst>
+                        <a:cxn ang="0">
+                          <a:pos x="connsiteX0" y="connsiteY0"/>
+                        </a:cxn>
+                        <a:cxn ang="0">
+                          <a:pos x="connsiteX1" y="connsiteY1"/>
+                        </a:cxn>
+                        <a:cxn ang="0">
+                          <a:pos x="connsiteX2" y="connsiteY2"/>
+                        </a:cxn>
+                        <a:cxn ang="0">
+                          <a:pos x="connsiteX3" y="connsiteY3"/>
+                        </a:cxn>
+                        <a:cxn ang="0">
+                          <a:pos x="connsiteX4" y="connsiteY4"/>
+                        </a:cxn>
+                        <a:cxn ang="0">
+                          <a:pos x="connsiteX5" y="connsiteY5"/>
+                        </a:cxn>
+                        <a:cxn ang="0">
+                          <a:pos x="connsiteX6" y="connsiteY6"/>
+                        </a:cxn>
+                        <a:cxn ang="0">
+                          <a:pos x="connsiteX7" y="connsiteY7"/>
+                        </a:cxn>
+                        <a:cxn ang="0">
+                          <a:pos x="connsiteX8" y="connsiteY8"/>
+                        </a:cxn>
+                        <a:cxn ang="0">
+                          <a:pos x="connsiteX9" y="connsiteY9"/>
+                        </a:cxn>
+                      </a:cxnLst>
+                      <a:rect l="l" t="t" r="r" b="b"/>
+                      <a:pathLst>
+                        <a:path w="3359150" h="1559901">
+                          <a:moveTo>
+                            <a:pt x="0" y="1523657"/>
+                          </a:moveTo>
+                          <a:cubicBezTo>
+                            <a:pt x="27940" y="1543342"/>
+                            <a:pt x="64347" y="1571574"/>
+                            <a:pt x="170180" y="1488193"/>
+                          </a:cubicBezTo>
+                          <a:cubicBezTo>
+                            <a:pt x="276013" y="1404812"/>
+                            <a:pt x="457200" y="1107193"/>
+                            <a:pt x="635000" y="1023373"/>
+                          </a:cubicBezTo>
+                          <a:cubicBezTo>
+                            <a:pt x="812800" y="939553"/>
+                            <a:pt x="1078230" y="987813"/>
+                            <a:pt x="1236980" y="985273"/>
+                          </a:cubicBezTo>
+                          <a:cubicBezTo>
+                            <a:pt x="1395730" y="982733"/>
+                            <a:pt x="1463040" y="1020833"/>
+                            <a:pt x="1587500" y="1008133"/>
+                          </a:cubicBezTo>
+                          <a:cubicBezTo>
+                            <a:pt x="1711960" y="995433"/>
+                            <a:pt x="1869440" y="989083"/>
+                            <a:pt x="1983740" y="909073"/>
+                          </a:cubicBezTo>
+                          <a:cubicBezTo>
+                            <a:pt x="2098040" y="829063"/>
+                            <a:pt x="2162810" y="609353"/>
+                            <a:pt x="2273300" y="528073"/>
+                          </a:cubicBezTo>
+                          <a:cubicBezTo>
+                            <a:pt x="2383790" y="446793"/>
+                            <a:pt x="2526030" y="501403"/>
+                            <a:pt x="2646680" y="421393"/>
+                          </a:cubicBezTo>
+                          <a:cubicBezTo>
+                            <a:pt x="2767330" y="341383"/>
+                            <a:pt x="2877820" y="-153917"/>
+                            <a:pt x="2997200" y="48013"/>
+                          </a:cubicBezTo>
+                          <a:cubicBezTo>
+                            <a:pt x="3116580" y="249943"/>
+                            <a:pt x="3235960" y="868386"/>
+                            <a:pt x="3359150" y="1559901"/>
+                          </a:cubicBezTo>
+                        </a:path>
+                      </a:pathLst>
+                    </a:custGeom>
+                    <a:ln/>
+                  </p:spPr>
+                  <p:style>
+                    <a:lnRef idx="3">
+                      <a:schemeClr val="accent2"/>
+                    </a:lnRef>
+                    <a:fillRef idx="0">
+                      <a:schemeClr val="accent2"/>
+                    </a:fillRef>
+                    <a:effectRef idx="2">
+                      <a:schemeClr val="accent2"/>
+                    </a:effectRef>
+                    <a:fontRef idx="minor">
+                      <a:schemeClr val="tx1"/>
+                    </a:fontRef>
+                  </p:style>
+                  <p:txBody>
+                    <a:bodyPr rtlCol="0" anchor="ctr"/>
+                    <a:lstStyle/>
+                    <a:p>
+                      <a:pPr algn="ctr"/>
+                      <a:endParaRPr lang="en-US" dirty="0"/>
+                    </a:p>
+                  </p:txBody>
+                </p:sp>
+                <p:cxnSp>
+                  <p:nvCxnSpPr>
+                    <p:cNvPr id="20" name="Gerader Verbinder 19">
+                      <a:extLst>
+                        <a:ext uri="{FF2B5EF4-FFF2-40B4-BE49-F238E27FC236}">
+                          <a16:creationId xmlns:a16="http://schemas.microsoft.com/office/drawing/2014/main" id="{39CEA6FE-E307-4E01-F367-C0813D119616}"/>
+                        </a:ext>
+                      </a:extLst>
+                    </p:cNvPr>
+                    <p:cNvCxnSpPr/>
+                    <p:nvPr/>
+                  </p:nvCxnSpPr>
+                  <p:spPr>
+                    <a:xfrm flipV="1">
+                      <a:off x="2340610" y="1447800"/>
+                      <a:ext cx="7724139" cy="85337"/>
+                    </a:xfrm>
+                    <a:prstGeom prst="line">
+                      <a:avLst/>
+                    </a:prstGeom>
+                    <a:ln w="19050" cap="flat" cmpd="sng" algn="ctr">
+                      <a:solidFill>
+                        <a:schemeClr val="accent6"/>
+                      </a:solidFill>
+                      <a:prstDash val="dash"/>
+                      <a:round/>
+                      <a:headEnd type="none" w="med" len="med"/>
+                      <a:tailEnd type="none" w="med" len="med"/>
+                    </a:ln>
+                  </p:spPr>
+                  <p:style>
+                    <a:lnRef idx="0">
+                      <a:scrgbClr r="0" g="0" b="0"/>
+                    </a:lnRef>
+                    <a:fillRef idx="0">
+                      <a:scrgbClr r="0" g="0" b="0"/>
+                    </a:fillRef>
+                    <a:effectRef idx="0">
+                      <a:scrgbClr r="0" g="0" b="0"/>
+                    </a:effectRef>
+                    <a:fontRef idx="minor">
+                      <a:schemeClr val="tx1"/>
+                    </a:fontRef>
+                  </p:style>
+                </p:cxnSp>
+                <p:sp>
+                  <p:nvSpPr>
+                    <p:cNvPr id="21" name="Freihandform: Form 20">
+                      <a:extLst>
+                        <a:ext uri="{FF2B5EF4-FFF2-40B4-BE49-F238E27FC236}">
+                          <a16:creationId xmlns:a16="http://schemas.microsoft.com/office/drawing/2014/main" id="{B18209A1-03C9-AE0B-AC18-56DF6C569C7D}"/>
+                        </a:ext>
+                      </a:extLst>
+                    </p:cNvPr>
+                    <p:cNvSpPr/>
+                    <p:nvPr/>
+                  </p:nvSpPr>
+                  <p:spPr>
+                    <a:xfrm>
+                      <a:off x="5741670" y="1251197"/>
+                      <a:ext cx="3359150" cy="1545343"/>
+                    </a:xfrm>
+                    <a:custGeom>
+                      <a:avLst/>
+                      <a:gdLst>
+                        <a:gd name="connsiteX0" fmla="*/ 0 w 3352800"/>
+                        <a:gd name="connsiteY0" fmla="*/ 1533913 h 1632973"/>
+                        <a:gd name="connsiteX1" fmla="*/ 160020 w 3352800"/>
+                        <a:gd name="connsiteY1" fmla="*/ 1488193 h 1632973"/>
+                        <a:gd name="connsiteX2" fmla="*/ 624840 w 3352800"/>
+                        <a:gd name="connsiteY2" fmla="*/ 1023373 h 1632973"/>
+                        <a:gd name="connsiteX3" fmla="*/ 1226820 w 3352800"/>
+                        <a:gd name="connsiteY3" fmla="*/ 985273 h 1632973"/>
+                        <a:gd name="connsiteX4" fmla="*/ 1577340 w 3352800"/>
+                        <a:gd name="connsiteY4" fmla="*/ 1008133 h 1632973"/>
+                        <a:gd name="connsiteX5" fmla="*/ 1973580 w 3352800"/>
+                        <a:gd name="connsiteY5" fmla="*/ 909073 h 1632973"/>
+                        <a:gd name="connsiteX6" fmla="*/ 2263140 w 3352800"/>
+                        <a:gd name="connsiteY6" fmla="*/ 528073 h 1632973"/>
+                        <a:gd name="connsiteX7" fmla="*/ 2636520 w 3352800"/>
+                        <a:gd name="connsiteY7" fmla="*/ 421393 h 1632973"/>
+                        <a:gd name="connsiteX8" fmla="*/ 2987040 w 3352800"/>
+                        <a:gd name="connsiteY8" fmla="*/ 48013 h 1632973"/>
+                        <a:gd name="connsiteX9" fmla="*/ 3352800 w 3352800"/>
+                        <a:gd name="connsiteY9" fmla="*/ 1632973 h 1632973"/>
+                        <a:gd name="connsiteX0" fmla="*/ 0 w 3348990"/>
+                        <a:gd name="connsiteY0" fmla="*/ 1533913 h 1559901"/>
+                        <a:gd name="connsiteX1" fmla="*/ 160020 w 3348990"/>
+                        <a:gd name="connsiteY1" fmla="*/ 1488193 h 1559901"/>
+                        <a:gd name="connsiteX2" fmla="*/ 624840 w 3348990"/>
+                        <a:gd name="connsiteY2" fmla="*/ 1023373 h 1559901"/>
+                        <a:gd name="connsiteX3" fmla="*/ 1226820 w 3348990"/>
+                        <a:gd name="connsiteY3" fmla="*/ 985273 h 1559901"/>
+                        <a:gd name="connsiteX4" fmla="*/ 1577340 w 3348990"/>
+                        <a:gd name="connsiteY4" fmla="*/ 1008133 h 1559901"/>
+                        <a:gd name="connsiteX5" fmla="*/ 1973580 w 3348990"/>
+                        <a:gd name="connsiteY5" fmla="*/ 909073 h 1559901"/>
+                        <a:gd name="connsiteX6" fmla="*/ 2263140 w 3348990"/>
+                        <a:gd name="connsiteY6" fmla="*/ 528073 h 1559901"/>
+                        <a:gd name="connsiteX7" fmla="*/ 2636520 w 3348990"/>
+                        <a:gd name="connsiteY7" fmla="*/ 421393 h 1559901"/>
+                        <a:gd name="connsiteX8" fmla="*/ 2987040 w 3348990"/>
+                        <a:gd name="connsiteY8" fmla="*/ 48013 h 1559901"/>
+                        <a:gd name="connsiteX9" fmla="*/ 3348990 w 3348990"/>
+                        <a:gd name="connsiteY9" fmla="*/ 1559901 h 1559901"/>
+                        <a:gd name="connsiteX0" fmla="*/ 0 w 3384550"/>
+                        <a:gd name="connsiteY0" fmla="*/ 1569808 h 1578209"/>
+                        <a:gd name="connsiteX1" fmla="*/ 195580 w 3384550"/>
+                        <a:gd name="connsiteY1" fmla="*/ 1488193 h 1578209"/>
+                        <a:gd name="connsiteX2" fmla="*/ 660400 w 3384550"/>
+                        <a:gd name="connsiteY2" fmla="*/ 1023373 h 1578209"/>
+                        <a:gd name="connsiteX3" fmla="*/ 1262380 w 3384550"/>
+                        <a:gd name="connsiteY3" fmla="*/ 985273 h 1578209"/>
+                        <a:gd name="connsiteX4" fmla="*/ 1612900 w 3384550"/>
+                        <a:gd name="connsiteY4" fmla="*/ 1008133 h 1578209"/>
+                        <a:gd name="connsiteX5" fmla="*/ 2009140 w 3384550"/>
+                        <a:gd name="connsiteY5" fmla="*/ 909073 h 1578209"/>
+                        <a:gd name="connsiteX6" fmla="*/ 2298700 w 3384550"/>
+                        <a:gd name="connsiteY6" fmla="*/ 528073 h 1578209"/>
+                        <a:gd name="connsiteX7" fmla="*/ 2672080 w 3384550"/>
+                        <a:gd name="connsiteY7" fmla="*/ 421393 h 1578209"/>
+                        <a:gd name="connsiteX8" fmla="*/ 3022600 w 3384550"/>
+                        <a:gd name="connsiteY8" fmla="*/ 48013 h 1578209"/>
+                        <a:gd name="connsiteX9" fmla="*/ 3384550 w 3384550"/>
+                        <a:gd name="connsiteY9" fmla="*/ 1559901 h 1578209"/>
+                        <a:gd name="connsiteX0" fmla="*/ 0 w 3359150"/>
+                        <a:gd name="connsiteY0" fmla="*/ 1523657 h 1559901"/>
+                        <a:gd name="connsiteX1" fmla="*/ 170180 w 3359150"/>
+                        <a:gd name="connsiteY1" fmla="*/ 1488193 h 1559901"/>
+                        <a:gd name="connsiteX2" fmla="*/ 635000 w 3359150"/>
+                        <a:gd name="connsiteY2" fmla="*/ 1023373 h 1559901"/>
+                        <a:gd name="connsiteX3" fmla="*/ 1236980 w 3359150"/>
+                        <a:gd name="connsiteY3" fmla="*/ 985273 h 1559901"/>
+                        <a:gd name="connsiteX4" fmla="*/ 1587500 w 3359150"/>
+                        <a:gd name="connsiteY4" fmla="*/ 1008133 h 1559901"/>
+                        <a:gd name="connsiteX5" fmla="*/ 1983740 w 3359150"/>
+                        <a:gd name="connsiteY5" fmla="*/ 909073 h 1559901"/>
+                        <a:gd name="connsiteX6" fmla="*/ 2273300 w 3359150"/>
+                        <a:gd name="connsiteY6" fmla="*/ 528073 h 1559901"/>
+                        <a:gd name="connsiteX7" fmla="*/ 2646680 w 3359150"/>
+                        <a:gd name="connsiteY7" fmla="*/ 421393 h 1559901"/>
+                        <a:gd name="connsiteX8" fmla="*/ 2997200 w 3359150"/>
+                        <a:gd name="connsiteY8" fmla="*/ 48013 h 1559901"/>
+                        <a:gd name="connsiteX9" fmla="*/ 3359150 w 3359150"/>
+                        <a:gd name="connsiteY9" fmla="*/ 1559901 h 1559901"/>
+                      </a:gdLst>
+                      <a:ahLst/>
+                      <a:cxnLst>
+                        <a:cxn ang="0">
+                          <a:pos x="connsiteX0" y="connsiteY0"/>
+                        </a:cxn>
+                        <a:cxn ang="0">
+                          <a:pos x="connsiteX1" y="connsiteY1"/>
+                        </a:cxn>
+                        <a:cxn ang="0">
+                          <a:pos x="connsiteX2" y="connsiteY2"/>
+                        </a:cxn>
+                        <a:cxn ang="0">
+                          <a:pos x="connsiteX3" y="connsiteY3"/>
+                        </a:cxn>
+                        <a:cxn ang="0">
+                          <a:pos x="connsiteX4" y="connsiteY4"/>
+                        </a:cxn>
+                        <a:cxn ang="0">
+                          <a:pos x="connsiteX5" y="connsiteY5"/>
+                        </a:cxn>
+                        <a:cxn ang="0">
+                          <a:pos x="connsiteX6" y="connsiteY6"/>
+                        </a:cxn>
+                        <a:cxn ang="0">
+                          <a:pos x="connsiteX7" y="connsiteY7"/>
+                        </a:cxn>
+                        <a:cxn ang="0">
+                          <a:pos x="connsiteX8" y="connsiteY8"/>
+                        </a:cxn>
+                        <a:cxn ang="0">
+                          <a:pos x="connsiteX9" y="connsiteY9"/>
+                        </a:cxn>
+                      </a:cxnLst>
+                      <a:rect l="l" t="t" r="r" b="b"/>
+                      <a:pathLst>
+                        <a:path w="3359150" h="1559901">
+                          <a:moveTo>
+                            <a:pt x="0" y="1523657"/>
+                          </a:moveTo>
+                          <a:cubicBezTo>
+                            <a:pt x="27940" y="1543342"/>
+                            <a:pt x="64347" y="1571574"/>
+                            <a:pt x="170180" y="1488193"/>
+                          </a:cubicBezTo>
+                          <a:cubicBezTo>
+                            <a:pt x="276013" y="1404812"/>
+                            <a:pt x="457200" y="1107193"/>
+                            <a:pt x="635000" y="1023373"/>
+                          </a:cubicBezTo>
+                          <a:cubicBezTo>
+                            <a:pt x="812800" y="939553"/>
+                            <a:pt x="1078230" y="987813"/>
+                            <a:pt x="1236980" y="985273"/>
+                          </a:cubicBezTo>
+                          <a:cubicBezTo>
+                            <a:pt x="1395730" y="982733"/>
+                            <a:pt x="1463040" y="1020833"/>
+                            <a:pt x="1587500" y="1008133"/>
+                          </a:cubicBezTo>
+                          <a:cubicBezTo>
+                            <a:pt x="1711960" y="995433"/>
+                            <a:pt x="1869440" y="989083"/>
+                            <a:pt x="1983740" y="909073"/>
+                          </a:cubicBezTo>
+                          <a:cubicBezTo>
+                            <a:pt x="2098040" y="829063"/>
+                            <a:pt x="2162810" y="609353"/>
+                            <a:pt x="2273300" y="528073"/>
+                          </a:cubicBezTo>
+                          <a:cubicBezTo>
+                            <a:pt x="2383790" y="446793"/>
+                            <a:pt x="2526030" y="501403"/>
+                            <a:pt x="2646680" y="421393"/>
+                          </a:cubicBezTo>
+                          <a:cubicBezTo>
+                            <a:pt x="2767330" y="341383"/>
+                            <a:pt x="2877820" y="-153917"/>
+                            <a:pt x="2997200" y="48013"/>
+                          </a:cubicBezTo>
+                          <a:cubicBezTo>
+                            <a:pt x="3116580" y="249943"/>
+                            <a:pt x="3235960" y="868386"/>
+                            <a:pt x="3359150" y="1559901"/>
+                          </a:cubicBezTo>
+                        </a:path>
+                      </a:pathLst>
+                    </a:custGeom>
+                    <a:ln/>
+                  </p:spPr>
+                  <p:style>
+                    <a:lnRef idx="3">
+                      <a:schemeClr val="accent2"/>
+                    </a:lnRef>
+                    <a:fillRef idx="0">
+                      <a:schemeClr val="accent2"/>
+                    </a:fillRef>
+                    <a:effectRef idx="2">
+                      <a:schemeClr val="accent2"/>
+                    </a:effectRef>
+                    <a:fontRef idx="minor">
+                      <a:schemeClr val="tx1"/>
+                    </a:fontRef>
+                  </p:style>
+                  <p:txBody>
+                    <a:bodyPr rtlCol="0" anchor="ctr"/>
+                    <a:lstStyle/>
+                    <a:p>
+                      <a:pPr algn="ctr"/>
+                      <a:endParaRPr lang="en-US"/>
+                    </a:p>
+                  </p:txBody>
+                </p:sp>
+              </p:grpSp>
               <p:sp>
                 <p:nvSpPr>
-                  <p:cNvPr id="1042" name="Freihandform: Form 1041">
+                  <p:cNvPr id="29" name="Geschweifte Klammer rechts 28">
                     <a:extLst>
                       <a:ext uri="{FF2B5EF4-FFF2-40B4-BE49-F238E27FC236}">
-                        <a16:creationId xmlns:a16="http://schemas.microsoft.com/office/drawing/2014/main" id="{B10CC67B-2A77-40D5-1AFB-D0EA6B1F586A}"/>
+                        <a16:creationId xmlns:a16="http://schemas.microsoft.com/office/drawing/2014/main" id="{A163F59F-66A9-8515-9B93-D92A03619357}"/>
                       </a:ext>
                     </a:extLst>
                   </p:cNvPr>
@@ -30190,334 +25812,16 @@
                   <p:nvPr/>
                 </p:nvSpPr>
                 <p:spPr>
-                  <a:xfrm>
-                    <a:off x="3665841" y="3580909"/>
-                    <a:ext cx="2302581" cy="1444833"/>
+                  <a:xfrm rot="5400000">
+                    <a:off x="8157648" y="1889809"/>
+                    <a:ext cx="348133" cy="2302578"/>
                   </a:xfrm>
-                  <a:custGeom>
-                    <a:avLst/>
-                    <a:gdLst>
-                      <a:gd name="connsiteX0" fmla="*/ 0 w 3352800"/>
-                      <a:gd name="connsiteY0" fmla="*/ 1533913 h 1632973"/>
-                      <a:gd name="connsiteX1" fmla="*/ 160020 w 3352800"/>
-                      <a:gd name="connsiteY1" fmla="*/ 1488193 h 1632973"/>
-                      <a:gd name="connsiteX2" fmla="*/ 624840 w 3352800"/>
-                      <a:gd name="connsiteY2" fmla="*/ 1023373 h 1632973"/>
-                      <a:gd name="connsiteX3" fmla="*/ 1226820 w 3352800"/>
-                      <a:gd name="connsiteY3" fmla="*/ 985273 h 1632973"/>
-                      <a:gd name="connsiteX4" fmla="*/ 1577340 w 3352800"/>
-                      <a:gd name="connsiteY4" fmla="*/ 1008133 h 1632973"/>
-                      <a:gd name="connsiteX5" fmla="*/ 1973580 w 3352800"/>
-                      <a:gd name="connsiteY5" fmla="*/ 909073 h 1632973"/>
-                      <a:gd name="connsiteX6" fmla="*/ 2263140 w 3352800"/>
-                      <a:gd name="connsiteY6" fmla="*/ 528073 h 1632973"/>
-                      <a:gd name="connsiteX7" fmla="*/ 2636520 w 3352800"/>
-                      <a:gd name="connsiteY7" fmla="*/ 421393 h 1632973"/>
-                      <a:gd name="connsiteX8" fmla="*/ 2987040 w 3352800"/>
-                      <a:gd name="connsiteY8" fmla="*/ 48013 h 1632973"/>
-                      <a:gd name="connsiteX9" fmla="*/ 3352800 w 3352800"/>
-                      <a:gd name="connsiteY9" fmla="*/ 1632973 h 1632973"/>
-                      <a:gd name="connsiteX0" fmla="*/ 0 w 3348990"/>
-                      <a:gd name="connsiteY0" fmla="*/ 1533913 h 1559901"/>
-                      <a:gd name="connsiteX1" fmla="*/ 160020 w 3348990"/>
-                      <a:gd name="connsiteY1" fmla="*/ 1488193 h 1559901"/>
-                      <a:gd name="connsiteX2" fmla="*/ 624840 w 3348990"/>
-                      <a:gd name="connsiteY2" fmla="*/ 1023373 h 1559901"/>
-                      <a:gd name="connsiteX3" fmla="*/ 1226820 w 3348990"/>
-                      <a:gd name="connsiteY3" fmla="*/ 985273 h 1559901"/>
-                      <a:gd name="connsiteX4" fmla="*/ 1577340 w 3348990"/>
-                      <a:gd name="connsiteY4" fmla="*/ 1008133 h 1559901"/>
-                      <a:gd name="connsiteX5" fmla="*/ 1973580 w 3348990"/>
-                      <a:gd name="connsiteY5" fmla="*/ 909073 h 1559901"/>
-                      <a:gd name="connsiteX6" fmla="*/ 2263140 w 3348990"/>
-                      <a:gd name="connsiteY6" fmla="*/ 528073 h 1559901"/>
-                      <a:gd name="connsiteX7" fmla="*/ 2636520 w 3348990"/>
-                      <a:gd name="connsiteY7" fmla="*/ 421393 h 1559901"/>
-                      <a:gd name="connsiteX8" fmla="*/ 2987040 w 3348990"/>
-                      <a:gd name="connsiteY8" fmla="*/ 48013 h 1559901"/>
-                      <a:gd name="connsiteX9" fmla="*/ 3348990 w 3348990"/>
-                      <a:gd name="connsiteY9" fmla="*/ 1559901 h 1559901"/>
-                      <a:gd name="connsiteX0" fmla="*/ 0 w 3384550"/>
-                      <a:gd name="connsiteY0" fmla="*/ 1569808 h 1578209"/>
-                      <a:gd name="connsiteX1" fmla="*/ 195580 w 3384550"/>
-                      <a:gd name="connsiteY1" fmla="*/ 1488193 h 1578209"/>
-                      <a:gd name="connsiteX2" fmla="*/ 660400 w 3384550"/>
-                      <a:gd name="connsiteY2" fmla="*/ 1023373 h 1578209"/>
-                      <a:gd name="connsiteX3" fmla="*/ 1262380 w 3384550"/>
-                      <a:gd name="connsiteY3" fmla="*/ 985273 h 1578209"/>
-                      <a:gd name="connsiteX4" fmla="*/ 1612900 w 3384550"/>
-                      <a:gd name="connsiteY4" fmla="*/ 1008133 h 1578209"/>
-                      <a:gd name="connsiteX5" fmla="*/ 2009140 w 3384550"/>
-                      <a:gd name="connsiteY5" fmla="*/ 909073 h 1578209"/>
-                      <a:gd name="connsiteX6" fmla="*/ 2298700 w 3384550"/>
-                      <a:gd name="connsiteY6" fmla="*/ 528073 h 1578209"/>
-                      <a:gd name="connsiteX7" fmla="*/ 2672080 w 3384550"/>
-                      <a:gd name="connsiteY7" fmla="*/ 421393 h 1578209"/>
-                      <a:gd name="connsiteX8" fmla="*/ 3022600 w 3384550"/>
-                      <a:gd name="connsiteY8" fmla="*/ 48013 h 1578209"/>
-                      <a:gd name="connsiteX9" fmla="*/ 3384550 w 3384550"/>
-                      <a:gd name="connsiteY9" fmla="*/ 1559901 h 1578209"/>
-                      <a:gd name="connsiteX0" fmla="*/ 0 w 3359150"/>
-                      <a:gd name="connsiteY0" fmla="*/ 1523657 h 1559901"/>
-                      <a:gd name="connsiteX1" fmla="*/ 170180 w 3359150"/>
-                      <a:gd name="connsiteY1" fmla="*/ 1488193 h 1559901"/>
-                      <a:gd name="connsiteX2" fmla="*/ 635000 w 3359150"/>
-                      <a:gd name="connsiteY2" fmla="*/ 1023373 h 1559901"/>
-                      <a:gd name="connsiteX3" fmla="*/ 1236980 w 3359150"/>
-                      <a:gd name="connsiteY3" fmla="*/ 985273 h 1559901"/>
-                      <a:gd name="connsiteX4" fmla="*/ 1587500 w 3359150"/>
-                      <a:gd name="connsiteY4" fmla="*/ 1008133 h 1559901"/>
-                      <a:gd name="connsiteX5" fmla="*/ 1983740 w 3359150"/>
-                      <a:gd name="connsiteY5" fmla="*/ 909073 h 1559901"/>
-                      <a:gd name="connsiteX6" fmla="*/ 2273300 w 3359150"/>
-                      <a:gd name="connsiteY6" fmla="*/ 528073 h 1559901"/>
-                      <a:gd name="connsiteX7" fmla="*/ 2646680 w 3359150"/>
-                      <a:gd name="connsiteY7" fmla="*/ 421393 h 1559901"/>
-                      <a:gd name="connsiteX8" fmla="*/ 2997200 w 3359150"/>
-                      <a:gd name="connsiteY8" fmla="*/ 48013 h 1559901"/>
-                      <a:gd name="connsiteX9" fmla="*/ 3359150 w 3359150"/>
-                      <a:gd name="connsiteY9" fmla="*/ 1559901 h 1559901"/>
-                    </a:gdLst>
-                    <a:ahLst/>
-                    <a:cxnLst>
-                      <a:cxn ang="0">
-                        <a:pos x="connsiteX0" y="connsiteY0"/>
-                      </a:cxn>
-                      <a:cxn ang="0">
-                        <a:pos x="connsiteX1" y="connsiteY1"/>
-                      </a:cxn>
-                      <a:cxn ang="0">
-                        <a:pos x="connsiteX2" y="connsiteY2"/>
-                      </a:cxn>
-                      <a:cxn ang="0">
-                        <a:pos x="connsiteX3" y="connsiteY3"/>
-                      </a:cxn>
-                      <a:cxn ang="0">
-                        <a:pos x="connsiteX4" y="connsiteY4"/>
-                      </a:cxn>
-                      <a:cxn ang="0">
-                        <a:pos x="connsiteX5" y="connsiteY5"/>
-                      </a:cxn>
-                      <a:cxn ang="0">
-                        <a:pos x="connsiteX6" y="connsiteY6"/>
-                      </a:cxn>
-                      <a:cxn ang="0">
-                        <a:pos x="connsiteX7" y="connsiteY7"/>
-                      </a:cxn>
-                      <a:cxn ang="0">
-                        <a:pos x="connsiteX8" y="connsiteY8"/>
-                      </a:cxn>
-                      <a:cxn ang="0">
-                        <a:pos x="connsiteX9" y="connsiteY9"/>
-                      </a:cxn>
-                    </a:cxnLst>
-                    <a:rect l="l" t="t" r="r" b="b"/>
-                    <a:pathLst>
-                      <a:path w="3359150" h="1559901">
-                        <a:moveTo>
-                          <a:pt x="0" y="1523657"/>
-                        </a:moveTo>
-                        <a:cubicBezTo>
-                          <a:pt x="27940" y="1543342"/>
-                          <a:pt x="64347" y="1571574"/>
-                          <a:pt x="170180" y="1488193"/>
-                        </a:cubicBezTo>
-                        <a:cubicBezTo>
-                          <a:pt x="276013" y="1404812"/>
-                          <a:pt x="457200" y="1107193"/>
-                          <a:pt x="635000" y="1023373"/>
-                        </a:cubicBezTo>
-                        <a:cubicBezTo>
-                          <a:pt x="812800" y="939553"/>
-                          <a:pt x="1078230" y="987813"/>
-                          <a:pt x="1236980" y="985273"/>
-                        </a:cubicBezTo>
-                        <a:cubicBezTo>
-                          <a:pt x="1395730" y="982733"/>
-                          <a:pt x="1463040" y="1020833"/>
-                          <a:pt x="1587500" y="1008133"/>
-                        </a:cubicBezTo>
-                        <a:cubicBezTo>
-                          <a:pt x="1711960" y="995433"/>
-                          <a:pt x="1869440" y="989083"/>
-                          <a:pt x="1983740" y="909073"/>
-                        </a:cubicBezTo>
-                        <a:cubicBezTo>
-                          <a:pt x="2098040" y="829063"/>
-                          <a:pt x="2162810" y="609353"/>
-                          <a:pt x="2273300" y="528073"/>
-                        </a:cubicBezTo>
-                        <a:cubicBezTo>
-                          <a:pt x="2383790" y="446793"/>
-                          <a:pt x="2526030" y="501403"/>
-                          <a:pt x="2646680" y="421393"/>
-                        </a:cubicBezTo>
-                        <a:cubicBezTo>
-                          <a:pt x="2767330" y="341383"/>
-                          <a:pt x="2877820" y="-153917"/>
-                          <a:pt x="2997200" y="48013"/>
-                        </a:cubicBezTo>
-                        <a:cubicBezTo>
-                          <a:pt x="3116580" y="249943"/>
-                          <a:pt x="3235960" y="868386"/>
-                          <a:pt x="3359150" y="1559901"/>
-                        </a:cubicBezTo>
-                      </a:path>
-                    </a:pathLst>
-                  </a:custGeom>
-                  <a:ln>
-                    <a:noFill/>
-                  </a:ln>
-                </p:spPr>
-                <p:style>
-                  <a:lnRef idx="3">
-                    <a:schemeClr val="accent2"/>
-                  </a:lnRef>
-                  <a:fillRef idx="0">
-                    <a:schemeClr val="accent2"/>
-                  </a:fillRef>
-                  <a:effectRef idx="2">
-                    <a:schemeClr val="accent2"/>
-                  </a:effectRef>
-                  <a:fontRef idx="minor">
-                    <a:schemeClr val="tx1"/>
-                  </a:fontRef>
-                </p:style>
-                <p:txBody>
-                  <a:bodyPr rtlCol="0" anchor="ctr"/>
-                  <a:lstStyle/>
-                  <a:p>
-                    <a:pPr algn="ctr"/>
-                    <a:endParaRPr lang="en-US"/>
-                  </a:p>
-                </p:txBody>
-              </p:sp>
-              <p:cxnSp>
-                <p:nvCxnSpPr>
-                  <p:cNvPr id="1043" name="Gerader Verbinder 1042">
-                    <a:extLst>
-                      <a:ext uri="{FF2B5EF4-FFF2-40B4-BE49-F238E27FC236}">
-                        <a16:creationId xmlns:a16="http://schemas.microsoft.com/office/drawing/2014/main" id="{7DD26E6D-7CC4-5C90-1AE4-5105C4EFAA41}"/>
-                      </a:ext>
-                    </a:extLst>
-                  </p:cNvPr>
-                  <p:cNvCxnSpPr>
-                    <a:cxnSpLocks/>
-                  </p:cNvCxnSpPr>
-                  <p:nvPr/>
-                </p:nvCxnSpPr>
-                <p:spPr>
-                  <a:xfrm>
-                    <a:off x="3665841" y="5050137"/>
-                    <a:ext cx="2620659" cy="13683"/>
-                  </a:xfrm>
-                  <a:prstGeom prst="line">
-                    <a:avLst/>
+                  <a:prstGeom prst="rightBrace">
+                    <a:avLst>
+                      <a:gd name="adj1" fmla="val 0"/>
+                      <a:gd name="adj2" fmla="val 50000"/>
+                    </a:avLst>
                   </a:prstGeom>
-                  <a:ln w="76200">
-                    <a:noFill/>
-                  </a:ln>
-                </p:spPr>
-                <p:style>
-                  <a:lnRef idx="3">
-                    <a:schemeClr val="accent3"/>
-                  </a:lnRef>
-                  <a:fillRef idx="0">
-                    <a:schemeClr val="accent3"/>
-                  </a:fillRef>
-                  <a:effectRef idx="2">
-                    <a:schemeClr val="accent3"/>
-                  </a:effectRef>
-                  <a:fontRef idx="minor">
-                    <a:schemeClr val="tx1"/>
-                  </a:fontRef>
-                </p:style>
-              </p:cxnSp>
-              <p:cxnSp>
-                <p:nvCxnSpPr>
-                  <p:cNvPr id="1044" name="Gerader Verbinder 1043">
-                    <a:extLst>
-                      <a:ext uri="{FF2B5EF4-FFF2-40B4-BE49-F238E27FC236}">
-                        <a16:creationId xmlns:a16="http://schemas.microsoft.com/office/drawing/2014/main" id="{8BD3F9CF-7CA0-E40D-633C-4E4283E5C06E}"/>
-                      </a:ext>
-                    </a:extLst>
-                  </p:cNvPr>
-                  <p:cNvCxnSpPr>
-                    <a:cxnSpLocks/>
-                  </p:cNvCxnSpPr>
-                  <p:nvPr/>
-                </p:nvCxnSpPr>
-                <p:spPr>
-                  <a:xfrm>
-                    <a:off x="3665841" y="3302090"/>
-                    <a:ext cx="0" cy="1752600"/>
-                  </a:xfrm>
-                  <a:prstGeom prst="line">
-                    <a:avLst/>
-                  </a:prstGeom>
-                  <a:ln w="76200">
-                    <a:noFill/>
-                  </a:ln>
-                </p:spPr>
-                <p:style>
-                  <a:lnRef idx="3">
-                    <a:schemeClr val="accent3"/>
-                  </a:lnRef>
-                  <a:fillRef idx="0">
-                    <a:schemeClr val="accent3"/>
-                  </a:fillRef>
-                  <a:effectRef idx="2">
-                    <a:schemeClr val="accent3"/>
-                  </a:effectRef>
-                  <a:fontRef idx="minor">
-                    <a:schemeClr val="tx1"/>
-                  </a:fontRef>
-                </p:style>
-              </p:cxnSp>
-            </p:grpSp>
-            <p:grpSp>
-              <p:nvGrpSpPr>
-                <p:cNvPr id="1054" name="Gruppieren 1053">
-                  <a:extLst>
-                    <a:ext uri="{FF2B5EF4-FFF2-40B4-BE49-F238E27FC236}">
-                      <a16:creationId xmlns:a16="http://schemas.microsoft.com/office/drawing/2014/main" id="{A28A00D6-C22F-1ADB-83EA-E4CCAA117037}"/>
-                    </a:ext>
-                  </a:extLst>
-                </p:cNvPr>
-                <p:cNvGrpSpPr/>
-                <p:nvPr/>
-              </p:nvGrpSpPr>
-              <p:grpSpPr>
-                <a:xfrm>
-                  <a:off x="4707409" y="4847115"/>
-                  <a:ext cx="125422" cy="163074"/>
-                  <a:chOff x="4968240" y="4676814"/>
-                  <a:chExt cx="125422" cy="163074"/>
-                </a:xfrm>
-              </p:grpSpPr>
-              <p:cxnSp>
-                <p:nvCxnSpPr>
-                  <p:cNvPr id="1049" name="Gerader Verbinder 1048">
-                    <a:extLst>
-                      <a:ext uri="{FF2B5EF4-FFF2-40B4-BE49-F238E27FC236}">
-                        <a16:creationId xmlns:a16="http://schemas.microsoft.com/office/drawing/2014/main" id="{542F9989-CF71-C538-8217-C0A1D00972A6}"/>
-                      </a:ext>
-                    </a:extLst>
-                  </p:cNvPr>
-                  <p:cNvCxnSpPr/>
-                  <p:nvPr/>
-                </p:nvCxnSpPr>
-                <p:spPr>
-                  <a:xfrm flipV="1">
-                    <a:off x="4968240" y="4676814"/>
-                    <a:ext cx="125422" cy="163074"/>
-                  </a:xfrm>
-                  <a:prstGeom prst="line">
-                    <a:avLst/>
-                  </a:prstGeom>
-                  <a:ln>
-                    <a:noFill/>
-                  </a:ln>
                 </p:spPr>
                 <p:style>
                   <a:lnRef idx="1">
@@ -30533,55 +25837,88 @@
                     <a:schemeClr val="tx1"/>
                   </a:fontRef>
                 </p:style>
-              </p:cxnSp>
-              <p:cxnSp>
-                <p:nvCxnSpPr>
-                  <p:cNvPr id="1051" name="Gerader Verbinder 1050">
+                <p:txBody>
+                  <a:bodyPr rtlCol="0" anchor="ctr"/>
+                  <a:lstStyle/>
+                  <a:p>
+                    <a:pPr algn="ctr"/>
+                    <a:endParaRPr lang="en-US" dirty="0"/>
+                  </a:p>
+                </p:txBody>
+              </p:sp>
+              <p:sp>
+                <p:nvSpPr>
+                  <p:cNvPr id="30" name="Textfeld 29">
                     <a:extLst>
                       <a:ext uri="{FF2B5EF4-FFF2-40B4-BE49-F238E27FC236}">
-                        <a16:creationId xmlns:a16="http://schemas.microsoft.com/office/drawing/2014/main" id="{757514EC-A6E6-FC72-B951-E66987357A35}"/>
+                        <a16:creationId xmlns:a16="http://schemas.microsoft.com/office/drawing/2014/main" id="{01889094-7F7A-391B-D09F-047D422C1485}"/>
                       </a:ext>
                     </a:extLst>
                   </p:cNvPr>
-                  <p:cNvCxnSpPr>
-                    <a:cxnSpLocks/>
-                  </p:cNvCxnSpPr>
+                  <p:cNvSpPr txBox="1"/>
                   <p:nvPr/>
-                </p:nvCxnSpPr>
+                </p:nvSpPr>
                 <p:spPr>
                   <a:xfrm>
-                    <a:off x="4968240" y="4676814"/>
-                    <a:ext cx="125422" cy="163074"/>
+                    <a:off x="8176260" y="3146317"/>
+                    <a:ext cx="495300" cy="348134"/>
                   </a:xfrm>
-                  <a:prstGeom prst="line">
+                  <a:prstGeom prst="rect">
                     <a:avLst/>
                   </a:prstGeom>
-                  <a:ln>
-                    <a:noFill/>
-                  </a:ln>
+                  <a:noFill/>
                 </p:spPr>
-                <p:style>
-                  <a:lnRef idx="1">
-                    <a:schemeClr val="accent1"/>
-                  </a:lnRef>
-                  <a:fillRef idx="0">
-                    <a:schemeClr val="accent1"/>
-                  </a:fillRef>
-                  <a:effectRef idx="0">
-                    <a:schemeClr val="accent1"/>
-                  </a:effectRef>
-                  <a:fontRef idx="minor">
-                    <a:schemeClr val="tx1"/>
-                  </a:fontRef>
-                </p:style>
-              </p:cxnSp>
+                <p:txBody>
+                  <a:bodyPr wrap="none" lIns="0" tIns="0" rIns="0" bIns="0" rtlCol="0">
+                    <a:noAutofit/>
+                  </a:bodyPr>
+                  <a:lstStyle/>
+                  <a:p>
+                    <a:pPr marR="0" defTabSz="914400" eaLnBrk="1" fontAlgn="auto" latinLnBrk="0" hangingPunct="1">
+                      <a:lnSpc>
+                        <a:spcPts val="2300"/>
+                      </a:lnSpc>
+                      <a:spcBef>
+                        <a:spcPts val="500"/>
+                      </a:spcBef>
+                      <a:spcAft>
+                        <a:spcPts val="0"/>
+                      </a:spcAft>
+                      <a:buClrTx/>
+                      <a:buSzTx/>
+                      <a:buFontTx/>
+                      <a:buNone/>
+                      <a:tabLst/>
+                    </a:pPr>
+                    <a:r>
+                      <a:rPr kumimoji="0" lang="de-DE" sz="1000" b="0" i="0" u="none" strike="noStrike" kern="0" cap="none" spc="0" normalizeH="0" baseline="0" noProof="0" dirty="0">
+                        <a:solidFill>
+                          <a:srgbClr val="000000"/>
+                        </a:solidFill>
+                        <a:effectLst/>
+                        <a:uLnTx/>
+                        <a:uFillTx/>
+                      </a:rPr>
+                      <a:t>T = 60days</a:t>
+                    </a:r>
+                    <a:endParaRPr kumimoji="0" lang="en-US" sz="1000" b="0" i="0" u="none" strike="noStrike" kern="0" cap="none" spc="0" normalizeH="0" baseline="0" noProof="0" dirty="0">
+                      <a:solidFill>
+                        <a:srgbClr val="000000"/>
+                      </a:solidFill>
+                      <a:effectLst/>
+                      <a:uLnTx/>
+                      <a:uFillTx/>
+                    </a:endParaRPr>
+                  </a:p>
+                </p:txBody>
+              </p:sp>
             </p:grpSp>
             <p:sp>
               <p:nvSpPr>
-                <p:cNvPr id="1055" name="Textfeld 1054">
+                <p:cNvPr id="40" name="Textfeld 39">
                   <a:extLst>
                     <a:ext uri="{FF2B5EF4-FFF2-40B4-BE49-F238E27FC236}">
-                      <a16:creationId xmlns:a16="http://schemas.microsoft.com/office/drawing/2014/main" id="{D6B1ACDB-5605-9DBD-2D43-27D304D12A81}"/>
+                      <a16:creationId xmlns:a16="http://schemas.microsoft.com/office/drawing/2014/main" id="{308B60D0-FFB4-0646-8642-26596FF47CA5}"/>
                     </a:ext>
                   </a:extLst>
                 </p:cNvPr>
@@ -30590,16 +25927,13 @@
               </p:nvSpPr>
               <p:spPr>
                 <a:xfrm>
-                  <a:off x="3345181" y="4343245"/>
-                  <a:ext cx="1749827" cy="326130"/>
+                  <a:off x="4762266" y="644913"/>
+                  <a:ext cx="914400" cy="362393"/>
                 </a:xfrm>
                 <a:prstGeom prst="rect">
                   <a:avLst/>
                 </a:prstGeom>
                 <a:noFill/>
-                <a:ln>
-                  <a:noFill/>
-                </a:ln>
               </p:spPr>
               <p:txBody>
                 <a:bodyPr wrap="none" lIns="0" tIns="0" rIns="0" bIns="0" rtlCol="0">
@@ -30624,151 +25958,105 @@
                     <a:tabLst/>
                   </a:pPr>
                   <a:r>
-                    <a:rPr kumimoji="0" lang="de-DE" sz="600" b="1" i="0" u="none" strike="noStrike" kern="0" cap="none" spc="0" normalizeH="0" baseline="0" noProof="0" dirty="0">
+                    <a:rPr kumimoji="0" lang="de-DE" sz="1200" b="0" i="0" u="none" strike="noStrike" kern="0" cap="none" spc="0" normalizeH="0" baseline="0" noProof="0" dirty="0" err="1">
                       <a:ln>
                         <a:noFill/>
                       </a:ln>
                       <a:solidFill>
-                        <a:srgbClr val="00B050"/>
+                        <a:schemeClr val="accent3">
+                          <a:lumMod val="75000"/>
+                        </a:schemeClr>
                       </a:solidFill>
                       <a:effectLst/>
                       <a:uLnTx/>
                       <a:uFillTx/>
                     </a:rPr>
-                    <a:t>Models </a:t>
+                    <a:t>Temperature</a:t>
                   </a:r>
+                  <a:endParaRPr kumimoji="0" lang="en-US" sz="1200" b="0" i="0" u="none" strike="noStrike" kern="0" cap="none" spc="0" normalizeH="0" baseline="0" noProof="0" dirty="0">
+                    <a:ln>
+                      <a:noFill/>
+                    </a:ln>
+                    <a:solidFill>
+                      <a:schemeClr val="accent3">
+                        <a:lumMod val="75000"/>
+                      </a:schemeClr>
+                    </a:solidFill>
+                    <a:effectLst/>
+                    <a:uLnTx/>
+                    <a:uFillTx/>
+                  </a:endParaRPr>
+                </a:p>
+              </p:txBody>
+            </p:sp>
+            <p:sp>
+              <p:nvSpPr>
+                <p:cNvPr id="41" name="Textfeld 40">
+                  <a:extLst>
+                    <a:ext uri="{FF2B5EF4-FFF2-40B4-BE49-F238E27FC236}">
+                      <a16:creationId xmlns:a16="http://schemas.microsoft.com/office/drawing/2014/main" id="{818BA447-225D-05AA-CB8E-CB353DF8DF63}"/>
+                    </a:ext>
+                  </a:extLst>
+                </p:cNvPr>
+                <p:cNvSpPr txBox="1"/>
+                <p:nvPr/>
+              </p:nvSpPr>
+              <p:spPr>
+                <a:xfrm>
+                  <a:off x="10050759" y="2494910"/>
+                  <a:ext cx="914400" cy="362393"/>
+                </a:xfrm>
+                <a:prstGeom prst="rect">
+                  <a:avLst/>
+                </a:prstGeom>
+                <a:noFill/>
+              </p:spPr>
+              <p:txBody>
+                <a:bodyPr wrap="none" lIns="0" tIns="0" rIns="0" bIns="0" rtlCol="0">
+                  <a:noAutofit/>
+                </a:bodyPr>
+                <a:lstStyle/>
+                <a:p>
+                  <a:pPr marR="0" defTabSz="914400" eaLnBrk="1" fontAlgn="auto" latinLnBrk="0" hangingPunct="1">
+                    <a:lnSpc>
+                      <a:spcPts val="2300"/>
+                    </a:lnSpc>
+                    <a:spcBef>
+                      <a:spcPts val="500"/>
+                    </a:spcBef>
+                    <a:spcAft>
+                      <a:spcPts val="0"/>
+                    </a:spcAft>
+                    <a:buClrTx/>
+                    <a:buSzTx/>
+                    <a:buFontTx/>
+                    <a:buNone/>
+                    <a:tabLst/>
+                  </a:pPr>
                   <a:r>
-                    <a:rPr kumimoji="0" lang="de-DE" sz="600" b="1" i="0" u="none" strike="noStrike" kern="0" cap="none" spc="0" normalizeH="0" baseline="0" noProof="0" dirty="0" err="1">
+                    <a:rPr kumimoji="0" lang="de-DE" sz="1200" b="0" i="0" u="none" strike="noStrike" kern="0" cap="none" spc="0" normalizeH="0" baseline="0" noProof="0" dirty="0">
                       <a:ln>
                         <a:noFill/>
                       </a:ln>
                       <a:solidFill>
-                        <a:srgbClr val="00B050"/>
+                        <a:schemeClr val="accent3">
+                          <a:lumMod val="75000"/>
+                        </a:schemeClr>
                       </a:solidFill>
                       <a:effectLst/>
                       <a:uLnTx/>
                       <a:uFillTx/>
                     </a:rPr>
-                    <a:t>learn</a:t>
+                    <a:t>Time</a:t>
                   </a:r>
-                  <a:r>
-                    <a:rPr kumimoji="0" lang="de-DE" sz="600" b="1" i="0" u="none" strike="noStrike" kern="0" cap="none" spc="0" normalizeH="0" baseline="0" noProof="0" dirty="0">
-                      <a:ln>
-                        <a:noFill/>
-                      </a:ln>
-                      <a:solidFill>
-                        <a:srgbClr val="00B050"/>
-                      </a:solidFill>
-                      <a:effectLst/>
-                      <a:uLnTx/>
-                      <a:uFillTx/>
-                    </a:rPr>
-                    <a:t> </a:t>
-                  </a:r>
-                  <a:r>
-                    <a:rPr kumimoji="0" lang="de-DE" sz="600" b="1" i="0" u="none" strike="noStrike" kern="0" cap="none" spc="0" normalizeH="0" baseline="0" noProof="0" dirty="0" err="1">
-                      <a:ln>
-                        <a:noFill/>
-                      </a:ln>
-                      <a:solidFill>
-                        <a:srgbClr val="00B050"/>
-                      </a:solidFill>
-                      <a:effectLst/>
-                      <a:uLnTx/>
-                      <a:uFillTx/>
-                    </a:rPr>
-                    <a:t>from</a:t>
-                  </a:r>
-                  <a:r>
-                    <a:rPr kumimoji="0" lang="de-DE" sz="600" b="1" i="0" u="none" strike="noStrike" kern="0" cap="none" spc="0" normalizeH="0" baseline="0" noProof="0" dirty="0">
-                      <a:ln>
-                        <a:noFill/>
-                      </a:ln>
-                      <a:solidFill>
-                        <a:srgbClr val="00B050"/>
-                      </a:solidFill>
-                      <a:effectLst/>
-                      <a:uLnTx/>
-                      <a:uFillTx/>
-                    </a:rPr>
-                    <a:t> </a:t>
-                  </a:r>
-                  <a:r>
-                    <a:rPr kumimoji="0" lang="de-DE" sz="600" b="1" i="0" u="none" strike="noStrike" kern="0" cap="none" spc="0" normalizeH="0" baseline="0" noProof="0" dirty="0" err="1">
-                      <a:ln>
-                        <a:noFill/>
-                      </a:ln>
-                      <a:solidFill>
-                        <a:srgbClr val="00B050"/>
-                      </a:solidFill>
-                      <a:effectLst/>
-                      <a:uLnTx/>
-                      <a:uFillTx/>
-                    </a:rPr>
-                    <a:t>complete</a:t>
-                  </a:r>
-                  <a:r>
-                    <a:rPr kumimoji="0" lang="de-DE" sz="600" b="1" i="0" u="none" strike="noStrike" kern="0" cap="none" spc="0" normalizeH="0" baseline="0" noProof="0" dirty="0">
-                      <a:ln>
-                        <a:noFill/>
-                      </a:ln>
-                      <a:solidFill>
-                        <a:srgbClr val="00B050"/>
-                      </a:solidFill>
-                      <a:effectLst/>
-                      <a:uLnTx/>
-                      <a:uFillTx/>
-                    </a:rPr>
-                    <a:t> </a:t>
-                  </a:r>
-                  <a:r>
-                    <a:rPr kumimoji="0" lang="de-DE" sz="600" b="1" i="0" u="none" strike="noStrike" kern="0" cap="none" spc="0" normalizeH="0" baseline="0" noProof="0" dirty="0" err="1">
-                      <a:ln>
-                        <a:noFill/>
-                      </a:ln>
-                      <a:solidFill>
-                        <a:srgbClr val="00B050"/>
-                      </a:solidFill>
-                      <a:effectLst/>
-                      <a:uLnTx/>
-                      <a:uFillTx/>
-                    </a:rPr>
-                    <a:t>trends</a:t>
-                  </a:r>
-                  <a:r>
-                    <a:rPr kumimoji="0" lang="de-DE" sz="600" b="1" i="0" u="none" strike="noStrike" kern="0" cap="none" spc="0" normalizeH="0" baseline="0" noProof="0" dirty="0">
-                      <a:ln>
-                        <a:noFill/>
-                      </a:ln>
-                      <a:solidFill>
-                        <a:srgbClr val="00B050"/>
-                      </a:solidFill>
-                      <a:effectLst/>
-                      <a:uLnTx/>
-                      <a:uFillTx/>
-                    </a:rPr>
-                    <a:t> not </a:t>
-                  </a:r>
-                  <a:r>
-                    <a:rPr kumimoji="0" lang="de-DE" sz="600" b="1" i="0" u="none" strike="noStrike" kern="0" cap="none" spc="0" normalizeH="0" baseline="0" noProof="0" dirty="0" err="1">
-                      <a:ln>
-                        <a:noFill/>
-                      </a:ln>
-                      <a:solidFill>
-                        <a:srgbClr val="00B050"/>
-                      </a:solidFill>
-                      <a:effectLst/>
-                      <a:uLnTx/>
-                      <a:uFillTx/>
-                    </a:rPr>
-                    <a:t>points</a:t>
-                  </a:r>
-                  <a:endParaRPr kumimoji="0" lang="en-US" sz="600" b="1" i="0" u="none" strike="noStrike" kern="0" cap="none" spc="0" normalizeH="0" baseline="0" noProof="0" dirty="0">
+                  <a:endParaRPr kumimoji="0" lang="en-US" sz="1200" b="0" i="0" u="none" strike="noStrike" kern="0" cap="none" spc="0" normalizeH="0" baseline="0" noProof="0" dirty="0">
                     <a:ln>
                       <a:noFill/>
                     </a:ln>
                     <a:solidFill>
-                      <a:srgbClr val="00B050"/>
+                      <a:schemeClr val="accent3">
+                        <a:lumMod val="75000"/>
+                      </a:schemeClr>
                     </a:solidFill>
                     <a:effectLst/>
                     <a:uLnTx/>
@@ -30781,10 +26069,10 @@
         </p:grpSp>
         <p:grpSp>
           <p:nvGrpSpPr>
-            <p:cNvPr id="1079" name="Gruppieren 1078">
+            <p:cNvPr id="1031" name="Gruppieren 1030">
               <a:extLst>
                 <a:ext uri="{FF2B5EF4-FFF2-40B4-BE49-F238E27FC236}">
-                  <a16:creationId xmlns:a16="http://schemas.microsoft.com/office/drawing/2014/main" id="{35EF5F57-3056-F99E-BC6E-3DD8895174C9}"/>
+                  <a16:creationId xmlns:a16="http://schemas.microsoft.com/office/drawing/2014/main" id="{B3838F09-DEDF-2509-1813-F36976203385}"/>
                 </a:ext>
               </a:extLst>
             </p:cNvPr>
@@ -30793,510 +26081,1085 @@
           </p:nvGrpSpPr>
           <p:grpSpPr>
             <a:xfrm>
-              <a:off x="3553798" y="4770770"/>
-              <a:ext cx="1471966" cy="478838"/>
-              <a:chOff x="3553798" y="4770770"/>
-              <a:chExt cx="1471966" cy="478838"/>
+              <a:off x="5066912" y="1306655"/>
+              <a:ext cx="628960" cy="1368795"/>
+              <a:chOff x="5056833" y="1304544"/>
+              <a:chExt cx="628960" cy="1368795"/>
             </a:xfrm>
           </p:grpSpPr>
-          <p:grpSp>
-            <p:nvGrpSpPr>
-              <p:cNvPr id="1069" name="Gruppieren 1068">
+          <p:cxnSp>
+            <p:nvCxnSpPr>
+              <p:cNvPr id="56" name="Gerader Verbinder 55">
                 <a:extLst>
                   <a:ext uri="{FF2B5EF4-FFF2-40B4-BE49-F238E27FC236}">
-                    <a16:creationId xmlns:a16="http://schemas.microsoft.com/office/drawing/2014/main" id="{4B5EAECB-6FE0-1904-A0B7-B0B709661D97}"/>
+                    <a16:creationId xmlns:a16="http://schemas.microsoft.com/office/drawing/2014/main" id="{B86013D5-C8A0-A642-5785-A6F28FA78229}"/>
                   </a:ext>
                 </a:extLst>
               </p:cNvPr>
-              <p:cNvGrpSpPr/>
+              <p:cNvCxnSpPr>
+                <a:cxnSpLocks/>
+                <a:endCxn id="33" idx="1"/>
+              </p:cNvCxnSpPr>
               <p:nvPr/>
-            </p:nvGrpSpPr>
-            <p:grpSpPr>
-              <a:xfrm>
-                <a:off x="3553798" y="4770770"/>
-                <a:ext cx="637947" cy="478838"/>
-                <a:chOff x="1456781" y="3546569"/>
-                <a:chExt cx="2566579" cy="1752600"/>
+            </p:nvCxnSpPr>
+            <p:spPr>
+              <a:xfrm flipH="1" flipV="1">
+                <a:off x="5056833" y="2179320"/>
+                <a:ext cx="384" cy="494019"/>
               </a:xfrm>
-            </p:grpSpPr>
-            <p:sp>
-              <p:nvSpPr>
-                <p:cNvPr id="1065" name="Freihandform: Form 1064">
-                  <a:extLst>
-                    <a:ext uri="{FF2B5EF4-FFF2-40B4-BE49-F238E27FC236}">
-                      <a16:creationId xmlns:a16="http://schemas.microsoft.com/office/drawing/2014/main" id="{A9E8ED2B-73C9-6F49-AAA9-AC1A779796B4}"/>
-                    </a:ext>
-                  </a:extLst>
-                </p:cNvPr>
-                <p:cNvSpPr/>
-                <p:nvPr/>
-              </p:nvSpPr>
-              <p:spPr>
-                <a:xfrm>
-                  <a:off x="1459429" y="3839342"/>
-                  <a:ext cx="2302581" cy="1444833"/>
-                </a:xfrm>
-                <a:custGeom>
-                  <a:avLst/>
-                  <a:gdLst>
-                    <a:gd name="connsiteX0" fmla="*/ 0 w 3352800"/>
-                    <a:gd name="connsiteY0" fmla="*/ 1533913 h 1632973"/>
-                    <a:gd name="connsiteX1" fmla="*/ 160020 w 3352800"/>
-                    <a:gd name="connsiteY1" fmla="*/ 1488193 h 1632973"/>
-                    <a:gd name="connsiteX2" fmla="*/ 624840 w 3352800"/>
-                    <a:gd name="connsiteY2" fmla="*/ 1023373 h 1632973"/>
-                    <a:gd name="connsiteX3" fmla="*/ 1226820 w 3352800"/>
-                    <a:gd name="connsiteY3" fmla="*/ 985273 h 1632973"/>
-                    <a:gd name="connsiteX4" fmla="*/ 1577340 w 3352800"/>
-                    <a:gd name="connsiteY4" fmla="*/ 1008133 h 1632973"/>
-                    <a:gd name="connsiteX5" fmla="*/ 1973580 w 3352800"/>
-                    <a:gd name="connsiteY5" fmla="*/ 909073 h 1632973"/>
-                    <a:gd name="connsiteX6" fmla="*/ 2263140 w 3352800"/>
-                    <a:gd name="connsiteY6" fmla="*/ 528073 h 1632973"/>
-                    <a:gd name="connsiteX7" fmla="*/ 2636520 w 3352800"/>
-                    <a:gd name="connsiteY7" fmla="*/ 421393 h 1632973"/>
-                    <a:gd name="connsiteX8" fmla="*/ 2987040 w 3352800"/>
-                    <a:gd name="connsiteY8" fmla="*/ 48013 h 1632973"/>
-                    <a:gd name="connsiteX9" fmla="*/ 3352800 w 3352800"/>
-                    <a:gd name="connsiteY9" fmla="*/ 1632973 h 1632973"/>
-                    <a:gd name="connsiteX0" fmla="*/ 0 w 3348990"/>
-                    <a:gd name="connsiteY0" fmla="*/ 1533913 h 1559901"/>
-                    <a:gd name="connsiteX1" fmla="*/ 160020 w 3348990"/>
-                    <a:gd name="connsiteY1" fmla="*/ 1488193 h 1559901"/>
-                    <a:gd name="connsiteX2" fmla="*/ 624840 w 3348990"/>
-                    <a:gd name="connsiteY2" fmla="*/ 1023373 h 1559901"/>
-                    <a:gd name="connsiteX3" fmla="*/ 1226820 w 3348990"/>
-                    <a:gd name="connsiteY3" fmla="*/ 985273 h 1559901"/>
-                    <a:gd name="connsiteX4" fmla="*/ 1577340 w 3348990"/>
-                    <a:gd name="connsiteY4" fmla="*/ 1008133 h 1559901"/>
-                    <a:gd name="connsiteX5" fmla="*/ 1973580 w 3348990"/>
-                    <a:gd name="connsiteY5" fmla="*/ 909073 h 1559901"/>
-                    <a:gd name="connsiteX6" fmla="*/ 2263140 w 3348990"/>
-                    <a:gd name="connsiteY6" fmla="*/ 528073 h 1559901"/>
-                    <a:gd name="connsiteX7" fmla="*/ 2636520 w 3348990"/>
-                    <a:gd name="connsiteY7" fmla="*/ 421393 h 1559901"/>
-                    <a:gd name="connsiteX8" fmla="*/ 2987040 w 3348990"/>
-                    <a:gd name="connsiteY8" fmla="*/ 48013 h 1559901"/>
-                    <a:gd name="connsiteX9" fmla="*/ 3348990 w 3348990"/>
-                    <a:gd name="connsiteY9" fmla="*/ 1559901 h 1559901"/>
-                    <a:gd name="connsiteX0" fmla="*/ 0 w 3384550"/>
-                    <a:gd name="connsiteY0" fmla="*/ 1569808 h 1578209"/>
-                    <a:gd name="connsiteX1" fmla="*/ 195580 w 3384550"/>
-                    <a:gd name="connsiteY1" fmla="*/ 1488193 h 1578209"/>
-                    <a:gd name="connsiteX2" fmla="*/ 660400 w 3384550"/>
-                    <a:gd name="connsiteY2" fmla="*/ 1023373 h 1578209"/>
-                    <a:gd name="connsiteX3" fmla="*/ 1262380 w 3384550"/>
-                    <a:gd name="connsiteY3" fmla="*/ 985273 h 1578209"/>
-                    <a:gd name="connsiteX4" fmla="*/ 1612900 w 3384550"/>
-                    <a:gd name="connsiteY4" fmla="*/ 1008133 h 1578209"/>
-                    <a:gd name="connsiteX5" fmla="*/ 2009140 w 3384550"/>
-                    <a:gd name="connsiteY5" fmla="*/ 909073 h 1578209"/>
-                    <a:gd name="connsiteX6" fmla="*/ 2298700 w 3384550"/>
-                    <a:gd name="connsiteY6" fmla="*/ 528073 h 1578209"/>
-                    <a:gd name="connsiteX7" fmla="*/ 2672080 w 3384550"/>
-                    <a:gd name="connsiteY7" fmla="*/ 421393 h 1578209"/>
-                    <a:gd name="connsiteX8" fmla="*/ 3022600 w 3384550"/>
-                    <a:gd name="connsiteY8" fmla="*/ 48013 h 1578209"/>
-                    <a:gd name="connsiteX9" fmla="*/ 3384550 w 3384550"/>
-                    <a:gd name="connsiteY9" fmla="*/ 1559901 h 1578209"/>
-                    <a:gd name="connsiteX0" fmla="*/ 0 w 3359150"/>
-                    <a:gd name="connsiteY0" fmla="*/ 1523657 h 1559901"/>
-                    <a:gd name="connsiteX1" fmla="*/ 170180 w 3359150"/>
-                    <a:gd name="connsiteY1" fmla="*/ 1488193 h 1559901"/>
-                    <a:gd name="connsiteX2" fmla="*/ 635000 w 3359150"/>
-                    <a:gd name="connsiteY2" fmla="*/ 1023373 h 1559901"/>
-                    <a:gd name="connsiteX3" fmla="*/ 1236980 w 3359150"/>
-                    <a:gd name="connsiteY3" fmla="*/ 985273 h 1559901"/>
-                    <a:gd name="connsiteX4" fmla="*/ 1587500 w 3359150"/>
-                    <a:gd name="connsiteY4" fmla="*/ 1008133 h 1559901"/>
-                    <a:gd name="connsiteX5" fmla="*/ 1983740 w 3359150"/>
-                    <a:gd name="connsiteY5" fmla="*/ 909073 h 1559901"/>
-                    <a:gd name="connsiteX6" fmla="*/ 2273300 w 3359150"/>
-                    <a:gd name="connsiteY6" fmla="*/ 528073 h 1559901"/>
-                    <a:gd name="connsiteX7" fmla="*/ 2646680 w 3359150"/>
-                    <a:gd name="connsiteY7" fmla="*/ 421393 h 1559901"/>
-                    <a:gd name="connsiteX8" fmla="*/ 2997200 w 3359150"/>
-                    <a:gd name="connsiteY8" fmla="*/ 48013 h 1559901"/>
-                    <a:gd name="connsiteX9" fmla="*/ 3359150 w 3359150"/>
-                    <a:gd name="connsiteY9" fmla="*/ 1559901 h 1559901"/>
-                  </a:gdLst>
-                  <a:ahLst/>
-                  <a:cxnLst>
-                    <a:cxn ang="0">
-                      <a:pos x="connsiteX0" y="connsiteY0"/>
-                    </a:cxn>
-                    <a:cxn ang="0">
-                      <a:pos x="connsiteX1" y="connsiteY1"/>
-                    </a:cxn>
-                    <a:cxn ang="0">
-                      <a:pos x="connsiteX2" y="connsiteY2"/>
-                    </a:cxn>
-                    <a:cxn ang="0">
-                      <a:pos x="connsiteX3" y="connsiteY3"/>
-                    </a:cxn>
-                    <a:cxn ang="0">
-                      <a:pos x="connsiteX4" y="connsiteY4"/>
-                    </a:cxn>
-                    <a:cxn ang="0">
-                      <a:pos x="connsiteX5" y="connsiteY5"/>
-                    </a:cxn>
-                    <a:cxn ang="0">
-                      <a:pos x="connsiteX6" y="connsiteY6"/>
-                    </a:cxn>
-                    <a:cxn ang="0">
-                      <a:pos x="connsiteX7" y="connsiteY7"/>
-                    </a:cxn>
-                    <a:cxn ang="0">
-                      <a:pos x="connsiteX8" y="connsiteY8"/>
-                    </a:cxn>
-                    <a:cxn ang="0">
-                      <a:pos x="connsiteX9" y="connsiteY9"/>
-                    </a:cxn>
-                  </a:cxnLst>
-                  <a:rect l="l" t="t" r="r" b="b"/>
-                  <a:pathLst>
-                    <a:path w="3359150" h="1559901">
-                      <a:moveTo>
-                        <a:pt x="0" y="1523657"/>
-                      </a:moveTo>
-                      <a:cubicBezTo>
-                        <a:pt x="27940" y="1543342"/>
-                        <a:pt x="64347" y="1571574"/>
-                        <a:pt x="170180" y="1488193"/>
-                      </a:cubicBezTo>
-                      <a:cubicBezTo>
-                        <a:pt x="276013" y="1404812"/>
-                        <a:pt x="457200" y="1107193"/>
-                        <a:pt x="635000" y="1023373"/>
-                      </a:cubicBezTo>
-                      <a:cubicBezTo>
-                        <a:pt x="812800" y="939553"/>
-                        <a:pt x="1078230" y="987813"/>
-                        <a:pt x="1236980" y="985273"/>
-                      </a:cubicBezTo>
-                      <a:cubicBezTo>
-                        <a:pt x="1395730" y="982733"/>
-                        <a:pt x="1463040" y="1020833"/>
-                        <a:pt x="1587500" y="1008133"/>
-                      </a:cubicBezTo>
-                      <a:cubicBezTo>
-                        <a:pt x="1711960" y="995433"/>
-                        <a:pt x="1869440" y="989083"/>
-                        <a:pt x="1983740" y="909073"/>
-                      </a:cubicBezTo>
-                      <a:cubicBezTo>
-                        <a:pt x="2098040" y="829063"/>
-                        <a:pt x="2162810" y="609353"/>
-                        <a:pt x="2273300" y="528073"/>
-                      </a:cubicBezTo>
-                      <a:cubicBezTo>
-                        <a:pt x="2383790" y="446793"/>
-                        <a:pt x="2526030" y="501403"/>
-                        <a:pt x="2646680" y="421393"/>
-                      </a:cubicBezTo>
-                      <a:cubicBezTo>
-                        <a:pt x="2767330" y="341383"/>
-                        <a:pt x="2877820" y="-153917"/>
-                        <a:pt x="2997200" y="48013"/>
-                      </a:cubicBezTo>
-                      <a:cubicBezTo>
-                        <a:pt x="3116580" y="249943"/>
-                        <a:pt x="3235960" y="868386"/>
-                        <a:pt x="3359150" y="1559901"/>
-                      </a:cubicBezTo>
-                    </a:path>
-                  </a:pathLst>
-                </a:custGeom>
-                <a:ln/>
-              </p:spPr>
-              <p:style>
-                <a:lnRef idx="3">
-                  <a:schemeClr val="accent2"/>
-                </a:lnRef>
-                <a:fillRef idx="0">
-                  <a:schemeClr val="accent2"/>
-                </a:fillRef>
-                <a:effectRef idx="2">
-                  <a:schemeClr val="accent2"/>
-                </a:effectRef>
-                <a:fontRef idx="minor">
-                  <a:schemeClr val="tx1"/>
-                </a:fontRef>
-              </p:style>
-              <p:txBody>
-                <a:bodyPr rtlCol="0" anchor="ctr"/>
-                <a:lstStyle/>
-                <a:p>
-                  <a:pPr algn="ctr"/>
-                  <a:endParaRPr lang="en-US"/>
-                </a:p>
-              </p:txBody>
-            </p:sp>
-            <p:cxnSp>
-              <p:nvCxnSpPr>
-                <p:cNvPr id="1066" name="Gerader Verbinder 1065">
-                  <a:extLst>
-                    <a:ext uri="{FF2B5EF4-FFF2-40B4-BE49-F238E27FC236}">
-                      <a16:creationId xmlns:a16="http://schemas.microsoft.com/office/drawing/2014/main" id="{79F23B0E-865F-C39D-E41B-7779B5EF3975}"/>
-                    </a:ext>
-                  </a:extLst>
-                </p:cNvPr>
-                <p:cNvCxnSpPr>
-                  <a:cxnSpLocks/>
-                </p:cNvCxnSpPr>
-                <p:nvPr/>
-              </p:nvCxnSpPr>
-              <p:spPr>
-                <a:xfrm>
-                  <a:off x="1468880" y="3546569"/>
-                  <a:ext cx="0" cy="1752600"/>
-                </a:xfrm>
-                <a:prstGeom prst="line">
-                  <a:avLst/>
-                </a:prstGeom>
-                <a:ln w="76200"/>
-              </p:spPr>
-              <p:style>
-                <a:lnRef idx="3">
-                  <a:schemeClr val="accent3"/>
-                </a:lnRef>
-                <a:fillRef idx="0">
-                  <a:schemeClr val="accent3"/>
-                </a:fillRef>
-                <a:effectRef idx="2">
-                  <a:schemeClr val="accent3"/>
-                </a:effectRef>
-                <a:fontRef idx="minor">
-                  <a:schemeClr val="tx1"/>
-                </a:fontRef>
-              </p:style>
-            </p:cxnSp>
-            <p:cxnSp>
-              <p:nvCxnSpPr>
-                <p:cNvPr id="1067" name="Gerader Verbinder 1066">
-                  <a:extLst>
-                    <a:ext uri="{FF2B5EF4-FFF2-40B4-BE49-F238E27FC236}">
-                      <a16:creationId xmlns:a16="http://schemas.microsoft.com/office/drawing/2014/main" id="{9B987C47-2516-B2C6-51B0-FB76ECF9EA2F}"/>
-                    </a:ext>
-                  </a:extLst>
-                </p:cNvPr>
-                <p:cNvCxnSpPr>
-                  <a:cxnSpLocks/>
-                </p:cNvCxnSpPr>
-                <p:nvPr/>
-              </p:nvCxnSpPr>
-              <p:spPr>
-                <a:xfrm flipV="1">
-                  <a:off x="1456781" y="5285205"/>
-                  <a:ext cx="2566579" cy="12934"/>
-                </a:xfrm>
-                <a:prstGeom prst="line">
-                  <a:avLst/>
-                </a:prstGeom>
-                <a:ln w="76200"/>
-              </p:spPr>
-              <p:style>
-                <a:lnRef idx="3">
-                  <a:schemeClr val="accent3"/>
-                </a:lnRef>
-                <a:fillRef idx="0">
-                  <a:schemeClr val="accent3"/>
-                </a:fillRef>
-                <a:effectRef idx="2">
-                  <a:schemeClr val="accent3"/>
-                </a:effectRef>
-                <a:fontRef idx="minor">
-                  <a:schemeClr val="tx1"/>
-                </a:fontRef>
-              </p:style>
-            </p:cxnSp>
-          </p:grpSp>
-          <p:grpSp>
-            <p:nvGrpSpPr>
-              <p:cNvPr id="1078" name="Gruppieren 1077">
+              <a:prstGeom prst="line">
+                <a:avLst/>
+              </a:prstGeom>
+              <a:ln>
+                <a:solidFill>
+                  <a:srgbClr val="00B050"/>
+                </a:solidFill>
+              </a:ln>
+            </p:spPr>
+            <p:style>
+              <a:lnRef idx="1">
+                <a:schemeClr val="accent1"/>
+              </a:lnRef>
+              <a:fillRef idx="0">
+                <a:schemeClr val="accent1"/>
+              </a:fillRef>
+              <a:effectRef idx="0">
+                <a:schemeClr val="accent1"/>
+              </a:effectRef>
+              <a:fontRef idx="minor">
+                <a:schemeClr val="tx1"/>
+              </a:fontRef>
+            </p:style>
+          </p:cxnSp>
+          <p:cxnSp>
+            <p:nvCxnSpPr>
+              <p:cNvPr id="60" name="Gerader Verbinder 59">
                 <a:extLst>
                   <a:ext uri="{FF2B5EF4-FFF2-40B4-BE49-F238E27FC236}">
-                    <a16:creationId xmlns:a16="http://schemas.microsoft.com/office/drawing/2014/main" id="{2EB4F31A-B208-52D9-5591-10B4738479D3}"/>
+                    <a16:creationId xmlns:a16="http://schemas.microsoft.com/office/drawing/2014/main" id="{193112BF-9169-558B-217B-0AF32C6AD3CA}"/>
                   </a:ext>
                 </a:extLst>
               </p:cNvPr>
-              <p:cNvGrpSpPr/>
+              <p:cNvCxnSpPr/>
               <p:nvPr/>
-            </p:nvGrpSpPr>
-            <p:grpSpPr>
-              <a:xfrm>
-                <a:off x="4886077" y="4812283"/>
-                <a:ext cx="139687" cy="163074"/>
-                <a:chOff x="4886077" y="4812283"/>
-                <a:chExt cx="139687" cy="163074"/>
+            </p:nvCxnSpPr>
+            <p:spPr>
+              <a:xfrm flipV="1">
+                <a:off x="5219466" y="1982132"/>
+                <a:ext cx="0" cy="691207"/>
               </a:xfrm>
-            </p:grpSpPr>
-            <p:grpSp>
-              <p:nvGrpSpPr>
-                <p:cNvPr id="1074" name="Gruppieren 1073">
-                  <a:extLst>
-                    <a:ext uri="{FF2B5EF4-FFF2-40B4-BE49-F238E27FC236}">
-                      <a16:creationId xmlns:a16="http://schemas.microsoft.com/office/drawing/2014/main" id="{AF666AEF-9689-7CD0-9621-AFE40708A0BC}"/>
-                    </a:ext>
-                  </a:extLst>
-                </p:cNvPr>
-                <p:cNvGrpSpPr/>
-                <p:nvPr/>
-              </p:nvGrpSpPr>
-              <p:grpSpPr>
-                <a:xfrm>
-                  <a:off x="4886077" y="4812283"/>
-                  <a:ext cx="139687" cy="163074"/>
-                  <a:chOff x="4707409" y="4847115"/>
-                  <a:chExt cx="139687" cy="163074"/>
-                </a:xfrm>
-              </p:grpSpPr>
-              <p:cxnSp>
-                <p:nvCxnSpPr>
-                  <p:cNvPr id="1071" name="Gerader Verbinder 1070">
-                    <a:extLst>
-                      <a:ext uri="{FF2B5EF4-FFF2-40B4-BE49-F238E27FC236}">
-                        <a16:creationId xmlns:a16="http://schemas.microsoft.com/office/drawing/2014/main" id="{7A6D3B3B-9DA4-B599-B3DA-31DA8C8BE799}"/>
-                      </a:ext>
-                    </a:extLst>
-                  </p:cNvPr>
-                  <p:cNvCxnSpPr/>
-                  <p:nvPr/>
-                </p:nvCxnSpPr>
-                <p:spPr>
-                  <a:xfrm>
-                    <a:off x="4707409" y="4847115"/>
-                    <a:ext cx="139687" cy="163074"/>
-                  </a:xfrm>
-                  <a:prstGeom prst="line">
-                    <a:avLst/>
-                  </a:prstGeom>
-                </p:spPr>
-                <p:style>
-                  <a:lnRef idx="1">
-                    <a:schemeClr val="accent1"/>
-                  </a:lnRef>
-                  <a:fillRef idx="0">
-                    <a:schemeClr val="accent1"/>
-                  </a:fillRef>
-                  <a:effectRef idx="0">
-                    <a:schemeClr val="accent1"/>
-                  </a:effectRef>
-                  <a:fontRef idx="minor">
-                    <a:schemeClr val="tx1"/>
-                  </a:fontRef>
-                </p:style>
-              </p:cxnSp>
-              <p:cxnSp>
-                <p:nvCxnSpPr>
-                  <p:cNvPr id="1073" name="Gerader Verbinder 1072">
-                    <a:extLst>
-                      <a:ext uri="{FF2B5EF4-FFF2-40B4-BE49-F238E27FC236}">
-                        <a16:creationId xmlns:a16="http://schemas.microsoft.com/office/drawing/2014/main" id="{DE2525AA-A10F-4C5D-46AF-4D2EC114D4C6}"/>
-                      </a:ext>
-                    </a:extLst>
-                  </p:cNvPr>
-                  <p:cNvCxnSpPr>
-                    <a:cxnSpLocks/>
-                  </p:cNvCxnSpPr>
-                  <p:nvPr/>
-                </p:nvCxnSpPr>
-                <p:spPr>
-                  <a:xfrm flipV="1">
-                    <a:off x="4707409" y="4847115"/>
-                    <a:ext cx="117723" cy="156939"/>
-                  </a:xfrm>
-                  <a:prstGeom prst="line">
-                    <a:avLst/>
-                  </a:prstGeom>
-                </p:spPr>
-                <p:style>
-                  <a:lnRef idx="1">
-                    <a:schemeClr val="accent1"/>
-                  </a:lnRef>
-                  <a:fillRef idx="0">
-                    <a:schemeClr val="accent1"/>
-                  </a:fillRef>
-                  <a:effectRef idx="0">
-                    <a:schemeClr val="accent1"/>
-                  </a:effectRef>
-                  <a:fontRef idx="minor">
-                    <a:schemeClr val="tx1"/>
-                  </a:fontRef>
-                </p:style>
-              </p:cxnSp>
-            </p:grpSp>
-            <p:sp>
-              <p:nvSpPr>
-                <p:cNvPr id="1075" name="Ellipse 1074">
-                  <a:extLst>
-                    <a:ext uri="{FF2B5EF4-FFF2-40B4-BE49-F238E27FC236}">
-                      <a16:creationId xmlns:a16="http://schemas.microsoft.com/office/drawing/2014/main" id="{6CB74EAF-9E67-956F-02C2-0764C8B441D4}"/>
-                    </a:ext>
-                  </a:extLst>
-                </p:cNvPr>
-                <p:cNvSpPr/>
-                <p:nvPr/>
-              </p:nvSpPr>
-              <p:spPr>
-                <a:xfrm>
-                  <a:off x="4926363" y="4869940"/>
-                  <a:ext cx="45719" cy="45719"/>
-                </a:xfrm>
-                <a:prstGeom prst="ellipse">
-                  <a:avLst/>
-                </a:prstGeom>
+              <a:prstGeom prst="line">
+                <a:avLst/>
+              </a:prstGeom>
+              <a:ln>
                 <a:solidFill>
-                  <a:srgbClr val="FF0000"/>
+                  <a:srgbClr val="00B050"/>
                 </a:solidFill>
-                <a:ln w="9525" cap="flat" cmpd="sng" algn="ctr">
-                  <a:solidFill>
-                    <a:srgbClr val="FF0000"/>
-                  </a:solidFill>
-                  <a:prstDash val="solid"/>
-                </a:ln>
-                <a:effectLst/>
-              </p:spPr>
-              <p:txBody>
-                <a:bodyPr rtlCol="0" anchor="ctr"/>
-                <a:lstStyle/>
-                <a:p>
-                  <a:pPr marL="0" marR="0" indent="0" algn="ctr" defTabSz="914400" eaLnBrk="1" fontAlgn="auto" latinLnBrk="0" hangingPunct="1">
-                    <a:lnSpc>
-                      <a:spcPct val="100000"/>
-                    </a:lnSpc>
-                    <a:spcBef>
-                      <a:spcPts val="0"/>
-                    </a:spcBef>
-                    <a:spcAft>
-                      <a:spcPts val="0"/>
-                    </a:spcAft>
-                    <a:buClrTx/>
-                    <a:buSzTx/>
-                    <a:buFontTx/>
-                    <a:buNone/>
-                    <a:tabLst/>
-                  </a:pPr>
-                  <a:endParaRPr kumimoji="0" lang="en-US" sz="1800" b="0" i="0" u="none" strike="noStrike" kern="0" cap="none" spc="0" normalizeH="0" baseline="0" noProof="0" dirty="0">
-                    <a:ln>
-                      <a:noFill/>
-                    </a:ln>
-                    <a:solidFill>
-                      <a:srgbClr val="000000"/>
-                    </a:solidFill>
-                    <a:effectLst/>
-                    <a:uLnTx/>
-                    <a:uFillTx/>
-                    <a:latin typeface="Bosch Office Sans"/>
-                    <a:ea typeface="+mn-ea"/>
-                    <a:cs typeface="+mn-cs"/>
-                  </a:endParaRPr>
-                </a:p>
-              </p:txBody>
-            </p:sp>
-          </p:grpSp>
+              </a:ln>
+            </p:spPr>
+            <p:style>
+              <a:lnRef idx="1">
+                <a:schemeClr val="accent1"/>
+              </a:lnRef>
+              <a:fillRef idx="0">
+                <a:schemeClr val="accent1"/>
+              </a:fillRef>
+              <a:effectRef idx="0">
+                <a:schemeClr val="accent1"/>
+              </a:effectRef>
+              <a:fontRef idx="minor">
+                <a:schemeClr val="tx1"/>
+              </a:fontRef>
+            </p:style>
+          </p:cxnSp>
+          <p:cxnSp>
+            <p:nvCxnSpPr>
+              <p:cNvPr id="61" name="Gerader Verbinder 60">
+                <a:extLst>
+                  <a:ext uri="{FF2B5EF4-FFF2-40B4-BE49-F238E27FC236}">
+                    <a16:creationId xmlns:a16="http://schemas.microsoft.com/office/drawing/2014/main" id="{1EEC275F-6360-3A41-F395-3B096B83FCC3}"/>
+                  </a:ext>
+                </a:extLst>
+              </p:cNvPr>
+              <p:cNvCxnSpPr>
+                <a:cxnSpLocks/>
+              </p:cNvCxnSpPr>
+              <p:nvPr/>
+            </p:nvCxnSpPr>
+            <p:spPr>
+              <a:xfrm flipV="1">
+                <a:off x="5371866" y="1883606"/>
+                <a:ext cx="0" cy="761291"/>
+              </a:xfrm>
+              <a:prstGeom prst="line">
+                <a:avLst/>
+              </a:prstGeom>
+              <a:ln>
+                <a:solidFill>
+                  <a:srgbClr val="00B050"/>
+                </a:solidFill>
+              </a:ln>
+            </p:spPr>
+            <p:style>
+              <a:lnRef idx="1">
+                <a:schemeClr val="accent1"/>
+              </a:lnRef>
+              <a:fillRef idx="0">
+                <a:schemeClr val="accent1"/>
+              </a:fillRef>
+              <a:effectRef idx="0">
+                <a:schemeClr val="accent1"/>
+              </a:effectRef>
+              <a:fontRef idx="minor">
+                <a:schemeClr val="tx1"/>
+              </a:fontRef>
+            </p:style>
+          </p:cxnSp>
+          <p:cxnSp>
+            <p:nvCxnSpPr>
+              <p:cNvPr id="1024" name="Gerader Verbinder 1023">
+                <a:extLst>
+                  <a:ext uri="{FF2B5EF4-FFF2-40B4-BE49-F238E27FC236}">
+                    <a16:creationId xmlns:a16="http://schemas.microsoft.com/office/drawing/2014/main" id="{E4C5F8BC-7EA9-A73A-7730-5A08AE544D69}"/>
+                  </a:ext>
+                </a:extLst>
+              </p:cNvPr>
+              <p:cNvCxnSpPr>
+                <a:cxnSpLocks/>
+              </p:cNvCxnSpPr>
+              <p:nvPr/>
+            </p:nvCxnSpPr>
+            <p:spPr>
+              <a:xfrm flipV="1">
+                <a:off x="5532103" y="1821180"/>
+                <a:ext cx="0" cy="823716"/>
+              </a:xfrm>
+              <a:prstGeom prst="line">
+                <a:avLst/>
+              </a:prstGeom>
+              <a:ln>
+                <a:solidFill>
+                  <a:srgbClr val="00B050"/>
+                </a:solidFill>
+              </a:ln>
+            </p:spPr>
+            <p:style>
+              <a:lnRef idx="1">
+                <a:schemeClr val="accent1"/>
+              </a:lnRef>
+              <a:fillRef idx="0">
+                <a:schemeClr val="accent1"/>
+              </a:fillRef>
+              <a:effectRef idx="0">
+                <a:schemeClr val="accent1"/>
+              </a:effectRef>
+              <a:fontRef idx="minor">
+                <a:schemeClr val="tx1"/>
+              </a:fontRef>
+            </p:style>
+          </p:cxnSp>
+          <p:cxnSp>
+            <p:nvCxnSpPr>
+              <p:cNvPr id="1027" name="Gerader Verbinder 1026">
+                <a:extLst>
+                  <a:ext uri="{FF2B5EF4-FFF2-40B4-BE49-F238E27FC236}">
+                    <a16:creationId xmlns:a16="http://schemas.microsoft.com/office/drawing/2014/main" id="{D492A4AA-1071-E8B0-9E7A-752AD20E6C2C}"/>
+                  </a:ext>
+                </a:extLst>
+              </p:cNvPr>
+              <p:cNvCxnSpPr>
+                <a:cxnSpLocks/>
+              </p:cNvCxnSpPr>
+              <p:nvPr/>
+            </p:nvCxnSpPr>
+            <p:spPr>
+              <a:xfrm flipV="1">
+                <a:off x="5685793" y="1304544"/>
+                <a:ext cx="0" cy="1340352"/>
+              </a:xfrm>
+              <a:prstGeom prst="line">
+                <a:avLst/>
+              </a:prstGeom>
+              <a:ln>
+                <a:solidFill>
+                  <a:srgbClr val="00B050"/>
+                </a:solidFill>
+              </a:ln>
+            </p:spPr>
+            <p:style>
+              <a:lnRef idx="1">
+                <a:schemeClr val="accent1"/>
+              </a:lnRef>
+              <a:fillRef idx="0">
+                <a:schemeClr val="accent1"/>
+              </a:fillRef>
+              <a:effectRef idx="0">
+                <a:schemeClr val="accent1"/>
+              </a:effectRef>
+              <a:fontRef idx="minor">
+                <a:schemeClr val="tx1"/>
+              </a:fontRef>
+            </p:style>
+          </p:cxnSp>
         </p:grpSp>
       </p:grpSp>
+      <p:cxnSp>
+        <p:nvCxnSpPr>
+          <p:cNvPr id="53" name="Verbinder: gewinkelt 52">
+            <a:extLst>
+              <a:ext uri="{FF2B5EF4-FFF2-40B4-BE49-F238E27FC236}">
+                <a16:creationId xmlns:a16="http://schemas.microsoft.com/office/drawing/2014/main" id="{DC5A694B-A3DC-D9FB-2613-D638745CE69F}"/>
+              </a:ext>
+            </a:extLst>
+          </p:cNvPr>
+          <p:cNvCxnSpPr>
+            <a:cxnSpLocks/>
+            <a:stCxn id="36" idx="1"/>
+          </p:cNvCxnSpPr>
+          <p:nvPr/>
+        </p:nvCxnSpPr>
+        <p:spPr>
+          <a:xfrm rot="10800000" flipV="1">
+            <a:off x="1771791" y="2867031"/>
+            <a:ext cx="1680989" cy="873694"/>
+          </a:xfrm>
+          <a:prstGeom prst="bentConnector3">
+            <a:avLst/>
+          </a:prstGeom>
+          <a:ln>
+            <a:noFill/>
+            <a:tailEnd type="triangle"/>
+          </a:ln>
+        </p:spPr>
+        <p:style>
+          <a:lnRef idx="1">
+            <a:schemeClr val="accent1"/>
+          </a:lnRef>
+          <a:fillRef idx="0">
+            <a:schemeClr val="accent1"/>
+          </a:fillRef>
+          <a:effectRef idx="0">
+            <a:schemeClr val="accent1"/>
+          </a:effectRef>
+          <a:fontRef idx="minor">
+            <a:schemeClr val="tx1"/>
+          </a:fontRef>
+        </p:style>
+      </p:cxnSp>
+      <p:cxnSp>
+        <p:nvCxnSpPr>
+          <p:cNvPr id="1036" name="Verbinder: gewinkelt 1035">
+            <a:extLst>
+              <a:ext uri="{FF2B5EF4-FFF2-40B4-BE49-F238E27FC236}">
+                <a16:creationId xmlns:a16="http://schemas.microsoft.com/office/drawing/2014/main" id="{C7884F8D-45E8-7734-39D1-44FA56543A0F}"/>
+              </a:ext>
+            </a:extLst>
+          </p:cNvPr>
+          <p:cNvCxnSpPr>
+            <a:cxnSpLocks/>
+          </p:cNvCxnSpPr>
+          <p:nvPr/>
+        </p:nvCxnSpPr>
+        <p:spPr>
+          <a:xfrm rot="16200000" flipH="1">
+            <a:off x="1514323" y="3749760"/>
+            <a:ext cx="318684" cy="580000"/>
+          </a:xfrm>
+          <a:prstGeom prst="bentConnector2">
+            <a:avLst/>
+          </a:prstGeom>
+          <a:ln>
+            <a:noFill/>
+            <a:tailEnd type="triangle"/>
+          </a:ln>
+        </p:spPr>
+        <p:style>
+          <a:lnRef idx="1">
+            <a:schemeClr val="accent1"/>
+          </a:lnRef>
+          <a:fillRef idx="0">
+            <a:schemeClr val="accent1"/>
+          </a:fillRef>
+          <a:effectRef idx="0">
+            <a:schemeClr val="accent1"/>
+          </a:effectRef>
+          <a:fontRef idx="minor">
+            <a:schemeClr val="tx1"/>
+          </a:fontRef>
+        </p:style>
+      </p:cxnSp>
+      <p:sp>
+        <p:nvSpPr>
+          <p:cNvPr id="1039" name="Rechteck 1038">
+            <a:extLst>
+              <a:ext uri="{FF2B5EF4-FFF2-40B4-BE49-F238E27FC236}">
+                <a16:creationId xmlns:a16="http://schemas.microsoft.com/office/drawing/2014/main" id="{9FF56A08-C401-10E0-3FCE-B52256A55373}"/>
+              </a:ext>
+            </a:extLst>
+          </p:cNvPr>
+          <p:cNvSpPr/>
+          <p:nvPr/>
+        </p:nvSpPr>
+        <p:spPr>
+          <a:xfrm>
+            <a:off x="1982376" y="3341332"/>
+            <a:ext cx="1377846" cy="399395"/>
+          </a:xfrm>
+          <a:prstGeom prst="rect">
+            <a:avLst/>
+          </a:prstGeom>
+          <a:solidFill>
+            <a:schemeClr val="accent1">
+              <a:lumMod val="10000"/>
+              <a:lumOff val="90000"/>
+            </a:schemeClr>
+          </a:solidFill>
+          <a:ln w="9525" cap="flat" cmpd="sng" algn="ctr">
+            <a:noFill/>
+            <a:prstDash val="solid"/>
+          </a:ln>
+          <a:effectLst/>
+        </p:spPr>
+        <p:txBody>
+          <a:bodyPr rtlCol="0" anchor="ctr"/>
+          <a:lstStyle/>
+          <a:p>
+            <a:pPr marL="0" marR="0" indent="0" algn="ctr" defTabSz="914400" eaLnBrk="1" fontAlgn="auto" latinLnBrk="0" hangingPunct="1">
+              <a:lnSpc>
+                <a:spcPct val="100000"/>
+              </a:lnSpc>
+              <a:spcBef>
+                <a:spcPts val="0"/>
+              </a:spcBef>
+              <a:spcAft>
+                <a:spcPts val="0"/>
+              </a:spcAft>
+              <a:buClrTx/>
+              <a:buSzTx/>
+              <a:buFontTx/>
+              <a:buNone/>
+              <a:tabLst/>
+            </a:pPr>
+            <a:r>
+              <a:rPr kumimoji="0" lang="de-DE" sz="1400" b="0" i="0" u="none" strike="noStrike" kern="0" cap="none" spc="0" normalizeH="0" baseline="0" noProof="0" dirty="0" err="1">
+                <a:ln>
+                  <a:noFill/>
+                </a:ln>
+                <a:solidFill>
+                  <a:schemeClr val="accent1">
+                    <a:lumMod val="90000"/>
+                    <a:lumOff val="10000"/>
+                  </a:schemeClr>
+                </a:solidFill>
+                <a:effectLst/>
+                <a:uLnTx/>
+                <a:uFillTx/>
+                <a:latin typeface="Bosch Office Sans"/>
+                <a:ea typeface="+mn-ea"/>
+                <a:cs typeface="+mn-cs"/>
+              </a:rPr>
+              <a:t>Anomaly</a:t>
+            </a:r>
+            <a:r>
+              <a:rPr kumimoji="0" lang="de-DE" sz="1400" b="0" i="0" u="none" strike="noStrike" kern="0" cap="none" spc="0" normalizeH="0" baseline="0" noProof="0" dirty="0">
+                <a:ln>
+                  <a:noFill/>
+                </a:ln>
+                <a:solidFill>
+                  <a:schemeClr val="accent1">
+                    <a:lumMod val="90000"/>
+                    <a:lumOff val="10000"/>
+                  </a:schemeClr>
+                </a:solidFill>
+                <a:effectLst/>
+                <a:uLnTx/>
+                <a:uFillTx/>
+                <a:latin typeface="Bosch Office Sans"/>
+                <a:ea typeface="+mn-ea"/>
+                <a:cs typeface="+mn-cs"/>
+              </a:rPr>
+              <a:t> </a:t>
+            </a:r>
+            <a:r>
+              <a:rPr kumimoji="0" lang="de-DE" sz="1400" b="0" i="0" u="none" strike="noStrike" kern="0" cap="none" spc="0" normalizeH="0" baseline="0" noProof="0" dirty="0" err="1">
+                <a:ln>
+                  <a:noFill/>
+                </a:ln>
+                <a:solidFill>
+                  <a:schemeClr val="accent1">
+                    <a:lumMod val="90000"/>
+                    <a:lumOff val="10000"/>
+                  </a:schemeClr>
+                </a:solidFill>
+                <a:effectLst/>
+                <a:uLnTx/>
+                <a:uFillTx/>
+                <a:latin typeface="Bosch Office Sans"/>
+                <a:ea typeface="+mn-ea"/>
+                <a:cs typeface="+mn-cs"/>
+              </a:rPr>
+              <a:t>Behavior</a:t>
+            </a:r>
+            <a:r>
+              <a:rPr kumimoji="0" lang="de-DE" sz="1400" b="0" i="0" u="none" strike="noStrike" kern="0" cap="none" spc="0" normalizeH="0" baseline="0" noProof="0" dirty="0">
+                <a:ln>
+                  <a:noFill/>
+                </a:ln>
+                <a:solidFill>
+                  <a:schemeClr val="accent1">
+                    <a:lumMod val="90000"/>
+                    <a:lumOff val="10000"/>
+                  </a:schemeClr>
+                </a:solidFill>
+                <a:effectLst/>
+                <a:uLnTx/>
+                <a:uFillTx/>
+                <a:latin typeface="Bosch Office Sans"/>
+                <a:ea typeface="+mn-ea"/>
+                <a:cs typeface="+mn-cs"/>
+              </a:rPr>
+              <a:t> </a:t>
+            </a:r>
+            <a:endParaRPr kumimoji="0" lang="en-US" sz="1400" b="0" i="0" u="none" strike="noStrike" kern="0" cap="none" spc="0" normalizeH="0" baseline="0" noProof="0" dirty="0">
+              <a:ln>
+                <a:noFill/>
+              </a:ln>
+              <a:solidFill>
+                <a:schemeClr val="accent1">
+                  <a:lumMod val="90000"/>
+                  <a:lumOff val="10000"/>
+                </a:schemeClr>
+              </a:solidFill>
+              <a:effectLst/>
+              <a:uLnTx/>
+              <a:uFillTx/>
+              <a:latin typeface="Bosch Office Sans"/>
+              <a:ea typeface="+mn-ea"/>
+              <a:cs typeface="+mn-cs"/>
+            </a:endParaRPr>
+          </a:p>
+        </p:txBody>
+      </p:sp>
+      <p:grpSp>
+        <p:nvGrpSpPr>
+          <p:cNvPr id="1047" name="Gruppieren 1046">
+            <a:extLst>
+              <a:ext uri="{FF2B5EF4-FFF2-40B4-BE49-F238E27FC236}">
+                <a16:creationId xmlns:a16="http://schemas.microsoft.com/office/drawing/2014/main" id="{6109CD74-8C19-3A00-DEBC-77A0AD3DFCED}"/>
+              </a:ext>
+            </a:extLst>
+          </p:cNvPr>
+          <p:cNvGrpSpPr/>
+          <p:nvPr/>
+        </p:nvGrpSpPr>
+        <p:grpSpPr>
+          <a:xfrm>
+            <a:off x="2044355" y="4156372"/>
+            <a:ext cx="420470" cy="339963"/>
+            <a:chOff x="3665841" y="3302090"/>
+            <a:chExt cx="2620659" cy="1761730"/>
+          </a:xfrm>
+        </p:grpSpPr>
+        <p:sp>
+          <p:nvSpPr>
+            <p:cNvPr id="1042" name="Freihandform: Form 1041">
+              <a:extLst>
+                <a:ext uri="{FF2B5EF4-FFF2-40B4-BE49-F238E27FC236}">
+                  <a16:creationId xmlns:a16="http://schemas.microsoft.com/office/drawing/2014/main" id="{B10CC67B-2A77-40D5-1AFB-D0EA6B1F586A}"/>
+                </a:ext>
+              </a:extLst>
+            </p:cNvPr>
+            <p:cNvSpPr/>
+            <p:nvPr/>
+          </p:nvSpPr>
+          <p:spPr>
+            <a:xfrm>
+              <a:off x="3665841" y="3580909"/>
+              <a:ext cx="2302581" cy="1444833"/>
+            </a:xfrm>
+            <a:custGeom>
+              <a:avLst/>
+              <a:gdLst>
+                <a:gd name="connsiteX0" fmla="*/ 0 w 3352800"/>
+                <a:gd name="connsiteY0" fmla="*/ 1533913 h 1632973"/>
+                <a:gd name="connsiteX1" fmla="*/ 160020 w 3352800"/>
+                <a:gd name="connsiteY1" fmla="*/ 1488193 h 1632973"/>
+                <a:gd name="connsiteX2" fmla="*/ 624840 w 3352800"/>
+                <a:gd name="connsiteY2" fmla="*/ 1023373 h 1632973"/>
+                <a:gd name="connsiteX3" fmla="*/ 1226820 w 3352800"/>
+                <a:gd name="connsiteY3" fmla="*/ 985273 h 1632973"/>
+                <a:gd name="connsiteX4" fmla="*/ 1577340 w 3352800"/>
+                <a:gd name="connsiteY4" fmla="*/ 1008133 h 1632973"/>
+                <a:gd name="connsiteX5" fmla="*/ 1973580 w 3352800"/>
+                <a:gd name="connsiteY5" fmla="*/ 909073 h 1632973"/>
+                <a:gd name="connsiteX6" fmla="*/ 2263140 w 3352800"/>
+                <a:gd name="connsiteY6" fmla="*/ 528073 h 1632973"/>
+                <a:gd name="connsiteX7" fmla="*/ 2636520 w 3352800"/>
+                <a:gd name="connsiteY7" fmla="*/ 421393 h 1632973"/>
+                <a:gd name="connsiteX8" fmla="*/ 2987040 w 3352800"/>
+                <a:gd name="connsiteY8" fmla="*/ 48013 h 1632973"/>
+                <a:gd name="connsiteX9" fmla="*/ 3352800 w 3352800"/>
+                <a:gd name="connsiteY9" fmla="*/ 1632973 h 1632973"/>
+                <a:gd name="connsiteX0" fmla="*/ 0 w 3348990"/>
+                <a:gd name="connsiteY0" fmla="*/ 1533913 h 1559901"/>
+                <a:gd name="connsiteX1" fmla="*/ 160020 w 3348990"/>
+                <a:gd name="connsiteY1" fmla="*/ 1488193 h 1559901"/>
+                <a:gd name="connsiteX2" fmla="*/ 624840 w 3348990"/>
+                <a:gd name="connsiteY2" fmla="*/ 1023373 h 1559901"/>
+                <a:gd name="connsiteX3" fmla="*/ 1226820 w 3348990"/>
+                <a:gd name="connsiteY3" fmla="*/ 985273 h 1559901"/>
+                <a:gd name="connsiteX4" fmla="*/ 1577340 w 3348990"/>
+                <a:gd name="connsiteY4" fmla="*/ 1008133 h 1559901"/>
+                <a:gd name="connsiteX5" fmla="*/ 1973580 w 3348990"/>
+                <a:gd name="connsiteY5" fmla="*/ 909073 h 1559901"/>
+                <a:gd name="connsiteX6" fmla="*/ 2263140 w 3348990"/>
+                <a:gd name="connsiteY6" fmla="*/ 528073 h 1559901"/>
+                <a:gd name="connsiteX7" fmla="*/ 2636520 w 3348990"/>
+                <a:gd name="connsiteY7" fmla="*/ 421393 h 1559901"/>
+                <a:gd name="connsiteX8" fmla="*/ 2987040 w 3348990"/>
+                <a:gd name="connsiteY8" fmla="*/ 48013 h 1559901"/>
+                <a:gd name="connsiteX9" fmla="*/ 3348990 w 3348990"/>
+                <a:gd name="connsiteY9" fmla="*/ 1559901 h 1559901"/>
+                <a:gd name="connsiteX0" fmla="*/ 0 w 3384550"/>
+                <a:gd name="connsiteY0" fmla="*/ 1569808 h 1578209"/>
+                <a:gd name="connsiteX1" fmla="*/ 195580 w 3384550"/>
+                <a:gd name="connsiteY1" fmla="*/ 1488193 h 1578209"/>
+                <a:gd name="connsiteX2" fmla="*/ 660400 w 3384550"/>
+                <a:gd name="connsiteY2" fmla="*/ 1023373 h 1578209"/>
+                <a:gd name="connsiteX3" fmla="*/ 1262380 w 3384550"/>
+                <a:gd name="connsiteY3" fmla="*/ 985273 h 1578209"/>
+                <a:gd name="connsiteX4" fmla="*/ 1612900 w 3384550"/>
+                <a:gd name="connsiteY4" fmla="*/ 1008133 h 1578209"/>
+                <a:gd name="connsiteX5" fmla="*/ 2009140 w 3384550"/>
+                <a:gd name="connsiteY5" fmla="*/ 909073 h 1578209"/>
+                <a:gd name="connsiteX6" fmla="*/ 2298700 w 3384550"/>
+                <a:gd name="connsiteY6" fmla="*/ 528073 h 1578209"/>
+                <a:gd name="connsiteX7" fmla="*/ 2672080 w 3384550"/>
+                <a:gd name="connsiteY7" fmla="*/ 421393 h 1578209"/>
+                <a:gd name="connsiteX8" fmla="*/ 3022600 w 3384550"/>
+                <a:gd name="connsiteY8" fmla="*/ 48013 h 1578209"/>
+                <a:gd name="connsiteX9" fmla="*/ 3384550 w 3384550"/>
+                <a:gd name="connsiteY9" fmla="*/ 1559901 h 1578209"/>
+                <a:gd name="connsiteX0" fmla="*/ 0 w 3359150"/>
+                <a:gd name="connsiteY0" fmla="*/ 1523657 h 1559901"/>
+                <a:gd name="connsiteX1" fmla="*/ 170180 w 3359150"/>
+                <a:gd name="connsiteY1" fmla="*/ 1488193 h 1559901"/>
+                <a:gd name="connsiteX2" fmla="*/ 635000 w 3359150"/>
+                <a:gd name="connsiteY2" fmla="*/ 1023373 h 1559901"/>
+                <a:gd name="connsiteX3" fmla="*/ 1236980 w 3359150"/>
+                <a:gd name="connsiteY3" fmla="*/ 985273 h 1559901"/>
+                <a:gd name="connsiteX4" fmla="*/ 1587500 w 3359150"/>
+                <a:gd name="connsiteY4" fmla="*/ 1008133 h 1559901"/>
+                <a:gd name="connsiteX5" fmla="*/ 1983740 w 3359150"/>
+                <a:gd name="connsiteY5" fmla="*/ 909073 h 1559901"/>
+                <a:gd name="connsiteX6" fmla="*/ 2273300 w 3359150"/>
+                <a:gd name="connsiteY6" fmla="*/ 528073 h 1559901"/>
+                <a:gd name="connsiteX7" fmla="*/ 2646680 w 3359150"/>
+                <a:gd name="connsiteY7" fmla="*/ 421393 h 1559901"/>
+                <a:gd name="connsiteX8" fmla="*/ 2997200 w 3359150"/>
+                <a:gd name="connsiteY8" fmla="*/ 48013 h 1559901"/>
+                <a:gd name="connsiteX9" fmla="*/ 3359150 w 3359150"/>
+                <a:gd name="connsiteY9" fmla="*/ 1559901 h 1559901"/>
+              </a:gdLst>
+              <a:ahLst/>
+              <a:cxnLst>
+                <a:cxn ang="0">
+                  <a:pos x="connsiteX0" y="connsiteY0"/>
+                </a:cxn>
+                <a:cxn ang="0">
+                  <a:pos x="connsiteX1" y="connsiteY1"/>
+                </a:cxn>
+                <a:cxn ang="0">
+                  <a:pos x="connsiteX2" y="connsiteY2"/>
+                </a:cxn>
+                <a:cxn ang="0">
+                  <a:pos x="connsiteX3" y="connsiteY3"/>
+                </a:cxn>
+                <a:cxn ang="0">
+                  <a:pos x="connsiteX4" y="connsiteY4"/>
+                </a:cxn>
+                <a:cxn ang="0">
+                  <a:pos x="connsiteX5" y="connsiteY5"/>
+                </a:cxn>
+                <a:cxn ang="0">
+                  <a:pos x="connsiteX6" y="connsiteY6"/>
+                </a:cxn>
+                <a:cxn ang="0">
+                  <a:pos x="connsiteX7" y="connsiteY7"/>
+                </a:cxn>
+                <a:cxn ang="0">
+                  <a:pos x="connsiteX8" y="connsiteY8"/>
+                </a:cxn>
+                <a:cxn ang="0">
+                  <a:pos x="connsiteX9" y="connsiteY9"/>
+                </a:cxn>
+              </a:cxnLst>
+              <a:rect l="l" t="t" r="r" b="b"/>
+              <a:pathLst>
+                <a:path w="3359150" h="1559901">
+                  <a:moveTo>
+                    <a:pt x="0" y="1523657"/>
+                  </a:moveTo>
+                  <a:cubicBezTo>
+                    <a:pt x="27940" y="1543342"/>
+                    <a:pt x="64347" y="1571574"/>
+                    <a:pt x="170180" y="1488193"/>
+                  </a:cubicBezTo>
+                  <a:cubicBezTo>
+                    <a:pt x="276013" y="1404812"/>
+                    <a:pt x="457200" y="1107193"/>
+                    <a:pt x="635000" y="1023373"/>
+                  </a:cubicBezTo>
+                  <a:cubicBezTo>
+                    <a:pt x="812800" y="939553"/>
+                    <a:pt x="1078230" y="987813"/>
+                    <a:pt x="1236980" y="985273"/>
+                  </a:cubicBezTo>
+                  <a:cubicBezTo>
+                    <a:pt x="1395730" y="982733"/>
+                    <a:pt x="1463040" y="1020833"/>
+                    <a:pt x="1587500" y="1008133"/>
+                  </a:cubicBezTo>
+                  <a:cubicBezTo>
+                    <a:pt x="1711960" y="995433"/>
+                    <a:pt x="1869440" y="989083"/>
+                    <a:pt x="1983740" y="909073"/>
+                  </a:cubicBezTo>
+                  <a:cubicBezTo>
+                    <a:pt x="2098040" y="829063"/>
+                    <a:pt x="2162810" y="609353"/>
+                    <a:pt x="2273300" y="528073"/>
+                  </a:cubicBezTo>
+                  <a:cubicBezTo>
+                    <a:pt x="2383790" y="446793"/>
+                    <a:pt x="2526030" y="501403"/>
+                    <a:pt x="2646680" y="421393"/>
+                  </a:cubicBezTo>
+                  <a:cubicBezTo>
+                    <a:pt x="2767330" y="341383"/>
+                    <a:pt x="2877820" y="-153917"/>
+                    <a:pt x="2997200" y="48013"/>
+                  </a:cubicBezTo>
+                  <a:cubicBezTo>
+                    <a:pt x="3116580" y="249943"/>
+                    <a:pt x="3235960" y="868386"/>
+                    <a:pt x="3359150" y="1559901"/>
+                  </a:cubicBezTo>
+                </a:path>
+              </a:pathLst>
+            </a:custGeom>
+            <a:ln>
+              <a:noFill/>
+            </a:ln>
+          </p:spPr>
+          <p:style>
+            <a:lnRef idx="3">
+              <a:schemeClr val="accent2"/>
+            </a:lnRef>
+            <a:fillRef idx="0">
+              <a:schemeClr val="accent2"/>
+            </a:fillRef>
+            <a:effectRef idx="2">
+              <a:schemeClr val="accent2"/>
+            </a:effectRef>
+            <a:fontRef idx="minor">
+              <a:schemeClr val="tx1"/>
+            </a:fontRef>
+          </p:style>
+          <p:txBody>
+            <a:bodyPr rtlCol="0" anchor="ctr"/>
+            <a:lstStyle/>
+            <a:p>
+              <a:pPr algn="ctr"/>
+              <a:endParaRPr lang="en-US"/>
+            </a:p>
+          </p:txBody>
+        </p:sp>
+        <p:cxnSp>
+          <p:nvCxnSpPr>
+            <p:cNvPr id="1043" name="Gerader Verbinder 1042">
+              <a:extLst>
+                <a:ext uri="{FF2B5EF4-FFF2-40B4-BE49-F238E27FC236}">
+                  <a16:creationId xmlns:a16="http://schemas.microsoft.com/office/drawing/2014/main" id="{7DD26E6D-7CC4-5C90-1AE4-5105C4EFAA41}"/>
+                </a:ext>
+              </a:extLst>
+            </p:cNvPr>
+            <p:cNvCxnSpPr>
+              <a:cxnSpLocks/>
+            </p:cNvCxnSpPr>
+            <p:nvPr/>
+          </p:nvCxnSpPr>
+          <p:spPr>
+            <a:xfrm>
+              <a:off x="3665841" y="5050137"/>
+              <a:ext cx="2620659" cy="13683"/>
+            </a:xfrm>
+            <a:prstGeom prst="line">
+              <a:avLst/>
+            </a:prstGeom>
+            <a:ln w="76200">
+              <a:noFill/>
+            </a:ln>
+          </p:spPr>
+          <p:style>
+            <a:lnRef idx="3">
+              <a:schemeClr val="accent3"/>
+            </a:lnRef>
+            <a:fillRef idx="0">
+              <a:schemeClr val="accent3"/>
+            </a:fillRef>
+            <a:effectRef idx="2">
+              <a:schemeClr val="accent3"/>
+            </a:effectRef>
+            <a:fontRef idx="minor">
+              <a:schemeClr val="tx1"/>
+            </a:fontRef>
+          </p:style>
+        </p:cxnSp>
+        <p:cxnSp>
+          <p:nvCxnSpPr>
+            <p:cNvPr id="1044" name="Gerader Verbinder 1043">
+              <a:extLst>
+                <a:ext uri="{FF2B5EF4-FFF2-40B4-BE49-F238E27FC236}">
+                  <a16:creationId xmlns:a16="http://schemas.microsoft.com/office/drawing/2014/main" id="{8BD3F9CF-7CA0-E40D-633C-4E4283E5C06E}"/>
+                </a:ext>
+              </a:extLst>
+            </p:cNvPr>
+            <p:cNvCxnSpPr>
+              <a:cxnSpLocks/>
+            </p:cNvCxnSpPr>
+            <p:nvPr/>
+          </p:nvCxnSpPr>
+          <p:spPr>
+            <a:xfrm>
+              <a:off x="3665841" y="3302090"/>
+              <a:ext cx="0" cy="1752600"/>
+            </a:xfrm>
+            <a:prstGeom prst="line">
+              <a:avLst/>
+            </a:prstGeom>
+            <a:ln w="76200">
+              <a:noFill/>
+            </a:ln>
+          </p:spPr>
+          <p:style>
+            <a:lnRef idx="3">
+              <a:schemeClr val="accent3"/>
+            </a:lnRef>
+            <a:fillRef idx="0">
+              <a:schemeClr val="accent3"/>
+            </a:fillRef>
+            <a:effectRef idx="2">
+              <a:schemeClr val="accent3"/>
+            </a:effectRef>
+            <a:fontRef idx="minor">
+              <a:schemeClr val="tx1"/>
+            </a:fontRef>
+          </p:style>
+        </p:cxnSp>
+      </p:grpSp>
+      <p:grpSp>
+        <p:nvGrpSpPr>
+          <p:cNvPr id="1054" name="Gruppieren 1053">
+            <a:extLst>
+              <a:ext uri="{FF2B5EF4-FFF2-40B4-BE49-F238E27FC236}">
+                <a16:creationId xmlns:a16="http://schemas.microsoft.com/office/drawing/2014/main" id="{A28A00D6-C22F-1ADB-83EA-E4CCAA117037}"/>
+              </a:ext>
+            </a:extLst>
+          </p:cNvPr>
+          <p:cNvGrpSpPr/>
+          <p:nvPr/>
+        </p:nvGrpSpPr>
+        <p:grpSpPr>
+          <a:xfrm>
+            <a:off x="3138798" y="4223443"/>
+            <a:ext cx="106473" cy="139405"/>
+            <a:chOff x="4968240" y="4676814"/>
+            <a:chExt cx="125422" cy="163074"/>
+          </a:xfrm>
+        </p:grpSpPr>
+        <p:cxnSp>
+          <p:nvCxnSpPr>
+            <p:cNvPr id="1049" name="Gerader Verbinder 1048">
+              <a:extLst>
+                <a:ext uri="{FF2B5EF4-FFF2-40B4-BE49-F238E27FC236}">
+                  <a16:creationId xmlns:a16="http://schemas.microsoft.com/office/drawing/2014/main" id="{542F9989-CF71-C538-8217-C0A1D00972A6}"/>
+                </a:ext>
+              </a:extLst>
+            </p:cNvPr>
+            <p:cNvCxnSpPr/>
+            <p:nvPr/>
+          </p:nvCxnSpPr>
+          <p:spPr>
+            <a:xfrm flipV="1">
+              <a:off x="4968240" y="4676814"/>
+              <a:ext cx="125422" cy="163074"/>
+            </a:xfrm>
+            <a:prstGeom prst="line">
+              <a:avLst/>
+            </a:prstGeom>
+            <a:ln>
+              <a:noFill/>
+            </a:ln>
+          </p:spPr>
+          <p:style>
+            <a:lnRef idx="1">
+              <a:schemeClr val="accent1"/>
+            </a:lnRef>
+            <a:fillRef idx="0">
+              <a:schemeClr val="accent1"/>
+            </a:fillRef>
+            <a:effectRef idx="0">
+              <a:schemeClr val="accent1"/>
+            </a:effectRef>
+            <a:fontRef idx="minor">
+              <a:schemeClr val="tx1"/>
+            </a:fontRef>
+          </p:style>
+        </p:cxnSp>
+        <p:cxnSp>
+          <p:nvCxnSpPr>
+            <p:cNvPr id="1051" name="Gerader Verbinder 1050">
+              <a:extLst>
+                <a:ext uri="{FF2B5EF4-FFF2-40B4-BE49-F238E27FC236}">
+                  <a16:creationId xmlns:a16="http://schemas.microsoft.com/office/drawing/2014/main" id="{757514EC-A6E6-FC72-B951-E66987357A35}"/>
+                </a:ext>
+              </a:extLst>
+            </p:cNvPr>
+            <p:cNvCxnSpPr>
+              <a:cxnSpLocks/>
+            </p:cNvCxnSpPr>
+            <p:nvPr/>
+          </p:nvCxnSpPr>
+          <p:spPr>
+            <a:xfrm>
+              <a:off x="4968240" y="4676814"/>
+              <a:ext cx="125422" cy="163074"/>
+            </a:xfrm>
+            <a:prstGeom prst="line">
+              <a:avLst/>
+            </a:prstGeom>
+            <a:ln>
+              <a:noFill/>
+            </a:ln>
+          </p:spPr>
+          <p:style>
+            <a:lnRef idx="1">
+              <a:schemeClr val="accent1"/>
+            </a:lnRef>
+            <a:fillRef idx="0">
+              <a:schemeClr val="accent1"/>
+            </a:fillRef>
+            <a:effectRef idx="0">
+              <a:schemeClr val="accent1"/>
+            </a:effectRef>
+            <a:fontRef idx="minor">
+              <a:schemeClr val="tx1"/>
+            </a:fontRef>
+          </p:style>
+        </p:cxnSp>
+      </p:grpSp>
+      <p:sp>
+        <p:nvSpPr>
+          <p:cNvPr id="1055" name="Textfeld 1054">
+            <a:extLst>
+              <a:ext uri="{FF2B5EF4-FFF2-40B4-BE49-F238E27FC236}">
+                <a16:creationId xmlns:a16="http://schemas.microsoft.com/office/drawing/2014/main" id="{D6B1ACDB-5605-9DBD-2D43-27D304D12A81}"/>
+              </a:ext>
+            </a:extLst>
+          </p:cNvPr>
+          <p:cNvSpPr txBox="1"/>
+          <p:nvPr/>
+        </p:nvSpPr>
+        <p:spPr>
+          <a:xfrm>
+            <a:off x="1982376" y="3792707"/>
+            <a:ext cx="1485462" cy="278794"/>
+          </a:xfrm>
+          <a:prstGeom prst="rect">
+            <a:avLst/>
+          </a:prstGeom>
+          <a:noFill/>
+          <a:ln>
+            <a:noFill/>
+          </a:ln>
+        </p:spPr>
+        <p:txBody>
+          <a:bodyPr wrap="none" lIns="0" tIns="0" rIns="0" bIns="0" rtlCol="0">
+            <a:noAutofit/>
+          </a:bodyPr>
+          <a:lstStyle/>
+          <a:p>
+            <a:pPr marR="0" defTabSz="914400" eaLnBrk="1" fontAlgn="auto" latinLnBrk="0" hangingPunct="1">
+              <a:lnSpc>
+                <a:spcPts val="2300"/>
+              </a:lnSpc>
+              <a:spcBef>
+                <a:spcPts val="500"/>
+              </a:spcBef>
+              <a:spcAft>
+                <a:spcPts val="0"/>
+              </a:spcAft>
+              <a:buClrTx/>
+              <a:buSzTx/>
+              <a:buFontTx/>
+              <a:buNone/>
+              <a:tabLst/>
+            </a:pPr>
+            <a:r>
+              <a:rPr kumimoji="0" lang="de-DE" sz="600" b="1" i="0" u="none" strike="noStrike" kern="0" cap="none" spc="0" normalizeH="0" baseline="0" noProof="0" dirty="0">
+                <a:ln>
+                  <a:noFill/>
+                </a:ln>
+                <a:solidFill>
+                  <a:srgbClr val="00B050"/>
+                </a:solidFill>
+                <a:effectLst/>
+                <a:uLnTx/>
+                <a:uFillTx/>
+              </a:rPr>
+              <a:t>Models </a:t>
+            </a:r>
+            <a:r>
+              <a:rPr kumimoji="0" lang="de-DE" sz="600" b="1" i="0" u="none" strike="noStrike" kern="0" cap="none" spc="0" normalizeH="0" baseline="0" noProof="0" dirty="0" err="1">
+                <a:ln>
+                  <a:noFill/>
+                </a:ln>
+                <a:solidFill>
+                  <a:srgbClr val="00B050"/>
+                </a:solidFill>
+                <a:effectLst/>
+                <a:uLnTx/>
+                <a:uFillTx/>
+              </a:rPr>
+              <a:t>learn</a:t>
+            </a:r>
+            <a:r>
+              <a:rPr kumimoji="0" lang="de-DE" sz="600" b="1" i="0" u="none" strike="noStrike" kern="0" cap="none" spc="0" normalizeH="0" baseline="0" noProof="0" dirty="0">
+                <a:ln>
+                  <a:noFill/>
+                </a:ln>
+                <a:solidFill>
+                  <a:srgbClr val="00B050"/>
+                </a:solidFill>
+                <a:effectLst/>
+                <a:uLnTx/>
+                <a:uFillTx/>
+              </a:rPr>
+              <a:t> </a:t>
+            </a:r>
+            <a:r>
+              <a:rPr kumimoji="0" lang="de-DE" sz="600" b="1" i="0" u="none" strike="noStrike" kern="0" cap="none" spc="0" normalizeH="0" baseline="0" noProof="0" dirty="0" err="1">
+                <a:ln>
+                  <a:noFill/>
+                </a:ln>
+                <a:solidFill>
+                  <a:srgbClr val="00B050"/>
+                </a:solidFill>
+                <a:effectLst/>
+                <a:uLnTx/>
+                <a:uFillTx/>
+              </a:rPr>
+              <a:t>from</a:t>
+            </a:r>
+            <a:r>
+              <a:rPr kumimoji="0" lang="de-DE" sz="600" b="1" i="0" u="none" strike="noStrike" kern="0" cap="none" spc="0" normalizeH="0" baseline="0" noProof="0" dirty="0">
+                <a:ln>
+                  <a:noFill/>
+                </a:ln>
+                <a:solidFill>
+                  <a:srgbClr val="00B050"/>
+                </a:solidFill>
+                <a:effectLst/>
+                <a:uLnTx/>
+                <a:uFillTx/>
+              </a:rPr>
+              <a:t> </a:t>
+            </a:r>
+            <a:r>
+              <a:rPr kumimoji="0" lang="de-DE" sz="600" b="1" i="0" u="none" strike="noStrike" kern="0" cap="none" spc="0" normalizeH="0" baseline="0" noProof="0" dirty="0" err="1">
+                <a:ln>
+                  <a:noFill/>
+                </a:ln>
+                <a:solidFill>
+                  <a:srgbClr val="00B050"/>
+                </a:solidFill>
+                <a:effectLst/>
+                <a:uLnTx/>
+                <a:uFillTx/>
+              </a:rPr>
+              <a:t>complete</a:t>
+            </a:r>
+            <a:r>
+              <a:rPr kumimoji="0" lang="de-DE" sz="600" b="1" i="0" u="none" strike="noStrike" kern="0" cap="none" spc="0" normalizeH="0" baseline="0" noProof="0" dirty="0">
+                <a:ln>
+                  <a:noFill/>
+                </a:ln>
+                <a:solidFill>
+                  <a:srgbClr val="00B050"/>
+                </a:solidFill>
+                <a:effectLst/>
+                <a:uLnTx/>
+                <a:uFillTx/>
+              </a:rPr>
+              <a:t> </a:t>
+            </a:r>
+            <a:r>
+              <a:rPr kumimoji="0" lang="de-DE" sz="600" b="1" i="0" u="none" strike="noStrike" kern="0" cap="none" spc="0" normalizeH="0" baseline="0" noProof="0" dirty="0" err="1">
+                <a:ln>
+                  <a:noFill/>
+                </a:ln>
+                <a:solidFill>
+                  <a:srgbClr val="00B050"/>
+                </a:solidFill>
+                <a:effectLst/>
+                <a:uLnTx/>
+                <a:uFillTx/>
+              </a:rPr>
+              <a:t>trends</a:t>
+            </a:r>
+            <a:r>
+              <a:rPr kumimoji="0" lang="de-DE" sz="600" b="1" i="0" u="none" strike="noStrike" kern="0" cap="none" spc="0" normalizeH="0" baseline="0" noProof="0" dirty="0">
+                <a:ln>
+                  <a:noFill/>
+                </a:ln>
+                <a:solidFill>
+                  <a:srgbClr val="00B050"/>
+                </a:solidFill>
+                <a:effectLst/>
+                <a:uLnTx/>
+                <a:uFillTx/>
+              </a:rPr>
+              <a:t> not </a:t>
+            </a:r>
+            <a:r>
+              <a:rPr kumimoji="0" lang="de-DE" sz="600" b="1" i="0" u="none" strike="noStrike" kern="0" cap="none" spc="0" normalizeH="0" baseline="0" noProof="0" dirty="0" err="1">
+                <a:ln>
+                  <a:noFill/>
+                </a:ln>
+                <a:solidFill>
+                  <a:srgbClr val="00B050"/>
+                </a:solidFill>
+                <a:effectLst/>
+                <a:uLnTx/>
+                <a:uFillTx/>
+              </a:rPr>
+              <a:t>points</a:t>
+            </a:r>
+            <a:endParaRPr kumimoji="0" lang="en-US" sz="600" b="1" i="0" u="none" strike="noStrike" kern="0" cap="none" spc="0" normalizeH="0" baseline="0" noProof="0" dirty="0">
+              <a:ln>
+                <a:noFill/>
+              </a:ln>
+              <a:solidFill>
+                <a:srgbClr val="00B050"/>
+              </a:solidFill>
+              <a:effectLst/>
+              <a:uLnTx/>
+              <a:uFillTx/>
+            </a:endParaRPr>
+          </a:p>
+        </p:txBody>
+      </p:sp>
       <p:sp>
         <p:nvSpPr>
           <p:cNvPr id="2" name="Rechteck 1">
@@ -31504,7 +27367,7 @@
                                           </p:stCondLst>
                                         </p:cTn>
                                         <p:tgtEl>
-                                          <p:spTgt spid="1064"/>
+                                          <p:spTgt spid="1062"/>
                                         </p:tgtEl>
                                         <p:attrNameLst>
                                           <p:attrName>style.visibility</p:attrName>
@@ -31544,186 +27407,6 @@
                                     <p:set>
                                       <p:cBhvr>
                                         <p:cTn id="10" dur="1" fill="hold">
-                                          <p:stCondLst>
-                                            <p:cond delay="0"/>
-                                          </p:stCondLst>
-                                        </p:cTn>
-                                        <p:tgtEl>
-                                          <p:spTgt spid="33"/>
-                                        </p:tgtEl>
-                                        <p:attrNameLst>
-                                          <p:attrName>style.visibility</p:attrName>
-                                        </p:attrNameLst>
-                                      </p:cBhvr>
-                                      <p:to>
-                                        <p:strVal val="visible"/>
-                                      </p:to>
-                                    </p:set>
-                                  </p:childTnLst>
-                                </p:cTn>
-                              </p:par>
-                            </p:childTnLst>
-                          </p:cTn>
-                        </p:par>
-                      </p:childTnLst>
-                    </p:cTn>
-                  </p:par>
-                  <p:par>
-                    <p:cTn id="11" fill="hold">
-                      <p:stCondLst>
-                        <p:cond delay="indefinite"/>
-                      </p:stCondLst>
-                      <p:childTnLst>
-                        <p:par>
-                          <p:cTn id="12" fill="hold">
-                            <p:stCondLst>
-                              <p:cond delay="0"/>
-                            </p:stCondLst>
-                            <p:childTnLst>
-                              <p:par>
-                                <p:cTn id="13" presetID="1" presetClass="entr" presetSubtype="0" fill="hold" nodeType="clickEffect">
-                                  <p:stCondLst>
-                                    <p:cond delay="0"/>
-                                  </p:stCondLst>
-                                  <p:childTnLst>
-                                    <p:set>
-                                      <p:cBhvr>
-                                        <p:cTn id="14" dur="1" fill="hold">
-                                          <p:stCondLst>
-                                            <p:cond delay="0"/>
-                                          </p:stCondLst>
-                                        </p:cTn>
-                                        <p:tgtEl>
-                                          <p:spTgt spid="51"/>
-                                        </p:tgtEl>
-                                        <p:attrNameLst>
-                                          <p:attrName>style.visibility</p:attrName>
-                                        </p:attrNameLst>
-                                      </p:cBhvr>
-                                      <p:to>
-                                        <p:strVal val="visible"/>
-                                      </p:to>
-                                    </p:set>
-                                  </p:childTnLst>
-                                </p:cTn>
-                              </p:par>
-                            </p:childTnLst>
-                          </p:cTn>
-                        </p:par>
-                      </p:childTnLst>
-                    </p:cTn>
-                  </p:par>
-                  <p:par>
-                    <p:cTn id="15" fill="hold">
-                      <p:stCondLst>
-                        <p:cond delay="indefinite"/>
-                      </p:stCondLst>
-                      <p:childTnLst>
-                        <p:par>
-                          <p:cTn id="16" fill="hold">
-                            <p:stCondLst>
-                              <p:cond delay="0"/>
-                            </p:stCondLst>
-                            <p:childTnLst>
-                              <p:par>
-                                <p:cTn id="17" presetID="1" presetClass="entr" presetSubtype="0" fill="hold" nodeType="clickEffect">
-                                  <p:stCondLst>
-                                    <p:cond delay="0"/>
-                                  </p:stCondLst>
-                                  <p:childTnLst>
-                                    <p:set>
-                                      <p:cBhvr>
-                                        <p:cTn id="18" dur="1" fill="hold">
-                                          <p:stCondLst>
-                                            <p:cond delay="0"/>
-                                          </p:stCondLst>
-                                        </p:cTn>
-                                        <p:tgtEl>
-                                          <p:spTgt spid="1080"/>
-                                        </p:tgtEl>
-                                        <p:attrNameLst>
-                                          <p:attrName>style.visibility</p:attrName>
-                                        </p:attrNameLst>
-                                      </p:cBhvr>
-                                      <p:to>
-                                        <p:strVal val="visible"/>
-                                      </p:to>
-                                    </p:set>
-                                  </p:childTnLst>
-                                </p:cTn>
-                              </p:par>
-                            </p:childTnLst>
-                          </p:cTn>
-                        </p:par>
-                      </p:childTnLst>
-                    </p:cTn>
-                  </p:par>
-                  <p:par>
-                    <p:cTn id="19" fill="hold">
-                      <p:stCondLst>
-                        <p:cond delay="indefinite"/>
-                      </p:stCondLst>
-                      <p:childTnLst>
-                        <p:par>
-                          <p:cTn id="20" fill="hold">
-                            <p:stCondLst>
-                              <p:cond delay="0"/>
-                            </p:stCondLst>
-                            <p:childTnLst>
-                              <p:par>
-                                <p:cTn id="21" presetID="1" presetClass="entr" presetSubtype="0" fill="hold" nodeType="clickEffect">
-                                  <p:stCondLst>
-                                    <p:cond delay="0"/>
-                                  </p:stCondLst>
-                                  <p:childTnLst>
-                                    <p:set>
-                                      <p:cBhvr>
-                                        <p:cTn id="22" dur="1" fill="hold">
-                                          <p:stCondLst>
-                                            <p:cond delay="0"/>
-                                          </p:stCondLst>
-                                        </p:cTn>
-                                        <p:tgtEl>
-                                          <p:spTgt spid="1062"/>
-                                        </p:tgtEl>
-                                        <p:attrNameLst>
-                                          <p:attrName>style.visibility</p:attrName>
-                                        </p:attrNameLst>
-                                      </p:cBhvr>
-                                      <p:to>
-                                        <p:strVal val="visible"/>
-                                      </p:to>
-                                    </p:set>
-                                  </p:childTnLst>
-                                </p:cTn>
-                              </p:par>
-                            </p:childTnLst>
-                          </p:cTn>
-                        </p:par>
-                      </p:childTnLst>
-                    </p:cTn>
-                  </p:par>
-                  <p:par>
-                    <p:cTn id="23" fill="hold">
-                      <p:stCondLst>
-                        <p:cond delay="indefinite"/>
-                      </p:stCondLst>
-                      <p:childTnLst>
-                        <p:par>
-                          <p:cTn id="24" fill="hold">
-                            <p:stCondLst>
-                              <p:cond delay="0"/>
-                            </p:stCondLst>
-                            <p:childTnLst>
-                              <p:par>
-                                <p:cTn id="25" presetID="1" presetClass="entr" presetSubtype="0" fill="hold" grpId="0" nodeType="clickEffect">
-                                  <p:stCondLst>
-                                    <p:cond delay="0"/>
-                                  </p:stCondLst>
-                                  <p:childTnLst>
-                                    <p:set>
-                                      <p:cBhvr>
-                                        <p:cTn id="26" dur="1" fill="hold">
                                           <p:stCondLst>
                                             <p:cond delay="0"/>
                                           </p:stCondLst>
@@ -31770,7 +27453,6 @@
       </p:par>
     </p:tnLst>
     <p:bldLst>
-      <p:bldP spid="33" grpId="0" animBg="1"/>
       <p:bldP spid="2" grpId="0" animBg="1"/>
     </p:bldLst>
   </p:timing>
